--- a/docs/Java ULB Diagrams.pptx
+++ b/docs/Java ULB Diagrams.pptx
@@ -7,6 +7,7 @@
   <p:sldIdLst>
     <p:sldId id="256" r:id="rId2"/>
     <p:sldId id="257" r:id="rId3"/>
+    <p:sldId id="258" r:id="rId4"/>
   </p:sldIdLst>
   <p:sldSz cx="12192000" cy="6858000"/>
   <p:notesSz cx="6858000" cy="9144000"/>
@@ -105,6 +106,11 @@
       </a:defRPr>
     </a:lvl9pPr>
   </p:defaultTextStyle>
+  <p:extLst>
+    <p:ext uri="{EFAFB233-063F-42B5-8137-9DF3F51BA10A}">
+      <p15:sldGuideLst xmlns:p15="http://schemas.microsoft.com/office/powerpoint/2012/main"/>
+    </p:ext>
+  </p:extLst>
 </p:presentation>
 </file>
 
@@ -239,7 +245,7 @@
           <a:p>
             <a:fld id="{E368026E-3E9B-4960-907A-2C0848B388A7}" type="datetimeFigureOut">
               <a:rPr lang="en-US" smtClean="0"/>
-              <a:t>3/22/2019</a:t>
+              <a:t>3/25/2019</a:t>
             </a:fld>
             <a:endParaRPr lang="en-US"/>
           </a:p>
@@ -409,7 +415,7 @@
           <a:p>
             <a:fld id="{E368026E-3E9B-4960-907A-2C0848B388A7}" type="datetimeFigureOut">
               <a:rPr lang="en-US" smtClean="0"/>
-              <a:t>3/22/2019</a:t>
+              <a:t>3/25/2019</a:t>
             </a:fld>
             <a:endParaRPr lang="en-US"/>
           </a:p>
@@ -589,7 +595,7 @@
           <a:p>
             <a:fld id="{E368026E-3E9B-4960-907A-2C0848B388A7}" type="datetimeFigureOut">
               <a:rPr lang="en-US" smtClean="0"/>
-              <a:t>3/22/2019</a:t>
+              <a:t>3/25/2019</a:t>
             </a:fld>
             <a:endParaRPr lang="en-US"/>
           </a:p>
@@ -759,7 +765,7 @@
           <a:p>
             <a:fld id="{E368026E-3E9B-4960-907A-2C0848B388A7}" type="datetimeFigureOut">
               <a:rPr lang="en-US" smtClean="0"/>
-              <a:t>3/22/2019</a:t>
+              <a:t>3/25/2019</a:t>
             </a:fld>
             <a:endParaRPr lang="en-US"/>
           </a:p>
@@ -1005,7 +1011,7 @@
           <a:p>
             <a:fld id="{E368026E-3E9B-4960-907A-2C0848B388A7}" type="datetimeFigureOut">
               <a:rPr lang="en-US" smtClean="0"/>
-              <a:t>3/22/2019</a:t>
+              <a:t>3/25/2019</a:t>
             </a:fld>
             <a:endParaRPr lang="en-US"/>
           </a:p>
@@ -1237,7 +1243,7 @@
           <a:p>
             <a:fld id="{E368026E-3E9B-4960-907A-2C0848B388A7}" type="datetimeFigureOut">
               <a:rPr lang="en-US" smtClean="0"/>
-              <a:t>3/22/2019</a:t>
+              <a:t>3/25/2019</a:t>
             </a:fld>
             <a:endParaRPr lang="en-US"/>
           </a:p>
@@ -1604,7 +1610,7 @@
           <a:p>
             <a:fld id="{E368026E-3E9B-4960-907A-2C0848B388A7}" type="datetimeFigureOut">
               <a:rPr lang="en-US" smtClean="0"/>
-              <a:t>3/22/2019</a:t>
+              <a:t>3/25/2019</a:t>
             </a:fld>
             <a:endParaRPr lang="en-US"/>
           </a:p>
@@ -1722,7 +1728,7 @@
           <a:p>
             <a:fld id="{E368026E-3E9B-4960-907A-2C0848B388A7}" type="datetimeFigureOut">
               <a:rPr lang="en-US" smtClean="0"/>
-              <a:t>3/22/2019</a:t>
+              <a:t>3/25/2019</a:t>
             </a:fld>
             <a:endParaRPr lang="en-US"/>
           </a:p>
@@ -1817,7 +1823,7 @@
           <a:p>
             <a:fld id="{E368026E-3E9B-4960-907A-2C0848B388A7}" type="datetimeFigureOut">
               <a:rPr lang="en-US" smtClean="0"/>
-              <a:t>3/22/2019</a:t>
+              <a:t>3/25/2019</a:t>
             </a:fld>
             <a:endParaRPr lang="en-US"/>
           </a:p>
@@ -2094,7 +2100,7 @@
           <a:p>
             <a:fld id="{E368026E-3E9B-4960-907A-2C0848B388A7}" type="datetimeFigureOut">
               <a:rPr lang="en-US" smtClean="0"/>
-              <a:t>3/22/2019</a:t>
+              <a:t>3/25/2019</a:t>
             </a:fld>
             <a:endParaRPr lang="en-US"/>
           </a:p>
@@ -2347,7 +2353,7 @@
           <a:p>
             <a:fld id="{E368026E-3E9B-4960-907A-2C0848B388A7}" type="datetimeFigureOut">
               <a:rPr lang="en-US" smtClean="0"/>
-              <a:t>3/22/2019</a:t>
+              <a:t>3/25/2019</a:t>
             </a:fld>
             <a:endParaRPr lang="en-US"/>
           </a:p>
@@ -2560,7 +2566,7 @@
           <a:p>
             <a:fld id="{E368026E-3E9B-4960-907A-2C0848B388A7}" type="datetimeFigureOut">
               <a:rPr lang="en-US" smtClean="0"/>
-              <a:t>3/22/2019</a:t>
+              <a:t>3/25/2019</a:t>
             </a:fld>
             <a:endParaRPr lang="en-US"/>
           </a:p>
@@ -4209,11 +4215,6 @@
                 </a:rPr>
                 <a:t>3-8-2-4</a:t>
               </a:r>
-              <a:endParaRPr lang="en-US" sz="1200" dirty="0" smtClean="0">
-                <a:solidFill>
-                  <a:srgbClr val="FF0000"/>
-                </a:solidFill>
-              </a:endParaRPr>
             </a:p>
           </p:txBody>
         </p:sp>
@@ -4269,9 +4270,1520 @@
                 </a:rPr>
                 <a:t>3-5-7-19</a:t>
               </a:r>
+            </a:p>
+          </p:txBody>
+        </p:sp>
+      </p:grpSp>
+    </p:spTree>
+    <p:extLst>
+      <p:ext uri="{BB962C8B-B14F-4D97-AF65-F5344CB8AC3E}">
+        <p14:creationId xmlns:p14="http://schemas.microsoft.com/office/powerpoint/2010/main" val="3687989585"/>
+      </p:ext>
+    </p:extLst>
+  </p:cSld>
+  <p:clrMapOvr>
+    <a:masterClrMapping/>
+  </p:clrMapOvr>
+</p:sld>
+</file>
+
+<file path=ppt/slides/slide3.xml><?xml version="1.0" encoding="utf-8"?>
+<p:sld xmlns:a="http://schemas.openxmlformats.org/drawingml/2006/main" xmlns:r="http://schemas.openxmlformats.org/officeDocument/2006/relationships" xmlns:p="http://schemas.openxmlformats.org/presentationml/2006/main">
+  <p:cSld>
+    <p:spTree>
+      <p:nvGrpSpPr>
+        <p:cNvPr id="1" name=""/>
+        <p:cNvGrpSpPr/>
+        <p:nvPr/>
+      </p:nvGrpSpPr>
+      <p:grpSpPr>
+        <a:xfrm>
+          <a:off x="0" y="0"/>
+          <a:ext cx="0" cy="0"/>
+          <a:chOff x="0" y="0"/>
+          <a:chExt cx="0" cy="0"/>
+        </a:xfrm>
+      </p:grpSpPr>
+      <p:grpSp>
+        <p:nvGrpSpPr>
+          <p:cNvPr id="8" name="Group 7"/>
+          <p:cNvGrpSpPr/>
+          <p:nvPr/>
+        </p:nvGrpSpPr>
+        <p:grpSpPr>
+          <a:xfrm>
+            <a:off x="433132" y="644894"/>
+            <a:ext cx="2194564" cy="1799923"/>
+            <a:chOff x="3888602" y="2829829"/>
+            <a:chExt cx="2714328" cy="2117556"/>
+          </a:xfrm>
+        </p:grpSpPr>
+        <p:sp>
+          <p:nvSpPr>
+            <p:cNvPr id="4" name="Rounded Rectangle 3"/>
+            <p:cNvSpPr/>
+            <p:nvPr/>
+          </p:nvSpPr>
+          <p:spPr>
+            <a:xfrm>
+              <a:off x="3888605" y="4417996"/>
+              <a:ext cx="2714325" cy="529389"/>
+            </a:xfrm>
+            <a:prstGeom prst="roundRect">
+              <a:avLst/>
+            </a:prstGeom>
+            <a:solidFill>
+              <a:schemeClr val="accent1">
+                <a:lumMod val="60000"/>
+                <a:lumOff val="40000"/>
+              </a:schemeClr>
+            </a:solidFill>
+            <a:ln w="9525"/>
+            <a:scene3d>
+              <a:camera prst="orthographicFront"/>
+              <a:lightRig rig="threePt" dir="t"/>
+            </a:scene3d>
+            <a:sp3d>
+              <a:bevelT/>
+            </a:sp3d>
+          </p:spPr>
+          <p:style>
+            <a:lnRef idx="2">
+              <a:schemeClr val="accent1">
+                <a:shade val="50000"/>
+              </a:schemeClr>
+            </a:lnRef>
+            <a:fillRef idx="1">
+              <a:schemeClr val="accent1"/>
+            </a:fillRef>
+            <a:effectRef idx="0">
+              <a:schemeClr val="accent1"/>
+            </a:effectRef>
+            <a:fontRef idx="minor">
+              <a:schemeClr val="lt1"/>
+            </a:fontRef>
+          </p:style>
+          <p:txBody>
+            <a:bodyPr rot="0" spcFirstLastPara="0" vertOverflow="overflow" horzOverflow="overflow" vert="horz" wrap="square" lIns="91440" tIns="45720" rIns="91440" bIns="45720" numCol="1" spcCol="0" rtlCol="0" fromWordArt="0" anchor="ctr" anchorCtr="0" forceAA="0" compatLnSpc="1">
+              <a:prstTxWarp prst="textNoShape">
+                <a:avLst/>
+              </a:prstTxWarp>
+              <a:noAutofit/>
+            </a:bodyPr>
+            <a:lstStyle/>
+            <a:p>
+              <a:pPr algn="ctr"/>
+              <a:r>
+                <a:rPr lang="en-US" sz="1400" dirty="0" smtClean="0">
+                  <a:solidFill>
+                    <a:schemeClr val="accent1">
+                      <a:lumMod val="50000"/>
+                    </a:schemeClr>
+                  </a:solidFill>
+                </a:rPr>
+                <a:t>ThingSpan Page Cache</a:t>
+              </a:r>
+              <a:endParaRPr lang="en-US" sz="1400" dirty="0" smtClean="0">
+                <a:solidFill>
+                  <a:schemeClr val="accent1">
+                    <a:lumMod val="50000"/>
+                  </a:schemeClr>
+                </a:solidFill>
+              </a:endParaRPr>
+            </a:p>
+          </p:txBody>
+        </p:sp>
+        <p:sp>
+          <p:nvSpPr>
+            <p:cNvPr id="5" name="Rounded Rectangle 4"/>
+            <p:cNvSpPr/>
+            <p:nvPr/>
+          </p:nvSpPr>
+          <p:spPr>
+            <a:xfrm>
+              <a:off x="3888604" y="3888607"/>
+              <a:ext cx="2714325" cy="529389"/>
+            </a:xfrm>
+            <a:prstGeom prst="roundRect">
+              <a:avLst/>
+            </a:prstGeom>
+            <a:solidFill>
+              <a:schemeClr val="accent1">
+                <a:lumMod val="60000"/>
+                <a:lumOff val="40000"/>
+              </a:schemeClr>
+            </a:solidFill>
+            <a:ln w="9525"/>
+            <a:scene3d>
+              <a:camera prst="orthographicFront"/>
+              <a:lightRig rig="threePt" dir="t"/>
+            </a:scene3d>
+            <a:sp3d>
+              <a:bevelT/>
+            </a:sp3d>
+          </p:spPr>
+          <p:style>
+            <a:lnRef idx="2">
+              <a:schemeClr val="accent1">
+                <a:shade val="50000"/>
+              </a:schemeClr>
+            </a:lnRef>
+            <a:fillRef idx="1">
+              <a:schemeClr val="accent1"/>
+            </a:fillRef>
+            <a:effectRef idx="0">
+              <a:schemeClr val="accent1"/>
+            </a:effectRef>
+            <a:fontRef idx="minor">
+              <a:schemeClr val="lt1"/>
+            </a:fontRef>
+          </p:style>
+          <p:txBody>
+            <a:bodyPr rot="0" spcFirstLastPara="0" vertOverflow="overflow" horzOverflow="overflow" vert="horz" wrap="square" lIns="91440" tIns="45720" rIns="91440" bIns="45720" numCol="1" spcCol="0" rtlCol="0" fromWordArt="0" anchor="ctr" anchorCtr="0" forceAA="0" compatLnSpc="1">
+              <a:prstTxWarp prst="textNoShape">
+                <a:avLst/>
+              </a:prstTxWarp>
+              <a:noAutofit/>
+            </a:bodyPr>
+            <a:lstStyle/>
+            <a:p>
+              <a:pPr algn="ctr"/>
+              <a:r>
+                <a:rPr lang="en-US" sz="1400" dirty="0" smtClean="0">
+                  <a:solidFill>
+                    <a:schemeClr val="accent1">
+                      <a:lumMod val="50000"/>
+                    </a:schemeClr>
+                  </a:solidFill>
+                </a:rPr>
+                <a:t>ThingSpan Kernel</a:t>
+              </a:r>
+              <a:endParaRPr lang="en-US" sz="1400" dirty="0" smtClean="0">
+                <a:solidFill>
+                  <a:schemeClr val="accent1">
+                    <a:lumMod val="50000"/>
+                  </a:schemeClr>
+                </a:solidFill>
+              </a:endParaRPr>
+            </a:p>
+          </p:txBody>
+        </p:sp>
+        <p:sp>
+          <p:nvSpPr>
+            <p:cNvPr id="6" name="Rounded Rectangle 5"/>
+            <p:cNvSpPr/>
+            <p:nvPr/>
+          </p:nvSpPr>
+          <p:spPr>
+            <a:xfrm>
+              <a:off x="3888603" y="3359218"/>
+              <a:ext cx="2714325" cy="529389"/>
+            </a:xfrm>
+            <a:prstGeom prst="roundRect">
+              <a:avLst/>
+            </a:prstGeom>
+            <a:solidFill>
+              <a:schemeClr val="accent1">
+                <a:lumMod val="60000"/>
+                <a:lumOff val="40000"/>
+              </a:schemeClr>
+            </a:solidFill>
+            <a:ln w="9525"/>
+            <a:scene3d>
+              <a:camera prst="orthographicFront"/>
+              <a:lightRig rig="threePt" dir="t"/>
+            </a:scene3d>
+            <a:sp3d>
+              <a:bevelT/>
+            </a:sp3d>
+          </p:spPr>
+          <p:style>
+            <a:lnRef idx="2">
+              <a:schemeClr val="accent1">
+                <a:shade val="50000"/>
+              </a:schemeClr>
+            </a:lnRef>
+            <a:fillRef idx="1">
+              <a:schemeClr val="accent1"/>
+            </a:fillRef>
+            <a:effectRef idx="0">
+              <a:schemeClr val="accent1"/>
+            </a:effectRef>
+            <a:fontRef idx="minor">
+              <a:schemeClr val="lt1"/>
+            </a:fontRef>
+          </p:style>
+          <p:txBody>
+            <a:bodyPr rot="0" spcFirstLastPara="0" vertOverflow="overflow" horzOverflow="overflow" vert="horz" wrap="square" lIns="91440" tIns="45720" rIns="91440" bIns="45720" numCol="1" spcCol="0" rtlCol="0" fromWordArt="0" anchor="ctr" anchorCtr="0" forceAA="0" compatLnSpc="1">
+              <a:prstTxWarp prst="textNoShape">
+                <a:avLst/>
+              </a:prstTxWarp>
+              <a:noAutofit/>
+            </a:bodyPr>
+            <a:lstStyle/>
+            <a:p>
+              <a:pPr algn="ctr"/>
+              <a:r>
+                <a:rPr lang="en-US" sz="1400" dirty="0" smtClean="0">
+                  <a:solidFill>
+                    <a:schemeClr val="accent1">
+                      <a:lumMod val="50000"/>
+                    </a:schemeClr>
+                  </a:solidFill>
+                </a:rPr>
+                <a:t>ThingSpan JavaULB API</a:t>
+              </a:r>
+              <a:endParaRPr lang="en-US" sz="1400" dirty="0" smtClean="0">
+                <a:solidFill>
+                  <a:schemeClr val="accent1">
+                    <a:lumMod val="50000"/>
+                  </a:schemeClr>
+                </a:solidFill>
+              </a:endParaRPr>
+            </a:p>
+          </p:txBody>
+        </p:sp>
+        <p:sp>
+          <p:nvSpPr>
+            <p:cNvPr id="7" name="Rounded Rectangle 6"/>
+            <p:cNvSpPr/>
+            <p:nvPr/>
+          </p:nvSpPr>
+          <p:spPr>
+            <a:xfrm>
+              <a:off x="3888602" y="2829829"/>
+              <a:ext cx="2714325" cy="529389"/>
+            </a:xfrm>
+            <a:prstGeom prst="roundRect">
+              <a:avLst/>
+            </a:prstGeom>
+            <a:solidFill>
+              <a:schemeClr val="accent1">
+                <a:lumMod val="20000"/>
+                <a:lumOff val="80000"/>
+              </a:schemeClr>
+            </a:solidFill>
+            <a:ln w="9525"/>
+            <a:scene3d>
+              <a:camera prst="orthographicFront"/>
+              <a:lightRig rig="threePt" dir="t"/>
+            </a:scene3d>
+            <a:sp3d>
+              <a:bevelT/>
+            </a:sp3d>
+          </p:spPr>
+          <p:style>
+            <a:lnRef idx="2">
+              <a:schemeClr val="accent1">
+                <a:shade val="50000"/>
+              </a:schemeClr>
+            </a:lnRef>
+            <a:fillRef idx="1">
+              <a:schemeClr val="accent1"/>
+            </a:fillRef>
+            <a:effectRef idx="0">
+              <a:schemeClr val="accent1"/>
+            </a:effectRef>
+            <a:fontRef idx="minor">
+              <a:schemeClr val="lt1"/>
+            </a:fontRef>
+          </p:style>
+          <p:txBody>
+            <a:bodyPr rot="0" spcFirstLastPara="0" vertOverflow="overflow" horzOverflow="overflow" vert="horz" wrap="square" lIns="91440" tIns="45720" rIns="91440" bIns="45720" numCol="1" spcCol="0" rtlCol="0" fromWordArt="0" anchor="ctr" anchorCtr="0" forceAA="0" compatLnSpc="1">
+              <a:prstTxWarp prst="textNoShape">
+                <a:avLst/>
+              </a:prstTxWarp>
+              <a:noAutofit/>
+            </a:bodyPr>
+            <a:lstStyle/>
+            <a:p>
+              <a:pPr algn="ctr"/>
+              <a:r>
+                <a:rPr lang="en-US" sz="1400" dirty="0" smtClean="0">
+                  <a:solidFill>
+                    <a:schemeClr val="accent1">
+                      <a:lumMod val="50000"/>
+                    </a:schemeClr>
+                  </a:solidFill>
+                </a:rPr>
+                <a:t>Java Program</a:t>
+              </a:r>
+              <a:endParaRPr lang="en-US" sz="1400" dirty="0" smtClean="0">
+                <a:solidFill>
+                  <a:schemeClr val="accent1">
+                    <a:lumMod val="50000"/>
+                  </a:schemeClr>
+                </a:solidFill>
+              </a:endParaRPr>
+            </a:p>
+          </p:txBody>
+        </p:sp>
+      </p:grpSp>
+      <p:sp>
+        <p:nvSpPr>
+          <p:cNvPr id="9" name="Flowchart: Magnetic Disk 8"/>
+          <p:cNvSpPr/>
+          <p:nvPr/>
+        </p:nvSpPr>
+        <p:spPr>
+          <a:xfrm>
+            <a:off x="688200" y="2695072"/>
+            <a:ext cx="1684425" cy="519765"/>
+          </a:xfrm>
+          <a:prstGeom prst="flowChartMagneticDisk">
+            <a:avLst/>
+          </a:prstGeom>
+          <a:solidFill>
+            <a:schemeClr val="accent1">
+              <a:lumMod val="60000"/>
+              <a:lumOff val="40000"/>
+            </a:schemeClr>
+          </a:solidFill>
+          <a:ln w="9525"/>
+        </p:spPr>
+        <p:style>
+          <a:lnRef idx="2">
+            <a:schemeClr val="accent1">
+              <a:shade val="50000"/>
+            </a:schemeClr>
+          </a:lnRef>
+          <a:fillRef idx="1">
+            <a:schemeClr val="accent1"/>
+          </a:fillRef>
+          <a:effectRef idx="0">
+            <a:schemeClr val="accent1"/>
+          </a:effectRef>
+          <a:fontRef idx="minor">
+            <a:schemeClr val="lt1"/>
+          </a:fontRef>
+        </p:style>
+        <p:txBody>
+          <a:bodyPr rot="0" spcFirstLastPara="0" vertOverflow="overflow" horzOverflow="overflow" vert="horz" wrap="square" lIns="91440" tIns="45720" rIns="91440" bIns="45720" numCol="1" spcCol="0" rtlCol="0" fromWordArt="0" anchor="ctr" anchorCtr="0" forceAA="0" compatLnSpc="1">
+            <a:prstTxWarp prst="textNoShape">
+              <a:avLst/>
+            </a:prstTxWarp>
+            <a:noAutofit/>
+          </a:bodyPr>
+          <a:lstStyle/>
+          <a:p>
+            <a:pPr algn="ctr"/>
+            <a:r>
+              <a:rPr lang="en-US" sz="1400" dirty="0" smtClean="0">
+                <a:solidFill>
+                  <a:schemeClr val="accent1">
+                    <a:lumMod val="50000"/>
+                  </a:schemeClr>
+                </a:solidFill>
+              </a:rPr>
+              <a:t>ThingSpan FD</a:t>
+            </a:r>
+            <a:endParaRPr lang="en-US" sz="1400" dirty="0" smtClean="0">
+              <a:solidFill>
+                <a:schemeClr val="accent1">
+                  <a:lumMod val="50000"/>
+                </a:schemeClr>
+              </a:solidFill>
+            </a:endParaRPr>
+          </a:p>
+        </p:txBody>
+      </p:sp>
+      <p:grpSp>
+        <p:nvGrpSpPr>
+          <p:cNvPr id="56" name="Group 55"/>
+          <p:cNvGrpSpPr/>
+          <p:nvPr/>
+        </p:nvGrpSpPr>
+        <p:grpSpPr>
+          <a:xfrm>
+            <a:off x="4975859" y="1094875"/>
+            <a:ext cx="3154681" cy="2524625"/>
+            <a:chOff x="4975859" y="1094875"/>
+            <a:chExt cx="3154681" cy="2524625"/>
+          </a:xfrm>
+        </p:grpSpPr>
+        <p:sp>
+          <p:nvSpPr>
+            <p:cNvPr id="12" name="Rounded Rectangle 11"/>
+            <p:cNvSpPr/>
+            <p:nvPr/>
+          </p:nvSpPr>
+          <p:spPr>
+            <a:xfrm>
+              <a:off x="4975861" y="1851300"/>
+              <a:ext cx="3154679" cy="768816"/>
+            </a:xfrm>
+            <a:prstGeom prst="roundRect">
+              <a:avLst/>
+            </a:prstGeom>
+            <a:solidFill>
+              <a:schemeClr val="accent1">
+                <a:lumMod val="60000"/>
+                <a:lumOff val="40000"/>
+              </a:schemeClr>
+            </a:solidFill>
+            <a:ln w="9525"/>
+            <a:scene3d>
+              <a:camera prst="orthographicFront"/>
+              <a:lightRig rig="threePt" dir="t"/>
+            </a:scene3d>
+            <a:sp3d>
+              <a:bevelT/>
+            </a:sp3d>
+          </p:spPr>
+          <p:style>
+            <a:lnRef idx="2">
+              <a:schemeClr val="accent1">
+                <a:shade val="50000"/>
+              </a:schemeClr>
+            </a:lnRef>
+            <a:fillRef idx="1">
+              <a:schemeClr val="accent1"/>
+            </a:fillRef>
+            <a:effectRef idx="0">
+              <a:schemeClr val="accent1"/>
+            </a:effectRef>
+            <a:fontRef idx="minor">
+              <a:schemeClr val="lt1"/>
+            </a:fontRef>
+          </p:style>
+          <p:txBody>
+            <a:bodyPr rot="0" spcFirstLastPara="0" vertOverflow="overflow" horzOverflow="overflow" vert="horz" wrap="square" lIns="91440" tIns="45720" rIns="91440" bIns="45720" numCol="1" spcCol="0" rtlCol="0" fromWordArt="0" anchor="t" anchorCtr="0" forceAA="0" compatLnSpc="1">
+              <a:prstTxWarp prst="textNoShape">
+                <a:avLst/>
+              </a:prstTxWarp>
+              <a:noAutofit/>
+            </a:bodyPr>
+            <a:lstStyle/>
+            <a:p>
+              <a:r>
+                <a:rPr lang="en-US" sz="1200" dirty="0" smtClean="0">
+                  <a:solidFill>
+                    <a:schemeClr val="accent1">
+                      <a:lumMod val="50000"/>
+                    </a:schemeClr>
+                  </a:solidFill>
+                </a:rPr>
+                <a:t>ThingSpan Kernel</a:t>
+              </a:r>
               <a:endParaRPr lang="en-US" sz="1200" dirty="0" smtClean="0">
                 <a:solidFill>
+                  <a:schemeClr val="accent1">
+                    <a:lumMod val="50000"/>
+                  </a:schemeClr>
+                </a:solidFill>
+              </a:endParaRPr>
+            </a:p>
+          </p:txBody>
+        </p:sp>
+        <p:sp>
+          <p:nvSpPr>
+            <p:cNvPr id="13" name="Rounded Rectangle 12"/>
+            <p:cNvSpPr/>
+            <p:nvPr/>
+          </p:nvSpPr>
+          <p:spPr>
+            <a:xfrm>
+              <a:off x="4975860" y="1473088"/>
+              <a:ext cx="3154679" cy="378213"/>
+            </a:xfrm>
+            <a:prstGeom prst="roundRect">
+              <a:avLst/>
+            </a:prstGeom>
+            <a:solidFill>
+              <a:schemeClr val="accent1">
+                <a:lumMod val="60000"/>
+                <a:lumOff val="40000"/>
+              </a:schemeClr>
+            </a:solidFill>
+            <a:ln w="9525"/>
+            <a:scene3d>
+              <a:camera prst="orthographicFront"/>
+              <a:lightRig rig="threePt" dir="t"/>
+            </a:scene3d>
+            <a:sp3d>
+              <a:bevelT/>
+            </a:sp3d>
+          </p:spPr>
+          <p:style>
+            <a:lnRef idx="2">
+              <a:schemeClr val="accent1">
+                <a:shade val="50000"/>
+              </a:schemeClr>
+            </a:lnRef>
+            <a:fillRef idx="1">
+              <a:schemeClr val="accent1"/>
+            </a:fillRef>
+            <a:effectRef idx="0">
+              <a:schemeClr val="accent1"/>
+            </a:effectRef>
+            <a:fontRef idx="minor">
+              <a:schemeClr val="lt1"/>
+            </a:fontRef>
+          </p:style>
+          <p:txBody>
+            <a:bodyPr rot="0" spcFirstLastPara="0" vertOverflow="overflow" horzOverflow="overflow" vert="horz" wrap="square" lIns="91440" tIns="45720" rIns="91440" bIns="45720" numCol="1" spcCol="0" rtlCol="0" fromWordArt="0" anchor="ctr" anchorCtr="0" forceAA="0" compatLnSpc="1">
+              <a:prstTxWarp prst="textNoShape">
+                <a:avLst/>
+              </a:prstTxWarp>
+              <a:noAutofit/>
+            </a:bodyPr>
+            <a:lstStyle/>
+            <a:p>
+              <a:r>
+                <a:rPr lang="en-US" sz="1200" dirty="0" smtClean="0">
+                  <a:solidFill>
+                    <a:schemeClr val="accent1">
+                      <a:lumMod val="50000"/>
+                    </a:schemeClr>
+                  </a:solidFill>
+                </a:rPr>
+                <a:t>ThingSpan JavaULB API</a:t>
+              </a:r>
+              <a:endParaRPr lang="en-US" sz="1200" dirty="0" smtClean="0">
+                <a:solidFill>
+                  <a:schemeClr val="accent1">
+                    <a:lumMod val="50000"/>
+                  </a:schemeClr>
+                </a:solidFill>
+              </a:endParaRPr>
+            </a:p>
+          </p:txBody>
+        </p:sp>
+        <p:sp>
+          <p:nvSpPr>
+            <p:cNvPr id="14" name="Rounded Rectangle 13"/>
+            <p:cNvSpPr/>
+            <p:nvPr/>
+          </p:nvSpPr>
+          <p:spPr>
+            <a:xfrm>
+              <a:off x="4975859" y="1094875"/>
+              <a:ext cx="3154679" cy="378213"/>
+            </a:xfrm>
+            <a:prstGeom prst="roundRect">
+              <a:avLst/>
+            </a:prstGeom>
+            <a:solidFill>
+              <a:schemeClr val="accent1">
+                <a:lumMod val="20000"/>
+                <a:lumOff val="80000"/>
+              </a:schemeClr>
+            </a:solidFill>
+            <a:ln w="9525"/>
+            <a:scene3d>
+              <a:camera prst="orthographicFront"/>
+              <a:lightRig rig="threePt" dir="t"/>
+            </a:scene3d>
+            <a:sp3d>
+              <a:bevelT/>
+            </a:sp3d>
+          </p:spPr>
+          <p:style>
+            <a:lnRef idx="2">
+              <a:schemeClr val="accent1">
+                <a:shade val="50000"/>
+              </a:schemeClr>
+            </a:lnRef>
+            <a:fillRef idx="1">
+              <a:schemeClr val="accent1"/>
+            </a:fillRef>
+            <a:effectRef idx="0">
+              <a:schemeClr val="accent1"/>
+            </a:effectRef>
+            <a:fontRef idx="minor">
+              <a:schemeClr val="lt1"/>
+            </a:fontRef>
+          </p:style>
+          <p:txBody>
+            <a:bodyPr rot="0" spcFirstLastPara="0" vertOverflow="overflow" horzOverflow="overflow" vert="horz" wrap="square" lIns="91440" tIns="45720" rIns="91440" bIns="45720" numCol="1" spcCol="0" rtlCol="0" fromWordArt="0" anchor="ctr" anchorCtr="0" forceAA="0" compatLnSpc="1">
+              <a:prstTxWarp prst="textNoShape">
+                <a:avLst/>
+              </a:prstTxWarp>
+              <a:noAutofit/>
+            </a:bodyPr>
+            <a:lstStyle/>
+            <a:p>
+              <a:r>
+                <a:rPr lang="en-US" sz="1200" dirty="0" smtClean="0">
+                  <a:solidFill>
+                    <a:schemeClr val="accent1">
+                      <a:lumMod val="50000"/>
+                    </a:schemeClr>
+                  </a:solidFill>
+                </a:rPr>
+                <a:t>Java Application</a:t>
+              </a:r>
+              <a:endParaRPr lang="en-US" sz="1200" dirty="0" smtClean="0">
+                <a:solidFill>
+                  <a:schemeClr val="accent1">
+                    <a:lumMod val="50000"/>
+                  </a:schemeClr>
+                </a:solidFill>
+              </a:endParaRPr>
+            </a:p>
+          </p:txBody>
+        </p:sp>
+        <p:sp>
+          <p:nvSpPr>
+            <p:cNvPr id="16" name="TextBox 15"/>
+            <p:cNvSpPr txBox="1"/>
+            <p:nvPr/>
+          </p:nvSpPr>
+          <p:spPr>
+            <a:xfrm>
+              <a:off x="6766064" y="1155591"/>
+              <a:ext cx="643137" cy="232820"/>
+            </a:xfrm>
+            <a:prstGeom prst="rect">
+              <a:avLst/>
+            </a:prstGeom>
+            <a:noFill/>
+          </p:spPr>
+          <p:txBody>
+            <a:bodyPr wrap="none" rtlCol="0">
+              <a:spAutoFit/>
+            </a:bodyPr>
+            <a:lstStyle/>
+            <a:p>
+              <a:r>
+                <a:rPr lang="en-US" sz="1200" dirty="0" smtClean="0">
+                  <a:solidFill>
+                    <a:srgbClr val="FF0000"/>
+                  </a:solidFill>
+                </a:rPr>
+                <a:t>Instance</a:t>
+              </a:r>
+              <a:endParaRPr lang="en-US" sz="1200" dirty="0">
+                <a:solidFill>
                   <a:srgbClr val="FF0000"/>
+                </a:solidFill>
+              </a:endParaRPr>
+            </a:p>
+          </p:txBody>
+        </p:sp>
+        <p:sp>
+          <p:nvSpPr>
+            <p:cNvPr id="17" name="Rectangle 16"/>
+            <p:cNvSpPr/>
+            <p:nvPr/>
+          </p:nvSpPr>
+          <p:spPr>
+            <a:xfrm>
+              <a:off x="7492982" y="1235949"/>
+              <a:ext cx="111350" cy="89195"/>
+            </a:xfrm>
+            <a:prstGeom prst="rect">
+              <a:avLst/>
+            </a:prstGeom>
+            <a:solidFill>
+              <a:srgbClr val="FF0000"/>
+            </a:solidFill>
+            <a:ln w="9525">
+              <a:solidFill>
+                <a:srgbClr val="C00000"/>
+              </a:solidFill>
+            </a:ln>
+          </p:spPr>
+          <p:style>
+            <a:lnRef idx="2">
+              <a:schemeClr val="accent1">
+                <a:shade val="50000"/>
+              </a:schemeClr>
+            </a:lnRef>
+            <a:fillRef idx="1">
+              <a:schemeClr val="accent1"/>
+            </a:fillRef>
+            <a:effectRef idx="0">
+              <a:schemeClr val="accent1"/>
+            </a:effectRef>
+            <a:fontRef idx="minor">
+              <a:schemeClr val="lt1"/>
+            </a:fontRef>
+          </p:style>
+          <p:txBody>
+            <a:bodyPr rot="0" spcFirstLastPara="0" vertOverflow="overflow" horzOverflow="overflow" vert="horz" wrap="square" lIns="91440" tIns="45720" rIns="91440" bIns="45720" numCol="1" spcCol="0" rtlCol="0" fromWordArt="0" anchor="ctr" anchorCtr="0" forceAA="0" compatLnSpc="1">
+              <a:prstTxWarp prst="textNoShape">
+                <a:avLst/>
+              </a:prstTxWarp>
+              <a:noAutofit/>
+            </a:bodyPr>
+            <a:lstStyle/>
+            <a:p>
+              <a:pPr algn="ctr"/>
+              <a:endParaRPr lang="en-US" sz="1600" dirty="0" err="1" smtClean="0">
+                <a:solidFill>
+                  <a:schemeClr val="accent1">
+                    <a:lumMod val="50000"/>
+                  </a:schemeClr>
+                </a:solidFill>
+              </a:endParaRPr>
+            </a:p>
+          </p:txBody>
+        </p:sp>
+        <p:sp>
+          <p:nvSpPr>
+            <p:cNvPr id="30" name="Rectangle 29"/>
+            <p:cNvSpPr/>
+            <p:nvPr/>
+          </p:nvSpPr>
+          <p:spPr>
+            <a:xfrm>
+              <a:off x="7492982" y="1992374"/>
+              <a:ext cx="111350" cy="89195"/>
+            </a:xfrm>
+            <a:prstGeom prst="rect">
+              <a:avLst/>
+            </a:prstGeom>
+            <a:solidFill>
+              <a:srgbClr val="FF0000"/>
+            </a:solidFill>
+            <a:ln w="9525">
+              <a:solidFill>
+                <a:srgbClr val="C00000"/>
+              </a:solidFill>
+            </a:ln>
+          </p:spPr>
+          <p:style>
+            <a:lnRef idx="2">
+              <a:schemeClr val="accent1">
+                <a:shade val="50000"/>
+              </a:schemeClr>
+            </a:lnRef>
+            <a:fillRef idx="1">
+              <a:schemeClr val="accent1"/>
+            </a:fillRef>
+            <a:effectRef idx="0">
+              <a:schemeClr val="accent1"/>
+            </a:effectRef>
+            <a:fontRef idx="minor">
+              <a:schemeClr val="lt1"/>
+            </a:fontRef>
+          </p:style>
+          <p:txBody>
+            <a:bodyPr rot="0" spcFirstLastPara="0" vertOverflow="overflow" horzOverflow="overflow" vert="horz" wrap="square" lIns="91440" tIns="45720" rIns="91440" bIns="45720" numCol="1" spcCol="0" rtlCol="0" fromWordArt="0" anchor="ctr" anchorCtr="0" forceAA="0" compatLnSpc="1">
+              <a:prstTxWarp prst="textNoShape">
+                <a:avLst/>
+              </a:prstTxWarp>
+              <a:noAutofit/>
+            </a:bodyPr>
+            <a:lstStyle/>
+            <a:p>
+              <a:pPr algn="ctr"/>
+              <a:endParaRPr lang="en-US" sz="1600" dirty="0" err="1" smtClean="0">
+                <a:solidFill>
+                  <a:schemeClr val="accent1">
+                    <a:lumMod val="50000"/>
+                  </a:schemeClr>
+                </a:solidFill>
+              </a:endParaRPr>
+            </a:p>
+          </p:txBody>
+        </p:sp>
+        <p:grpSp>
+          <p:nvGrpSpPr>
+            <p:cNvPr id="52" name="Group 51"/>
+            <p:cNvGrpSpPr/>
+            <p:nvPr/>
+          </p:nvGrpSpPr>
+          <p:grpSpPr>
+            <a:xfrm>
+              <a:off x="5369611" y="2196013"/>
+              <a:ext cx="2684298" cy="378213"/>
+              <a:chOff x="5494019" y="3579340"/>
+              <a:chExt cx="2956959" cy="449981"/>
+            </a:xfrm>
+            <a:solidFill>
+              <a:schemeClr val="accent1">
+                <a:lumMod val="40000"/>
+                <a:lumOff val="60000"/>
+              </a:schemeClr>
+            </a:solidFill>
+          </p:grpSpPr>
+          <p:sp>
+            <p:nvSpPr>
+              <p:cNvPr id="11" name="Rounded Rectangle 10"/>
+              <p:cNvSpPr/>
+              <p:nvPr/>
+            </p:nvSpPr>
+            <p:spPr>
+              <a:xfrm>
+                <a:off x="5494019" y="3579340"/>
+                <a:ext cx="2956959" cy="449981"/>
+              </a:xfrm>
+              <a:prstGeom prst="roundRect">
+                <a:avLst/>
+              </a:prstGeom>
+              <a:grpFill/>
+              <a:ln w="9525"/>
+              <a:scene3d>
+                <a:camera prst="orthographicFront"/>
+                <a:lightRig rig="threePt" dir="t"/>
+              </a:scene3d>
+              <a:sp3d>
+                <a:bevelT/>
+              </a:sp3d>
+            </p:spPr>
+            <p:style>
+              <a:lnRef idx="2">
+                <a:schemeClr val="accent1">
+                  <a:shade val="50000"/>
+                </a:schemeClr>
+              </a:lnRef>
+              <a:fillRef idx="1">
+                <a:schemeClr val="accent1"/>
+              </a:fillRef>
+              <a:effectRef idx="0">
+                <a:schemeClr val="accent1"/>
+              </a:effectRef>
+              <a:fontRef idx="minor">
+                <a:schemeClr val="lt1"/>
+              </a:fontRef>
+            </p:style>
+            <p:txBody>
+              <a:bodyPr rot="0" spcFirstLastPara="0" vertOverflow="overflow" horzOverflow="overflow" vert="horz" wrap="square" lIns="91440" tIns="45720" rIns="91440" bIns="45720" numCol="1" spcCol="0" rtlCol="0" fromWordArt="0" anchor="ctr" anchorCtr="0" forceAA="0" compatLnSpc="1">
+                <a:prstTxWarp prst="textNoShape">
+                  <a:avLst/>
+                </a:prstTxWarp>
+                <a:noAutofit/>
+              </a:bodyPr>
+              <a:lstStyle/>
+              <a:p>
+                <a:r>
+                  <a:rPr lang="en-US" sz="1100" dirty="0" smtClean="0">
+                    <a:solidFill>
+                      <a:schemeClr val="accent1">
+                        <a:lumMod val="50000"/>
+                      </a:schemeClr>
+                    </a:solidFill>
+                  </a:rPr>
+                  <a:t>ThingSpan Page Cache</a:t>
+                </a:r>
+                <a:endParaRPr lang="en-US" sz="1100" dirty="0" smtClean="0">
+                  <a:solidFill>
+                    <a:schemeClr val="accent1">
+                      <a:lumMod val="50000"/>
+                    </a:schemeClr>
+                  </a:solidFill>
+                </a:endParaRPr>
+              </a:p>
+            </p:txBody>
+          </p:sp>
+          <p:grpSp>
+            <p:nvGrpSpPr>
+              <p:cNvPr id="35" name="Group 34"/>
+              <p:cNvGrpSpPr/>
+              <p:nvPr/>
+            </p:nvGrpSpPr>
+            <p:grpSpPr>
+              <a:xfrm>
+                <a:off x="7358116" y="3755661"/>
+                <a:ext cx="716582" cy="106120"/>
+                <a:chOff x="6624203" y="2616748"/>
+                <a:chExt cx="716582" cy="106120"/>
+              </a:xfrm>
+              <a:grpFill/>
+            </p:grpSpPr>
+            <p:sp>
+              <p:nvSpPr>
+                <p:cNvPr id="34" name="Rectangle 33"/>
+                <p:cNvSpPr/>
+                <p:nvPr/>
+              </p:nvSpPr>
+              <p:spPr>
+                <a:xfrm>
+                  <a:off x="6624203" y="2616748"/>
+                  <a:ext cx="716582" cy="106120"/>
+                </a:xfrm>
+                <a:prstGeom prst="rect">
+                  <a:avLst/>
+                </a:prstGeom>
+                <a:grpFill/>
+                <a:ln w="9525">
+                  <a:solidFill>
+                    <a:schemeClr val="accent6">
+                      <a:lumMod val="75000"/>
+                    </a:schemeClr>
+                  </a:solidFill>
+                </a:ln>
+              </p:spPr>
+              <p:style>
+                <a:lnRef idx="2">
+                  <a:schemeClr val="accent1">
+                    <a:shade val="50000"/>
+                  </a:schemeClr>
+                </a:lnRef>
+                <a:fillRef idx="1">
+                  <a:schemeClr val="accent1"/>
+                </a:fillRef>
+                <a:effectRef idx="0">
+                  <a:schemeClr val="accent1"/>
+                </a:effectRef>
+                <a:fontRef idx="minor">
+                  <a:schemeClr val="lt1"/>
+                </a:fontRef>
+              </p:style>
+              <p:txBody>
+                <a:bodyPr rot="0" spcFirstLastPara="0" vertOverflow="overflow" horzOverflow="overflow" vert="horz" wrap="square" lIns="91440" tIns="45720" rIns="91440" bIns="45720" numCol="1" spcCol="0" rtlCol="0" fromWordArt="0" anchor="ctr" anchorCtr="0" forceAA="0" compatLnSpc="1">
+                  <a:prstTxWarp prst="textNoShape">
+                    <a:avLst/>
+                  </a:prstTxWarp>
+                  <a:noAutofit/>
+                </a:bodyPr>
+                <a:lstStyle/>
+                <a:p>
+                  <a:pPr algn="ctr"/>
+                  <a:endParaRPr lang="en-US" sz="1600" dirty="0" err="1" smtClean="0">
+                    <a:solidFill>
+                      <a:schemeClr val="accent1">
+                        <a:lumMod val="50000"/>
+                      </a:schemeClr>
+                    </a:solidFill>
+                  </a:endParaRPr>
+                </a:p>
+              </p:txBody>
+            </p:sp>
+            <p:sp>
+              <p:nvSpPr>
+                <p:cNvPr id="33" name="Rectangle 32"/>
+                <p:cNvSpPr/>
+                <p:nvPr/>
+              </p:nvSpPr>
+              <p:spPr>
+                <a:xfrm>
+                  <a:off x="7095465" y="2616748"/>
+                  <a:ext cx="122660" cy="106120"/>
+                </a:xfrm>
+                <a:prstGeom prst="rect">
+                  <a:avLst/>
+                </a:prstGeom>
+                <a:solidFill>
+                  <a:srgbClr val="FF0000"/>
+                </a:solidFill>
+                <a:ln w="9525">
+                  <a:solidFill>
+                    <a:srgbClr val="C00000"/>
+                  </a:solidFill>
+                </a:ln>
+              </p:spPr>
+              <p:style>
+                <a:lnRef idx="2">
+                  <a:schemeClr val="accent1">
+                    <a:shade val="50000"/>
+                  </a:schemeClr>
+                </a:lnRef>
+                <a:fillRef idx="1">
+                  <a:schemeClr val="accent1"/>
+                </a:fillRef>
+                <a:effectRef idx="0">
+                  <a:schemeClr val="accent1"/>
+                </a:effectRef>
+                <a:fontRef idx="minor">
+                  <a:schemeClr val="lt1"/>
+                </a:fontRef>
+              </p:style>
+              <p:txBody>
+                <a:bodyPr rot="0" spcFirstLastPara="0" vertOverflow="overflow" horzOverflow="overflow" vert="horz" wrap="square" lIns="91440" tIns="45720" rIns="91440" bIns="45720" numCol="1" spcCol="0" rtlCol="0" fromWordArt="0" anchor="ctr" anchorCtr="0" forceAA="0" compatLnSpc="1">
+                  <a:prstTxWarp prst="textNoShape">
+                    <a:avLst/>
+                  </a:prstTxWarp>
+                  <a:noAutofit/>
+                </a:bodyPr>
+                <a:lstStyle/>
+                <a:p>
+                  <a:pPr algn="ctr"/>
+                  <a:endParaRPr lang="en-US" sz="1600" dirty="0" err="1" smtClean="0">
+                    <a:solidFill>
+                      <a:schemeClr val="accent1">
+                        <a:lumMod val="50000"/>
+                      </a:schemeClr>
+                    </a:solidFill>
+                  </a:endParaRPr>
+                </a:p>
+              </p:txBody>
+            </p:sp>
+          </p:grpSp>
+        </p:grpSp>
+        <p:cxnSp>
+          <p:nvCxnSpPr>
+            <p:cNvPr id="37" name="Elbow Connector 36"/>
+            <p:cNvCxnSpPr>
+              <a:stCxn id="30" idx="2"/>
+              <a:endCxn id="33" idx="0"/>
+            </p:cNvCxnSpPr>
+            <p:nvPr/>
+          </p:nvCxnSpPr>
+          <p:spPr>
+            <a:xfrm rot="5400000">
+              <a:off x="7415657" y="2211213"/>
+              <a:ext cx="262644" cy="3355"/>
+            </a:xfrm>
+            <a:prstGeom prst="bentConnector3">
+              <a:avLst>
+                <a:gd name="adj1" fmla="val 50000"/>
+              </a:avLst>
+            </a:prstGeom>
+            <a:ln>
+              <a:solidFill>
+                <a:srgbClr val="7030A0"/>
+              </a:solidFill>
+              <a:prstDash val="dash"/>
+              <a:headEnd type="triangle" w="med" len="med"/>
+              <a:tailEnd type="triangle" w="med" len="med"/>
+            </a:ln>
+          </p:spPr>
+          <p:style>
+            <a:lnRef idx="1">
+              <a:schemeClr val="accent1"/>
+            </a:lnRef>
+            <a:fillRef idx="0">
+              <a:schemeClr val="accent1"/>
+            </a:fillRef>
+            <a:effectRef idx="0">
+              <a:schemeClr val="accent1"/>
+            </a:effectRef>
+            <a:fontRef idx="minor">
+              <a:schemeClr val="tx1"/>
+            </a:fontRef>
+          </p:style>
+        </p:cxnSp>
+        <p:cxnSp>
+          <p:nvCxnSpPr>
+            <p:cNvPr id="41" name="Straight Arrow Connector 40"/>
+            <p:cNvCxnSpPr>
+              <a:stCxn id="17" idx="2"/>
+            </p:cNvCxnSpPr>
+            <p:nvPr/>
+          </p:nvCxnSpPr>
+          <p:spPr>
+            <a:xfrm>
+              <a:off x="7548657" y="1325144"/>
+              <a:ext cx="0" cy="667230"/>
+            </a:xfrm>
+            <a:prstGeom prst="straightConnector1">
+              <a:avLst/>
+            </a:prstGeom>
+            <a:ln>
+              <a:solidFill>
+                <a:srgbClr val="7030A0"/>
+              </a:solidFill>
+              <a:prstDash val="dash"/>
+              <a:headEnd type="triangle" w="med" len="med"/>
+              <a:tailEnd type="triangle" w="med" len="med"/>
+            </a:ln>
+          </p:spPr>
+          <p:style>
+            <a:lnRef idx="1">
+              <a:schemeClr val="accent1"/>
+            </a:lnRef>
+            <a:fillRef idx="0">
+              <a:schemeClr val="accent1"/>
+            </a:fillRef>
+            <a:effectRef idx="0">
+              <a:schemeClr val="accent1"/>
+            </a:effectRef>
+            <a:fontRef idx="minor">
+              <a:schemeClr val="tx1"/>
+            </a:fontRef>
+          </p:style>
+        </p:cxnSp>
+        <p:sp>
+          <p:nvSpPr>
+            <p:cNvPr id="42" name="TextBox 41"/>
+            <p:cNvSpPr txBox="1"/>
+            <p:nvPr/>
+          </p:nvSpPr>
+          <p:spPr>
+            <a:xfrm>
+              <a:off x="7123913" y="1529414"/>
+              <a:ext cx="337896" cy="232820"/>
+            </a:xfrm>
+            <a:prstGeom prst="rect">
+              <a:avLst/>
+            </a:prstGeom>
+            <a:noFill/>
+          </p:spPr>
+          <p:txBody>
+            <a:bodyPr wrap="none" rtlCol="0">
+              <a:spAutoFit/>
+            </a:bodyPr>
+            <a:lstStyle/>
+            <a:p>
+              <a:r>
+                <a:rPr lang="en-US" sz="1200" dirty="0" smtClean="0">
+                  <a:solidFill>
+                    <a:srgbClr val="7030A0"/>
+                  </a:solidFill>
+                </a:rPr>
+                <a:t>JNI</a:t>
+              </a:r>
+              <a:endParaRPr lang="en-US" sz="1200" dirty="0">
+                <a:solidFill>
+                  <a:srgbClr val="7030A0"/>
+                </a:solidFill>
+              </a:endParaRPr>
+            </a:p>
+          </p:txBody>
+        </p:sp>
+        <p:sp>
+          <p:nvSpPr>
+            <p:cNvPr id="43" name="TextBox 42"/>
+            <p:cNvSpPr txBox="1"/>
+            <p:nvPr/>
+          </p:nvSpPr>
+          <p:spPr>
+            <a:xfrm>
+              <a:off x="7076666" y="1905686"/>
+              <a:ext cx="382599" cy="232820"/>
+            </a:xfrm>
+            <a:prstGeom prst="rect">
+              <a:avLst/>
+            </a:prstGeom>
+            <a:noFill/>
+          </p:spPr>
+          <p:txBody>
+            <a:bodyPr wrap="none" rtlCol="0">
+              <a:spAutoFit/>
+            </a:bodyPr>
+            <a:lstStyle/>
+            <a:p>
+              <a:r>
+                <a:rPr lang="en-US" sz="1200" dirty="0" smtClean="0">
+                  <a:solidFill>
+                    <a:srgbClr val="7030A0"/>
+                  </a:solidFill>
+                </a:rPr>
+                <a:t>C++</a:t>
+              </a:r>
+              <a:endParaRPr lang="en-US" sz="1200" dirty="0">
+                <a:solidFill>
+                  <a:srgbClr val="7030A0"/>
+                </a:solidFill>
+              </a:endParaRPr>
+            </a:p>
+          </p:txBody>
+        </p:sp>
+        <p:grpSp>
+          <p:nvGrpSpPr>
+            <p:cNvPr id="53" name="Group 52"/>
+            <p:cNvGrpSpPr/>
+            <p:nvPr/>
+          </p:nvGrpSpPr>
+          <p:grpSpPr>
+            <a:xfrm>
+              <a:off x="5857969" y="2971953"/>
+              <a:ext cx="1529104" cy="647547"/>
+              <a:chOff x="5871204" y="4281637"/>
+              <a:chExt cx="1684425" cy="770423"/>
+            </a:xfrm>
+          </p:grpSpPr>
+          <p:sp>
+            <p:nvSpPr>
+              <p:cNvPr id="15" name="Flowchart: Magnetic Disk 14"/>
+              <p:cNvSpPr/>
+              <p:nvPr/>
+            </p:nvSpPr>
+            <p:spPr>
+              <a:xfrm>
+                <a:off x="5871204" y="4281637"/>
+                <a:ext cx="1684425" cy="770423"/>
+              </a:xfrm>
+              <a:prstGeom prst="flowChartMagneticDisk">
+                <a:avLst/>
+              </a:prstGeom>
+              <a:solidFill>
+                <a:schemeClr val="accent1">
+                  <a:lumMod val="60000"/>
+                  <a:lumOff val="40000"/>
+                </a:schemeClr>
+              </a:solidFill>
+              <a:ln w="9525"/>
+              <a:scene3d>
+                <a:camera prst="orthographicFront"/>
+                <a:lightRig rig="threePt" dir="t"/>
+              </a:scene3d>
+              <a:sp3d>
+                <a:bevelT/>
+              </a:sp3d>
+            </p:spPr>
+            <p:style>
+              <a:lnRef idx="2">
+                <a:schemeClr val="accent1">
+                  <a:shade val="50000"/>
+                </a:schemeClr>
+              </a:lnRef>
+              <a:fillRef idx="1">
+                <a:schemeClr val="accent1"/>
+              </a:fillRef>
+              <a:effectRef idx="0">
+                <a:schemeClr val="accent1"/>
+              </a:effectRef>
+              <a:fontRef idx="minor">
+                <a:schemeClr val="lt1"/>
+              </a:fontRef>
+            </p:style>
+            <p:txBody>
+              <a:bodyPr rot="0" spcFirstLastPara="0" vertOverflow="overflow" horzOverflow="overflow" vert="horz" wrap="square" lIns="91440" tIns="45720" rIns="91440" bIns="45720" numCol="1" spcCol="0" rtlCol="0" fromWordArt="0" anchor="ctr" anchorCtr="0" forceAA="0" compatLnSpc="1">
+                <a:prstTxWarp prst="textNoShape">
+                  <a:avLst/>
+                </a:prstTxWarp>
+                <a:noAutofit/>
+              </a:bodyPr>
+              <a:lstStyle/>
+              <a:p>
+                <a:pPr algn="ctr"/>
+                <a:r>
+                  <a:rPr lang="en-US" sz="1200" dirty="0" smtClean="0">
+                    <a:solidFill>
+                      <a:schemeClr val="accent1">
+                        <a:lumMod val="50000"/>
+                      </a:schemeClr>
+                    </a:solidFill>
+                  </a:rPr>
+                  <a:t>ThingSpan FD</a:t>
+                </a:r>
+                <a:endParaRPr lang="en-US" sz="1200" dirty="0" smtClean="0">
+                  <a:solidFill>
+                    <a:schemeClr val="accent1">
+                      <a:lumMod val="50000"/>
+                    </a:schemeClr>
+                  </a:solidFill>
+                </a:endParaRPr>
+              </a:p>
+            </p:txBody>
+          </p:sp>
+          <p:grpSp>
+            <p:nvGrpSpPr>
+              <p:cNvPr id="44" name="Group 43"/>
+              <p:cNvGrpSpPr/>
+              <p:nvPr/>
+            </p:nvGrpSpPr>
+            <p:grpSpPr>
+              <a:xfrm>
+                <a:off x="6355125" y="4357837"/>
+                <a:ext cx="716582" cy="106120"/>
+                <a:chOff x="6624203" y="2616748"/>
+                <a:chExt cx="716582" cy="106120"/>
+              </a:xfrm>
+            </p:grpSpPr>
+            <p:sp>
+              <p:nvSpPr>
+                <p:cNvPr id="45" name="Rectangle 44"/>
+                <p:cNvSpPr/>
+                <p:nvPr/>
+              </p:nvSpPr>
+              <p:spPr>
+                <a:xfrm>
+                  <a:off x="6624203" y="2616748"/>
+                  <a:ext cx="716582" cy="106120"/>
+                </a:xfrm>
+                <a:prstGeom prst="rect">
+                  <a:avLst/>
+                </a:prstGeom>
+                <a:solidFill>
+                  <a:schemeClr val="accent6">
+                    <a:lumMod val="60000"/>
+                    <a:lumOff val="40000"/>
+                  </a:schemeClr>
+                </a:solidFill>
+                <a:ln w="9525">
+                  <a:solidFill>
+                    <a:schemeClr val="accent6">
+                      <a:lumMod val="75000"/>
+                    </a:schemeClr>
+                  </a:solidFill>
+                </a:ln>
+              </p:spPr>
+              <p:style>
+                <a:lnRef idx="2">
+                  <a:schemeClr val="accent1">
+                    <a:shade val="50000"/>
+                  </a:schemeClr>
+                </a:lnRef>
+                <a:fillRef idx="1">
+                  <a:schemeClr val="accent1"/>
+                </a:fillRef>
+                <a:effectRef idx="0">
+                  <a:schemeClr val="accent1"/>
+                </a:effectRef>
+                <a:fontRef idx="minor">
+                  <a:schemeClr val="lt1"/>
+                </a:fontRef>
+              </p:style>
+              <p:txBody>
+                <a:bodyPr rot="0" spcFirstLastPara="0" vertOverflow="overflow" horzOverflow="overflow" vert="horz" wrap="square" lIns="91440" tIns="45720" rIns="91440" bIns="45720" numCol="1" spcCol="0" rtlCol="0" fromWordArt="0" anchor="ctr" anchorCtr="0" forceAA="0" compatLnSpc="1">
+                  <a:prstTxWarp prst="textNoShape">
+                    <a:avLst/>
+                  </a:prstTxWarp>
+                  <a:noAutofit/>
+                </a:bodyPr>
+                <a:lstStyle/>
+                <a:p>
+                  <a:pPr algn="ctr"/>
+                  <a:endParaRPr lang="en-US" sz="1600" dirty="0" err="1" smtClean="0">
+                    <a:solidFill>
+                      <a:schemeClr val="accent1">
+                        <a:lumMod val="50000"/>
+                      </a:schemeClr>
+                    </a:solidFill>
+                  </a:endParaRPr>
+                </a:p>
+              </p:txBody>
+            </p:sp>
+            <p:sp>
+              <p:nvSpPr>
+                <p:cNvPr id="46" name="Rectangle 45"/>
+                <p:cNvSpPr/>
+                <p:nvPr/>
+              </p:nvSpPr>
+              <p:spPr>
+                <a:xfrm>
+                  <a:off x="7095465" y="2616748"/>
+                  <a:ext cx="122660" cy="106120"/>
+                </a:xfrm>
+                <a:prstGeom prst="rect">
+                  <a:avLst/>
+                </a:prstGeom>
+                <a:solidFill>
+                  <a:srgbClr val="FF0000"/>
+                </a:solidFill>
+                <a:ln w="9525">
+                  <a:solidFill>
+                    <a:srgbClr val="C00000"/>
+                  </a:solidFill>
+                </a:ln>
+              </p:spPr>
+              <p:style>
+                <a:lnRef idx="2">
+                  <a:schemeClr val="accent1">
+                    <a:shade val="50000"/>
+                  </a:schemeClr>
+                </a:lnRef>
+                <a:fillRef idx="1">
+                  <a:schemeClr val="accent1"/>
+                </a:fillRef>
+                <a:effectRef idx="0">
+                  <a:schemeClr val="accent1"/>
+                </a:effectRef>
+                <a:fontRef idx="minor">
+                  <a:schemeClr val="lt1"/>
+                </a:fontRef>
+              </p:style>
+              <p:txBody>
+                <a:bodyPr rot="0" spcFirstLastPara="0" vertOverflow="overflow" horzOverflow="overflow" vert="horz" wrap="square" lIns="91440" tIns="45720" rIns="91440" bIns="45720" numCol="1" spcCol="0" rtlCol="0" fromWordArt="0" anchor="ctr" anchorCtr="0" forceAA="0" compatLnSpc="1">
+                  <a:prstTxWarp prst="textNoShape">
+                    <a:avLst/>
+                  </a:prstTxWarp>
+                  <a:noAutofit/>
+                </a:bodyPr>
+                <a:lstStyle/>
+                <a:p>
+                  <a:pPr algn="ctr"/>
+                  <a:endParaRPr lang="en-US" sz="1600" dirty="0" err="1" smtClean="0">
+                    <a:solidFill>
+                      <a:schemeClr val="accent1">
+                        <a:lumMod val="50000"/>
+                      </a:schemeClr>
+                    </a:solidFill>
+                  </a:endParaRPr>
+                </a:p>
+              </p:txBody>
+            </p:sp>
+          </p:grpSp>
+        </p:grpSp>
+        <p:cxnSp>
+          <p:nvCxnSpPr>
+            <p:cNvPr id="48" name="Elbow Connector 47"/>
+            <p:cNvCxnSpPr>
+              <a:stCxn id="33" idx="2"/>
+              <a:endCxn id="46" idx="0"/>
+            </p:cNvCxnSpPr>
+            <p:nvPr/>
+          </p:nvCxnSpPr>
+          <p:spPr>
+            <a:xfrm rot="5400000">
+              <a:off x="6861729" y="2352428"/>
+              <a:ext cx="602592" cy="764553"/>
+            </a:xfrm>
+            <a:prstGeom prst="bentConnector3">
+              <a:avLst/>
+            </a:prstGeom>
+            <a:ln>
+              <a:solidFill>
+                <a:srgbClr val="7030A0"/>
+              </a:solidFill>
+              <a:prstDash val="dash"/>
+              <a:tailEnd type="triangle"/>
+            </a:ln>
+          </p:spPr>
+          <p:style>
+            <a:lnRef idx="1">
+              <a:schemeClr val="accent1"/>
+            </a:lnRef>
+            <a:fillRef idx="0">
+              <a:schemeClr val="accent1"/>
+            </a:fillRef>
+            <a:effectRef idx="0">
+              <a:schemeClr val="accent1"/>
+            </a:effectRef>
+            <a:fontRef idx="minor">
+              <a:schemeClr val="tx1"/>
+            </a:fontRef>
+          </p:style>
+        </p:cxnSp>
+        <p:sp>
+          <p:nvSpPr>
+            <p:cNvPr id="55" name="Rectangle 54"/>
+            <p:cNvSpPr/>
+            <p:nvPr/>
+          </p:nvSpPr>
+          <p:spPr>
+            <a:xfrm>
+              <a:off x="7500633" y="1634969"/>
+              <a:ext cx="111349" cy="89195"/>
+            </a:xfrm>
+            <a:prstGeom prst="rect">
+              <a:avLst/>
+            </a:prstGeom>
+            <a:solidFill>
+              <a:srgbClr val="9A57CD"/>
+            </a:solidFill>
+            <a:ln w="9525">
+              <a:solidFill>
+                <a:srgbClr val="7030A0"/>
+              </a:solidFill>
+            </a:ln>
+          </p:spPr>
+          <p:style>
+            <a:lnRef idx="2">
+              <a:schemeClr val="accent1">
+                <a:shade val="50000"/>
+              </a:schemeClr>
+            </a:lnRef>
+            <a:fillRef idx="1">
+              <a:schemeClr val="accent1"/>
+            </a:fillRef>
+            <a:effectRef idx="0">
+              <a:schemeClr val="accent1"/>
+            </a:effectRef>
+            <a:fontRef idx="minor">
+              <a:schemeClr val="lt1"/>
+            </a:fontRef>
+          </p:style>
+          <p:txBody>
+            <a:bodyPr rot="0" spcFirstLastPara="0" vertOverflow="overflow" horzOverflow="overflow" vert="horz" wrap="square" lIns="91440" tIns="45720" rIns="91440" bIns="45720" numCol="1" spcCol="0" rtlCol="0" fromWordArt="0" anchor="ctr" anchorCtr="0" forceAA="0" compatLnSpc="1">
+              <a:prstTxWarp prst="textNoShape">
+                <a:avLst/>
+              </a:prstTxWarp>
+              <a:noAutofit/>
+            </a:bodyPr>
+            <a:lstStyle/>
+            <a:p>
+              <a:pPr algn="ctr"/>
+              <a:endParaRPr lang="en-US" sz="1600" dirty="0" err="1" smtClean="0">
+                <a:solidFill>
+                  <a:schemeClr val="accent1">
+                    <a:lumMod val="50000"/>
+                  </a:schemeClr>
                 </a:solidFill>
               </a:endParaRPr>
             </a:p>
@@ -4281,7 +5793,7 @@
     </p:spTree>
     <p:extLst>
       <p:ext uri="{BB962C8B-B14F-4D97-AF65-F5344CB8AC3E}">
-        <p14:creationId xmlns:p14="http://schemas.microsoft.com/office/powerpoint/2010/main" val="3687989585"/>
+        <p14:creationId xmlns:p14="http://schemas.microsoft.com/office/powerpoint/2010/main" val="2493299602"/>
       </p:ext>
     </p:extLst>
   </p:cSld>

--- a/docs/Java ULB Diagrams.pptx
+++ b/docs/Java ULB Diagrams.pptx
@@ -8,6 +8,7 @@
     <p:sldId id="256" r:id="rId2"/>
     <p:sldId id="257" r:id="rId3"/>
     <p:sldId id="258" r:id="rId4"/>
+    <p:sldId id="259" r:id="rId5"/>
   </p:sldIdLst>
   <p:sldSz cx="12192000" cy="6858000"/>
   <p:notesSz cx="6858000" cy="9144000"/>
@@ -245,7 +246,7 @@
           <a:p>
             <a:fld id="{E368026E-3E9B-4960-907A-2C0848B388A7}" type="datetimeFigureOut">
               <a:rPr lang="en-US" smtClean="0"/>
-              <a:t>3/25/2019</a:t>
+              <a:t>3/28/2019</a:t>
             </a:fld>
             <a:endParaRPr lang="en-US"/>
           </a:p>
@@ -415,7 +416,7 @@
           <a:p>
             <a:fld id="{E368026E-3E9B-4960-907A-2C0848B388A7}" type="datetimeFigureOut">
               <a:rPr lang="en-US" smtClean="0"/>
-              <a:t>3/25/2019</a:t>
+              <a:t>3/28/2019</a:t>
             </a:fld>
             <a:endParaRPr lang="en-US"/>
           </a:p>
@@ -595,7 +596,7 @@
           <a:p>
             <a:fld id="{E368026E-3E9B-4960-907A-2C0848B388A7}" type="datetimeFigureOut">
               <a:rPr lang="en-US" smtClean="0"/>
-              <a:t>3/25/2019</a:t>
+              <a:t>3/28/2019</a:t>
             </a:fld>
             <a:endParaRPr lang="en-US"/>
           </a:p>
@@ -765,7 +766,7 @@
           <a:p>
             <a:fld id="{E368026E-3E9B-4960-907A-2C0848B388A7}" type="datetimeFigureOut">
               <a:rPr lang="en-US" smtClean="0"/>
-              <a:t>3/25/2019</a:t>
+              <a:t>3/28/2019</a:t>
             </a:fld>
             <a:endParaRPr lang="en-US"/>
           </a:p>
@@ -1011,7 +1012,7 @@
           <a:p>
             <a:fld id="{E368026E-3E9B-4960-907A-2C0848B388A7}" type="datetimeFigureOut">
               <a:rPr lang="en-US" smtClean="0"/>
-              <a:t>3/25/2019</a:t>
+              <a:t>3/28/2019</a:t>
             </a:fld>
             <a:endParaRPr lang="en-US"/>
           </a:p>
@@ -1243,7 +1244,7 @@
           <a:p>
             <a:fld id="{E368026E-3E9B-4960-907A-2C0848B388A7}" type="datetimeFigureOut">
               <a:rPr lang="en-US" smtClean="0"/>
-              <a:t>3/25/2019</a:t>
+              <a:t>3/28/2019</a:t>
             </a:fld>
             <a:endParaRPr lang="en-US"/>
           </a:p>
@@ -1610,7 +1611,7 @@
           <a:p>
             <a:fld id="{E368026E-3E9B-4960-907A-2C0848B388A7}" type="datetimeFigureOut">
               <a:rPr lang="en-US" smtClean="0"/>
-              <a:t>3/25/2019</a:t>
+              <a:t>3/28/2019</a:t>
             </a:fld>
             <a:endParaRPr lang="en-US"/>
           </a:p>
@@ -1728,7 +1729,7 @@
           <a:p>
             <a:fld id="{E368026E-3E9B-4960-907A-2C0848B388A7}" type="datetimeFigureOut">
               <a:rPr lang="en-US" smtClean="0"/>
-              <a:t>3/25/2019</a:t>
+              <a:t>3/28/2019</a:t>
             </a:fld>
             <a:endParaRPr lang="en-US"/>
           </a:p>
@@ -1823,7 +1824,7 @@
           <a:p>
             <a:fld id="{E368026E-3E9B-4960-907A-2C0848B388A7}" type="datetimeFigureOut">
               <a:rPr lang="en-US" smtClean="0"/>
-              <a:t>3/25/2019</a:t>
+              <a:t>3/28/2019</a:t>
             </a:fld>
             <a:endParaRPr lang="en-US"/>
           </a:p>
@@ -2100,7 +2101,7 @@
           <a:p>
             <a:fld id="{E368026E-3E9B-4960-907A-2C0848B388A7}" type="datetimeFigureOut">
               <a:rPr lang="en-US" smtClean="0"/>
-              <a:t>3/25/2019</a:t>
+              <a:t>3/28/2019</a:t>
             </a:fld>
             <a:endParaRPr lang="en-US"/>
           </a:p>
@@ -2353,7 +2354,7 @@
           <a:p>
             <a:fld id="{E368026E-3E9B-4960-907A-2C0848B388A7}" type="datetimeFigureOut">
               <a:rPr lang="en-US" smtClean="0"/>
-              <a:t>3/25/2019</a:t>
+              <a:t>3/28/2019</a:t>
             </a:fld>
             <a:endParaRPr lang="en-US"/>
           </a:p>
@@ -2566,7 +2567,7 @@
           <a:p>
             <a:fld id="{E368026E-3E9B-4960-907A-2C0848B388A7}" type="datetimeFigureOut">
               <a:rPr lang="en-US" smtClean="0"/>
-              <a:t>3/25/2019</a:t>
+              <a:t>3/28/2019</a:t>
             </a:fld>
             <a:endParaRPr lang="en-US"/>
           </a:p>
@@ -4383,13 +4384,6 @@
                 </a:rPr>
                 <a:t>ThingSpan Page Cache</a:t>
               </a:r>
-              <a:endParaRPr lang="en-US" sz="1400" dirty="0" smtClean="0">
-                <a:solidFill>
-                  <a:schemeClr val="accent1">
-                    <a:lumMod val="50000"/>
-                  </a:schemeClr>
-                </a:solidFill>
-              </a:endParaRPr>
             </a:p>
           </p:txBody>
         </p:sp>
@@ -4458,13 +4452,6 @@
                 </a:rPr>
                 <a:t>ThingSpan Kernel</a:t>
               </a:r>
-              <a:endParaRPr lang="en-US" sz="1400" dirty="0" smtClean="0">
-                <a:solidFill>
-                  <a:schemeClr val="accent1">
-                    <a:lumMod val="50000"/>
-                  </a:schemeClr>
-                </a:solidFill>
-              </a:endParaRPr>
             </a:p>
           </p:txBody>
         </p:sp>
@@ -4533,13 +4520,6 @@
                 </a:rPr>
                 <a:t>ThingSpan JavaULB API</a:t>
               </a:r>
-              <a:endParaRPr lang="en-US" sz="1400" dirty="0" smtClean="0">
-                <a:solidFill>
-                  <a:schemeClr val="accent1">
-                    <a:lumMod val="50000"/>
-                  </a:schemeClr>
-                </a:solidFill>
-              </a:endParaRPr>
             </a:p>
           </p:txBody>
         </p:sp>
@@ -4608,13 +4588,6 @@
                 </a:rPr>
                 <a:t>Java Program</a:t>
               </a:r>
-              <a:endParaRPr lang="en-US" sz="1400" dirty="0" smtClean="0">
-                <a:solidFill>
-                  <a:schemeClr val="accent1">
-                    <a:lumMod val="50000"/>
-                  </a:schemeClr>
-                </a:solidFill>
-              </a:endParaRPr>
             </a:p>
           </p:txBody>
         </p:sp>
@@ -4677,13 +4650,6 @@
               </a:rPr>
               <a:t>ThingSpan FD</a:t>
             </a:r>
-            <a:endParaRPr lang="en-US" sz="1400" dirty="0" smtClean="0">
-              <a:solidFill>
-                <a:schemeClr val="accent1">
-                  <a:lumMod val="50000"/>
-                </a:schemeClr>
-              </a:solidFill>
-            </a:endParaRPr>
           </a:p>
         </p:txBody>
       </p:sp>
@@ -4765,13 +4731,6 @@
                 </a:rPr>
                 <a:t>ThingSpan Kernel</a:t>
               </a:r>
-              <a:endParaRPr lang="en-US" sz="1200" dirty="0" smtClean="0">
-                <a:solidFill>
-                  <a:schemeClr val="accent1">
-                    <a:lumMod val="50000"/>
-                  </a:schemeClr>
-                </a:solidFill>
-              </a:endParaRPr>
             </a:p>
           </p:txBody>
         </p:sp>
@@ -4839,13 +4798,6 @@
                 </a:rPr>
                 <a:t>ThingSpan JavaULB API</a:t>
               </a:r>
-              <a:endParaRPr lang="en-US" sz="1200" dirty="0" smtClean="0">
-                <a:solidFill>
-                  <a:schemeClr val="accent1">
-                    <a:lumMod val="50000"/>
-                  </a:schemeClr>
-                </a:solidFill>
-              </a:endParaRPr>
             </a:p>
           </p:txBody>
         </p:sp>
@@ -4913,13 +4865,6 @@
                 </a:rPr>
                 <a:t>Java Application</a:t>
               </a:r>
-              <a:endParaRPr lang="en-US" sz="1200" dirty="0" smtClean="0">
-                <a:solidFill>
-                  <a:schemeClr val="accent1">
-                    <a:lumMod val="50000"/>
-                  </a:schemeClr>
-                </a:solidFill>
-              </a:endParaRPr>
             </a:p>
           </p:txBody>
         </p:sp>
@@ -5158,13 +5103,6 @@
                   </a:rPr>
                   <a:t>ThingSpan Page Cache</a:t>
                 </a:r>
-                <a:endParaRPr lang="en-US" sz="1100" dirty="0" smtClean="0">
-                  <a:solidFill>
-                    <a:schemeClr val="accent1">
-                      <a:lumMod val="50000"/>
-                    </a:schemeClr>
-                  </a:solidFill>
-                </a:endParaRPr>
               </a:p>
             </p:txBody>
           </p:sp>
@@ -5541,13 +5479,6 @@
                   </a:rPr>
                   <a:t>ThingSpan FD</a:t>
                 </a:r>
-                <a:endParaRPr lang="en-US" sz="1200" dirty="0" smtClean="0">
-                  <a:solidFill>
-                    <a:schemeClr val="accent1">
-                      <a:lumMod val="50000"/>
-                    </a:schemeClr>
-                  </a:solidFill>
-                </a:endParaRPr>
               </a:p>
             </p:txBody>
           </p:sp>
@@ -5794,6 +5725,1481 @@
     <p:extLst>
       <p:ext uri="{BB962C8B-B14F-4D97-AF65-F5344CB8AC3E}">
         <p14:creationId xmlns:p14="http://schemas.microsoft.com/office/powerpoint/2010/main" val="2493299602"/>
+      </p:ext>
+    </p:extLst>
+  </p:cSld>
+  <p:clrMapOvr>
+    <a:masterClrMapping/>
+  </p:clrMapOvr>
+</p:sld>
+</file>
+
+<file path=ppt/slides/slide4.xml><?xml version="1.0" encoding="utf-8"?>
+<p:sld xmlns:a="http://schemas.openxmlformats.org/drawingml/2006/main" xmlns:r="http://schemas.openxmlformats.org/officeDocument/2006/relationships" xmlns:p="http://schemas.openxmlformats.org/presentationml/2006/main">
+  <p:cSld>
+    <p:spTree>
+      <p:nvGrpSpPr>
+        <p:cNvPr id="1" name=""/>
+        <p:cNvGrpSpPr/>
+        <p:nvPr/>
+      </p:nvGrpSpPr>
+      <p:grpSpPr>
+        <a:xfrm>
+          <a:off x="0" y="0"/>
+          <a:ext cx="0" cy="0"/>
+          <a:chOff x="0" y="0"/>
+          <a:chExt cx="0" cy="0"/>
+        </a:xfrm>
+      </p:grpSpPr>
+      <p:grpSp>
+        <p:nvGrpSpPr>
+          <p:cNvPr id="74" name="Group 73"/>
+          <p:cNvGrpSpPr/>
+          <p:nvPr/>
+        </p:nvGrpSpPr>
+        <p:grpSpPr>
+          <a:xfrm>
+            <a:off x="3188874" y="1664997"/>
+            <a:ext cx="4364114" cy="3467937"/>
+            <a:chOff x="3188874" y="1664997"/>
+            <a:chExt cx="4364114" cy="3467937"/>
+          </a:xfrm>
+        </p:grpSpPr>
+        <p:cxnSp>
+          <p:nvCxnSpPr>
+            <p:cNvPr id="9" name="Elbow Connector 8"/>
+            <p:cNvCxnSpPr>
+              <a:stCxn id="53" idx="3"/>
+              <a:endCxn id="7" idx="1"/>
+            </p:cNvCxnSpPr>
+            <p:nvPr/>
+          </p:nvCxnSpPr>
+          <p:spPr>
+            <a:xfrm flipV="1">
+              <a:off x="4056734" y="1818247"/>
+              <a:ext cx="1883065" cy="1075444"/>
+            </a:xfrm>
+            <a:prstGeom prst="bentConnector3">
+              <a:avLst/>
+            </a:prstGeom>
+            <a:ln w="19050">
+              <a:solidFill>
+                <a:srgbClr val="00B0F0"/>
+              </a:solidFill>
+              <a:tailEnd type="triangle"/>
+            </a:ln>
+          </p:spPr>
+          <p:style>
+            <a:lnRef idx="1">
+              <a:schemeClr val="accent1"/>
+            </a:lnRef>
+            <a:fillRef idx="0">
+              <a:schemeClr val="accent1"/>
+            </a:fillRef>
+            <a:effectRef idx="0">
+              <a:schemeClr val="accent1"/>
+            </a:effectRef>
+            <a:fontRef idx="minor">
+              <a:schemeClr val="tx1"/>
+            </a:fontRef>
+          </p:style>
+        </p:cxnSp>
+        <p:cxnSp>
+          <p:nvCxnSpPr>
+            <p:cNvPr id="10" name="Elbow Connector 9"/>
+            <p:cNvCxnSpPr>
+              <a:stCxn id="27" idx="3"/>
+              <a:endCxn id="8" idx="0"/>
+            </p:cNvCxnSpPr>
+            <p:nvPr/>
+          </p:nvCxnSpPr>
+          <p:spPr>
+            <a:xfrm flipH="1" flipV="1">
+              <a:off x="3640975" y="1664997"/>
+              <a:ext cx="3165877" cy="1364320"/>
+            </a:xfrm>
+            <a:prstGeom prst="bentConnector4">
+              <a:avLst>
+                <a:gd name="adj1" fmla="val -27546"/>
+                <a:gd name="adj2" fmla="val 122342"/>
+              </a:avLst>
+            </a:prstGeom>
+            <a:ln w="19050">
+              <a:solidFill>
+                <a:srgbClr val="00B0F0"/>
+              </a:solidFill>
+              <a:tailEnd type="triangle"/>
+            </a:ln>
+          </p:spPr>
+          <p:style>
+            <a:lnRef idx="1">
+              <a:schemeClr val="accent1"/>
+            </a:lnRef>
+            <a:fillRef idx="0">
+              <a:schemeClr val="accent1"/>
+            </a:fillRef>
+            <a:effectRef idx="0">
+              <a:schemeClr val="accent1"/>
+            </a:effectRef>
+            <a:fontRef idx="minor">
+              <a:schemeClr val="tx1"/>
+            </a:fontRef>
+          </p:style>
+        </p:cxnSp>
+        <p:grpSp>
+          <p:nvGrpSpPr>
+            <p:cNvPr id="59" name="Group 58"/>
+            <p:cNvGrpSpPr/>
+            <p:nvPr/>
+          </p:nvGrpSpPr>
+          <p:grpSpPr>
+            <a:xfrm>
+              <a:off x="5939799" y="1695136"/>
+              <a:ext cx="1561650" cy="1625098"/>
+              <a:chOff x="6514879" y="694811"/>
+              <a:chExt cx="1629780" cy="1963865"/>
+            </a:xfrm>
+          </p:grpSpPr>
+          <p:sp>
+            <p:nvSpPr>
+              <p:cNvPr id="7" name="TextBox 6"/>
+              <p:cNvSpPr txBox="1"/>
+              <p:nvPr/>
+            </p:nvSpPr>
+            <p:spPr>
+              <a:xfrm>
+                <a:off x="6514879" y="694811"/>
+                <a:ext cx="1039240" cy="297548"/>
+              </a:xfrm>
+              <a:prstGeom prst="rect">
+                <a:avLst/>
+              </a:prstGeom>
+              <a:noFill/>
+            </p:spPr>
+            <p:txBody>
+              <a:bodyPr wrap="square" rtlCol="0">
+                <a:spAutoFit/>
+              </a:bodyPr>
+              <a:lstStyle/>
+              <a:p>
+                <a:r>
+                  <a:rPr lang="en-US" sz="1000" dirty="0" smtClean="0">
+                    <a:solidFill>
+                      <a:srgbClr val="FF0000"/>
+                    </a:solidFill>
+                  </a:rPr>
+                  <a:t>OID: </a:t>
+                </a:r>
+                <a:r>
+                  <a:rPr lang="en-US" sz="1000" dirty="0" smtClean="0">
+                    <a:solidFill>
+                      <a:srgbClr val="FF0000"/>
+                    </a:solidFill>
+                  </a:rPr>
+                  <a:t>3-3-1-8</a:t>
+                </a:r>
+                <a:endParaRPr lang="en-US" sz="1000" dirty="0">
+                  <a:solidFill>
+                    <a:srgbClr val="FF0000"/>
+                  </a:solidFill>
+                </a:endParaRPr>
+              </a:p>
+            </p:txBody>
+          </p:sp>
+          <p:sp>
+            <p:nvSpPr>
+              <p:cNvPr id="18" name="Rectangle 17"/>
+              <p:cNvSpPr/>
+              <p:nvPr/>
+            </p:nvSpPr>
+            <p:spPr>
+              <a:xfrm>
+                <a:off x="6587283" y="916067"/>
+                <a:ext cx="1557376" cy="244159"/>
+              </a:xfrm>
+              <a:prstGeom prst="rect">
+                <a:avLst/>
+              </a:prstGeom>
+              <a:noFill/>
+              <a:ln w="9525"/>
+            </p:spPr>
+            <p:style>
+              <a:lnRef idx="2">
+                <a:schemeClr val="accent1">
+                  <a:shade val="50000"/>
+                </a:schemeClr>
+              </a:lnRef>
+              <a:fillRef idx="1">
+                <a:schemeClr val="accent1"/>
+              </a:fillRef>
+              <a:effectRef idx="0">
+                <a:schemeClr val="accent1"/>
+              </a:effectRef>
+              <a:fontRef idx="minor">
+                <a:schemeClr val="lt1"/>
+              </a:fontRef>
+            </p:style>
+            <p:txBody>
+              <a:bodyPr rot="0" spcFirstLastPara="0" vertOverflow="overflow" horzOverflow="overflow" vert="horz" wrap="square" lIns="91440" tIns="45720" rIns="91440" bIns="45720" numCol="1" spcCol="0" rtlCol="0" fromWordArt="0" anchor="ctr" anchorCtr="0" forceAA="0" compatLnSpc="1">
+                <a:prstTxWarp prst="textNoShape">
+                  <a:avLst/>
+                </a:prstTxWarp>
+                <a:noAutofit/>
+              </a:bodyPr>
+              <a:lstStyle/>
+              <a:p>
+                <a:pPr algn="ctr"/>
+                <a:r>
+                  <a:rPr lang="en-US" sz="1000" dirty="0" smtClean="0">
+                    <a:solidFill>
+                      <a:schemeClr val="accent1">
+                        <a:lumMod val="50000"/>
+                      </a:schemeClr>
+                    </a:solidFill>
+                  </a:rPr>
+                  <a:t>Person</a:t>
+                </a:r>
+                <a:endParaRPr lang="en-US" sz="1000" dirty="0">
+                  <a:solidFill>
+                    <a:schemeClr val="accent1">
+                      <a:lumMod val="50000"/>
+                    </a:schemeClr>
+                  </a:solidFill>
+                </a:endParaRPr>
+              </a:p>
+            </p:txBody>
+          </p:sp>
+          <p:sp>
+            <p:nvSpPr>
+              <p:cNvPr id="19" name="Rectangle 18"/>
+              <p:cNvSpPr/>
+              <p:nvPr/>
+            </p:nvSpPr>
+            <p:spPr>
+              <a:xfrm>
+                <a:off x="6587283" y="1160225"/>
+                <a:ext cx="1557376" cy="1498451"/>
+              </a:xfrm>
+              <a:prstGeom prst="rect">
+                <a:avLst/>
+              </a:prstGeom>
+              <a:noFill/>
+              <a:ln w="9525"/>
+            </p:spPr>
+            <p:style>
+              <a:lnRef idx="2">
+                <a:schemeClr val="accent1">
+                  <a:shade val="50000"/>
+                </a:schemeClr>
+              </a:lnRef>
+              <a:fillRef idx="1">
+                <a:schemeClr val="accent1"/>
+              </a:fillRef>
+              <a:effectRef idx="0">
+                <a:schemeClr val="accent1"/>
+              </a:effectRef>
+              <a:fontRef idx="minor">
+                <a:schemeClr val="lt1"/>
+              </a:fontRef>
+            </p:style>
+            <p:txBody>
+              <a:bodyPr rot="0" spcFirstLastPara="0" vertOverflow="overflow" horzOverflow="overflow" vert="horz" wrap="square" lIns="91440" tIns="45720" rIns="91440" bIns="45720" numCol="1" spcCol="0" rtlCol="0" fromWordArt="0" anchor="t" anchorCtr="0" forceAA="0" compatLnSpc="1">
+                <a:prstTxWarp prst="textNoShape">
+                  <a:avLst/>
+                </a:prstTxWarp>
+                <a:noAutofit/>
+              </a:bodyPr>
+              <a:lstStyle/>
+              <a:p>
+                <a:r>
+                  <a:rPr lang="en-US" sz="900" dirty="0" err="1" smtClean="0">
+                    <a:solidFill>
+                      <a:schemeClr val="accent1">
+                        <a:lumMod val="50000"/>
+                      </a:schemeClr>
+                    </a:solidFill>
+                  </a:rPr>
+                  <a:t>FirstName</a:t>
+                </a:r>
+                <a:r>
+                  <a:rPr lang="en-US" sz="900" dirty="0" smtClean="0">
+                    <a:solidFill>
+                      <a:schemeClr val="accent1">
+                        <a:lumMod val="50000"/>
+                      </a:schemeClr>
+                    </a:solidFill>
+                  </a:rPr>
+                  <a:t>:        Tracy</a:t>
+                </a:r>
+                <a:endParaRPr lang="en-US" sz="900" dirty="0" smtClean="0">
+                  <a:solidFill>
+                    <a:schemeClr val="accent1">
+                      <a:lumMod val="50000"/>
+                    </a:schemeClr>
+                  </a:solidFill>
+                </a:endParaRPr>
+              </a:p>
+              <a:p>
+                <a:r>
+                  <a:rPr lang="en-US" sz="900" dirty="0" err="1" smtClean="0">
+                    <a:solidFill>
+                      <a:schemeClr val="accent5">
+                        <a:lumMod val="75000"/>
+                      </a:schemeClr>
+                    </a:solidFill>
+                  </a:rPr>
+                  <a:t>LastName</a:t>
+                </a:r>
+                <a:r>
+                  <a:rPr lang="en-US" sz="900" dirty="0" smtClean="0">
+                    <a:solidFill>
+                      <a:schemeClr val="accent5">
+                        <a:lumMod val="75000"/>
+                      </a:schemeClr>
+                    </a:solidFill>
+                  </a:rPr>
+                  <a:t>:         Michaels</a:t>
+                </a:r>
+                <a:endParaRPr lang="en-US" sz="900" dirty="0" smtClean="0">
+                  <a:solidFill>
+                    <a:schemeClr val="accent5">
+                      <a:lumMod val="75000"/>
+                    </a:schemeClr>
+                  </a:solidFill>
+                </a:endParaRPr>
+              </a:p>
+              <a:p>
+                <a:r>
+                  <a:rPr lang="en-US" sz="900" dirty="0" err="1" smtClean="0">
+                    <a:solidFill>
+                      <a:schemeClr val="accent5">
+                        <a:lumMod val="75000"/>
+                      </a:schemeClr>
+                    </a:solidFill>
+                  </a:rPr>
+                  <a:t>MiddleInitial</a:t>
+                </a:r>
+                <a:r>
+                  <a:rPr lang="en-US" sz="900" dirty="0" smtClean="0">
+                    <a:solidFill>
+                      <a:schemeClr val="accent5">
+                        <a:lumMod val="75000"/>
+                      </a:schemeClr>
+                    </a:solidFill>
+                  </a:rPr>
+                  <a:t>:    A</a:t>
+                </a:r>
+                <a:endParaRPr lang="en-US" sz="900" dirty="0" smtClean="0">
+                  <a:solidFill>
+                    <a:schemeClr val="accent5">
+                      <a:lumMod val="75000"/>
+                    </a:schemeClr>
+                  </a:solidFill>
+                </a:endParaRPr>
+              </a:p>
+              <a:p>
+                <a:endParaRPr lang="en-US" sz="900" dirty="0">
+                  <a:solidFill>
+                    <a:schemeClr val="accent5">
+                      <a:lumMod val="75000"/>
+                    </a:schemeClr>
+                  </a:solidFill>
+                </a:endParaRPr>
+              </a:p>
+              <a:p>
+                <a:r>
+                  <a:rPr lang="en-US" sz="900" dirty="0" smtClean="0">
+                    <a:solidFill>
+                      <a:schemeClr val="accent5">
+                        <a:lumMod val="75000"/>
+                      </a:schemeClr>
+                    </a:solidFill>
+                  </a:rPr>
+                  <a:t>Knows { … }</a:t>
+                </a:r>
+              </a:p>
+              <a:p>
+                <a:r>
+                  <a:rPr lang="en-US" sz="900" dirty="0" err="1" smtClean="0">
+                    <a:solidFill>
+                      <a:schemeClr val="accent5">
+                        <a:lumMod val="75000"/>
+                      </a:schemeClr>
+                    </a:solidFill>
+                  </a:rPr>
+                  <a:t>KnownBy</a:t>
+                </a:r>
+                <a:r>
+                  <a:rPr lang="en-US" sz="900" dirty="0" smtClean="0">
+                    <a:solidFill>
+                      <a:schemeClr val="accent5">
+                        <a:lumMod val="75000"/>
+                      </a:schemeClr>
+                    </a:solidFill>
+                  </a:rPr>
+                  <a:t> {</a:t>
+                </a:r>
+              </a:p>
+              <a:p>
+                <a:r>
+                  <a:rPr lang="en-US" sz="900" dirty="0" smtClean="0">
+                    <a:solidFill>
+                      <a:schemeClr val="accent5">
+                        <a:lumMod val="75000"/>
+                      </a:schemeClr>
+                    </a:solidFill>
+                  </a:rPr>
+                  <a:t>    3-3-1-4,</a:t>
+                </a:r>
+                <a:endParaRPr lang="en-US" sz="900" dirty="0">
+                  <a:solidFill>
+                    <a:schemeClr val="accent5">
+                      <a:lumMod val="75000"/>
+                    </a:schemeClr>
+                  </a:solidFill>
+                </a:endParaRPr>
+              </a:p>
+              <a:p>
+                <a:r>
+                  <a:rPr lang="en-US" sz="900" dirty="0" smtClean="0">
+                    <a:solidFill>
+                      <a:schemeClr val="accent5">
+                        <a:lumMod val="75000"/>
+                      </a:schemeClr>
+                    </a:solidFill>
+                  </a:rPr>
+                  <a:t>}</a:t>
+                </a:r>
+                <a:endParaRPr lang="en-US" sz="900" dirty="0" smtClean="0">
+                  <a:solidFill>
+                    <a:schemeClr val="accent5">
+                      <a:lumMod val="75000"/>
+                    </a:schemeClr>
+                  </a:solidFill>
+                </a:endParaRPr>
+              </a:p>
+            </p:txBody>
+          </p:sp>
+          <p:sp>
+            <p:nvSpPr>
+              <p:cNvPr id="27" name="Rectangle 26"/>
+              <p:cNvSpPr/>
+              <p:nvPr/>
+            </p:nvSpPr>
+            <p:spPr>
+              <a:xfrm>
+                <a:off x="7312183" y="2250013"/>
+                <a:ext cx="107576" cy="114204"/>
+              </a:xfrm>
+              <a:prstGeom prst="rect">
+                <a:avLst/>
+              </a:prstGeom>
+              <a:noFill/>
+              <a:ln w="9525">
+                <a:noFill/>
+              </a:ln>
+            </p:spPr>
+            <p:style>
+              <a:lnRef idx="2">
+                <a:schemeClr val="accent1">
+                  <a:shade val="50000"/>
+                </a:schemeClr>
+              </a:lnRef>
+              <a:fillRef idx="1">
+                <a:schemeClr val="accent1"/>
+              </a:fillRef>
+              <a:effectRef idx="0">
+                <a:schemeClr val="accent1"/>
+              </a:effectRef>
+              <a:fontRef idx="minor">
+                <a:schemeClr val="lt1"/>
+              </a:fontRef>
+            </p:style>
+            <p:txBody>
+              <a:bodyPr rot="0" spcFirstLastPara="0" vertOverflow="overflow" horzOverflow="overflow" vert="horz" wrap="square" lIns="91440" tIns="45720" rIns="91440" bIns="45720" numCol="1" spcCol="0" rtlCol="0" fromWordArt="0" anchor="ctr" anchorCtr="0" forceAA="0" compatLnSpc="1">
+                <a:prstTxWarp prst="textNoShape">
+                  <a:avLst/>
+                </a:prstTxWarp>
+                <a:noAutofit/>
+              </a:bodyPr>
+              <a:lstStyle/>
+              <a:p>
+                <a:pPr algn="ctr"/>
+                <a:endParaRPr lang="en-US" sz="1200" dirty="0" err="1" smtClean="0">
+                  <a:solidFill>
+                    <a:schemeClr val="accent1">
+                      <a:lumMod val="50000"/>
+                    </a:schemeClr>
+                  </a:solidFill>
+                </a:endParaRPr>
+              </a:p>
+            </p:txBody>
+          </p:sp>
+        </p:grpSp>
+        <p:grpSp>
+          <p:nvGrpSpPr>
+            <p:cNvPr id="60" name="Group 59"/>
+            <p:cNvGrpSpPr/>
+            <p:nvPr/>
+          </p:nvGrpSpPr>
+          <p:grpSpPr>
+            <a:xfrm>
+              <a:off x="5991338" y="3507836"/>
+              <a:ext cx="1561650" cy="1625098"/>
+              <a:chOff x="6568667" y="2885384"/>
+              <a:chExt cx="1629780" cy="1963865"/>
+            </a:xfrm>
+          </p:grpSpPr>
+          <p:sp>
+            <p:nvSpPr>
+              <p:cNvPr id="32" name="TextBox 31"/>
+              <p:cNvSpPr txBox="1"/>
+              <p:nvPr/>
+            </p:nvSpPr>
+            <p:spPr>
+              <a:xfrm>
+                <a:off x="6568667" y="2885384"/>
+                <a:ext cx="1039240" cy="297548"/>
+              </a:xfrm>
+              <a:prstGeom prst="rect">
+                <a:avLst/>
+              </a:prstGeom>
+              <a:noFill/>
+            </p:spPr>
+            <p:txBody>
+              <a:bodyPr wrap="square" rtlCol="0">
+                <a:spAutoFit/>
+              </a:bodyPr>
+              <a:lstStyle/>
+              <a:p>
+                <a:r>
+                  <a:rPr lang="en-US" sz="1000" dirty="0" smtClean="0">
+                    <a:solidFill>
+                      <a:srgbClr val="FF0000"/>
+                    </a:solidFill>
+                  </a:rPr>
+                  <a:t>OID: </a:t>
+                </a:r>
+                <a:r>
+                  <a:rPr lang="en-US" sz="1000" dirty="0" smtClean="0">
+                    <a:solidFill>
+                      <a:srgbClr val="FF0000"/>
+                    </a:solidFill>
+                  </a:rPr>
+                  <a:t>3-3-1-12</a:t>
+                </a:r>
+                <a:endParaRPr lang="en-US" sz="1000" dirty="0">
+                  <a:solidFill>
+                    <a:srgbClr val="FF0000"/>
+                  </a:solidFill>
+                </a:endParaRPr>
+              </a:p>
+            </p:txBody>
+          </p:sp>
+          <p:sp>
+            <p:nvSpPr>
+              <p:cNvPr id="33" name="Rectangle 32"/>
+              <p:cNvSpPr/>
+              <p:nvPr/>
+            </p:nvSpPr>
+            <p:spPr>
+              <a:xfrm>
+                <a:off x="6641071" y="3106640"/>
+                <a:ext cx="1557376" cy="244159"/>
+              </a:xfrm>
+              <a:prstGeom prst="rect">
+                <a:avLst/>
+              </a:prstGeom>
+              <a:noFill/>
+              <a:ln w="9525"/>
+            </p:spPr>
+            <p:style>
+              <a:lnRef idx="2">
+                <a:schemeClr val="accent1">
+                  <a:shade val="50000"/>
+                </a:schemeClr>
+              </a:lnRef>
+              <a:fillRef idx="1">
+                <a:schemeClr val="accent1"/>
+              </a:fillRef>
+              <a:effectRef idx="0">
+                <a:schemeClr val="accent1"/>
+              </a:effectRef>
+              <a:fontRef idx="minor">
+                <a:schemeClr val="lt1"/>
+              </a:fontRef>
+            </p:style>
+            <p:txBody>
+              <a:bodyPr rot="0" spcFirstLastPara="0" vertOverflow="overflow" horzOverflow="overflow" vert="horz" wrap="square" lIns="91440" tIns="45720" rIns="91440" bIns="45720" numCol="1" spcCol="0" rtlCol="0" fromWordArt="0" anchor="ctr" anchorCtr="0" forceAA="0" compatLnSpc="1">
+                <a:prstTxWarp prst="textNoShape">
+                  <a:avLst/>
+                </a:prstTxWarp>
+                <a:noAutofit/>
+              </a:bodyPr>
+              <a:lstStyle/>
+              <a:p>
+                <a:pPr algn="ctr"/>
+                <a:r>
+                  <a:rPr lang="en-US" sz="1000" dirty="0" smtClean="0">
+                    <a:solidFill>
+                      <a:schemeClr val="accent1">
+                        <a:lumMod val="50000"/>
+                      </a:schemeClr>
+                    </a:solidFill>
+                  </a:rPr>
+                  <a:t>Person</a:t>
+                </a:r>
+                <a:endParaRPr lang="en-US" sz="1000" dirty="0">
+                  <a:solidFill>
+                    <a:schemeClr val="accent1">
+                      <a:lumMod val="50000"/>
+                    </a:schemeClr>
+                  </a:solidFill>
+                </a:endParaRPr>
+              </a:p>
+            </p:txBody>
+          </p:sp>
+          <p:sp>
+            <p:nvSpPr>
+              <p:cNvPr id="34" name="Rectangle 33"/>
+              <p:cNvSpPr/>
+              <p:nvPr/>
+            </p:nvSpPr>
+            <p:spPr>
+              <a:xfrm>
+                <a:off x="6641071" y="3350798"/>
+                <a:ext cx="1557376" cy="1498451"/>
+              </a:xfrm>
+              <a:prstGeom prst="rect">
+                <a:avLst/>
+              </a:prstGeom>
+              <a:noFill/>
+              <a:ln w="9525"/>
+            </p:spPr>
+            <p:style>
+              <a:lnRef idx="2">
+                <a:schemeClr val="accent1">
+                  <a:shade val="50000"/>
+                </a:schemeClr>
+              </a:lnRef>
+              <a:fillRef idx="1">
+                <a:schemeClr val="accent1"/>
+              </a:fillRef>
+              <a:effectRef idx="0">
+                <a:schemeClr val="accent1"/>
+              </a:effectRef>
+              <a:fontRef idx="minor">
+                <a:schemeClr val="lt1"/>
+              </a:fontRef>
+            </p:style>
+            <p:txBody>
+              <a:bodyPr rot="0" spcFirstLastPara="0" vertOverflow="overflow" horzOverflow="overflow" vert="horz" wrap="square" lIns="91440" tIns="45720" rIns="91440" bIns="45720" numCol="1" spcCol="0" rtlCol="0" fromWordArt="0" anchor="t" anchorCtr="0" forceAA="0" compatLnSpc="1">
+                <a:prstTxWarp prst="textNoShape">
+                  <a:avLst/>
+                </a:prstTxWarp>
+                <a:noAutofit/>
+              </a:bodyPr>
+              <a:lstStyle/>
+              <a:p>
+                <a:r>
+                  <a:rPr lang="en-US" sz="900" dirty="0" err="1" smtClean="0">
+                    <a:solidFill>
+                      <a:schemeClr val="accent1">
+                        <a:lumMod val="50000"/>
+                      </a:schemeClr>
+                    </a:solidFill>
+                  </a:rPr>
+                  <a:t>FirstName</a:t>
+                </a:r>
+                <a:r>
+                  <a:rPr lang="en-US" sz="900" dirty="0" smtClean="0">
+                    <a:solidFill>
+                      <a:schemeClr val="accent1">
+                        <a:lumMod val="50000"/>
+                      </a:schemeClr>
+                    </a:solidFill>
+                  </a:rPr>
+                  <a:t>:        Diane</a:t>
+                </a:r>
+                <a:endParaRPr lang="en-US" sz="900" dirty="0" smtClean="0">
+                  <a:solidFill>
+                    <a:schemeClr val="accent1">
+                      <a:lumMod val="50000"/>
+                    </a:schemeClr>
+                  </a:solidFill>
+                </a:endParaRPr>
+              </a:p>
+              <a:p>
+                <a:r>
+                  <a:rPr lang="en-US" sz="900" dirty="0" err="1" smtClean="0">
+                    <a:solidFill>
+                      <a:schemeClr val="accent5">
+                        <a:lumMod val="75000"/>
+                      </a:schemeClr>
+                    </a:solidFill>
+                  </a:rPr>
+                  <a:t>LastName</a:t>
+                </a:r>
+                <a:r>
+                  <a:rPr lang="en-US" sz="900" dirty="0" smtClean="0">
+                    <a:solidFill>
+                      <a:schemeClr val="accent5">
+                        <a:lumMod val="75000"/>
+                      </a:schemeClr>
+                    </a:solidFill>
+                  </a:rPr>
+                  <a:t>:         </a:t>
+                </a:r>
+                <a:r>
+                  <a:rPr lang="en-US" sz="900" dirty="0" err="1" smtClean="0">
+                    <a:solidFill>
+                      <a:schemeClr val="accent5">
+                        <a:lumMod val="75000"/>
+                      </a:schemeClr>
+                    </a:solidFill>
+                  </a:rPr>
+                  <a:t>Thoman</a:t>
+                </a:r>
+                <a:endParaRPr lang="en-US" sz="900" dirty="0" smtClean="0">
+                  <a:solidFill>
+                    <a:schemeClr val="accent5">
+                      <a:lumMod val="75000"/>
+                    </a:schemeClr>
+                  </a:solidFill>
+                </a:endParaRPr>
+              </a:p>
+              <a:p>
+                <a:r>
+                  <a:rPr lang="en-US" sz="900" dirty="0" err="1" smtClean="0">
+                    <a:solidFill>
+                      <a:schemeClr val="accent5">
+                        <a:lumMod val="75000"/>
+                      </a:schemeClr>
+                    </a:solidFill>
+                  </a:rPr>
+                  <a:t>MiddleInitial</a:t>
+                </a:r>
+                <a:r>
+                  <a:rPr lang="en-US" sz="900" dirty="0" smtClean="0">
+                    <a:solidFill>
+                      <a:schemeClr val="accent5">
+                        <a:lumMod val="75000"/>
+                      </a:schemeClr>
+                    </a:solidFill>
+                  </a:rPr>
+                  <a:t>:    M</a:t>
+                </a:r>
+                <a:endParaRPr lang="en-US" sz="900" dirty="0" smtClean="0">
+                  <a:solidFill>
+                    <a:schemeClr val="accent5">
+                      <a:lumMod val="75000"/>
+                    </a:schemeClr>
+                  </a:solidFill>
+                </a:endParaRPr>
+              </a:p>
+              <a:p>
+                <a:endParaRPr lang="en-US" sz="900" dirty="0">
+                  <a:solidFill>
+                    <a:schemeClr val="accent5">
+                      <a:lumMod val="75000"/>
+                    </a:schemeClr>
+                  </a:solidFill>
+                </a:endParaRPr>
+              </a:p>
+              <a:p>
+                <a:r>
+                  <a:rPr lang="en-US" sz="900" dirty="0" smtClean="0">
+                    <a:solidFill>
+                      <a:schemeClr val="accent5">
+                        <a:lumMod val="75000"/>
+                      </a:schemeClr>
+                    </a:solidFill>
+                  </a:rPr>
+                  <a:t>Knows { … }</a:t>
+                </a:r>
+              </a:p>
+              <a:p>
+                <a:r>
+                  <a:rPr lang="en-US" sz="900" dirty="0" err="1" smtClean="0">
+                    <a:solidFill>
+                      <a:schemeClr val="accent5">
+                        <a:lumMod val="75000"/>
+                      </a:schemeClr>
+                    </a:solidFill>
+                  </a:rPr>
+                  <a:t>KnownBy</a:t>
+                </a:r>
+                <a:r>
+                  <a:rPr lang="en-US" sz="900" dirty="0" smtClean="0">
+                    <a:solidFill>
+                      <a:schemeClr val="accent5">
+                        <a:lumMod val="75000"/>
+                      </a:schemeClr>
+                    </a:solidFill>
+                  </a:rPr>
+                  <a:t> {</a:t>
+                </a:r>
+              </a:p>
+              <a:p>
+                <a:r>
+                  <a:rPr lang="en-US" sz="900" dirty="0" smtClean="0">
+                    <a:solidFill>
+                      <a:schemeClr val="accent5">
+                        <a:lumMod val="75000"/>
+                      </a:schemeClr>
+                    </a:solidFill>
+                  </a:rPr>
+                  <a:t>    3-3-1-4,</a:t>
+                </a:r>
+                <a:endParaRPr lang="en-US" sz="900" dirty="0">
+                  <a:solidFill>
+                    <a:schemeClr val="accent5">
+                      <a:lumMod val="75000"/>
+                    </a:schemeClr>
+                  </a:solidFill>
+                </a:endParaRPr>
+              </a:p>
+              <a:p>
+                <a:r>
+                  <a:rPr lang="en-US" sz="900" dirty="0" smtClean="0">
+                    <a:solidFill>
+                      <a:schemeClr val="accent5">
+                        <a:lumMod val="75000"/>
+                      </a:schemeClr>
+                    </a:solidFill>
+                  </a:rPr>
+                  <a:t>}</a:t>
+                </a:r>
+                <a:endParaRPr lang="en-US" sz="900" dirty="0" smtClean="0">
+                  <a:solidFill>
+                    <a:schemeClr val="accent5">
+                      <a:lumMod val="75000"/>
+                    </a:schemeClr>
+                  </a:solidFill>
+                </a:endParaRPr>
+              </a:p>
+            </p:txBody>
+          </p:sp>
+          <p:sp>
+            <p:nvSpPr>
+              <p:cNvPr id="35" name="Rectangle 34"/>
+              <p:cNvSpPr/>
+              <p:nvPr/>
+            </p:nvSpPr>
+            <p:spPr>
+              <a:xfrm>
+                <a:off x="7365971" y="4417534"/>
+                <a:ext cx="107576" cy="114204"/>
+              </a:xfrm>
+              <a:prstGeom prst="rect">
+                <a:avLst/>
+              </a:prstGeom>
+              <a:noFill/>
+              <a:ln w="9525">
+                <a:noFill/>
+              </a:ln>
+            </p:spPr>
+            <p:style>
+              <a:lnRef idx="2">
+                <a:schemeClr val="accent1">
+                  <a:shade val="50000"/>
+                </a:schemeClr>
+              </a:lnRef>
+              <a:fillRef idx="1">
+                <a:schemeClr val="accent1"/>
+              </a:fillRef>
+              <a:effectRef idx="0">
+                <a:schemeClr val="accent1"/>
+              </a:effectRef>
+              <a:fontRef idx="minor">
+                <a:schemeClr val="lt1"/>
+              </a:fontRef>
+            </p:style>
+            <p:txBody>
+              <a:bodyPr rot="0" spcFirstLastPara="0" vertOverflow="overflow" horzOverflow="overflow" vert="horz" wrap="square" lIns="91440" tIns="45720" rIns="91440" bIns="45720" numCol="1" spcCol="0" rtlCol="0" fromWordArt="0" anchor="ctr" anchorCtr="0" forceAA="0" compatLnSpc="1">
+                <a:prstTxWarp prst="textNoShape">
+                  <a:avLst/>
+                </a:prstTxWarp>
+                <a:noAutofit/>
+              </a:bodyPr>
+              <a:lstStyle/>
+              <a:p>
+                <a:pPr algn="ctr"/>
+                <a:endParaRPr lang="en-US" sz="1200" dirty="0" err="1" smtClean="0">
+                  <a:solidFill>
+                    <a:schemeClr val="accent1">
+                      <a:lumMod val="50000"/>
+                    </a:schemeClr>
+                  </a:solidFill>
+                </a:endParaRPr>
+              </a:p>
+            </p:txBody>
+          </p:sp>
+        </p:grpSp>
+        <p:cxnSp>
+          <p:nvCxnSpPr>
+            <p:cNvPr id="37" name="Elbow Connector 36"/>
+            <p:cNvCxnSpPr>
+              <a:stCxn id="35" idx="3"/>
+              <a:endCxn id="8" idx="0"/>
+            </p:cNvCxnSpPr>
+            <p:nvPr/>
+          </p:nvCxnSpPr>
+          <p:spPr>
+            <a:xfrm flipH="1" flipV="1">
+              <a:off x="3640975" y="1664997"/>
+              <a:ext cx="3217416" cy="3157945"/>
+            </a:xfrm>
+            <a:prstGeom prst="bentConnector4">
+              <a:avLst>
+                <a:gd name="adj1" fmla="val -30789"/>
+                <a:gd name="adj2" fmla="val 114478"/>
+              </a:avLst>
+            </a:prstGeom>
+            <a:ln w="19050">
+              <a:solidFill>
+                <a:srgbClr val="00B0F0"/>
+              </a:solidFill>
+              <a:tailEnd type="triangle"/>
+            </a:ln>
+          </p:spPr>
+          <p:style>
+            <a:lnRef idx="1">
+              <a:schemeClr val="accent1"/>
+            </a:lnRef>
+            <a:fillRef idx="0">
+              <a:schemeClr val="accent1"/>
+            </a:fillRef>
+            <a:effectRef idx="0">
+              <a:schemeClr val="accent1"/>
+            </a:effectRef>
+            <a:fontRef idx="minor">
+              <a:schemeClr val="tx1"/>
+            </a:fontRef>
+          </p:style>
+        </p:cxnSp>
+        <p:cxnSp>
+          <p:nvCxnSpPr>
+            <p:cNvPr id="49" name="Elbow Connector 48"/>
+            <p:cNvCxnSpPr>
+              <a:stCxn id="55" idx="3"/>
+              <a:endCxn id="32" idx="1"/>
+            </p:cNvCxnSpPr>
+            <p:nvPr/>
+          </p:nvCxnSpPr>
+          <p:spPr>
+            <a:xfrm>
+              <a:off x="4056734" y="3029611"/>
+              <a:ext cx="1934604" cy="601336"/>
+            </a:xfrm>
+            <a:prstGeom prst="bentConnector3">
+              <a:avLst/>
+            </a:prstGeom>
+            <a:ln w="19050">
+              <a:solidFill>
+                <a:srgbClr val="00B0F0"/>
+              </a:solidFill>
+              <a:tailEnd type="triangle"/>
+            </a:ln>
+          </p:spPr>
+          <p:style>
+            <a:lnRef idx="1">
+              <a:schemeClr val="accent1"/>
+            </a:lnRef>
+            <a:fillRef idx="0">
+              <a:schemeClr val="accent1"/>
+            </a:fillRef>
+            <a:effectRef idx="0">
+              <a:schemeClr val="accent1"/>
+            </a:effectRef>
+            <a:fontRef idx="minor">
+              <a:schemeClr val="tx1"/>
+            </a:fontRef>
+          </p:style>
+        </p:cxnSp>
+        <p:grpSp>
+          <p:nvGrpSpPr>
+            <p:cNvPr id="58" name="Group 57"/>
+            <p:cNvGrpSpPr/>
+            <p:nvPr/>
+          </p:nvGrpSpPr>
+          <p:grpSpPr>
+            <a:xfrm>
+              <a:off x="3188874" y="1664997"/>
+              <a:ext cx="1492273" cy="1845994"/>
+              <a:chOff x="3643940" y="658389"/>
+              <a:chExt cx="1557376" cy="2230808"/>
+            </a:xfrm>
+          </p:grpSpPr>
+          <p:sp>
+            <p:nvSpPr>
+              <p:cNvPr id="15" name="Rectangle 14"/>
+              <p:cNvSpPr/>
+              <p:nvPr/>
+            </p:nvSpPr>
+            <p:spPr>
+              <a:xfrm>
+                <a:off x="3643940" y="916067"/>
+                <a:ext cx="1557376" cy="244159"/>
+              </a:xfrm>
+              <a:prstGeom prst="rect">
+                <a:avLst/>
+              </a:prstGeom>
+              <a:noFill/>
+              <a:ln w="9525"/>
+            </p:spPr>
+            <p:style>
+              <a:lnRef idx="2">
+                <a:schemeClr val="accent1">
+                  <a:shade val="50000"/>
+                </a:schemeClr>
+              </a:lnRef>
+              <a:fillRef idx="1">
+                <a:schemeClr val="accent1"/>
+              </a:fillRef>
+              <a:effectRef idx="0">
+                <a:schemeClr val="accent1"/>
+              </a:effectRef>
+              <a:fontRef idx="minor">
+                <a:schemeClr val="lt1"/>
+              </a:fontRef>
+            </p:style>
+            <p:txBody>
+              <a:bodyPr rot="0" spcFirstLastPara="0" vertOverflow="overflow" horzOverflow="overflow" vert="horz" wrap="square" lIns="91440" tIns="45720" rIns="91440" bIns="45720" numCol="1" spcCol="0" rtlCol="0" fromWordArt="0" anchor="ctr" anchorCtr="0" forceAA="0" compatLnSpc="1">
+                <a:prstTxWarp prst="textNoShape">
+                  <a:avLst/>
+                </a:prstTxWarp>
+                <a:noAutofit/>
+              </a:bodyPr>
+              <a:lstStyle/>
+              <a:p>
+                <a:pPr algn="ctr"/>
+                <a:r>
+                  <a:rPr lang="en-US" sz="1000" dirty="0" smtClean="0">
+                    <a:solidFill>
+                      <a:schemeClr val="accent1">
+                        <a:lumMod val="50000"/>
+                      </a:schemeClr>
+                    </a:solidFill>
+                  </a:rPr>
+                  <a:t>Person</a:t>
+                </a:r>
+                <a:endParaRPr lang="en-US" sz="1000" dirty="0">
+                  <a:solidFill>
+                    <a:schemeClr val="accent1">
+                      <a:lumMod val="50000"/>
+                    </a:schemeClr>
+                  </a:solidFill>
+                </a:endParaRPr>
+              </a:p>
+            </p:txBody>
+          </p:sp>
+          <p:sp>
+            <p:nvSpPr>
+              <p:cNvPr id="16" name="Rectangle 15"/>
+              <p:cNvSpPr/>
+              <p:nvPr/>
+            </p:nvSpPr>
+            <p:spPr>
+              <a:xfrm>
+                <a:off x="3643940" y="1160225"/>
+                <a:ext cx="1557376" cy="1728972"/>
+              </a:xfrm>
+              <a:prstGeom prst="rect">
+                <a:avLst/>
+              </a:prstGeom>
+              <a:noFill/>
+              <a:ln w="9525"/>
+            </p:spPr>
+            <p:style>
+              <a:lnRef idx="2">
+                <a:schemeClr val="accent1">
+                  <a:shade val="50000"/>
+                </a:schemeClr>
+              </a:lnRef>
+              <a:fillRef idx="1">
+                <a:schemeClr val="accent1"/>
+              </a:fillRef>
+              <a:effectRef idx="0">
+                <a:schemeClr val="accent1"/>
+              </a:effectRef>
+              <a:fontRef idx="minor">
+                <a:schemeClr val="lt1"/>
+              </a:fontRef>
+            </p:style>
+            <p:txBody>
+              <a:bodyPr rot="0" spcFirstLastPara="0" vertOverflow="overflow" horzOverflow="overflow" vert="horz" wrap="square" lIns="91440" tIns="45720" rIns="91440" bIns="45720" numCol="1" spcCol="0" rtlCol="0" fromWordArt="0" anchor="t" anchorCtr="0" forceAA="0" compatLnSpc="1">
+                <a:prstTxWarp prst="textNoShape">
+                  <a:avLst/>
+                </a:prstTxWarp>
+                <a:noAutofit/>
+              </a:bodyPr>
+              <a:lstStyle/>
+              <a:p>
+                <a:r>
+                  <a:rPr lang="en-US" sz="900" dirty="0" err="1" smtClean="0">
+                    <a:solidFill>
+                      <a:schemeClr val="accent1">
+                        <a:lumMod val="50000"/>
+                      </a:schemeClr>
+                    </a:solidFill>
+                  </a:rPr>
+                  <a:t>FirstName</a:t>
+                </a:r>
+                <a:r>
+                  <a:rPr lang="en-US" sz="900" dirty="0" smtClean="0">
+                    <a:solidFill>
+                      <a:schemeClr val="accent1">
+                        <a:lumMod val="50000"/>
+                      </a:schemeClr>
+                    </a:solidFill>
+                  </a:rPr>
+                  <a:t>:         Seth</a:t>
+                </a:r>
+                <a:endParaRPr lang="en-US" sz="900" dirty="0" smtClean="0">
+                  <a:solidFill>
+                    <a:schemeClr val="accent1">
+                      <a:lumMod val="50000"/>
+                    </a:schemeClr>
+                  </a:solidFill>
+                </a:endParaRPr>
+              </a:p>
+              <a:p>
+                <a:r>
+                  <a:rPr lang="en-US" sz="900" dirty="0" err="1" smtClean="0">
+                    <a:solidFill>
+                      <a:schemeClr val="accent1">
+                        <a:lumMod val="50000"/>
+                      </a:schemeClr>
+                    </a:solidFill>
+                  </a:rPr>
+                  <a:t>LastName</a:t>
+                </a:r>
+                <a:r>
+                  <a:rPr lang="en-US" sz="900" dirty="0" smtClean="0">
+                    <a:solidFill>
+                      <a:schemeClr val="accent1">
+                        <a:lumMod val="50000"/>
+                      </a:schemeClr>
+                    </a:solidFill>
+                  </a:rPr>
+                  <a:t>:          </a:t>
+                </a:r>
+                <a:r>
+                  <a:rPr lang="en-US" sz="900" dirty="0" err="1" smtClean="0">
+                    <a:solidFill>
+                      <a:schemeClr val="accent1">
+                        <a:lumMod val="50000"/>
+                      </a:schemeClr>
+                    </a:solidFill>
+                  </a:rPr>
+                  <a:t>Frankin</a:t>
+                </a:r>
+                <a:endParaRPr lang="en-US" sz="900" dirty="0" smtClean="0">
+                  <a:solidFill>
+                    <a:schemeClr val="accent1">
+                      <a:lumMod val="50000"/>
+                    </a:schemeClr>
+                  </a:solidFill>
+                </a:endParaRPr>
+              </a:p>
+              <a:p>
+                <a:r>
+                  <a:rPr lang="en-US" sz="900" dirty="0" err="1" smtClean="0">
+                    <a:solidFill>
+                      <a:schemeClr val="accent1">
+                        <a:lumMod val="50000"/>
+                      </a:schemeClr>
+                    </a:solidFill>
+                  </a:rPr>
+                  <a:t>MiddleInitial</a:t>
+                </a:r>
+                <a:r>
+                  <a:rPr lang="en-US" sz="900" dirty="0" smtClean="0">
+                    <a:solidFill>
+                      <a:schemeClr val="accent1">
+                        <a:lumMod val="50000"/>
+                      </a:schemeClr>
+                    </a:solidFill>
+                  </a:rPr>
+                  <a:t>      B</a:t>
+                </a:r>
+                <a:endParaRPr lang="en-US" sz="900" dirty="0" smtClean="0">
+                  <a:solidFill>
+                    <a:schemeClr val="accent1">
+                      <a:lumMod val="50000"/>
+                    </a:schemeClr>
+                  </a:solidFill>
+                </a:endParaRPr>
+              </a:p>
+              <a:p>
+                <a:endParaRPr lang="en-US" sz="900" dirty="0">
+                  <a:solidFill>
+                    <a:schemeClr val="accent1">
+                      <a:lumMod val="50000"/>
+                    </a:schemeClr>
+                  </a:solidFill>
+                </a:endParaRPr>
+              </a:p>
+              <a:p>
+                <a:r>
+                  <a:rPr lang="en-US" sz="900" dirty="0" smtClean="0">
+                    <a:solidFill>
+                      <a:schemeClr val="accent1">
+                        <a:lumMod val="50000"/>
+                      </a:schemeClr>
+                    </a:solidFill>
+                  </a:rPr>
+                  <a:t>Knows {</a:t>
+                </a:r>
+              </a:p>
+              <a:p>
+                <a:r>
+                  <a:rPr lang="en-US" sz="900" dirty="0" smtClean="0">
+                    <a:solidFill>
+                      <a:schemeClr val="accent1">
+                        <a:lumMod val="50000"/>
+                      </a:schemeClr>
+                    </a:solidFill>
+                  </a:rPr>
+                  <a:t>    3-3-1-8,</a:t>
+                </a:r>
+              </a:p>
+              <a:p>
+                <a:r>
+                  <a:rPr lang="en-US" sz="900" dirty="0">
+                    <a:solidFill>
+                      <a:schemeClr val="accent1">
+                        <a:lumMod val="50000"/>
+                      </a:schemeClr>
+                    </a:solidFill>
+                  </a:rPr>
+                  <a:t> </a:t>
+                </a:r>
+                <a:r>
+                  <a:rPr lang="en-US" sz="900" dirty="0" smtClean="0">
+                    <a:solidFill>
+                      <a:schemeClr val="accent1">
+                        <a:lumMod val="50000"/>
+                      </a:schemeClr>
+                    </a:solidFill>
+                  </a:rPr>
+                  <a:t>   3-3-1-12</a:t>
+                </a:r>
+              </a:p>
+              <a:p>
+                <a:r>
+                  <a:rPr lang="en-US" sz="900" dirty="0">
+                    <a:solidFill>
+                      <a:schemeClr val="accent1">
+                        <a:lumMod val="50000"/>
+                      </a:schemeClr>
+                    </a:solidFill>
+                  </a:rPr>
+                  <a:t>}</a:t>
+                </a:r>
+                <a:r>
+                  <a:rPr lang="en-US" sz="900" dirty="0" smtClean="0">
+                    <a:solidFill>
+                      <a:schemeClr val="accent1">
+                        <a:lumMod val="50000"/>
+                      </a:schemeClr>
+                    </a:solidFill>
+                  </a:rPr>
+                  <a:t> </a:t>
+                </a:r>
+              </a:p>
+              <a:p>
+                <a:r>
+                  <a:rPr lang="en-US" sz="900" dirty="0" err="1" smtClean="0">
+                    <a:solidFill>
+                      <a:schemeClr val="accent1">
+                        <a:lumMod val="50000"/>
+                      </a:schemeClr>
+                    </a:solidFill>
+                  </a:rPr>
+                  <a:t>KnownBy</a:t>
+                </a:r>
+                <a:r>
+                  <a:rPr lang="en-US" sz="900" dirty="0" smtClean="0">
+                    <a:solidFill>
+                      <a:schemeClr val="accent1">
+                        <a:lumMod val="50000"/>
+                      </a:schemeClr>
+                    </a:solidFill>
+                  </a:rPr>
+                  <a:t> { … }</a:t>
+                </a:r>
+                <a:endParaRPr lang="en-US" sz="900" dirty="0" smtClean="0">
+                  <a:solidFill>
+                    <a:srgbClr val="FF0000"/>
+                  </a:solidFill>
+                </a:endParaRPr>
+              </a:p>
+            </p:txBody>
+          </p:sp>
+          <p:sp>
+            <p:nvSpPr>
+              <p:cNvPr id="8" name="TextBox 7"/>
+              <p:cNvSpPr txBox="1"/>
+              <p:nvPr/>
+            </p:nvSpPr>
+            <p:spPr>
+              <a:xfrm>
+                <a:off x="3643940" y="658389"/>
+                <a:ext cx="943649" cy="297548"/>
+              </a:xfrm>
+              <a:prstGeom prst="rect">
+                <a:avLst/>
+              </a:prstGeom>
+              <a:noFill/>
+            </p:spPr>
+            <p:txBody>
+              <a:bodyPr wrap="square" rtlCol="0">
+                <a:spAutoFit/>
+              </a:bodyPr>
+              <a:lstStyle/>
+              <a:p>
+                <a:r>
+                  <a:rPr lang="en-US" sz="1000" dirty="0" smtClean="0">
+                    <a:solidFill>
+                      <a:srgbClr val="FF0000"/>
+                    </a:solidFill>
+                  </a:rPr>
+                  <a:t>OID: </a:t>
+                </a:r>
+                <a:r>
+                  <a:rPr lang="en-US" sz="1000" dirty="0" smtClean="0">
+                    <a:solidFill>
+                      <a:srgbClr val="FF0000"/>
+                    </a:solidFill>
+                  </a:rPr>
+                  <a:t>3-3-1-4</a:t>
+                </a:r>
+                <a:endParaRPr lang="en-US" sz="1000" dirty="0">
+                  <a:solidFill>
+                    <a:srgbClr val="FF0000"/>
+                  </a:solidFill>
+                </a:endParaRPr>
+              </a:p>
+            </p:txBody>
+          </p:sp>
+          <p:sp>
+            <p:nvSpPr>
+              <p:cNvPr id="53" name="Rectangle 52"/>
+              <p:cNvSpPr/>
+              <p:nvPr/>
+            </p:nvSpPr>
+            <p:spPr>
+              <a:xfrm>
+                <a:off x="4442086" y="2086113"/>
+                <a:ext cx="107576" cy="114204"/>
+              </a:xfrm>
+              <a:prstGeom prst="rect">
+                <a:avLst/>
+              </a:prstGeom>
+              <a:noFill/>
+              <a:ln w="9525">
+                <a:noFill/>
+              </a:ln>
+            </p:spPr>
+            <p:style>
+              <a:lnRef idx="2">
+                <a:schemeClr val="accent1">
+                  <a:shade val="50000"/>
+                </a:schemeClr>
+              </a:lnRef>
+              <a:fillRef idx="1">
+                <a:schemeClr val="accent1"/>
+              </a:fillRef>
+              <a:effectRef idx="0">
+                <a:schemeClr val="accent1"/>
+              </a:effectRef>
+              <a:fontRef idx="minor">
+                <a:schemeClr val="lt1"/>
+              </a:fontRef>
+            </p:style>
+            <p:txBody>
+              <a:bodyPr rot="0" spcFirstLastPara="0" vertOverflow="overflow" horzOverflow="overflow" vert="horz" wrap="square" lIns="91440" tIns="45720" rIns="91440" bIns="45720" numCol="1" spcCol="0" rtlCol="0" fromWordArt="0" anchor="ctr" anchorCtr="0" forceAA="0" compatLnSpc="1">
+                <a:prstTxWarp prst="textNoShape">
+                  <a:avLst/>
+                </a:prstTxWarp>
+                <a:noAutofit/>
+              </a:bodyPr>
+              <a:lstStyle/>
+              <a:p>
+                <a:pPr algn="ctr"/>
+                <a:endParaRPr lang="en-US" sz="1200" dirty="0" err="1" smtClean="0">
+                  <a:solidFill>
+                    <a:schemeClr val="accent1">
+                      <a:lumMod val="50000"/>
+                    </a:schemeClr>
+                  </a:solidFill>
+                </a:endParaRPr>
+              </a:p>
+            </p:txBody>
+          </p:sp>
+          <p:sp>
+            <p:nvSpPr>
+              <p:cNvPr id="55" name="Rectangle 54"/>
+              <p:cNvSpPr/>
+              <p:nvPr/>
+            </p:nvSpPr>
+            <p:spPr>
+              <a:xfrm>
+                <a:off x="4442086" y="2250367"/>
+                <a:ext cx="107576" cy="114204"/>
+              </a:xfrm>
+              <a:prstGeom prst="rect">
+                <a:avLst/>
+              </a:prstGeom>
+              <a:noFill/>
+              <a:ln w="9525">
+                <a:noFill/>
+              </a:ln>
+            </p:spPr>
+            <p:style>
+              <a:lnRef idx="2">
+                <a:schemeClr val="accent1">
+                  <a:shade val="50000"/>
+                </a:schemeClr>
+              </a:lnRef>
+              <a:fillRef idx="1">
+                <a:schemeClr val="accent1"/>
+              </a:fillRef>
+              <a:effectRef idx="0">
+                <a:schemeClr val="accent1"/>
+              </a:effectRef>
+              <a:fontRef idx="minor">
+                <a:schemeClr val="lt1"/>
+              </a:fontRef>
+            </p:style>
+            <p:txBody>
+              <a:bodyPr rot="0" spcFirstLastPara="0" vertOverflow="overflow" horzOverflow="overflow" vert="horz" wrap="square" lIns="91440" tIns="45720" rIns="91440" bIns="45720" numCol="1" spcCol="0" rtlCol="0" fromWordArt="0" anchor="ctr" anchorCtr="0" forceAA="0" compatLnSpc="1">
+                <a:prstTxWarp prst="textNoShape">
+                  <a:avLst/>
+                </a:prstTxWarp>
+                <a:noAutofit/>
+              </a:bodyPr>
+              <a:lstStyle/>
+              <a:p>
+                <a:pPr algn="ctr"/>
+                <a:endParaRPr lang="en-US" sz="1200" dirty="0" err="1" smtClean="0">
+                  <a:solidFill>
+                    <a:schemeClr val="accent1">
+                      <a:lumMod val="50000"/>
+                    </a:schemeClr>
+                  </a:solidFill>
+                </a:endParaRPr>
+              </a:p>
+            </p:txBody>
+          </p:sp>
+        </p:grpSp>
+      </p:grpSp>
+    </p:spTree>
+    <p:extLst>
+      <p:ext uri="{BB962C8B-B14F-4D97-AF65-F5344CB8AC3E}">
+        <p14:creationId xmlns:p14="http://schemas.microsoft.com/office/powerpoint/2010/main" val="3664283216"/>
       </p:ext>
     </p:extLst>
   </p:cSld>

--- a/docs/Java ULB Diagrams.pptx
+++ b/docs/Java ULB Diagrams.pptx
@@ -9,6 +9,7 @@
     <p:sldId id="257" r:id="rId3"/>
     <p:sldId id="258" r:id="rId4"/>
     <p:sldId id="259" r:id="rId5"/>
+    <p:sldId id="260" r:id="rId6"/>
   </p:sldIdLst>
   <p:sldSz cx="12192000" cy="6858000"/>
   <p:notesSz cx="6858000" cy="9144000"/>
@@ -246,7 +247,7 @@
           <a:p>
             <a:fld id="{E368026E-3E9B-4960-907A-2C0848B388A7}" type="datetimeFigureOut">
               <a:rPr lang="en-US" smtClean="0"/>
-              <a:t>3/28/2019</a:t>
+              <a:t>4/8/2019</a:t>
             </a:fld>
             <a:endParaRPr lang="en-US"/>
           </a:p>
@@ -416,7 +417,7 @@
           <a:p>
             <a:fld id="{E368026E-3E9B-4960-907A-2C0848B388A7}" type="datetimeFigureOut">
               <a:rPr lang="en-US" smtClean="0"/>
-              <a:t>3/28/2019</a:t>
+              <a:t>4/8/2019</a:t>
             </a:fld>
             <a:endParaRPr lang="en-US"/>
           </a:p>
@@ -596,7 +597,7 @@
           <a:p>
             <a:fld id="{E368026E-3E9B-4960-907A-2C0848B388A7}" type="datetimeFigureOut">
               <a:rPr lang="en-US" smtClean="0"/>
-              <a:t>3/28/2019</a:t>
+              <a:t>4/8/2019</a:t>
             </a:fld>
             <a:endParaRPr lang="en-US"/>
           </a:p>
@@ -766,7 +767,7 @@
           <a:p>
             <a:fld id="{E368026E-3E9B-4960-907A-2C0848B388A7}" type="datetimeFigureOut">
               <a:rPr lang="en-US" smtClean="0"/>
-              <a:t>3/28/2019</a:t>
+              <a:t>4/8/2019</a:t>
             </a:fld>
             <a:endParaRPr lang="en-US"/>
           </a:p>
@@ -1012,7 +1013,7 @@
           <a:p>
             <a:fld id="{E368026E-3E9B-4960-907A-2C0848B388A7}" type="datetimeFigureOut">
               <a:rPr lang="en-US" smtClean="0"/>
-              <a:t>3/28/2019</a:t>
+              <a:t>4/8/2019</a:t>
             </a:fld>
             <a:endParaRPr lang="en-US"/>
           </a:p>
@@ -1244,7 +1245,7 @@
           <a:p>
             <a:fld id="{E368026E-3E9B-4960-907A-2C0848B388A7}" type="datetimeFigureOut">
               <a:rPr lang="en-US" smtClean="0"/>
-              <a:t>3/28/2019</a:t>
+              <a:t>4/8/2019</a:t>
             </a:fld>
             <a:endParaRPr lang="en-US"/>
           </a:p>
@@ -1611,7 +1612,7 @@
           <a:p>
             <a:fld id="{E368026E-3E9B-4960-907A-2C0848B388A7}" type="datetimeFigureOut">
               <a:rPr lang="en-US" smtClean="0"/>
-              <a:t>3/28/2019</a:t>
+              <a:t>4/8/2019</a:t>
             </a:fld>
             <a:endParaRPr lang="en-US"/>
           </a:p>
@@ -1729,7 +1730,7 @@
           <a:p>
             <a:fld id="{E368026E-3E9B-4960-907A-2C0848B388A7}" type="datetimeFigureOut">
               <a:rPr lang="en-US" smtClean="0"/>
-              <a:t>3/28/2019</a:t>
+              <a:t>4/8/2019</a:t>
             </a:fld>
             <a:endParaRPr lang="en-US"/>
           </a:p>
@@ -1824,7 +1825,7 @@
           <a:p>
             <a:fld id="{E368026E-3E9B-4960-907A-2C0848B388A7}" type="datetimeFigureOut">
               <a:rPr lang="en-US" smtClean="0"/>
-              <a:t>3/28/2019</a:t>
+              <a:t>4/8/2019</a:t>
             </a:fld>
             <a:endParaRPr lang="en-US"/>
           </a:p>
@@ -2101,7 +2102,7 @@
           <a:p>
             <a:fld id="{E368026E-3E9B-4960-907A-2C0848B388A7}" type="datetimeFigureOut">
               <a:rPr lang="en-US" smtClean="0"/>
-              <a:t>3/28/2019</a:t>
+              <a:t>4/8/2019</a:t>
             </a:fld>
             <a:endParaRPr lang="en-US"/>
           </a:p>
@@ -2354,7 +2355,7 @@
           <a:p>
             <a:fld id="{E368026E-3E9B-4960-907A-2C0848B388A7}" type="datetimeFigureOut">
               <a:rPr lang="en-US" smtClean="0"/>
-              <a:t>3/28/2019</a:t>
+              <a:t>4/8/2019</a:t>
             </a:fld>
             <a:endParaRPr lang="en-US"/>
           </a:p>
@@ -2567,7 +2568,7 @@
           <a:p>
             <a:fld id="{E368026E-3E9B-4960-907A-2C0848B388A7}" type="datetimeFigureOut">
               <a:rPr lang="en-US" smtClean="0"/>
-              <a:t>3/28/2019</a:t>
+              <a:t>4/8/2019</a:t>
             </a:fld>
             <a:endParaRPr lang="en-US"/>
           </a:p>
@@ -5888,15 +5889,7 @@
                       <a:srgbClr val="FF0000"/>
                     </a:solidFill>
                   </a:rPr>
-                  <a:t>OID: </a:t>
-                </a:r>
-                <a:r>
-                  <a:rPr lang="en-US" sz="1000" dirty="0" smtClean="0">
-                    <a:solidFill>
-                      <a:srgbClr val="FF0000"/>
-                    </a:solidFill>
-                  </a:rPr>
-                  <a:t>3-3-1-8</a:t>
+                  <a:t>OID: 3-3-1-8</a:t>
                 </a:r>
                 <a:endParaRPr lang="en-US" sz="1000" dirty="0">
                   <a:solidFill>
@@ -6031,13 +6024,6 @@
                   </a:rPr>
                   <a:t>:        Tracy</a:t>
                 </a:r>
-                <a:endParaRPr lang="en-US" sz="900" dirty="0" smtClean="0">
-                  <a:solidFill>
-                    <a:schemeClr val="accent1">
-                      <a:lumMod val="50000"/>
-                    </a:schemeClr>
-                  </a:solidFill>
-                </a:endParaRPr>
               </a:p>
               <a:p>
                 <a:r>
@@ -6060,13 +6046,6 @@
                   </a:rPr>
                   <a:t>:         Michaels</a:t>
                 </a:r>
-                <a:endParaRPr lang="en-US" sz="900" dirty="0" smtClean="0">
-                  <a:solidFill>
-                    <a:schemeClr val="accent5">
-                      <a:lumMod val="75000"/>
-                    </a:schemeClr>
-                  </a:solidFill>
-                </a:endParaRPr>
               </a:p>
               <a:p>
                 <a:r>
@@ -6089,13 +6068,6 @@
                   </a:rPr>
                   <a:t>:    A</a:t>
                 </a:r>
-                <a:endParaRPr lang="en-US" sz="900" dirty="0" smtClean="0">
-                  <a:solidFill>
-                    <a:schemeClr val="accent5">
-                      <a:lumMod val="75000"/>
-                    </a:schemeClr>
-                  </a:solidFill>
-                </a:endParaRPr>
               </a:p>
               <a:p>
                 <a:endParaRPr lang="en-US" sz="900" dirty="0">
@@ -6170,13 +6142,6 @@
                   </a:rPr>
                   <a:t>}</a:t>
                 </a:r>
-                <a:endParaRPr lang="en-US" sz="900" dirty="0" smtClean="0">
-                  <a:solidFill>
-                    <a:schemeClr val="accent5">
-                      <a:lumMod val="75000"/>
-                    </a:schemeClr>
-                  </a:solidFill>
-                </a:endParaRPr>
               </a:p>
             </p:txBody>
           </p:sp>
@@ -6278,15 +6243,7 @@
                       <a:srgbClr val="FF0000"/>
                     </a:solidFill>
                   </a:rPr>
-                  <a:t>OID: </a:t>
-                </a:r>
-                <a:r>
-                  <a:rPr lang="en-US" sz="1000" dirty="0" smtClean="0">
-                    <a:solidFill>
-                      <a:srgbClr val="FF0000"/>
-                    </a:solidFill>
-                  </a:rPr>
-                  <a:t>3-3-1-12</a:t>
+                  <a:t>OID: 3-3-1-12</a:t>
                 </a:r>
                 <a:endParaRPr lang="en-US" sz="1000" dirty="0">
                   <a:solidFill>
@@ -6421,13 +6378,6 @@
                   </a:rPr>
                   <a:t>:        Diane</a:t>
                 </a:r>
-                <a:endParaRPr lang="en-US" sz="900" dirty="0" smtClean="0">
-                  <a:solidFill>
-                    <a:schemeClr val="accent1">
-                      <a:lumMod val="50000"/>
-                    </a:schemeClr>
-                  </a:solidFill>
-                </a:endParaRPr>
               </a:p>
               <a:p>
                 <a:r>
@@ -6489,13 +6439,6 @@
                   </a:rPr>
                   <a:t>:    M</a:t>
                 </a:r>
-                <a:endParaRPr lang="en-US" sz="900" dirty="0" smtClean="0">
-                  <a:solidFill>
-                    <a:schemeClr val="accent5">
-                      <a:lumMod val="75000"/>
-                    </a:schemeClr>
-                  </a:solidFill>
-                </a:endParaRPr>
               </a:p>
               <a:p>
                 <a:endParaRPr lang="en-US" sz="900" dirty="0">
@@ -6570,13 +6513,6 @@
                   </a:rPr>
                   <a:t>}</a:t>
                 </a:r>
-                <a:endParaRPr lang="en-US" sz="900" dirty="0" smtClean="0">
-                  <a:solidFill>
-                    <a:schemeClr val="accent5">
-                      <a:lumMod val="75000"/>
-                    </a:schemeClr>
-                  </a:solidFill>
-                </a:endParaRPr>
               </a:p>
             </p:txBody>
           </p:sp>
@@ -6856,13 +6792,6 @@
                   </a:rPr>
                   <a:t>:         Seth</a:t>
                 </a:r>
-                <a:endParaRPr lang="en-US" sz="900" dirty="0" smtClean="0">
-                  <a:solidFill>
-                    <a:schemeClr val="accent1">
-                      <a:lumMod val="50000"/>
-                    </a:schemeClr>
-                  </a:solidFill>
-                </a:endParaRPr>
               </a:p>
               <a:p>
                 <a:r>
@@ -6924,13 +6853,6 @@
                   </a:rPr>
                   <a:t>      B</a:t>
                 </a:r>
-                <a:endParaRPr lang="en-US" sz="900" dirty="0" smtClean="0">
-                  <a:solidFill>
-                    <a:schemeClr val="accent1">
-                      <a:lumMod val="50000"/>
-                    </a:schemeClr>
-                  </a:solidFill>
-                </a:endParaRPr>
               </a:p>
               <a:p>
                 <a:endParaRPr lang="en-US" sz="900" dirty="0">
@@ -7066,15 +6988,7 @@
                       <a:srgbClr val="FF0000"/>
                     </a:solidFill>
                   </a:rPr>
-                  <a:t>OID: </a:t>
-                </a:r>
-                <a:r>
-                  <a:rPr lang="en-US" sz="1000" dirty="0" smtClean="0">
-                    <a:solidFill>
-                      <a:srgbClr val="FF0000"/>
-                    </a:solidFill>
-                  </a:rPr>
-                  <a:t>3-3-1-4</a:t>
+                  <a:t>OID: 3-3-1-4</a:t>
                 </a:r>
                 <a:endParaRPr lang="en-US" sz="1000" dirty="0">
                   <a:solidFill>
@@ -7200,6 +7114,479 @@
     <p:extLst>
       <p:ext uri="{BB962C8B-B14F-4D97-AF65-F5344CB8AC3E}">
         <p14:creationId xmlns:p14="http://schemas.microsoft.com/office/powerpoint/2010/main" val="3664283216"/>
+      </p:ext>
+    </p:extLst>
+  </p:cSld>
+  <p:clrMapOvr>
+    <a:masterClrMapping/>
+  </p:clrMapOvr>
+</p:sld>
+</file>
+
+<file path=ppt/slides/slide5.xml><?xml version="1.0" encoding="utf-8"?>
+<p:sld xmlns:a="http://schemas.openxmlformats.org/drawingml/2006/main" xmlns:r="http://schemas.openxmlformats.org/officeDocument/2006/relationships" xmlns:p="http://schemas.openxmlformats.org/presentationml/2006/main">
+  <p:cSld>
+    <p:spTree>
+      <p:nvGrpSpPr>
+        <p:cNvPr id="1" name=""/>
+        <p:cNvGrpSpPr/>
+        <p:nvPr/>
+      </p:nvGrpSpPr>
+      <p:grpSpPr>
+        <a:xfrm>
+          <a:off x="0" y="0"/>
+          <a:ext cx="0" cy="0"/>
+          <a:chOff x="0" y="0"/>
+          <a:chExt cx="0" cy="0"/>
+        </a:xfrm>
+      </p:grpSpPr>
+      <p:sp>
+        <p:nvSpPr>
+          <p:cNvPr id="4" name="Oval 3"/>
+          <p:cNvSpPr/>
+          <p:nvPr/>
+        </p:nvSpPr>
+        <p:spPr>
+          <a:xfrm>
+            <a:off x="1584959" y="1515291"/>
+            <a:ext cx="2647406" cy="1232263"/>
+          </a:xfrm>
+          <a:prstGeom prst="ellipse">
+            <a:avLst/>
+          </a:prstGeom>
+          <a:noFill/>
+          <a:ln w="9525"/>
+        </p:spPr>
+        <p:style>
+          <a:lnRef idx="2">
+            <a:schemeClr val="accent1">
+              <a:shade val="50000"/>
+            </a:schemeClr>
+          </a:lnRef>
+          <a:fillRef idx="1">
+            <a:schemeClr val="accent1"/>
+          </a:fillRef>
+          <a:effectRef idx="0">
+            <a:schemeClr val="accent1"/>
+          </a:effectRef>
+          <a:fontRef idx="minor">
+            <a:schemeClr val="lt1"/>
+          </a:fontRef>
+        </p:style>
+        <p:txBody>
+          <a:bodyPr rot="0" spcFirstLastPara="0" vertOverflow="overflow" horzOverflow="overflow" vert="horz" wrap="square" lIns="91440" tIns="45720" rIns="91440" bIns="45720" numCol="1" spcCol="0" rtlCol="0" fromWordArt="0" anchor="ctr" anchorCtr="0" forceAA="0" compatLnSpc="1">
+            <a:prstTxWarp prst="textNoShape">
+              <a:avLst/>
+            </a:prstTxWarp>
+            <a:noAutofit/>
+          </a:bodyPr>
+          <a:lstStyle/>
+          <a:p>
+            <a:pPr algn="ctr"/>
+            <a:r>
+              <a:rPr lang="en-US" b="1" dirty="0" smtClean="0">
+                <a:solidFill>
+                  <a:schemeClr val="accent1">
+                    <a:lumMod val="50000"/>
+                  </a:schemeClr>
+                </a:solidFill>
+              </a:rPr>
+              <a:t>Person</a:t>
+            </a:r>
+          </a:p>
+          <a:p>
+            <a:r>
+              <a:rPr lang="en-US" dirty="0" err="1" smtClean="0">
+                <a:solidFill>
+                  <a:schemeClr val="accent1">
+                    <a:lumMod val="50000"/>
+                  </a:schemeClr>
+                </a:solidFill>
+              </a:rPr>
+              <a:t>LastName</a:t>
+            </a:r>
+            <a:r>
+              <a:rPr lang="en-US" dirty="0" smtClean="0">
+                <a:solidFill>
+                  <a:schemeClr val="accent1">
+                    <a:lumMod val="50000"/>
+                  </a:schemeClr>
+                </a:solidFill>
+              </a:rPr>
+              <a:t>: Doe</a:t>
+            </a:r>
+          </a:p>
+          <a:p>
+            <a:r>
+              <a:rPr lang="en-US" dirty="0" err="1" smtClean="0">
+                <a:solidFill>
+                  <a:schemeClr val="accent1">
+                    <a:lumMod val="50000"/>
+                  </a:schemeClr>
+                </a:solidFill>
+              </a:rPr>
+              <a:t>FirstName</a:t>
+            </a:r>
+            <a:r>
+              <a:rPr lang="en-US" dirty="0" smtClean="0">
+                <a:solidFill>
+                  <a:schemeClr val="accent1">
+                    <a:lumMod val="50000"/>
+                  </a:schemeClr>
+                </a:solidFill>
+              </a:rPr>
+              <a:t>: John</a:t>
+            </a:r>
+            <a:endParaRPr lang="en-US" dirty="0" smtClean="0">
+              <a:solidFill>
+                <a:schemeClr val="accent1">
+                  <a:lumMod val="50000"/>
+                </a:schemeClr>
+              </a:solidFill>
+            </a:endParaRPr>
+          </a:p>
+        </p:txBody>
+      </p:sp>
+      <p:sp>
+        <p:nvSpPr>
+          <p:cNvPr id="5" name="Oval 4"/>
+          <p:cNvSpPr/>
+          <p:nvPr/>
+        </p:nvSpPr>
+        <p:spPr>
+          <a:xfrm>
+            <a:off x="7659187" y="1249679"/>
+            <a:ext cx="3270069" cy="1763487"/>
+          </a:xfrm>
+          <a:prstGeom prst="ellipse">
+            <a:avLst/>
+          </a:prstGeom>
+          <a:noFill/>
+          <a:ln w="9525"/>
+        </p:spPr>
+        <p:style>
+          <a:lnRef idx="2">
+            <a:schemeClr val="accent1">
+              <a:shade val="50000"/>
+            </a:schemeClr>
+          </a:lnRef>
+          <a:fillRef idx="1">
+            <a:schemeClr val="accent1"/>
+          </a:fillRef>
+          <a:effectRef idx="0">
+            <a:schemeClr val="accent1"/>
+          </a:effectRef>
+          <a:fontRef idx="minor">
+            <a:schemeClr val="lt1"/>
+          </a:fontRef>
+        </p:style>
+        <p:txBody>
+          <a:bodyPr rot="0" spcFirstLastPara="0" vertOverflow="overflow" horzOverflow="overflow" vert="horz" wrap="square" lIns="91440" tIns="45720" rIns="91440" bIns="45720" numCol="1" spcCol="0" rtlCol="0" fromWordArt="0" anchor="ctr" anchorCtr="0" forceAA="0" compatLnSpc="1">
+            <a:prstTxWarp prst="textNoShape">
+              <a:avLst/>
+            </a:prstTxWarp>
+            <a:noAutofit/>
+          </a:bodyPr>
+          <a:lstStyle/>
+          <a:p>
+            <a:pPr algn="ctr"/>
+            <a:r>
+              <a:rPr lang="en-US" b="1" dirty="0" smtClean="0">
+                <a:solidFill>
+                  <a:schemeClr val="accent1">
+                    <a:lumMod val="50000"/>
+                  </a:schemeClr>
+                </a:solidFill>
+              </a:rPr>
+              <a:t>Address</a:t>
+            </a:r>
+          </a:p>
+          <a:p>
+            <a:r>
+              <a:rPr lang="en-US" dirty="0" smtClean="0">
+                <a:solidFill>
+                  <a:schemeClr val="accent1">
+                    <a:lumMod val="50000"/>
+                  </a:schemeClr>
+                </a:solidFill>
+              </a:rPr>
+              <a:t>Street: 124 Maple St.</a:t>
+            </a:r>
+          </a:p>
+          <a:p>
+            <a:r>
+              <a:rPr lang="en-US" dirty="0" smtClean="0">
+                <a:solidFill>
+                  <a:schemeClr val="accent1">
+                    <a:lumMod val="50000"/>
+                  </a:schemeClr>
+                </a:solidFill>
+              </a:rPr>
+              <a:t>City: Mt. Pleasant</a:t>
+            </a:r>
+          </a:p>
+          <a:p>
+            <a:r>
+              <a:rPr lang="en-US" dirty="0" smtClean="0">
+                <a:solidFill>
+                  <a:schemeClr val="accent1">
+                    <a:lumMod val="50000"/>
+                  </a:schemeClr>
+                </a:solidFill>
+              </a:rPr>
+              <a:t>State: MI</a:t>
+            </a:r>
+          </a:p>
+          <a:p>
+            <a:r>
+              <a:rPr lang="en-US" dirty="0" smtClean="0">
+                <a:solidFill>
+                  <a:schemeClr val="accent1">
+                    <a:lumMod val="50000"/>
+                  </a:schemeClr>
+                </a:solidFill>
+              </a:rPr>
+              <a:t>ZIP: 48858</a:t>
+            </a:r>
+            <a:endParaRPr lang="en-US" dirty="0" smtClean="0">
+              <a:solidFill>
+                <a:schemeClr val="accent1">
+                  <a:lumMod val="50000"/>
+                </a:schemeClr>
+              </a:solidFill>
+            </a:endParaRPr>
+          </a:p>
+        </p:txBody>
+      </p:sp>
+      <p:sp>
+        <p:nvSpPr>
+          <p:cNvPr id="6" name="Oval 5"/>
+          <p:cNvSpPr/>
+          <p:nvPr/>
+        </p:nvSpPr>
+        <p:spPr>
+          <a:xfrm>
+            <a:off x="4892038" y="1637210"/>
+            <a:ext cx="2170613" cy="988424"/>
+          </a:xfrm>
+          <a:prstGeom prst="ellipse">
+            <a:avLst/>
+          </a:prstGeom>
+          <a:noFill/>
+          <a:ln w="9525"/>
+        </p:spPr>
+        <p:style>
+          <a:lnRef idx="2">
+            <a:schemeClr val="accent1">
+              <a:shade val="50000"/>
+            </a:schemeClr>
+          </a:lnRef>
+          <a:fillRef idx="1">
+            <a:schemeClr val="accent1"/>
+          </a:fillRef>
+          <a:effectRef idx="0">
+            <a:schemeClr val="accent1"/>
+          </a:effectRef>
+          <a:fontRef idx="minor">
+            <a:schemeClr val="lt1"/>
+          </a:fontRef>
+        </p:style>
+        <p:txBody>
+          <a:bodyPr rot="0" spcFirstLastPara="0" vertOverflow="overflow" horzOverflow="overflow" vert="horz" wrap="square" lIns="91440" tIns="45720" rIns="91440" bIns="45720" numCol="1" spcCol="0" rtlCol="0" fromWordArt="0" anchor="ctr" anchorCtr="0" forceAA="0" compatLnSpc="1">
+            <a:prstTxWarp prst="textNoShape">
+              <a:avLst/>
+            </a:prstTxWarp>
+            <a:noAutofit/>
+          </a:bodyPr>
+          <a:lstStyle/>
+          <a:p>
+            <a:pPr algn="ctr"/>
+            <a:r>
+              <a:rPr lang="en-US" dirty="0" err="1" smtClean="0">
+                <a:solidFill>
+                  <a:schemeClr val="accent1">
+                    <a:lumMod val="50000"/>
+                  </a:schemeClr>
+                </a:solidFill>
+              </a:rPr>
+              <a:t>LivesAt</a:t>
+            </a:r>
+            <a:endParaRPr lang="en-US" dirty="0" smtClean="0">
+              <a:solidFill>
+                <a:schemeClr val="accent1">
+                  <a:lumMod val="50000"/>
+                </a:schemeClr>
+              </a:solidFill>
+            </a:endParaRPr>
+          </a:p>
+        </p:txBody>
+      </p:sp>
+      <p:cxnSp>
+        <p:nvCxnSpPr>
+          <p:cNvPr id="8" name="Straight Arrow Connector 7"/>
+          <p:cNvCxnSpPr>
+            <a:stCxn id="4" idx="6"/>
+            <a:endCxn id="6" idx="2"/>
+          </p:cNvCxnSpPr>
+          <p:nvPr/>
+        </p:nvCxnSpPr>
+        <p:spPr>
+          <a:xfrm flipV="1">
+            <a:off x="4232365" y="2131422"/>
+            <a:ext cx="659673" cy="1"/>
+          </a:xfrm>
+          <a:prstGeom prst="straightConnector1">
+            <a:avLst/>
+          </a:prstGeom>
+          <a:ln w="57150">
+            <a:tailEnd type="triangle"/>
+          </a:ln>
+        </p:spPr>
+        <p:style>
+          <a:lnRef idx="1">
+            <a:schemeClr val="accent1"/>
+          </a:lnRef>
+          <a:fillRef idx="0">
+            <a:schemeClr val="accent1"/>
+          </a:fillRef>
+          <a:effectRef idx="0">
+            <a:schemeClr val="accent1"/>
+          </a:effectRef>
+          <a:fontRef idx="minor">
+            <a:schemeClr val="tx1"/>
+          </a:fontRef>
+        </p:style>
+      </p:cxnSp>
+      <p:cxnSp>
+        <p:nvCxnSpPr>
+          <p:cNvPr id="10" name="Straight Arrow Connector 9"/>
+          <p:cNvCxnSpPr>
+            <a:stCxn id="6" idx="6"/>
+            <a:endCxn id="5" idx="2"/>
+          </p:cNvCxnSpPr>
+          <p:nvPr/>
+        </p:nvCxnSpPr>
+        <p:spPr>
+          <a:xfrm>
+            <a:off x="7062651" y="2131422"/>
+            <a:ext cx="596536" cy="1"/>
+          </a:xfrm>
+          <a:prstGeom prst="straightConnector1">
+            <a:avLst/>
+          </a:prstGeom>
+          <a:ln w="57150">
+            <a:tailEnd type="triangle"/>
+          </a:ln>
+        </p:spPr>
+        <p:style>
+          <a:lnRef idx="1">
+            <a:schemeClr val="accent1"/>
+          </a:lnRef>
+          <a:fillRef idx="0">
+            <a:schemeClr val="accent1"/>
+          </a:fillRef>
+          <a:effectRef idx="0">
+            <a:schemeClr val="accent1"/>
+          </a:effectRef>
+          <a:fontRef idx="minor">
+            <a:schemeClr val="tx1"/>
+          </a:fontRef>
+        </p:style>
+      </p:cxnSp>
+      <p:sp>
+        <p:nvSpPr>
+          <p:cNvPr id="13" name="TextBox 12"/>
+          <p:cNvSpPr txBox="1"/>
+          <p:nvPr/>
+        </p:nvSpPr>
+        <p:spPr>
+          <a:xfrm>
+            <a:off x="2515670" y="880347"/>
+            <a:ext cx="692818" cy="369332"/>
+          </a:xfrm>
+          <a:prstGeom prst="rect">
+            <a:avLst/>
+          </a:prstGeom>
+          <a:noFill/>
+        </p:spPr>
+        <p:txBody>
+          <a:bodyPr wrap="none" rtlCol="0">
+            <a:spAutoFit/>
+          </a:bodyPr>
+          <a:lstStyle/>
+          <a:p>
+            <a:r>
+              <a:rPr lang="en-US" dirty="0" smtClean="0"/>
+              <a:t>Node</a:t>
+            </a:r>
+            <a:endParaRPr lang="en-US" dirty="0"/>
+          </a:p>
+        </p:txBody>
+      </p:sp>
+      <p:sp>
+        <p:nvSpPr>
+          <p:cNvPr id="14" name="TextBox 13"/>
+          <p:cNvSpPr txBox="1"/>
+          <p:nvPr/>
+        </p:nvSpPr>
+        <p:spPr>
+          <a:xfrm>
+            <a:off x="8901229" y="880347"/>
+            <a:ext cx="692818" cy="369332"/>
+          </a:xfrm>
+          <a:prstGeom prst="rect">
+            <a:avLst/>
+          </a:prstGeom>
+          <a:noFill/>
+        </p:spPr>
+        <p:txBody>
+          <a:bodyPr wrap="none" rtlCol="0">
+            <a:spAutoFit/>
+          </a:bodyPr>
+          <a:lstStyle/>
+          <a:p>
+            <a:r>
+              <a:rPr lang="en-US"/>
+              <a:t>Node</a:t>
+            </a:r>
+            <a:endParaRPr lang="en-US" dirty="0"/>
+          </a:p>
+        </p:txBody>
+      </p:sp>
+      <p:sp>
+        <p:nvSpPr>
+          <p:cNvPr id="15" name="TextBox 14"/>
+          <p:cNvSpPr txBox="1"/>
+          <p:nvPr/>
+        </p:nvSpPr>
+        <p:spPr>
+          <a:xfrm>
+            <a:off x="5658442" y="880347"/>
+            <a:ext cx="637803" cy="369332"/>
+          </a:xfrm>
+          <a:prstGeom prst="rect">
+            <a:avLst/>
+          </a:prstGeom>
+          <a:noFill/>
+        </p:spPr>
+        <p:txBody>
+          <a:bodyPr wrap="none" rtlCol="0">
+            <a:spAutoFit/>
+          </a:bodyPr>
+          <a:lstStyle/>
+          <a:p>
+            <a:r>
+              <a:rPr lang="en-US" dirty="0" smtClean="0"/>
+              <a:t>Edge</a:t>
+            </a:r>
+            <a:endParaRPr lang="en-US" dirty="0"/>
+          </a:p>
+        </p:txBody>
+      </p:sp>
+    </p:spTree>
+    <p:extLst>
+      <p:ext uri="{BB962C8B-B14F-4D97-AF65-F5344CB8AC3E}">
+        <p14:creationId xmlns:p14="http://schemas.microsoft.com/office/powerpoint/2010/main" val="4286534608"/>
       </p:ext>
     </p:extLst>
   </p:cSld>
@@ -7500,6 +7887,29 @@
         </a:fontRef>
       </a:style>
     </a:spDef>
+    <a:lnDef>
+      <a:spPr>
+        <a:ln w="57150">
+          <a:tailEnd type="triangle"/>
+        </a:ln>
+      </a:spPr>
+      <a:bodyPr/>
+      <a:lstStyle/>
+      <a:style>
+        <a:lnRef idx="1">
+          <a:schemeClr val="accent1"/>
+        </a:lnRef>
+        <a:fillRef idx="0">
+          <a:schemeClr val="accent1"/>
+        </a:fillRef>
+        <a:effectRef idx="0">
+          <a:schemeClr val="accent1"/>
+        </a:effectRef>
+        <a:fontRef idx="minor">
+          <a:schemeClr val="tx1"/>
+        </a:fontRef>
+      </a:style>
+    </a:lnDef>
   </a:objectDefaults>
   <a:extraClrSchemeLst/>
   <a:extLst>

--- a/docs/Java ULB Diagrams.pptx
+++ b/docs/Java ULB Diagrams.pptx
@@ -10,6 +10,10 @@
     <p:sldId id="258" r:id="rId4"/>
     <p:sldId id="259" r:id="rId5"/>
     <p:sldId id="260" r:id="rId6"/>
+    <p:sldId id="261" r:id="rId7"/>
+    <p:sldId id="262" r:id="rId8"/>
+    <p:sldId id="263" r:id="rId9"/>
+    <p:sldId id="264" r:id="rId10"/>
   </p:sldIdLst>
   <p:sldSz cx="12192000" cy="6858000"/>
   <p:notesSz cx="6858000" cy="9144000"/>
@@ -247,7 +251,7 @@
           <a:p>
             <a:fld id="{E368026E-3E9B-4960-907A-2C0848B388A7}" type="datetimeFigureOut">
               <a:rPr lang="en-US" smtClean="0"/>
-              <a:t>4/8/2019</a:t>
+              <a:t>1/8/2020</a:t>
             </a:fld>
             <a:endParaRPr lang="en-US"/>
           </a:p>
@@ -417,7 +421,7 @@
           <a:p>
             <a:fld id="{E368026E-3E9B-4960-907A-2C0848B388A7}" type="datetimeFigureOut">
               <a:rPr lang="en-US" smtClean="0"/>
-              <a:t>4/8/2019</a:t>
+              <a:t>1/8/2020</a:t>
             </a:fld>
             <a:endParaRPr lang="en-US"/>
           </a:p>
@@ -597,7 +601,7 @@
           <a:p>
             <a:fld id="{E368026E-3E9B-4960-907A-2C0848B388A7}" type="datetimeFigureOut">
               <a:rPr lang="en-US" smtClean="0"/>
-              <a:t>4/8/2019</a:t>
+              <a:t>1/8/2020</a:t>
             </a:fld>
             <a:endParaRPr lang="en-US"/>
           </a:p>
@@ -767,7 +771,7 @@
           <a:p>
             <a:fld id="{E368026E-3E9B-4960-907A-2C0848B388A7}" type="datetimeFigureOut">
               <a:rPr lang="en-US" smtClean="0"/>
-              <a:t>4/8/2019</a:t>
+              <a:t>1/8/2020</a:t>
             </a:fld>
             <a:endParaRPr lang="en-US"/>
           </a:p>
@@ -1013,7 +1017,7 @@
           <a:p>
             <a:fld id="{E368026E-3E9B-4960-907A-2C0848B388A7}" type="datetimeFigureOut">
               <a:rPr lang="en-US" smtClean="0"/>
-              <a:t>4/8/2019</a:t>
+              <a:t>1/8/2020</a:t>
             </a:fld>
             <a:endParaRPr lang="en-US"/>
           </a:p>
@@ -1245,7 +1249,7 @@
           <a:p>
             <a:fld id="{E368026E-3E9B-4960-907A-2C0848B388A7}" type="datetimeFigureOut">
               <a:rPr lang="en-US" smtClean="0"/>
-              <a:t>4/8/2019</a:t>
+              <a:t>1/8/2020</a:t>
             </a:fld>
             <a:endParaRPr lang="en-US"/>
           </a:p>
@@ -1612,7 +1616,7 @@
           <a:p>
             <a:fld id="{E368026E-3E9B-4960-907A-2C0848B388A7}" type="datetimeFigureOut">
               <a:rPr lang="en-US" smtClean="0"/>
-              <a:t>4/8/2019</a:t>
+              <a:t>1/8/2020</a:t>
             </a:fld>
             <a:endParaRPr lang="en-US"/>
           </a:p>
@@ -1730,7 +1734,7 @@
           <a:p>
             <a:fld id="{E368026E-3E9B-4960-907A-2C0848B388A7}" type="datetimeFigureOut">
               <a:rPr lang="en-US" smtClean="0"/>
-              <a:t>4/8/2019</a:t>
+              <a:t>1/8/2020</a:t>
             </a:fld>
             <a:endParaRPr lang="en-US"/>
           </a:p>
@@ -1825,7 +1829,7 @@
           <a:p>
             <a:fld id="{E368026E-3E9B-4960-907A-2C0848B388A7}" type="datetimeFigureOut">
               <a:rPr lang="en-US" smtClean="0"/>
-              <a:t>4/8/2019</a:t>
+              <a:t>1/8/2020</a:t>
             </a:fld>
             <a:endParaRPr lang="en-US"/>
           </a:p>
@@ -2102,7 +2106,7 @@
           <a:p>
             <a:fld id="{E368026E-3E9B-4960-907A-2C0848B388A7}" type="datetimeFigureOut">
               <a:rPr lang="en-US" smtClean="0"/>
-              <a:t>4/8/2019</a:t>
+              <a:t>1/8/2020</a:t>
             </a:fld>
             <a:endParaRPr lang="en-US"/>
           </a:p>
@@ -2355,7 +2359,7 @@
           <a:p>
             <a:fld id="{E368026E-3E9B-4960-907A-2C0848B388A7}" type="datetimeFigureOut">
               <a:rPr lang="en-US" smtClean="0"/>
-              <a:t>4/8/2019</a:t>
+              <a:t>1/8/2020</a:t>
             </a:fld>
             <a:endParaRPr lang="en-US"/>
           </a:p>
@@ -2568,7 +2572,7 @@
           <a:p>
             <a:fld id="{E368026E-3E9B-4960-907A-2C0848B388A7}" type="datetimeFigureOut">
               <a:rPr lang="en-US" smtClean="0"/>
-              <a:t>4/8/2019</a:t>
+              <a:t>1/8/2020</a:t>
             </a:fld>
             <a:endParaRPr lang="en-US"/>
           </a:p>
@@ -7237,13 +7241,6 @@
               </a:rPr>
               <a:t>: John</a:t>
             </a:r>
-            <a:endParaRPr lang="en-US" dirty="0" smtClean="0">
-              <a:solidFill>
-                <a:schemeClr val="accent1">
-                  <a:lumMod val="50000"/>
-                </a:schemeClr>
-              </a:solidFill>
-            </a:endParaRPr>
           </a:p>
         </p:txBody>
       </p:sp>
@@ -7348,13 +7345,6 @@
               </a:rPr>
               <a:t>ZIP: 48858</a:t>
             </a:r>
-            <a:endParaRPr lang="en-US" dirty="0" smtClean="0">
-              <a:solidFill>
-                <a:schemeClr val="accent1">
-                  <a:lumMod val="50000"/>
-                </a:schemeClr>
-              </a:solidFill>
-            </a:endParaRPr>
           </a:p>
         </p:txBody>
       </p:sp>
@@ -7587,6 +7577,4152 @@
     <p:extLst>
       <p:ext uri="{BB962C8B-B14F-4D97-AF65-F5344CB8AC3E}">
         <p14:creationId xmlns:p14="http://schemas.microsoft.com/office/powerpoint/2010/main" val="4286534608"/>
+      </p:ext>
+    </p:extLst>
+  </p:cSld>
+  <p:clrMapOvr>
+    <a:masterClrMapping/>
+  </p:clrMapOvr>
+</p:sld>
+</file>
+
+<file path=ppt/slides/slide6.xml><?xml version="1.0" encoding="utf-8"?>
+<p:sld xmlns:a="http://schemas.openxmlformats.org/drawingml/2006/main" xmlns:r="http://schemas.openxmlformats.org/officeDocument/2006/relationships" xmlns:p="http://schemas.openxmlformats.org/presentationml/2006/main">
+  <p:cSld>
+    <p:spTree>
+      <p:nvGrpSpPr>
+        <p:cNvPr id="1" name=""/>
+        <p:cNvGrpSpPr/>
+        <p:nvPr/>
+      </p:nvGrpSpPr>
+      <p:grpSpPr>
+        <a:xfrm>
+          <a:off x="0" y="0"/>
+          <a:ext cx="0" cy="0"/>
+          <a:chOff x="0" y="0"/>
+          <a:chExt cx="0" cy="0"/>
+        </a:xfrm>
+      </p:grpSpPr>
+      <p:cxnSp>
+        <p:nvCxnSpPr>
+          <p:cNvPr id="5" name="Elbow Connector 4"/>
+          <p:cNvCxnSpPr>
+            <a:stCxn id="62" idx="3"/>
+            <a:endCxn id="21" idx="1"/>
+          </p:cNvCxnSpPr>
+          <p:nvPr/>
+        </p:nvCxnSpPr>
+        <p:spPr>
+          <a:xfrm flipV="1">
+            <a:off x="3210938" y="1612809"/>
+            <a:ext cx="771896" cy="1129927"/>
+          </a:xfrm>
+          <a:prstGeom prst="bentConnector3">
+            <a:avLst>
+              <a:gd name="adj1" fmla="val 50000"/>
+            </a:avLst>
+          </a:prstGeom>
+          <a:ln w="19050">
+            <a:solidFill>
+              <a:srgbClr val="00B0F0"/>
+            </a:solidFill>
+            <a:tailEnd type="triangle"/>
+          </a:ln>
+        </p:spPr>
+        <p:style>
+          <a:lnRef idx="1">
+            <a:schemeClr val="accent1"/>
+          </a:lnRef>
+          <a:fillRef idx="0">
+            <a:schemeClr val="accent1"/>
+          </a:fillRef>
+          <a:effectRef idx="0">
+            <a:schemeClr val="accent1"/>
+          </a:effectRef>
+          <a:fontRef idx="minor">
+            <a:schemeClr val="tx1"/>
+          </a:fontRef>
+        </p:style>
+      </p:cxnSp>
+      <p:sp>
+        <p:nvSpPr>
+          <p:cNvPr id="21" name="TextBox 20"/>
+          <p:cNvSpPr txBox="1"/>
+          <p:nvPr/>
+        </p:nvSpPr>
+        <p:spPr>
+          <a:xfrm>
+            <a:off x="3982834" y="1475415"/>
+            <a:ext cx="995796" cy="274788"/>
+          </a:xfrm>
+          <a:prstGeom prst="rect">
+            <a:avLst/>
+          </a:prstGeom>
+          <a:noFill/>
+        </p:spPr>
+        <p:txBody>
+          <a:bodyPr wrap="square" rtlCol="0">
+            <a:spAutoFit/>
+          </a:bodyPr>
+          <a:lstStyle/>
+          <a:p>
+            <a:r>
+              <a:rPr lang="en-US" sz="1000" dirty="0" smtClean="0">
+                <a:solidFill>
+                  <a:srgbClr val="FF0000"/>
+                </a:solidFill>
+              </a:rPr>
+              <a:t>OID: </a:t>
+            </a:r>
+            <a:r>
+              <a:rPr lang="en-US" sz="1000" dirty="0" smtClean="0">
+                <a:solidFill>
+                  <a:srgbClr val="FF0000"/>
+                </a:solidFill>
+              </a:rPr>
+              <a:t>3-4-5-2</a:t>
+            </a:r>
+            <a:endParaRPr lang="en-US" sz="1000" dirty="0">
+              <a:solidFill>
+                <a:srgbClr val="FF0000"/>
+              </a:solidFill>
+            </a:endParaRPr>
+          </a:p>
+        </p:txBody>
+      </p:sp>
+      <p:sp>
+        <p:nvSpPr>
+          <p:cNvPr id="22" name="Rectangle 21"/>
+          <p:cNvSpPr/>
+          <p:nvPr/>
+        </p:nvSpPr>
+        <p:spPr>
+          <a:xfrm>
+            <a:off x="4052211" y="1679746"/>
+            <a:ext cx="1274493" cy="225483"/>
+          </a:xfrm>
+          <a:prstGeom prst="rect">
+            <a:avLst/>
+          </a:prstGeom>
+          <a:noFill/>
+          <a:ln w="9525"/>
+        </p:spPr>
+        <p:style>
+          <a:lnRef idx="2">
+            <a:schemeClr val="accent1">
+              <a:shade val="50000"/>
+            </a:schemeClr>
+          </a:lnRef>
+          <a:fillRef idx="1">
+            <a:schemeClr val="accent1"/>
+          </a:fillRef>
+          <a:effectRef idx="0">
+            <a:schemeClr val="accent1"/>
+          </a:effectRef>
+          <a:fontRef idx="minor">
+            <a:schemeClr val="lt1"/>
+          </a:fontRef>
+        </p:style>
+        <p:txBody>
+          <a:bodyPr rot="0" spcFirstLastPara="0" vertOverflow="overflow" horzOverflow="overflow" vert="horz" wrap="square" lIns="91440" tIns="45720" rIns="91440" bIns="45720" numCol="1" spcCol="0" rtlCol="0" fromWordArt="0" anchor="ctr" anchorCtr="0" forceAA="0" compatLnSpc="1">
+            <a:prstTxWarp prst="textNoShape">
+              <a:avLst/>
+            </a:prstTxWarp>
+            <a:noAutofit/>
+          </a:bodyPr>
+          <a:lstStyle/>
+          <a:p>
+            <a:pPr algn="ctr"/>
+            <a:r>
+              <a:rPr lang="en-US" sz="1000" dirty="0" err="1" smtClean="0">
+                <a:solidFill>
+                  <a:schemeClr val="accent1">
+                    <a:lumMod val="50000"/>
+                  </a:schemeClr>
+                </a:solidFill>
+              </a:rPr>
+              <a:t>LivesAt</a:t>
+            </a:r>
+            <a:endParaRPr lang="en-US" sz="1000" dirty="0">
+              <a:solidFill>
+                <a:schemeClr val="accent1">
+                  <a:lumMod val="50000"/>
+                </a:schemeClr>
+              </a:solidFill>
+            </a:endParaRPr>
+          </a:p>
+        </p:txBody>
+      </p:sp>
+      <p:sp>
+        <p:nvSpPr>
+          <p:cNvPr id="23" name="Rectangle 22"/>
+          <p:cNvSpPr/>
+          <p:nvPr/>
+        </p:nvSpPr>
+        <p:spPr>
+          <a:xfrm>
+            <a:off x="4052211" y="1905229"/>
+            <a:ext cx="1274493" cy="1383832"/>
+          </a:xfrm>
+          <a:prstGeom prst="rect">
+            <a:avLst/>
+          </a:prstGeom>
+          <a:noFill/>
+          <a:ln w="9525"/>
+        </p:spPr>
+        <p:style>
+          <a:lnRef idx="2">
+            <a:schemeClr val="accent1">
+              <a:shade val="50000"/>
+            </a:schemeClr>
+          </a:lnRef>
+          <a:fillRef idx="1">
+            <a:schemeClr val="accent1"/>
+          </a:fillRef>
+          <a:effectRef idx="0">
+            <a:schemeClr val="accent1"/>
+          </a:effectRef>
+          <a:fontRef idx="minor">
+            <a:schemeClr val="lt1"/>
+          </a:fontRef>
+        </p:style>
+        <p:txBody>
+          <a:bodyPr rot="0" spcFirstLastPara="0" vertOverflow="overflow" horzOverflow="overflow" vert="horz" wrap="square" lIns="91440" tIns="45720" rIns="91440" bIns="45720" numCol="1" spcCol="0" rtlCol="0" fromWordArt="0" anchor="t" anchorCtr="0" forceAA="0" compatLnSpc="1">
+            <a:prstTxWarp prst="textNoShape">
+              <a:avLst/>
+            </a:prstTxWarp>
+            <a:noAutofit/>
+          </a:bodyPr>
+          <a:lstStyle/>
+          <a:p>
+            <a:r>
+              <a:rPr lang="en-US" sz="900" dirty="0" smtClean="0">
+                <a:solidFill>
+                  <a:schemeClr val="accent1">
+                    <a:lumMod val="50000"/>
+                  </a:schemeClr>
+                </a:solidFill>
+              </a:rPr>
+              <a:t>From:        3/4/2006</a:t>
+            </a:r>
+            <a:endParaRPr lang="en-US" sz="900" dirty="0" smtClean="0">
+              <a:solidFill>
+                <a:schemeClr val="accent1">
+                  <a:lumMod val="50000"/>
+                </a:schemeClr>
+              </a:solidFill>
+            </a:endParaRPr>
+          </a:p>
+          <a:p>
+            <a:r>
+              <a:rPr lang="en-US" sz="900" dirty="0" smtClean="0">
+                <a:solidFill>
+                  <a:schemeClr val="accent5">
+                    <a:lumMod val="75000"/>
+                  </a:schemeClr>
+                </a:solidFill>
+              </a:rPr>
+              <a:t>To:             6/9/2015</a:t>
+            </a:r>
+            <a:endParaRPr lang="en-US" sz="900" dirty="0">
+              <a:solidFill>
+                <a:schemeClr val="accent5">
+                  <a:lumMod val="75000"/>
+                </a:schemeClr>
+              </a:solidFill>
+            </a:endParaRPr>
+          </a:p>
+          <a:p>
+            <a:endParaRPr lang="en-US" sz="900" dirty="0" smtClean="0">
+              <a:solidFill>
+                <a:schemeClr val="accent5">
+                  <a:lumMod val="75000"/>
+                </a:schemeClr>
+              </a:solidFill>
+            </a:endParaRPr>
+          </a:p>
+          <a:p>
+            <a:r>
+              <a:rPr lang="en-US" sz="900" dirty="0" err="1" smtClean="0">
+                <a:solidFill>
+                  <a:schemeClr val="accent5">
+                    <a:lumMod val="75000"/>
+                  </a:schemeClr>
+                </a:solidFill>
+              </a:rPr>
+              <a:t>ToAddress</a:t>
+            </a:r>
+            <a:r>
+              <a:rPr lang="en-US" sz="900" dirty="0" smtClean="0">
+                <a:solidFill>
+                  <a:schemeClr val="accent5">
+                    <a:lumMod val="75000"/>
+                  </a:schemeClr>
+                </a:solidFill>
+              </a:rPr>
+              <a:t> </a:t>
+            </a:r>
+            <a:r>
+              <a:rPr lang="en-US" sz="900" dirty="0">
+                <a:solidFill>
+                  <a:schemeClr val="accent5">
+                    <a:lumMod val="75000"/>
+                  </a:schemeClr>
+                </a:solidFill>
+              </a:rPr>
+              <a:t>:</a:t>
+            </a:r>
+            <a:r>
+              <a:rPr lang="en-US" sz="900" dirty="0" smtClean="0">
+                <a:solidFill>
+                  <a:schemeClr val="accent5">
+                    <a:lumMod val="75000"/>
+                  </a:schemeClr>
+                </a:solidFill>
+              </a:rPr>
+              <a:t>    3-3-1-12</a:t>
+            </a:r>
+          </a:p>
+          <a:p>
+            <a:endParaRPr lang="en-US" sz="900" dirty="0" smtClean="0">
+              <a:solidFill>
+                <a:schemeClr val="accent5">
+                  <a:lumMod val="75000"/>
+                </a:schemeClr>
+              </a:solidFill>
+            </a:endParaRPr>
+          </a:p>
+          <a:p>
+            <a:endParaRPr lang="en-US" sz="900" dirty="0" smtClean="0">
+              <a:solidFill>
+                <a:schemeClr val="accent5">
+                  <a:lumMod val="75000"/>
+                </a:schemeClr>
+              </a:solidFill>
+            </a:endParaRPr>
+          </a:p>
+          <a:p>
+            <a:endParaRPr lang="en-US" sz="900" dirty="0" smtClean="0">
+              <a:solidFill>
+                <a:schemeClr val="accent5">
+                  <a:lumMod val="75000"/>
+                </a:schemeClr>
+              </a:solidFill>
+            </a:endParaRPr>
+          </a:p>
+        </p:txBody>
+      </p:sp>
+      <p:sp>
+        <p:nvSpPr>
+          <p:cNvPr id="24" name="Rectangle 23"/>
+          <p:cNvSpPr/>
+          <p:nvPr/>
+        </p:nvSpPr>
+        <p:spPr>
+          <a:xfrm>
+            <a:off x="4746808" y="2911657"/>
+            <a:ext cx="103079" cy="105469"/>
+          </a:xfrm>
+          <a:prstGeom prst="rect">
+            <a:avLst/>
+          </a:prstGeom>
+          <a:noFill/>
+          <a:ln w="9525">
+            <a:noFill/>
+          </a:ln>
+        </p:spPr>
+        <p:style>
+          <a:lnRef idx="2">
+            <a:schemeClr val="accent1">
+              <a:shade val="50000"/>
+            </a:schemeClr>
+          </a:lnRef>
+          <a:fillRef idx="1">
+            <a:schemeClr val="accent1"/>
+          </a:fillRef>
+          <a:effectRef idx="0">
+            <a:schemeClr val="accent1"/>
+          </a:effectRef>
+          <a:fontRef idx="minor">
+            <a:schemeClr val="lt1"/>
+          </a:fontRef>
+        </p:style>
+        <p:txBody>
+          <a:bodyPr rot="0" spcFirstLastPara="0" vertOverflow="overflow" horzOverflow="overflow" vert="horz" wrap="square" lIns="91440" tIns="45720" rIns="91440" bIns="45720" numCol="1" spcCol="0" rtlCol="0" fromWordArt="0" anchor="ctr" anchorCtr="0" forceAA="0" compatLnSpc="1">
+            <a:prstTxWarp prst="textNoShape">
+              <a:avLst/>
+            </a:prstTxWarp>
+            <a:noAutofit/>
+          </a:bodyPr>
+          <a:lstStyle/>
+          <a:p>
+            <a:pPr algn="ctr"/>
+            <a:endParaRPr lang="en-US" sz="1200" dirty="0" err="1" smtClean="0">
+              <a:solidFill>
+                <a:schemeClr val="accent1">
+                  <a:lumMod val="50000"/>
+                </a:schemeClr>
+              </a:solidFill>
+            </a:endParaRPr>
+          </a:p>
+        </p:txBody>
+      </p:sp>
+      <p:sp>
+        <p:nvSpPr>
+          <p:cNvPr id="17" name="TextBox 16"/>
+          <p:cNvSpPr txBox="1"/>
+          <p:nvPr/>
+        </p:nvSpPr>
+        <p:spPr>
+          <a:xfrm>
+            <a:off x="6109579" y="1477878"/>
+            <a:ext cx="995796" cy="274788"/>
+          </a:xfrm>
+          <a:prstGeom prst="rect">
+            <a:avLst/>
+          </a:prstGeom>
+          <a:noFill/>
+        </p:spPr>
+        <p:txBody>
+          <a:bodyPr wrap="square" rtlCol="0">
+            <a:spAutoFit/>
+          </a:bodyPr>
+          <a:lstStyle/>
+          <a:p>
+            <a:r>
+              <a:rPr lang="en-US" sz="1000" dirty="0" smtClean="0">
+                <a:solidFill>
+                  <a:srgbClr val="FF0000"/>
+                </a:solidFill>
+              </a:rPr>
+              <a:t>OID: 3-3-1-12</a:t>
+            </a:r>
+            <a:endParaRPr lang="en-US" sz="1000" dirty="0">
+              <a:solidFill>
+                <a:srgbClr val="FF0000"/>
+              </a:solidFill>
+            </a:endParaRPr>
+          </a:p>
+        </p:txBody>
+      </p:sp>
+      <p:sp>
+        <p:nvSpPr>
+          <p:cNvPr id="18" name="Rectangle 17"/>
+          <p:cNvSpPr/>
+          <p:nvPr/>
+        </p:nvSpPr>
+        <p:spPr>
+          <a:xfrm>
+            <a:off x="6178956" y="1682209"/>
+            <a:ext cx="1246603" cy="225483"/>
+          </a:xfrm>
+          <a:prstGeom prst="rect">
+            <a:avLst/>
+          </a:prstGeom>
+          <a:noFill/>
+          <a:ln w="9525"/>
+        </p:spPr>
+        <p:style>
+          <a:lnRef idx="2">
+            <a:schemeClr val="accent1">
+              <a:shade val="50000"/>
+            </a:schemeClr>
+          </a:lnRef>
+          <a:fillRef idx="1">
+            <a:schemeClr val="accent1"/>
+          </a:fillRef>
+          <a:effectRef idx="0">
+            <a:schemeClr val="accent1"/>
+          </a:effectRef>
+          <a:fontRef idx="minor">
+            <a:schemeClr val="lt1"/>
+          </a:fontRef>
+        </p:style>
+        <p:txBody>
+          <a:bodyPr rot="0" spcFirstLastPara="0" vertOverflow="overflow" horzOverflow="overflow" vert="horz" wrap="square" lIns="91440" tIns="45720" rIns="91440" bIns="45720" numCol="1" spcCol="0" rtlCol="0" fromWordArt="0" anchor="ctr" anchorCtr="0" forceAA="0" compatLnSpc="1">
+            <a:prstTxWarp prst="textNoShape">
+              <a:avLst/>
+            </a:prstTxWarp>
+            <a:noAutofit/>
+          </a:bodyPr>
+          <a:lstStyle/>
+          <a:p>
+            <a:pPr algn="ctr"/>
+            <a:r>
+              <a:rPr lang="en-US" sz="1000" dirty="0" smtClean="0">
+                <a:solidFill>
+                  <a:schemeClr val="accent1">
+                    <a:lumMod val="50000"/>
+                  </a:schemeClr>
+                </a:solidFill>
+              </a:rPr>
+              <a:t>Address</a:t>
+            </a:r>
+            <a:endParaRPr lang="en-US" sz="1000" dirty="0">
+              <a:solidFill>
+                <a:schemeClr val="accent1">
+                  <a:lumMod val="50000"/>
+                </a:schemeClr>
+              </a:solidFill>
+            </a:endParaRPr>
+          </a:p>
+        </p:txBody>
+      </p:sp>
+      <p:sp>
+        <p:nvSpPr>
+          <p:cNvPr id="19" name="Rectangle 18"/>
+          <p:cNvSpPr/>
+          <p:nvPr/>
+        </p:nvSpPr>
+        <p:spPr>
+          <a:xfrm>
+            <a:off x="6178956" y="1907692"/>
+            <a:ext cx="1246603" cy="1383832"/>
+          </a:xfrm>
+          <a:prstGeom prst="rect">
+            <a:avLst/>
+          </a:prstGeom>
+          <a:noFill/>
+          <a:ln w="9525"/>
+        </p:spPr>
+        <p:style>
+          <a:lnRef idx="2">
+            <a:schemeClr val="accent1">
+              <a:shade val="50000"/>
+            </a:schemeClr>
+          </a:lnRef>
+          <a:fillRef idx="1">
+            <a:schemeClr val="accent1"/>
+          </a:fillRef>
+          <a:effectRef idx="0">
+            <a:schemeClr val="accent1"/>
+          </a:effectRef>
+          <a:fontRef idx="minor">
+            <a:schemeClr val="lt1"/>
+          </a:fontRef>
+        </p:style>
+        <p:txBody>
+          <a:bodyPr rot="0" spcFirstLastPara="0" vertOverflow="overflow" horzOverflow="overflow" vert="horz" wrap="square" lIns="91440" tIns="45720" rIns="91440" bIns="45720" numCol="1" spcCol="0" rtlCol="0" fromWordArt="0" anchor="t" anchorCtr="0" forceAA="0" compatLnSpc="1">
+            <a:prstTxWarp prst="textNoShape">
+              <a:avLst/>
+            </a:prstTxWarp>
+            <a:noAutofit/>
+          </a:bodyPr>
+          <a:lstStyle/>
+          <a:p>
+            <a:r>
+              <a:rPr lang="en-US" sz="900" dirty="0" smtClean="0">
+                <a:solidFill>
+                  <a:schemeClr val="accent1">
+                    <a:lumMod val="50000"/>
+                  </a:schemeClr>
+                </a:solidFill>
+              </a:rPr>
+              <a:t>Street1:        123 Main</a:t>
+            </a:r>
+            <a:endParaRPr lang="en-US" sz="900" dirty="0" smtClean="0">
+              <a:solidFill>
+                <a:schemeClr val="accent1">
+                  <a:lumMod val="50000"/>
+                </a:schemeClr>
+              </a:solidFill>
+            </a:endParaRPr>
+          </a:p>
+          <a:p>
+            <a:r>
+              <a:rPr lang="en-US" sz="900" dirty="0" smtClean="0">
+                <a:solidFill>
+                  <a:schemeClr val="accent5">
+                    <a:lumMod val="75000"/>
+                  </a:schemeClr>
+                </a:solidFill>
+              </a:rPr>
+              <a:t>Street2:</a:t>
+            </a:r>
+            <a:endParaRPr lang="en-US" sz="900" dirty="0" smtClean="0">
+              <a:solidFill>
+                <a:schemeClr val="accent5">
+                  <a:lumMod val="75000"/>
+                </a:schemeClr>
+              </a:solidFill>
+            </a:endParaRPr>
+          </a:p>
+          <a:p>
+            <a:r>
+              <a:rPr lang="en-US" sz="900" dirty="0" smtClean="0">
+                <a:solidFill>
+                  <a:schemeClr val="accent5">
+                    <a:lumMod val="75000"/>
+                  </a:schemeClr>
+                </a:solidFill>
+              </a:rPr>
+              <a:t>City:                Hill City</a:t>
+            </a:r>
+          </a:p>
+          <a:p>
+            <a:r>
+              <a:rPr lang="en-US" sz="900" dirty="0" smtClean="0">
+                <a:solidFill>
+                  <a:schemeClr val="accent5">
+                    <a:lumMod val="75000"/>
+                  </a:schemeClr>
+                </a:solidFill>
+              </a:rPr>
+              <a:t>State:              MT</a:t>
+            </a:r>
+          </a:p>
+          <a:p>
+            <a:endParaRPr lang="en-US" sz="900" dirty="0">
+              <a:solidFill>
+                <a:schemeClr val="accent5">
+                  <a:lumMod val="75000"/>
+                </a:schemeClr>
+              </a:solidFill>
+            </a:endParaRPr>
+          </a:p>
+        </p:txBody>
+      </p:sp>
+      <p:sp>
+        <p:nvSpPr>
+          <p:cNvPr id="20" name="Rectangle 19"/>
+          <p:cNvSpPr/>
+          <p:nvPr/>
+        </p:nvSpPr>
+        <p:spPr>
+          <a:xfrm>
+            <a:off x="6873553" y="2892832"/>
+            <a:ext cx="103079" cy="105469"/>
+          </a:xfrm>
+          <a:prstGeom prst="rect">
+            <a:avLst/>
+          </a:prstGeom>
+          <a:noFill/>
+          <a:ln w="9525">
+            <a:noFill/>
+          </a:ln>
+        </p:spPr>
+        <p:style>
+          <a:lnRef idx="2">
+            <a:schemeClr val="accent1">
+              <a:shade val="50000"/>
+            </a:schemeClr>
+          </a:lnRef>
+          <a:fillRef idx="1">
+            <a:schemeClr val="accent1"/>
+          </a:fillRef>
+          <a:effectRef idx="0">
+            <a:schemeClr val="accent1"/>
+          </a:effectRef>
+          <a:fontRef idx="minor">
+            <a:schemeClr val="lt1"/>
+          </a:fontRef>
+        </p:style>
+        <p:txBody>
+          <a:bodyPr rot="0" spcFirstLastPara="0" vertOverflow="overflow" horzOverflow="overflow" vert="horz" wrap="square" lIns="91440" tIns="45720" rIns="91440" bIns="45720" numCol="1" spcCol="0" rtlCol="0" fromWordArt="0" anchor="ctr" anchorCtr="0" forceAA="0" compatLnSpc="1">
+            <a:prstTxWarp prst="textNoShape">
+              <a:avLst/>
+            </a:prstTxWarp>
+            <a:noAutofit/>
+          </a:bodyPr>
+          <a:lstStyle/>
+          <a:p>
+            <a:pPr algn="ctr"/>
+            <a:endParaRPr lang="en-US" sz="1200" dirty="0" err="1" smtClean="0">
+              <a:solidFill>
+                <a:schemeClr val="accent1">
+                  <a:lumMod val="50000"/>
+                </a:schemeClr>
+              </a:solidFill>
+            </a:endParaRPr>
+          </a:p>
+        </p:txBody>
+      </p:sp>
+      <p:cxnSp>
+        <p:nvCxnSpPr>
+          <p:cNvPr id="10" name="Elbow Connector 9"/>
+          <p:cNvCxnSpPr>
+            <a:stCxn id="40" idx="3"/>
+            <a:endCxn id="17" idx="1"/>
+          </p:cNvCxnSpPr>
+          <p:nvPr/>
+        </p:nvCxnSpPr>
+        <p:spPr>
+          <a:xfrm flipV="1">
+            <a:off x="5228012" y="1615272"/>
+            <a:ext cx="881567" cy="811016"/>
+          </a:xfrm>
+          <a:prstGeom prst="bentConnector3">
+            <a:avLst>
+              <a:gd name="adj1" fmla="val 50000"/>
+            </a:avLst>
+          </a:prstGeom>
+          <a:ln w="19050">
+            <a:solidFill>
+              <a:srgbClr val="00B0F0"/>
+            </a:solidFill>
+            <a:tailEnd type="triangle"/>
+          </a:ln>
+        </p:spPr>
+        <p:style>
+          <a:lnRef idx="1">
+            <a:schemeClr val="accent1"/>
+          </a:lnRef>
+          <a:fillRef idx="0">
+            <a:schemeClr val="accent1"/>
+          </a:fillRef>
+          <a:effectRef idx="0">
+            <a:schemeClr val="accent1"/>
+          </a:effectRef>
+          <a:fontRef idx="minor">
+            <a:schemeClr val="tx1"/>
+          </a:fontRef>
+        </p:style>
+      </p:cxnSp>
+      <p:sp>
+        <p:nvSpPr>
+          <p:cNvPr id="12" name="Rectangle 11"/>
+          <p:cNvSpPr/>
+          <p:nvPr/>
+        </p:nvSpPr>
+        <p:spPr>
+          <a:xfrm>
+            <a:off x="2044368" y="1704161"/>
+            <a:ext cx="1329453" cy="225484"/>
+          </a:xfrm>
+          <a:prstGeom prst="rect">
+            <a:avLst/>
+          </a:prstGeom>
+          <a:noFill/>
+          <a:ln w="9525"/>
+        </p:spPr>
+        <p:style>
+          <a:lnRef idx="2">
+            <a:schemeClr val="accent1">
+              <a:shade val="50000"/>
+            </a:schemeClr>
+          </a:lnRef>
+          <a:fillRef idx="1">
+            <a:schemeClr val="accent1"/>
+          </a:fillRef>
+          <a:effectRef idx="0">
+            <a:schemeClr val="accent1"/>
+          </a:effectRef>
+          <a:fontRef idx="minor">
+            <a:schemeClr val="lt1"/>
+          </a:fontRef>
+        </p:style>
+        <p:txBody>
+          <a:bodyPr rot="0" spcFirstLastPara="0" vertOverflow="overflow" horzOverflow="overflow" vert="horz" wrap="square" lIns="91440" tIns="45720" rIns="91440" bIns="45720" numCol="1" spcCol="0" rtlCol="0" fromWordArt="0" anchor="ctr" anchorCtr="0" forceAA="0" compatLnSpc="1">
+            <a:prstTxWarp prst="textNoShape">
+              <a:avLst/>
+            </a:prstTxWarp>
+            <a:noAutofit/>
+          </a:bodyPr>
+          <a:lstStyle/>
+          <a:p>
+            <a:pPr algn="ctr"/>
+            <a:r>
+              <a:rPr lang="en-US" sz="1000" dirty="0" smtClean="0">
+                <a:solidFill>
+                  <a:schemeClr val="accent1">
+                    <a:lumMod val="50000"/>
+                  </a:schemeClr>
+                </a:solidFill>
+              </a:rPr>
+              <a:t>Person</a:t>
+            </a:r>
+            <a:endParaRPr lang="en-US" sz="1000" dirty="0">
+              <a:solidFill>
+                <a:schemeClr val="accent1">
+                  <a:lumMod val="50000"/>
+                </a:schemeClr>
+              </a:solidFill>
+            </a:endParaRPr>
+          </a:p>
+        </p:txBody>
+      </p:sp>
+      <p:sp>
+        <p:nvSpPr>
+          <p:cNvPr id="13" name="Rectangle 12"/>
+          <p:cNvSpPr/>
+          <p:nvPr/>
+        </p:nvSpPr>
+        <p:spPr>
+          <a:xfrm>
+            <a:off x="2044368" y="1929643"/>
+            <a:ext cx="1329453" cy="1359419"/>
+          </a:xfrm>
+          <a:prstGeom prst="rect">
+            <a:avLst/>
+          </a:prstGeom>
+          <a:noFill/>
+          <a:ln w="9525"/>
+        </p:spPr>
+        <p:style>
+          <a:lnRef idx="2">
+            <a:schemeClr val="accent1">
+              <a:shade val="50000"/>
+            </a:schemeClr>
+          </a:lnRef>
+          <a:fillRef idx="1">
+            <a:schemeClr val="accent1"/>
+          </a:fillRef>
+          <a:effectRef idx="0">
+            <a:schemeClr val="accent1"/>
+          </a:effectRef>
+          <a:fontRef idx="minor">
+            <a:schemeClr val="lt1"/>
+          </a:fontRef>
+        </p:style>
+        <p:txBody>
+          <a:bodyPr rot="0" spcFirstLastPara="0" vertOverflow="overflow" horzOverflow="overflow" vert="horz" wrap="square" lIns="91440" tIns="45720" rIns="91440" bIns="45720" numCol="1" spcCol="0" rtlCol="0" fromWordArt="0" anchor="t" anchorCtr="0" forceAA="0" compatLnSpc="1">
+            <a:prstTxWarp prst="textNoShape">
+              <a:avLst/>
+            </a:prstTxWarp>
+            <a:noAutofit/>
+          </a:bodyPr>
+          <a:lstStyle/>
+          <a:p>
+            <a:r>
+              <a:rPr lang="en-US" sz="900" dirty="0" err="1" smtClean="0">
+                <a:solidFill>
+                  <a:schemeClr val="accent1">
+                    <a:lumMod val="50000"/>
+                  </a:schemeClr>
+                </a:solidFill>
+              </a:rPr>
+              <a:t>FirstName</a:t>
+            </a:r>
+            <a:r>
+              <a:rPr lang="en-US" sz="900" dirty="0" smtClean="0">
+                <a:solidFill>
+                  <a:schemeClr val="accent1">
+                    <a:lumMod val="50000"/>
+                  </a:schemeClr>
+                </a:solidFill>
+              </a:rPr>
+              <a:t>:         Seth</a:t>
+            </a:r>
+          </a:p>
+          <a:p>
+            <a:r>
+              <a:rPr lang="en-US" sz="900" dirty="0" err="1" smtClean="0">
+                <a:solidFill>
+                  <a:schemeClr val="accent1">
+                    <a:lumMod val="50000"/>
+                  </a:schemeClr>
+                </a:solidFill>
+              </a:rPr>
+              <a:t>LastName</a:t>
+            </a:r>
+            <a:r>
+              <a:rPr lang="en-US" sz="900" dirty="0" smtClean="0">
+                <a:solidFill>
+                  <a:schemeClr val="accent1">
+                    <a:lumMod val="50000"/>
+                  </a:schemeClr>
+                </a:solidFill>
+              </a:rPr>
+              <a:t>:          </a:t>
+            </a:r>
+            <a:r>
+              <a:rPr lang="en-US" sz="900" dirty="0" err="1" smtClean="0">
+                <a:solidFill>
+                  <a:schemeClr val="accent1">
+                    <a:lumMod val="50000"/>
+                  </a:schemeClr>
+                </a:solidFill>
+              </a:rPr>
+              <a:t>Frankin</a:t>
+            </a:r>
+            <a:endParaRPr lang="en-US" sz="900" dirty="0" smtClean="0">
+              <a:solidFill>
+                <a:schemeClr val="accent1">
+                  <a:lumMod val="50000"/>
+                </a:schemeClr>
+              </a:solidFill>
+            </a:endParaRPr>
+          </a:p>
+          <a:p>
+            <a:r>
+              <a:rPr lang="en-US" sz="900" dirty="0" err="1" smtClean="0">
+                <a:solidFill>
+                  <a:schemeClr val="accent1">
+                    <a:lumMod val="50000"/>
+                  </a:schemeClr>
+                </a:solidFill>
+              </a:rPr>
+              <a:t>MiddleInitial</a:t>
+            </a:r>
+            <a:r>
+              <a:rPr lang="en-US" sz="900" dirty="0" smtClean="0">
+                <a:solidFill>
+                  <a:schemeClr val="accent1">
+                    <a:lumMod val="50000"/>
+                  </a:schemeClr>
+                </a:solidFill>
+              </a:rPr>
+              <a:t>      B</a:t>
+            </a:r>
+          </a:p>
+          <a:p>
+            <a:endParaRPr lang="en-US" sz="900" dirty="0">
+              <a:solidFill>
+                <a:schemeClr val="accent1">
+                  <a:lumMod val="50000"/>
+                </a:schemeClr>
+              </a:solidFill>
+            </a:endParaRPr>
+          </a:p>
+          <a:p>
+            <a:r>
+              <a:rPr lang="en-US" sz="900" dirty="0" err="1" smtClean="0">
+                <a:solidFill>
+                  <a:schemeClr val="accent1">
+                    <a:lumMod val="50000"/>
+                  </a:schemeClr>
+                </a:solidFill>
+              </a:rPr>
+              <a:t>LivesAt</a:t>
+            </a:r>
+            <a:r>
+              <a:rPr lang="en-US" sz="900" dirty="0" smtClean="0">
+                <a:solidFill>
+                  <a:schemeClr val="accent1">
+                    <a:lumMod val="50000"/>
+                  </a:schemeClr>
+                </a:solidFill>
+              </a:rPr>
+              <a:t> {</a:t>
+            </a:r>
+            <a:endParaRPr lang="en-US" sz="900" dirty="0" smtClean="0">
+              <a:solidFill>
+                <a:schemeClr val="accent1">
+                  <a:lumMod val="50000"/>
+                </a:schemeClr>
+              </a:solidFill>
+            </a:endParaRPr>
+          </a:p>
+          <a:p>
+            <a:r>
+              <a:rPr lang="en-US" sz="900" dirty="0" smtClean="0">
+                <a:solidFill>
+                  <a:schemeClr val="accent1">
+                    <a:lumMod val="50000"/>
+                  </a:schemeClr>
+                </a:solidFill>
+              </a:rPr>
+              <a:t>    </a:t>
+            </a:r>
+            <a:r>
+              <a:rPr lang="en-US" sz="900" dirty="0" smtClean="0">
+                <a:solidFill>
+                  <a:schemeClr val="accent1">
+                    <a:lumMod val="50000"/>
+                  </a:schemeClr>
+                </a:solidFill>
+              </a:rPr>
+              <a:t>3-4-5-2</a:t>
+            </a:r>
+            <a:endParaRPr lang="en-US" sz="900" dirty="0" smtClean="0">
+              <a:solidFill>
+                <a:schemeClr val="accent1">
+                  <a:lumMod val="50000"/>
+                </a:schemeClr>
+              </a:solidFill>
+            </a:endParaRPr>
+          </a:p>
+          <a:p>
+            <a:r>
+              <a:rPr lang="en-US" sz="900" dirty="0">
+                <a:solidFill>
+                  <a:schemeClr val="accent1">
+                    <a:lumMod val="50000"/>
+                  </a:schemeClr>
+                </a:solidFill>
+              </a:rPr>
+              <a:t>}</a:t>
+            </a:r>
+            <a:r>
+              <a:rPr lang="en-US" sz="900" dirty="0" smtClean="0">
+                <a:solidFill>
+                  <a:schemeClr val="accent1">
+                    <a:lumMod val="50000"/>
+                  </a:schemeClr>
+                </a:solidFill>
+              </a:rPr>
+              <a:t> </a:t>
+            </a:r>
+          </a:p>
+        </p:txBody>
+      </p:sp>
+      <p:sp>
+        <p:nvSpPr>
+          <p:cNvPr id="14" name="TextBox 13"/>
+          <p:cNvSpPr txBox="1"/>
+          <p:nvPr/>
+        </p:nvSpPr>
+        <p:spPr>
+          <a:xfrm>
+            <a:off x="2044368" y="1466193"/>
+            <a:ext cx="929730" cy="274788"/>
+          </a:xfrm>
+          <a:prstGeom prst="rect">
+            <a:avLst/>
+          </a:prstGeom>
+          <a:noFill/>
+        </p:spPr>
+        <p:txBody>
+          <a:bodyPr wrap="square" rtlCol="0">
+            <a:spAutoFit/>
+          </a:bodyPr>
+          <a:lstStyle/>
+          <a:p>
+            <a:r>
+              <a:rPr lang="en-US" sz="1000" dirty="0" smtClean="0">
+                <a:solidFill>
+                  <a:srgbClr val="FF0000"/>
+                </a:solidFill>
+              </a:rPr>
+              <a:t>OID: 3-3-1-4</a:t>
+            </a:r>
+            <a:endParaRPr lang="en-US" sz="1000" dirty="0">
+              <a:solidFill>
+                <a:srgbClr val="FF0000"/>
+              </a:solidFill>
+            </a:endParaRPr>
+          </a:p>
+        </p:txBody>
+      </p:sp>
+      <p:sp>
+        <p:nvSpPr>
+          <p:cNvPr id="15" name="Rectangle 14"/>
+          <p:cNvSpPr/>
+          <p:nvPr/>
+        </p:nvSpPr>
+        <p:spPr>
+          <a:xfrm>
+            <a:off x="2549351" y="2678078"/>
+            <a:ext cx="105989" cy="105469"/>
+          </a:xfrm>
+          <a:prstGeom prst="rect">
+            <a:avLst/>
+          </a:prstGeom>
+          <a:noFill/>
+          <a:ln w="9525">
+            <a:noFill/>
+          </a:ln>
+        </p:spPr>
+        <p:style>
+          <a:lnRef idx="2">
+            <a:schemeClr val="accent1">
+              <a:shade val="50000"/>
+            </a:schemeClr>
+          </a:lnRef>
+          <a:fillRef idx="1">
+            <a:schemeClr val="accent1"/>
+          </a:fillRef>
+          <a:effectRef idx="0">
+            <a:schemeClr val="accent1"/>
+          </a:effectRef>
+          <a:fontRef idx="minor">
+            <a:schemeClr val="lt1"/>
+          </a:fontRef>
+        </p:style>
+        <p:txBody>
+          <a:bodyPr rot="0" spcFirstLastPara="0" vertOverflow="overflow" horzOverflow="overflow" vert="horz" wrap="square" lIns="91440" tIns="45720" rIns="91440" bIns="45720" numCol="1" spcCol="0" rtlCol="0" fromWordArt="0" anchor="ctr" anchorCtr="0" forceAA="0" compatLnSpc="1">
+            <a:prstTxWarp prst="textNoShape">
+              <a:avLst/>
+            </a:prstTxWarp>
+            <a:noAutofit/>
+          </a:bodyPr>
+          <a:lstStyle/>
+          <a:p>
+            <a:pPr algn="ctr"/>
+            <a:endParaRPr lang="en-US" sz="1200" dirty="0" err="1" smtClean="0">
+              <a:solidFill>
+                <a:schemeClr val="accent1">
+                  <a:lumMod val="50000"/>
+                </a:schemeClr>
+              </a:solidFill>
+            </a:endParaRPr>
+          </a:p>
+        </p:txBody>
+      </p:sp>
+      <p:sp>
+        <p:nvSpPr>
+          <p:cNvPr id="16" name="Rectangle 15"/>
+          <p:cNvSpPr/>
+          <p:nvPr/>
+        </p:nvSpPr>
+        <p:spPr>
+          <a:xfrm>
+            <a:off x="6242020" y="2792660"/>
+            <a:ext cx="105989" cy="105469"/>
+          </a:xfrm>
+          <a:prstGeom prst="rect">
+            <a:avLst/>
+          </a:prstGeom>
+          <a:noFill/>
+          <a:ln w="9525">
+            <a:noFill/>
+          </a:ln>
+        </p:spPr>
+        <p:style>
+          <a:lnRef idx="2">
+            <a:schemeClr val="accent1">
+              <a:shade val="50000"/>
+            </a:schemeClr>
+          </a:lnRef>
+          <a:fillRef idx="1">
+            <a:schemeClr val="accent1"/>
+          </a:fillRef>
+          <a:effectRef idx="0">
+            <a:schemeClr val="accent1"/>
+          </a:effectRef>
+          <a:fontRef idx="minor">
+            <a:schemeClr val="lt1"/>
+          </a:fontRef>
+        </p:style>
+        <p:txBody>
+          <a:bodyPr rot="0" spcFirstLastPara="0" vertOverflow="overflow" horzOverflow="overflow" vert="horz" wrap="square" lIns="91440" tIns="45720" rIns="91440" bIns="45720" numCol="1" spcCol="0" rtlCol="0" fromWordArt="0" anchor="ctr" anchorCtr="0" forceAA="0" compatLnSpc="1">
+            <a:prstTxWarp prst="textNoShape">
+              <a:avLst/>
+            </a:prstTxWarp>
+            <a:noAutofit/>
+          </a:bodyPr>
+          <a:lstStyle/>
+          <a:p>
+            <a:pPr algn="ctr"/>
+            <a:endParaRPr lang="en-US" sz="1200" dirty="0" err="1" smtClean="0">
+              <a:solidFill>
+                <a:schemeClr val="accent1">
+                  <a:lumMod val="50000"/>
+                </a:schemeClr>
+              </a:solidFill>
+            </a:endParaRPr>
+          </a:p>
+        </p:txBody>
+      </p:sp>
+      <p:sp>
+        <p:nvSpPr>
+          <p:cNvPr id="34" name="Rectangle 33"/>
+          <p:cNvSpPr/>
+          <p:nvPr/>
+        </p:nvSpPr>
+        <p:spPr>
+          <a:xfrm>
+            <a:off x="5029200" y="2402639"/>
+            <a:ext cx="178426" cy="72842"/>
+          </a:xfrm>
+          <a:prstGeom prst="rect">
+            <a:avLst/>
+          </a:prstGeom>
+          <a:noFill/>
+          <a:ln w="9525">
+            <a:noFill/>
+          </a:ln>
+        </p:spPr>
+        <p:style>
+          <a:lnRef idx="2">
+            <a:schemeClr val="accent1">
+              <a:shade val="50000"/>
+            </a:schemeClr>
+          </a:lnRef>
+          <a:fillRef idx="1">
+            <a:schemeClr val="accent1"/>
+          </a:fillRef>
+          <a:effectRef idx="0">
+            <a:schemeClr val="accent1"/>
+          </a:effectRef>
+          <a:fontRef idx="minor">
+            <a:schemeClr val="lt1"/>
+          </a:fontRef>
+        </p:style>
+        <p:txBody>
+          <a:bodyPr rot="0" spcFirstLastPara="0" vertOverflow="overflow" horzOverflow="overflow" vert="horz" wrap="square" lIns="91440" tIns="45720" rIns="91440" bIns="45720" numCol="1" spcCol="0" rtlCol="0" fromWordArt="0" anchor="ctr" anchorCtr="0" forceAA="0" compatLnSpc="1">
+            <a:prstTxWarp prst="textNoShape">
+              <a:avLst/>
+            </a:prstTxWarp>
+            <a:noAutofit/>
+          </a:bodyPr>
+          <a:lstStyle/>
+          <a:p>
+            <a:pPr algn="ctr"/>
+            <a:endParaRPr lang="en-US" dirty="0" err="1" smtClean="0">
+              <a:solidFill>
+                <a:schemeClr val="accent1">
+                  <a:lumMod val="50000"/>
+                </a:schemeClr>
+              </a:solidFill>
+            </a:endParaRPr>
+          </a:p>
+        </p:txBody>
+      </p:sp>
+      <p:sp>
+        <p:nvSpPr>
+          <p:cNvPr id="40" name="Rounded Rectangle 39"/>
+          <p:cNvSpPr/>
+          <p:nvPr/>
+        </p:nvSpPr>
+        <p:spPr>
+          <a:xfrm>
+            <a:off x="4119370" y="2304105"/>
+            <a:ext cx="1108642" cy="244365"/>
+          </a:xfrm>
+          <a:prstGeom prst="roundRect">
+            <a:avLst/>
+          </a:prstGeom>
+          <a:solidFill>
+            <a:srgbClr val="FFFF00">
+              <a:alpha val="27059"/>
+            </a:srgbClr>
+          </a:solidFill>
+          <a:ln w="9525"/>
+        </p:spPr>
+        <p:style>
+          <a:lnRef idx="2">
+            <a:schemeClr val="accent1">
+              <a:shade val="50000"/>
+            </a:schemeClr>
+          </a:lnRef>
+          <a:fillRef idx="1">
+            <a:schemeClr val="accent1"/>
+          </a:fillRef>
+          <a:effectRef idx="0">
+            <a:schemeClr val="accent1"/>
+          </a:effectRef>
+          <a:fontRef idx="minor">
+            <a:schemeClr val="lt1"/>
+          </a:fontRef>
+        </p:style>
+        <p:txBody>
+          <a:bodyPr rot="0" spcFirstLastPara="0" vertOverflow="overflow" horzOverflow="overflow" vert="horz" wrap="square" lIns="91440" tIns="45720" rIns="91440" bIns="45720" numCol="1" spcCol="0" rtlCol="0" fromWordArt="0" anchor="ctr" anchorCtr="0" forceAA="0" compatLnSpc="1">
+            <a:prstTxWarp prst="textNoShape">
+              <a:avLst/>
+            </a:prstTxWarp>
+            <a:noAutofit/>
+          </a:bodyPr>
+          <a:lstStyle/>
+          <a:p>
+            <a:pPr algn="ctr"/>
+            <a:endParaRPr lang="en-US" dirty="0" err="1" smtClean="0">
+              <a:solidFill>
+                <a:schemeClr val="accent1">
+                  <a:lumMod val="50000"/>
+                </a:schemeClr>
+              </a:solidFill>
+            </a:endParaRPr>
+          </a:p>
+        </p:txBody>
+      </p:sp>
+      <p:sp>
+        <p:nvSpPr>
+          <p:cNvPr id="62" name="Rounded Rectangle 61"/>
+          <p:cNvSpPr/>
+          <p:nvPr/>
+        </p:nvSpPr>
+        <p:spPr>
+          <a:xfrm>
+            <a:off x="2102296" y="2487171"/>
+            <a:ext cx="1108642" cy="511130"/>
+          </a:xfrm>
+          <a:prstGeom prst="roundRect">
+            <a:avLst/>
+          </a:prstGeom>
+          <a:solidFill>
+            <a:srgbClr val="FFFF00">
+              <a:alpha val="27059"/>
+            </a:srgbClr>
+          </a:solidFill>
+          <a:ln w="9525"/>
+        </p:spPr>
+        <p:style>
+          <a:lnRef idx="2">
+            <a:schemeClr val="accent1">
+              <a:shade val="50000"/>
+            </a:schemeClr>
+          </a:lnRef>
+          <a:fillRef idx="1">
+            <a:schemeClr val="accent1"/>
+          </a:fillRef>
+          <a:effectRef idx="0">
+            <a:schemeClr val="accent1"/>
+          </a:effectRef>
+          <a:fontRef idx="minor">
+            <a:schemeClr val="lt1"/>
+          </a:fontRef>
+        </p:style>
+        <p:txBody>
+          <a:bodyPr rot="0" spcFirstLastPara="0" vertOverflow="overflow" horzOverflow="overflow" vert="horz" wrap="square" lIns="91440" tIns="45720" rIns="91440" bIns="45720" numCol="1" spcCol="0" rtlCol="0" fromWordArt="0" anchor="ctr" anchorCtr="0" forceAA="0" compatLnSpc="1">
+            <a:prstTxWarp prst="textNoShape">
+              <a:avLst/>
+            </a:prstTxWarp>
+            <a:noAutofit/>
+          </a:bodyPr>
+          <a:lstStyle/>
+          <a:p>
+            <a:pPr algn="ctr"/>
+            <a:endParaRPr lang="en-US" dirty="0" err="1" smtClean="0">
+              <a:solidFill>
+                <a:schemeClr val="accent1">
+                  <a:lumMod val="50000"/>
+                </a:schemeClr>
+              </a:solidFill>
+            </a:endParaRPr>
+          </a:p>
+        </p:txBody>
+      </p:sp>
+    </p:spTree>
+    <p:extLst>
+      <p:ext uri="{BB962C8B-B14F-4D97-AF65-F5344CB8AC3E}">
+        <p14:creationId xmlns:p14="http://schemas.microsoft.com/office/powerpoint/2010/main" val="3879624282"/>
+      </p:ext>
+    </p:extLst>
+  </p:cSld>
+  <p:clrMapOvr>
+    <a:masterClrMapping/>
+  </p:clrMapOvr>
+</p:sld>
+</file>
+
+<file path=ppt/slides/slide7.xml><?xml version="1.0" encoding="utf-8"?>
+<p:sld xmlns:a="http://schemas.openxmlformats.org/drawingml/2006/main" xmlns:r="http://schemas.openxmlformats.org/officeDocument/2006/relationships" xmlns:p="http://schemas.openxmlformats.org/presentationml/2006/main">
+  <p:cSld>
+    <p:spTree>
+      <p:nvGrpSpPr>
+        <p:cNvPr id="1" name=""/>
+        <p:cNvGrpSpPr/>
+        <p:nvPr/>
+      </p:nvGrpSpPr>
+      <p:grpSpPr>
+        <a:xfrm>
+          <a:off x="0" y="0"/>
+          <a:ext cx="0" cy="0"/>
+          <a:chOff x="0" y="0"/>
+          <a:chExt cx="0" cy="0"/>
+        </a:xfrm>
+      </p:grpSpPr>
+      <p:cxnSp>
+        <p:nvCxnSpPr>
+          <p:cNvPr id="4" name="Elbow Connector 3"/>
+          <p:cNvCxnSpPr>
+            <a:stCxn id="17" idx="3"/>
+            <a:endCxn id="5" idx="1"/>
+          </p:cNvCxnSpPr>
+          <p:nvPr/>
+        </p:nvCxnSpPr>
+        <p:spPr>
+          <a:xfrm flipV="1">
+            <a:off x="2655340" y="1612809"/>
+            <a:ext cx="1327494" cy="1118004"/>
+          </a:xfrm>
+          <a:prstGeom prst="bentConnector3">
+            <a:avLst>
+              <a:gd name="adj1" fmla="val 73752"/>
+            </a:avLst>
+          </a:prstGeom>
+          <a:ln w="19050">
+            <a:solidFill>
+              <a:srgbClr val="00B0F0"/>
+            </a:solidFill>
+            <a:tailEnd type="triangle"/>
+          </a:ln>
+        </p:spPr>
+        <p:style>
+          <a:lnRef idx="1">
+            <a:schemeClr val="accent1"/>
+          </a:lnRef>
+          <a:fillRef idx="0">
+            <a:schemeClr val="accent1"/>
+          </a:fillRef>
+          <a:effectRef idx="0">
+            <a:schemeClr val="accent1"/>
+          </a:effectRef>
+          <a:fontRef idx="minor">
+            <a:schemeClr val="tx1"/>
+          </a:fontRef>
+        </p:style>
+      </p:cxnSp>
+      <p:sp>
+        <p:nvSpPr>
+          <p:cNvPr id="5" name="TextBox 4"/>
+          <p:cNvSpPr txBox="1"/>
+          <p:nvPr/>
+        </p:nvSpPr>
+        <p:spPr>
+          <a:xfrm>
+            <a:off x="3982834" y="1475415"/>
+            <a:ext cx="995796" cy="274788"/>
+          </a:xfrm>
+          <a:prstGeom prst="rect">
+            <a:avLst/>
+          </a:prstGeom>
+          <a:noFill/>
+        </p:spPr>
+        <p:txBody>
+          <a:bodyPr wrap="square" rtlCol="0">
+            <a:spAutoFit/>
+          </a:bodyPr>
+          <a:lstStyle/>
+          <a:p>
+            <a:r>
+              <a:rPr lang="en-US" sz="1000" dirty="0" smtClean="0">
+                <a:solidFill>
+                  <a:srgbClr val="FF0000"/>
+                </a:solidFill>
+              </a:rPr>
+              <a:t>OID</a:t>
+            </a:r>
+            <a:r>
+              <a:rPr lang="en-US" sz="1000" smtClean="0">
+                <a:solidFill>
+                  <a:srgbClr val="FF0000"/>
+                </a:solidFill>
+              </a:rPr>
+              <a:t>: </a:t>
+            </a:r>
+            <a:r>
+              <a:rPr lang="en-US" sz="1000" smtClean="0">
+                <a:solidFill>
+                  <a:srgbClr val="FF0000"/>
+                </a:solidFill>
+              </a:rPr>
+              <a:t>3-4-5-2</a:t>
+            </a:r>
+            <a:endParaRPr lang="en-US" sz="1000" dirty="0">
+              <a:solidFill>
+                <a:srgbClr val="FF0000"/>
+              </a:solidFill>
+            </a:endParaRPr>
+          </a:p>
+        </p:txBody>
+      </p:sp>
+      <p:sp>
+        <p:nvSpPr>
+          <p:cNvPr id="6" name="Rectangle 5"/>
+          <p:cNvSpPr/>
+          <p:nvPr/>
+        </p:nvSpPr>
+        <p:spPr>
+          <a:xfrm>
+            <a:off x="4052211" y="1679746"/>
+            <a:ext cx="1274493" cy="225483"/>
+          </a:xfrm>
+          <a:prstGeom prst="rect">
+            <a:avLst/>
+          </a:prstGeom>
+          <a:noFill/>
+          <a:ln w="9525"/>
+        </p:spPr>
+        <p:style>
+          <a:lnRef idx="2">
+            <a:schemeClr val="accent1">
+              <a:shade val="50000"/>
+            </a:schemeClr>
+          </a:lnRef>
+          <a:fillRef idx="1">
+            <a:schemeClr val="accent1"/>
+          </a:fillRef>
+          <a:effectRef idx="0">
+            <a:schemeClr val="accent1"/>
+          </a:effectRef>
+          <a:fontRef idx="minor">
+            <a:schemeClr val="lt1"/>
+          </a:fontRef>
+        </p:style>
+        <p:txBody>
+          <a:bodyPr rot="0" spcFirstLastPara="0" vertOverflow="overflow" horzOverflow="overflow" vert="horz" wrap="square" lIns="91440" tIns="45720" rIns="91440" bIns="45720" numCol="1" spcCol="0" rtlCol="0" fromWordArt="0" anchor="ctr" anchorCtr="0" forceAA="0" compatLnSpc="1">
+            <a:prstTxWarp prst="textNoShape">
+              <a:avLst/>
+            </a:prstTxWarp>
+            <a:noAutofit/>
+          </a:bodyPr>
+          <a:lstStyle/>
+          <a:p>
+            <a:pPr algn="ctr"/>
+            <a:r>
+              <a:rPr lang="en-US" sz="1000" smtClean="0">
+                <a:solidFill>
+                  <a:schemeClr val="accent1">
+                    <a:lumMod val="50000"/>
+                  </a:schemeClr>
+                </a:solidFill>
+              </a:rPr>
+              <a:t>LivesAt</a:t>
+            </a:r>
+            <a:endParaRPr lang="en-US" sz="1000" dirty="0">
+              <a:solidFill>
+                <a:schemeClr val="accent1">
+                  <a:lumMod val="50000"/>
+                </a:schemeClr>
+              </a:solidFill>
+            </a:endParaRPr>
+          </a:p>
+        </p:txBody>
+      </p:sp>
+      <p:sp>
+        <p:nvSpPr>
+          <p:cNvPr id="7" name="Rectangle 6"/>
+          <p:cNvSpPr/>
+          <p:nvPr/>
+        </p:nvSpPr>
+        <p:spPr>
+          <a:xfrm>
+            <a:off x="4052211" y="1905229"/>
+            <a:ext cx="1274493" cy="1383832"/>
+          </a:xfrm>
+          <a:prstGeom prst="rect">
+            <a:avLst/>
+          </a:prstGeom>
+          <a:noFill/>
+          <a:ln w="9525"/>
+        </p:spPr>
+        <p:style>
+          <a:lnRef idx="2">
+            <a:schemeClr val="accent1">
+              <a:shade val="50000"/>
+            </a:schemeClr>
+          </a:lnRef>
+          <a:fillRef idx="1">
+            <a:schemeClr val="accent1"/>
+          </a:fillRef>
+          <a:effectRef idx="0">
+            <a:schemeClr val="accent1"/>
+          </a:effectRef>
+          <a:fontRef idx="minor">
+            <a:schemeClr val="lt1"/>
+          </a:fontRef>
+        </p:style>
+        <p:txBody>
+          <a:bodyPr rot="0" spcFirstLastPara="0" vertOverflow="overflow" horzOverflow="overflow" vert="horz" wrap="square" lIns="91440" tIns="45720" rIns="91440" bIns="45720" numCol="1" spcCol="0" rtlCol="0" fromWordArt="0" anchor="t" anchorCtr="0" forceAA="0" compatLnSpc="1">
+            <a:prstTxWarp prst="textNoShape">
+              <a:avLst/>
+            </a:prstTxWarp>
+            <a:noAutofit/>
+          </a:bodyPr>
+          <a:lstStyle/>
+          <a:p>
+            <a:r>
+              <a:rPr lang="en-US" sz="900" smtClean="0">
+                <a:solidFill>
+                  <a:schemeClr val="accent1">
+                    <a:lumMod val="50000"/>
+                  </a:schemeClr>
+                </a:solidFill>
+              </a:rPr>
+              <a:t>From:        3/4/2006</a:t>
+            </a:r>
+            <a:endParaRPr lang="en-US" sz="900" dirty="0" smtClean="0">
+              <a:solidFill>
+                <a:schemeClr val="accent1">
+                  <a:lumMod val="50000"/>
+                </a:schemeClr>
+              </a:solidFill>
+            </a:endParaRPr>
+          </a:p>
+          <a:p>
+            <a:r>
+              <a:rPr lang="en-US" sz="900" smtClean="0">
+                <a:solidFill>
+                  <a:schemeClr val="accent5">
+                    <a:lumMod val="75000"/>
+                  </a:schemeClr>
+                </a:solidFill>
+              </a:rPr>
+              <a:t>To:             6/9/2015</a:t>
+            </a:r>
+            <a:endParaRPr lang="en-US" sz="900" dirty="0">
+              <a:solidFill>
+                <a:schemeClr val="accent5">
+                  <a:lumMod val="75000"/>
+                </a:schemeClr>
+              </a:solidFill>
+            </a:endParaRPr>
+          </a:p>
+          <a:p>
+            <a:endParaRPr lang="en-US" sz="900" dirty="0" smtClean="0">
+              <a:solidFill>
+                <a:schemeClr val="accent5">
+                  <a:lumMod val="75000"/>
+                </a:schemeClr>
+              </a:solidFill>
+            </a:endParaRPr>
+          </a:p>
+          <a:p>
+            <a:r>
+              <a:rPr lang="en-US" sz="900" smtClean="0">
+                <a:solidFill>
+                  <a:schemeClr val="accent5">
+                    <a:lumMod val="75000"/>
+                  </a:schemeClr>
+                </a:solidFill>
+              </a:rPr>
+              <a:t>ToAddress</a:t>
+            </a:r>
+            <a:r>
+              <a:rPr lang="en-US" sz="900" smtClean="0">
+                <a:solidFill>
+                  <a:schemeClr val="accent5">
+                    <a:lumMod val="75000"/>
+                  </a:schemeClr>
+                </a:solidFill>
+              </a:rPr>
+              <a:t> </a:t>
+            </a:r>
+            <a:r>
+              <a:rPr lang="en-US" sz="900">
+                <a:solidFill>
+                  <a:schemeClr val="accent5">
+                    <a:lumMod val="75000"/>
+                  </a:schemeClr>
+                </a:solidFill>
+              </a:rPr>
+              <a:t>:</a:t>
+            </a:r>
+            <a:r>
+              <a:rPr lang="en-US" sz="900" smtClean="0">
+                <a:solidFill>
+                  <a:schemeClr val="accent5">
+                    <a:lumMod val="75000"/>
+                  </a:schemeClr>
+                </a:solidFill>
+              </a:rPr>
+              <a:t>    3-3-1-12</a:t>
+            </a:r>
+          </a:p>
+          <a:p>
+            <a:endParaRPr lang="en-US" sz="900" smtClean="0">
+              <a:solidFill>
+                <a:schemeClr val="accent5">
+                  <a:lumMod val="75000"/>
+                </a:schemeClr>
+              </a:solidFill>
+            </a:endParaRPr>
+          </a:p>
+          <a:p>
+            <a:endParaRPr lang="en-US" sz="900" smtClean="0">
+              <a:solidFill>
+                <a:schemeClr val="accent5">
+                  <a:lumMod val="75000"/>
+                </a:schemeClr>
+              </a:solidFill>
+            </a:endParaRPr>
+          </a:p>
+          <a:p>
+            <a:r>
+              <a:rPr lang="en-US" sz="900" smtClean="0">
+                <a:solidFill>
+                  <a:schemeClr val="accent5">
+                    <a:lumMod val="75000"/>
+                  </a:schemeClr>
+                </a:solidFill>
+              </a:rPr>
+              <a:t>ToPerson:       3-3-1-4</a:t>
+            </a:r>
+            <a:endParaRPr lang="en-US" sz="900" dirty="0">
+              <a:solidFill>
+                <a:schemeClr val="accent5">
+                  <a:lumMod val="75000"/>
+                </a:schemeClr>
+              </a:solidFill>
+            </a:endParaRPr>
+          </a:p>
+          <a:p>
+            <a:endParaRPr lang="en-US" sz="900" dirty="0" smtClean="0">
+              <a:solidFill>
+                <a:schemeClr val="accent5">
+                  <a:lumMod val="75000"/>
+                </a:schemeClr>
+              </a:solidFill>
+            </a:endParaRPr>
+          </a:p>
+        </p:txBody>
+      </p:sp>
+      <p:sp>
+        <p:nvSpPr>
+          <p:cNvPr id="8" name="Rectangle 7"/>
+          <p:cNvSpPr/>
+          <p:nvPr/>
+        </p:nvSpPr>
+        <p:spPr>
+          <a:xfrm>
+            <a:off x="4746808" y="2911657"/>
+            <a:ext cx="103079" cy="105469"/>
+          </a:xfrm>
+          <a:prstGeom prst="rect">
+            <a:avLst/>
+          </a:prstGeom>
+          <a:noFill/>
+          <a:ln w="9525">
+            <a:noFill/>
+          </a:ln>
+        </p:spPr>
+        <p:style>
+          <a:lnRef idx="2">
+            <a:schemeClr val="accent1">
+              <a:shade val="50000"/>
+            </a:schemeClr>
+          </a:lnRef>
+          <a:fillRef idx="1">
+            <a:schemeClr val="accent1"/>
+          </a:fillRef>
+          <a:effectRef idx="0">
+            <a:schemeClr val="accent1"/>
+          </a:effectRef>
+          <a:fontRef idx="minor">
+            <a:schemeClr val="lt1"/>
+          </a:fontRef>
+        </p:style>
+        <p:txBody>
+          <a:bodyPr rot="0" spcFirstLastPara="0" vertOverflow="overflow" horzOverflow="overflow" vert="horz" wrap="square" lIns="91440" tIns="45720" rIns="91440" bIns="45720" numCol="1" spcCol="0" rtlCol="0" fromWordArt="0" anchor="ctr" anchorCtr="0" forceAA="0" compatLnSpc="1">
+            <a:prstTxWarp prst="textNoShape">
+              <a:avLst/>
+            </a:prstTxWarp>
+            <a:noAutofit/>
+          </a:bodyPr>
+          <a:lstStyle/>
+          <a:p>
+            <a:pPr algn="ctr"/>
+            <a:endParaRPr lang="en-US" sz="1200" dirty="0" err="1" smtClean="0">
+              <a:solidFill>
+                <a:schemeClr val="accent1">
+                  <a:lumMod val="50000"/>
+                </a:schemeClr>
+              </a:solidFill>
+            </a:endParaRPr>
+          </a:p>
+        </p:txBody>
+      </p:sp>
+      <p:sp>
+        <p:nvSpPr>
+          <p:cNvPr id="9" name="TextBox 8"/>
+          <p:cNvSpPr txBox="1"/>
+          <p:nvPr/>
+        </p:nvSpPr>
+        <p:spPr>
+          <a:xfrm>
+            <a:off x="6109579" y="1477878"/>
+            <a:ext cx="995796" cy="274788"/>
+          </a:xfrm>
+          <a:prstGeom prst="rect">
+            <a:avLst/>
+          </a:prstGeom>
+          <a:noFill/>
+        </p:spPr>
+        <p:txBody>
+          <a:bodyPr wrap="square" rtlCol="0">
+            <a:spAutoFit/>
+          </a:bodyPr>
+          <a:lstStyle/>
+          <a:p>
+            <a:r>
+              <a:rPr lang="en-US" sz="1000" dirty="0" smtClean="0">
+                <a:solidFill>
+                  <a:srgbClr val="FF0000"/>
+                </a:solidFill>
+              </a:rPr>
+              <a:t>OID: 3-3-1-12</a:t>
+            </a:r>
+            <a:endParaRPr lang="en-US" sz="1000" dirty="0">
+              <a:solidFill>
+                <a:srgbClr val="FF0000"/>
+              </a:solidFill>
+            </a:endParaRPr>
+          </a:p>
+        </p:txBody>
+      </p:sp>
+      <p:sp>
+        <p:nvSpPr>
+          <p:cNvPr id="10" name="Rectangle 9"/>
+          <p:cNvSpPr/>
+          <p:nvPr/>
+        </p:nvSpPr>
+        <p:spPr>
+          <a:xfrm>
+            <a:off x="6178956" y="1682209"/>
+            <a:ext cx="1246603" cy="225483"/>
+          </a:xfrm>
+          <a:prstGeom prst="rect">
+            <a:avLst/>
+          </a:prstGeom>
+          <a:noFill/>
+          <a:ln w="9525"/>
+        </p:spPr>
+        <p:style>
+          <a:lnRef idx="2">
+            <a:schemeClr val="accent1">
+              <a:shade val="50000"/>
+            </a:schemeClr>
+          </a:lnRef>
+          <a:fillRef idx="1">
+            <a:schemeClr val="accent1"/>
+          </a:fillRef>
+          <a:effectRef idx="0">
+            <a:schemeClr val="accent1"/>
+          </a:effectRef>
+          <a:fontRef idx="minor">
+            <a:schemeClr val="lt1"/>
+          </a:fontRef>
+        </p:style>
+        <p:txBody>
+          <a:bodyPr rot="0" spcFirstLastPara="0" vertOverflow="overflow" horzOverflow="overflow" vert="horz" wrap="square" lIns="91440" tIns="45720" rIns="91440" bIns="45720" numCol="1" spcCol="0" rtlCol="0" fromWordArt="0" anchor="ctr" anchorCtr="0" forceAA="0" compatLnSpc="1">
+            <a:prstTxWarp prst="textNoShape">
+              <a:avLst/>
+            </a:prstTxWarp>
+            <a:noAutofit/>
+          </a:bodyPr>
+          <a:lstStyle/>
+          <a:p>
+            <a:pPr algn="ctr"/>
+            <a:r>
+              <a:rPr lang="en-US" sz="1000" smtClean="0">
+                <a:solidFill>
+                  <a:schemeClr val="accent1">
+                    <a:lumMod val="50000"/>
+                  </a:schemeClr>
+                </a:solidFill>
+              </a:rPr>
+              <a:t>Address</a:t>
+            </a:r>
+            <a:endParaRPr lang="en-US" sz="1000" dirty="0">
+              <a:solidFill>
+                <a:schemeClr val="accent1">
+                  <a:lumMod val="50000"/>
+                </a:schemeClr>
+              </a:solidFill>
+            </a:endParaRPr>
+          </a:p>
+        </p:txBody>
+      </p:sp>
+      <p:sp>
+        <p:nvSpPr>
+          <p:cNvPr id="11" name="Rectangle 10"/>
+          <p:cNvSpPr/>
+          <p:nvPr/>
+        </p:nvSpPr>
+        <p:spPr>
+          <a:xfrm>
+            <a:off x="6178956" y="1907692"/>
+            <a:ext cx="1246603" cy="1383832"/>
+          </a:xfrm>
+          <a:prstGeom prst="rect">
+            <a:avLst/>
+          </a:prstGeom>
+          <a:noFill/>
+          <a:ln w="9525"/>
+        </p:spPr>
+        <p:style>
+          <a:lnRef idx="2">
+            <a:schemeClr val="accent1">
+              <a:shade val="50000"/>
+            </a:schemeClr>
+          </a:lnRef>
+          <a:fillRef idx="1">
+            <a:schemeClr val="accent1"/>
+          </a:fillRef>
+          <a:effectRef idx="0">
+            <a:schemeClr val="accent1"/>
+          </a:effectRef>
+          <a:fontRef idx="minor">
+            <a:schemeClr val="lt1"/>
+          </a:fontRef>
+        </p:style>
+        <p:txBody>
+          <a:bodyPr rot="0" spcFirstLastPara="0" vertOverflow="overflow" horzOverflow="overflow" vert="horz" wrap="square" lIns="91440" tIns="45720" rIns="91440" bIns="45720" numCol="1" spcCol="0" rtlCol="0" fromWordArt="0" anchor="t" anchorCtr="0" forceAA="0" compatLnSpc="1">
+            <a:prstTxWarp prst="textNoShape">
+              <a:avLst/>
+            </a:prstTxWarp>
+            <a:noAutofit/>
+          </a:bodyPr>
+          <a:lstStyle/>
+          <a:p>
+            <a:r>
+              <a:rPr lang="en-US" sz="900" smtClean="0">
+                <a:solidFill>
+                  <a:schemeClr val="accent1">
+                    <a:lumMod val="50000"/>
+                  </a:schemeClr>
+                </a:solidFill>
+              </a:rPr>
+              <a:t>Street1:        123 Main</a:t>
+            </a:r>
+            <a:endParaRPr lang="en-US" sz="900" dirty="0" smtClean="0">
+              <a:solidFill>
+                <a:schemeClr val="accent1">
+                  <a:lumMod val="50000"/>
+                </a:schemeClr>
+              </a:solidFill>
+            </a:endParaRPr>
+          </a:p>
+          <a:p>
+            <a:r>
+              <a:rPr lang="en-US" sz="900" smtClean="0">
+                <a:solidFill>
+                  <a:schemeClr val="accent5">
+                    <a:lumMod val="75000"/>
+                  </a:schemeClr>
+                </a:solidFill>
+              </a:rPr>
+              <a:t>Street2:</a:t>
+            </a:r>
+            <a:endParaRPr lang="en-US" sz="900" dirty="0" smtClean="0">
+              <a:solidFill>
+                <a:schemeClr val="accent5">
+                  <a:lumMod val="75000"/>
+                </a:schemeClr>
+              </a:solidFill>
+            </a:endParaRPr>
+          </a:p>
+          <a:p>
+            <a:r>
+              <a:rPr lang="en-US" sz="900" smtClean="0">
+                <a:solidFill>
+                  <a:schemeClr val="accent5">
+                    <a:lumMod val="75000"/>
+                  </a:schemeClr>
+                </a:solidFill>
+              </a:rPr>
+              <a:t>City:                Hill City</a:t>
+            </a:r>
+          </a:p>
+          <a:p>
+            <a:r>
+              <a:rPr lang="en-US" sz="900" smtClean="0">
+                <a:solidFill>
+                  <a:schemeClr val="accent5">
+                    <a:lumMod val="75000"/>
+                  </a:schemeClr>
+                </a:solidFill>
+              </a:rPr>
+              <a:t>State:              MT</a:t>
+            </a:r>
+          </a:p>
+          <a:p>
+            <a:endParaRPr lang="en-US" sz="900">
+              <a:solidFill>
+                <a:schemeClr val="accent5">
+                  <a:lumMod val="75000"/>
+                </a:schemeClr>
+              </a:solidFill>
+            </a:endParaRPr>
+          </a:p>
+          <a:p>
+            <a:r>
+              <a:rPr lang="en-US" sz="900" smtClean="0">
+                <a:solidFill>
+                  <a:schemeClr val="accent5">
+                    <a:lumMod val="75000"/>
+                  </a:schemeClr>
+                </a:solidFill>
+              </a:rPr>
+              <a:t>LivesHere: {</a:t>
+            </a:r>
+          </a:p>
+          <a:p>
+            <a:r>
+              <a:rPr lang="en-US" sz="900">
+                <a:solidFill>
+                  <a:schemeClr val="accent5">
+                    <a:lumMod val="75000"/>
+                  </a:schemeClr>
+                </a:solidFill>
+              </a:rPr>
+              <a:t> </a:t>
+            </a:r>
+            <a:r>
+              <a:rPr lang="en-US" sz="900" smtClean="0">
+                <a:solidFill>
+                  <a:schemeClr val="accent5">
+                    <a:lumMod val="75000"/>
+                  </a:schemeClr>
+                </a:solidFill>
+              </a:rPr>
+              <a:t>   3-4-5-2</a:t>
+            </a:r>
+          </a:p>
+          <a:p>
+            <a:r>
+              <a:rPr lang="en-US" sz="900">
+                <a:solidFill>
+                  <a:schemeClr val="accent5">
+                    <a:lumMod val="75000"/>
+                  </a:schemeClr>
+                </a:solidFill>
+              </a:rPr>
+              <a:t>}</a:t>
+            </a:r>
+            <a:endParaRPr lang="en-US" sz="900" dirty="0" smtClean="0">
+              <a:solidFill>
+                <a:schemeClr val="accent5">
+                  <a:lumMod val="75000"/>
+                </a:schemeClr>
+              </a:solidFill>
+            </a:endParaRPr>
+          </a:p>
+        </p:txBody>
+      </p:sp>
+      <p:sp>
+        <p:nvSpPr>
+          <p:cNvPr id="12" name="Rectangle 11"/>
+          <p:cNvSpPr/>
+          <p:nvPr/>
+        </p:nvSpPr>
+        <p:spPr>
+          <a:xfrm>
+            <a:off x="6873553" y="2892832"/>
+            <a:ext cx="103079" cy="105469"/>
+          </a:xfrm>
+          <a:prstGeom prst="rect">
+            <a:avLst/>
+          </a:prstGeom>
+          <a:noFill/>
+          <a:ln w="9525">
+            <a:noFill/>
+          </a:ln>
+        </p:spPr>
+        <p:style>
+          <a:lnRef idx="2">
+            <a:schemeClr val="accent1">
+              <a:shade val="50000"/>
+            </a:schemeClr>
+          </a:lnRef>
+          <a:fillRef idx="1">
+            <a:schemeClr val="accent1"/>
+          </a:fillRef>
+          <a:effectRef idx="0">
+            <a:schemeClr val="accent1"/>
+          </a:effectRef>
+          <a:fontRef idx="minor">
+            <a:schemeClr val="lt1"/>
+          </a:fontRef>
+        </p:style>
+        <p:txBody>
+          <a:bodyPr rot="0" spcFirstLastPara="0" vertOverflow="overflow" horzOverflow="overflow" vert="horz" wrap="square" lIns="91440" tIns="45720" rIns="91440" bIns="45720" numCol="1" spcCol="0" rtlCol="0" fromWordArt="0" anchor="ctr" anchorCtr="0" forceAA="0" compatLnSpc="1">
+            <a:prstTxWarp prst="textNoShape">
+              <a:avLst/>
+            </a:prstTxWarp>
+            <a:noAutofit/>
+          </a:bodyPr>
+          <a:lstStyle/>
+          <a:p>
+            <a:pPr algn="ctr"/>
+            <a:endParaRPr lang="en-US" sz="1200" dirty="0" err="1" smtClean="0">
+              <a:solidFill>
+                <a:schemeClr val="accent1">
+                  <a:lumMod val="50000"/>
+                </a:schemeClr>
+              </a:solidFill>
+            </a:endParaRPr>
+          </a:p>
+        </p:txBody>
+      </p:sp>
+      <p:cxnSp>
+        <p:nvCxnSpPr>
+          <p:cNvPr id="13" name="Elbow Connector 12"/>
+          <p:cNvCxnSpPr>
+            <a:stCxn id="20" idx="3"/>
+            <a:endCxn id="9" idx="1"/>
+          </p:cNvCxnSpPr>
+          <p:nvPr/>
+        </p:nvCxnSpPr>
+        <p:spPr>
+          <a:xfrm flipV="1">
+            <a:off x="5228012" y="1615272"/>
+            <a:ext cx="881567" cy="811016"/>
+          </a:xfrm>
+          <a:prstGeom prst="bentConnector3">
+            <a:avLst>
+              <a:gd name="adj1" fmla="val 50000"/>
+            </a:avLst>
+          </a:prstGeom>
+          <a:ln w="19050">
+            <a:solidFill>
+              <a:srgbClr val="00B0F0"/>
+            </a:solidFill>
+            <a:tailEnd type="triangle"/>
+          </a:ln>
+        </p:spPr>
+        <p:style>
+          <a:lnRef idx="1">
+            <a:schemeClr val="accent1"/>
+          </a:lnRef>
+          <a:fillRef idx="0">
+            <a:schemeClr val="accent1"/>
+          </a:fillRef>
+          <a:effectRef idx="0">
+            <a:schemeClr val="accent1"/>
+          </a:effectRef>
+          <a:fontRef idx="minor">
+            <a:schemeClr val="tx1"/>
+          </a:fontRef>
+        </p:style>
+      </p:cxnSp>
+      <p:sp>
+        <p:nvSpPr>
+          <p:cNvPr id="14" name="Rectangle 13"/>
+          <p:cNvSpPr/>
+          <p:nvPr/>
+        </p:nvSpPr>
+        <p:spPr>
+          <a:xfrm>
+            <a:off x="2044368" y="1704161"/>
+            <a:ext cx="1329453" cy="225484"/>
+          </a:xfrm>
+          <a:prstGeom prst="rect">
+            <a:avLst/>
+          </a:prstGeom>
+          <a:noFill/>
+          <a:ln w="9525"/>
+        </p:spPr>
+        <p:style>
+          <a:lnRef idx="2">
+            <a:schemeClr val="accent1">
+              <a:shade val="50000"/>
+            </a:schemeClr>
+          </a:lnRef>
+          <a:fillRef idx="1">
+            <a:schemeClr val="accent1"/>
+          </a:fillRef>
+          <a:effectRef idx="0">
+            <a:schemeClr val="accent1"/>
+          </a:effectRef>
+          <a:fontRef idx="minor">
+            <a:schemeClr val="lt1"/>
+          </a:fontRef>
+        </p:style>
+        <p:txBody>
+          <a:bodyPr rot="0" spcFirstLastPara="0" vertOverflow="overflow" horzOverflow="overflow" vert="horz" wrap="square" lIns="91440" tIns="45720" rIns="91440" bIns="45720" numCol="1" spcCol="0" rtlCol="0" fromWordArt="0" anchor="ctr" anchorCtr="0" forceAA="0" compatLnSpc="1">
+            <a:prstTxWarp prst="textNoShape">
+              <a:avLst/>
+            </a:prstTxWarp>
+            <a:noAutofit/>
+          </a:bodyPr>
+          <a:lstStyle/>
+          <a:p>
+            <a:pPr algn="ctr"/>
+            <a:r>
+              <a:rPr lang="en-US" sz="1000" dirty="0" smtClean="0">
+                <a:solidFill>
+                  <a:schemeClr val="accent1">
+                    <a:lumMod val="50000"/>
+                  </a:schemeClr>
+                </a:solidFill>
+              </a:rPr>
+              <a:t>Person</a:t>
+            </a:r>
+            <a:endParaRPr lang="en-US" sz="1000" dirty="0">
+              <a:solidFill>
+                <a:schemeClr val="accent1">
+                  <a:lumMod val="50000"/>
+                </a:schemeClr>
+              </a:solidFill>
+            </a:endParaRPr>
+          </a:p>
+        </p:txBody>
+      </p:sp>
+      <p:sp>
+        <p:nvSpPr>
+          <p:cNvPr id="15" name="Rectangle 14"/>
+          <p:cNvSpPr/>
+          <p:nvPr/>
+        </p:nvSpPr>
+        <p:spPr>
+          <a:xfrm>
+            <a:off x="2044368" y="1929643"/>
+            <a:ext cx="1329453" cy="1359419"/>
+          </a:xfrm>
+          <a:prstGeom prst="rect">
+            <a:avLst/>
+          </a:prstGeom>
+          <a:noFill/>
+          <a:ln w="9525"/>
+        </p:spPr>
+        <p:style>
+          <a:lnRef idx="2">
+            <a:schemeClr val="accent1">
+              <a:shade val="50000"/>
+            </a:schemeClr>
+          </a:lnRef>
+          <a:fillRef idx="1">
+            <a:schemeClr val="accent1"/>
+          </a:fillRef>
+          <a:effectRef idx="0">
+            <a:schemeClr val="accent1"/>
+          </a:effectRef>
+          <a:fontRef idx="minor">
+            <a:schemeClr val="lt1"/>
+          </a:fontRef>
+        </p:style>
+        <p:txBody>
+          <a:bodyPr rot="0" spcFirstLastPara="0" vertOverflow="overflow" horzOverflow="overflow" vert="horz" wrap="square" lIns="91440" tIns="45720" rIns="91440" bIns="45720" numCol="1" spcCol="0" rtlCol="0" fromWordArt="0" anchor="t" anchorCtr="0" forceAA="0" compatLnSpc="1">
+            <a:prstTxWarp prst="textNoShape">
+              <a:avLst/>
+            </a:prstTxWarp>
+            <a:noAutofit/>
+          </a:bodyPr>
+          <a:lstStyle/>
+          <a:p>
+            <a:r>
+              <a:rPr lang="en-US" sz="900" dirty="0" err="1" smtClean="0">
+                <a:solidFill>
+                  <a:schemeClr val="accent1">
+                    <a:lumMod val="50000"/>
+                  </a:schemeClr>
+                </a:solidFill>
+              </a:rPr>
+              <a:t>FirstName</a:t>
+            </a:r>
+            <a:r>
+              <a:rPr lang="en-US" sz="900" dirty="0" smtClean="0">
+                <a:solidFill>
+                  <a:schemeClr val="accent1">
+                    <a:lumMod val="50000"/>
+                  </a:schemeClr>
+                </a:solidFill>
+              </a:rPr>
+              <a:t>:         Seth</a:t>
+            </a:r>
+          </a:p>
+          <a:p>
+            <a:r>
+              <a:rPr lang="en-US" sz="900" dirty="0" err="1" smtClean="0">
+                <a:solidFill>
+                  <a:schemeClr val="accent1">
+                    <a:lumMod val="50000"/>
+                  </a:schemeClr>
+                </a:solidFill>
+              </a:rPr>
+              <a:t>LastName</a:t>
+            </a:r>
+            <a:r>
+              <a:rPr lang="en-US" sz="900" dirty="0" smtClean="0">
+                <a:solidFill>
+                  <a:schemeClr val="accent1">
+                    <a:lumMod val="50000"/>
+                  </a:schemeClr>
+                </a:solidFill>
+              </a:rPr>
+              <a:t>:          </a:t>
+            </a:r>
+            <a:r>
+              <a:rPr lang="en-US" sz="900" dirty="0" err="1" smtClean="0">
+                <a:solidFill>
+                  <a:schemeClr val="accent1">
+                    <a:lumMod val="50000"/>
+                  </a:schemeClr>
+                </a:solidFill>
+              </a:rPr>
+              <a:t>Frankin</a:t>
+            </a:r>
+            <a:endParaRPr lang="en-US" sz="900" dirty="0" smtClean="0">
+              <a:solidFill>
+                <a:schemeClr val="accent1">
+                  <a:lumMod val="50000"/>
+                </a:schemeClr>
+              </a:solidFill>
+            </a:endParaRPr>
+          </a:p>
+          <a:p>
+            <a:r>
+              <a:rPr lang="en-US" sz="900" dirty="0" err="1" smtClean="0">
+                <a:solidFill>
+                  <a:schemeClr val="accent1">
+                    <a:lumMod val="50000"/>
+                  </a:schemeClr>
+                </a:solidFill>
+              </a:rPr>
+              <a:t>MiddleInitial</a:t>
+            </a:r>
+            <a:r>
+              <a:rPr lang="en-US" sz="900" dirty="0" smtClean="0">
+                <a:solidFill>
+                  <a:schemeClr val="accent1">
+                    <a:lumMod val="50000"/>
+                  </a:schemeClr>
+                </a:solidFill>
+              </a:rPr>
+              <a:t>      B</a:t>
+            </a:r>
+          </a:p>
+          <a:p>
+            <a:endParaRPr lang="en-US" sz="900" dirty="0">
+              <a:solidFill>
+                <a:schemeClr val="accent1">
+                  <a:lumMod val="50000"/>
+                </a:schemeClr>
+              </a:solidFill>
+            </a:endParaRPr>
+          </a:p>
+          <a:p>
+            <a:r>
+              <a:rPr lang="en-US" sz="900" smtClean="0">
+                <a:solidFill>
+                  <a:schemeClr val="accent1">
+                    <a:lumMod val="50000"/>
+                  </a:schemeClr>
+                </a:solidFill>
+              </a:rPr>
+              <a:t>LivesAt {</a:t>
+            </a:r>
+            <a:endParaRPr lang="en-US" sz="900" dirty="0" smtClean="0">
+              <a:solidFill>
+                <a:schemeClr val="accent1">
+                  <a:lumMod val="50000"/>
+                </a:schemeClr>
+              </a:solidFill>
+            </a:endParaRPr>
+          </a:p>
+          <a:p>
+            <a:r>
+              <a:rPr lang="en-US" sz="900" smtClean="0">
+                <a:solidFill>
+                  <a:schemeClr val="accent1">
+                    <a:lumMod val="50000"/>
+                  </a:schemeClr>
+                </a:solidFill>
+              </a:rPr>
+              <a:t>    </a:t>
+            </a:r>
+            <a:r>
+              <a:rPr lang="en-US" sz="900" smtClean="0">
+                <a:solidFill>
+                  <a:schemeClr val="accent1">
+                    <a:lumMod val="50000"/>
+                  </a:schemeClr>
+                </a:solidFill>
+              </a:rPr>
+              <a:t>3-4-5-2</a:t>
+            </a:r>
+            <a:endParaRPr lang="en-US" sz="900" dirty="0" smtClean="0">
+              <a:solidFill>
+                <a:schemeClr val="accent1">
+                  <a:lumMod val="50000"/>
+                </a:schemeClr>
+              </a:solidFill>
+            </a:endParaRPr>
+          </a:p>
+          <a:p>
+            <a:r>
+              <a:rPr lang="en-US" sz="900">
+                <a:solidFill>
+                  <a:schemeClr val="accent1">
+                    <a:lumMod val="50000"/>
+                  </a:schemeClr>
+                </a:solidFill>
+              </a:rPr>
+              <a:t>}</a:t>
+            </a:r>
+            <a:r>
+              <a:rPr lang="en-US" sz="900" smtClean="0">
+                <a:solidFill>
+                  <a:schemeClr val="accent1">
+                    <a:lumMod val="50000"/>
+                  </a:schemeClr>
+                </a:solidFill>
+              </a:rPr>
+              <a:t> </a:t>
+            </a:r>
+            <a:endParaRPr lang="en-US" sz="900" dirty="0" smtClean="0">
+              <a:solidFill>
+                <a:schemeClr val="accent1">
+                  <a:lumMod val="50000"/>
+                </a:schemeClr>
+              </a:solidFill>
+            </a:endParaRPr>
+          </a:p>
+        </p:txBody>
+      </p:sp>
+      <p:sp>
+        <p:nvSpPr>
+          <p:cNvPr id="16" name="TextBox 15"/>
+          <p:cNvSpPr txBox="1"/>
+          <p:nvPr/>
+        </p:nvSpPr>
+        <p:spPr>
+          <a:xfrm>
+            <a:off x="2044368" y="1466193"/>
+            <a:ext cx="929730" cy="274788"/>
+          </a:xfrm>
+          <a:prstGeom prst="rect">
+            <a:avLst/>
+          </a:prstGeom>
+          <a:noFill/>
+        </p:spPr>
+        <p:txBody>
+          <a:bodyPr wrap="square" rtlCol="0">
+            <a:spAutoFit/>
+          </a:bodyPr>
+          <a:lstStyle/>
+          <a:p>
+            <a:r>
+              <a:rPr lang="en-US" sz="1000" dirty="0" smtClean="0">
+                <a:solidFill>
+                  <a:srgbClr val="FF0000"/>
+                </a:solidFill>
+              </a:rPr>
+              <a:t>OID: 3-3-1-4</a:t>
+            </a:r>
+            <a:endParaRPr lang="en-US" sz="1000" dirty="0">
+              <a:solidFill>
+                <a:srgbClr val="FF0000"/>
+              </a:solidFill>
+            </a:endParaRPr>
+          </a:p>
+        </p:txBody>
+      </p:sp>
+      <p:sp>
+        <p:nvSpPr>
+          <p:cNvPr id="17" name="Rectangle 16"/>
+          <p:cNvSpPr/>
+          <p:nvPr/>
+        </p:nvSpPr>
+        <p:spPr>
+          <a:xfrm>
+            <a:off x="2549351" y="2678078"/>
+            <a:ext cx="105989" cy="105469"/>
+          </a:xfrm>
+          <a:prstGeom prst="rect">
+            <a:avLst/>
+          </a:prstGeom>
+          <a:noFill/>
+          <a:ln w="9525">
+            <a:noFill/>
+          </a:ln>
+        </p:spPr>
+        <p:style>
+          <a:lnRef idx="2">
+            <a:schemeClr val="accent1">
+              <a:shade val="50000"/>
+            </a:schemeClr>
+          </a:lnRef>
+          <a:fillRef idx="1">
+            <a:schemeClr val="accent1"/>
+          </a:fillRef>
+          <a:effectRef idx="0">
+            <a:schemeClr val="accent1"/>
+          </a:effectRef>
+          <a:fontRef idx="minor">
+            <a:schemeClr val="lt1"/>
+          </a:fontRef>
+        </p:style>
+        <p:txBody>
+          <a:bodyPr rot="0" spcFirstLastPara="0" vertOverflow="overflow" horzOverflow="overflow" vert="horz" wrap="square" lIns="91440" tIns="45720" rIns="91440" bIns="45720" numCol="1" spcCol="0" rtlCol="0" fromWordArt="0" anchor="ctr" anchorCtr="0" forceAA="0" compatLnSpc="1">
+            <a:prstTxWarp prst="textNoShape">
+              <a:avLst/>
+            </a:prstTxWarp>
+            <a:noAutofit/>
+          </a:bodyPr>
+          <a:lstStyle/>
+          <a:p>
+            <a:pPr algn="ctr"/>
+            <a:endParaRPr lang="en-US" sz="1200" dirty="0" err="1" smtClean="0">
+              <a:solidFill>
+                <a:schemeClr val="accent1">
+                  <a:lumMod val="50000"/>
+                </a:schemeClr>
+              </a:solidFill>
+            </a:endParaRPr>
+          </a:p>
+        </p:txBody>
+      </p:sp>
+      <p:sp>
+        <p:nvSpPr>
+          <p:cNvPr id="18" name="Rectangle 17"/>
+          <p:cNvSpPr/>
+          <p:nvPr/>
+        </p:nvSpPr>
+        <p:spPr>
+          <a:xfrm>
+            <a:off x="6242020" y="2792660"/>
+            <a:ext cx="105989" cy="105469"/>
+          </a:xfrm>
+          <a:prstGeom prst="rect">
+            <a:avLst/>
+          </a:prstGeom>
+          <a:noFill/>
+          <a:ln w="9525">
+            <a:noFill/>
+          </a:ln>
+        </p:spPr>
+        <p:style>
+          <a:lnRef idx="2">
+            <a:schemeClr val="accent1">
+              <a:shade val="50000"/>
+            </a:schemeClr>
+          </a:lnRef>
+          <a:fillRef idx="1">
+            <a:schemeClr val="accent1"/>
+          </a:fillRef>
+          <a:effectRef idx="0">
+            <a:schemeClr val="accent1"/>
+          </a:effectRef>
+          <a:fontRef idx="minor">
+            <a:schemeClr val="lt1"/>
+          </a:fontRef>
+        </p:style>
+        <p:txBody>
+          <a:bodyPr rot="0" spcFirstLastPara="0" vertOverflow="overflow" horzOverflow="overflow" vert="horz" wrap="square" lIns="91440" tIns="45720" rIns="91440" bIns="45720" numCol="1" spcCol="0" rtlCol="0" fromWordArt="0" anchor="ctr" anchorCtr="0" forceAA="0" compatLnSpc="1">
+            <a:prstTxWarp prst="textNoShape">
+              <a:avLst/>
+            </a:prstTxWarp>
+            <a:noAutofit/>
+          </a:bodyPr>
+          <a:lstStyle/>
+          <a:p>
+            <a:pPr algn="ctr"/>
+            <a:endParaRPr lang="en-US" sz="1200" dirty="0" err="1" smtClean="0">
+              <a:solidFill>
+                <a:schemeClr val="accent1">
+                  <a:lumMod val="50000"/>
+                </a:schemeClr>
+              </a:solidFill>
+            </a:endParaRPr>
+          </a:p>
+        </p:txBody>
+      </p:sp>
+      <p:sp>
+        <p:nvSpPr>
+          <p:cNvPr id="19" name="Rectangle 18"/>
+          <p:cNvSpPr/>
+          <p:nvPr/>
+        </p:nvSpPr>
+        <p:spPr>
+          <a:xfrm>
+            <a:off x="5029200" y="2402639"/>
+            <a:ext cx="178426" cy="72842"/>
+          </a:xfrm>
+          <a:prstGeom prst="rect">
+            <a:avLst/>
+          </a:prstGeom>
+          <a:noFill/>
+          <a:ln w="9525">
+            <a:noFill/>
+          </a:ln>
+        </p:spPr>
+        <p:style>
+          <a:lnRef idx="2">
+            <a:schemeClr val="accent1">
+              <a:shade val="50000"/>
+            </a:schemeClr>
+          </a:lnRef>
+          <a:fillRef idx="1">
+            <a:schemeClr val="accent1"/>
+          </a:fillRef>
+          <a:effectRef idx="0">
+            <a:schemeClr val="accent1"/>
+          </a:effectRef>
+          <a:fontRef idx="minor">
+            <a:schemeClr val="lt1"/>
+          </a:fontRef>
+        </p:style>
+        <p:txBody>
+          <a:bodyPr rot="0" spcFirstLastPara="0" vertOverflow="overflow" horzOverflow="overflow" vert="horz" wrap="square" lIns="91440" tIns="45720" rIns="91440" bIns="45720" numCol="1" spcCol="0" rtlCol="0" fromWordArt="0" anchor="ctr" anchorCtr="0" forceAA="0" compatLnSpc="1">
+            <a:prstTxWarp prst="textNoShape">
+              <a:avLst/>
+            </a:prstTxWarp>
+            <a:noAutofit/>
+          </a:bodyPr>
+          <a:lstStyle/>
+          <a:p>
+            <a:pPr algn="ctr"/>
+            <a:endParaRPr lang="en-US" dirty="0" err="1" smtClean="0">
+              <a:solidFill>
+                <a:schemeClr val="accent1">
+                  <a:lumMod val="50000"/>
+                </a:schemeClr>
+              </a:solidFill>
+            </a:endParaRPr>
+          </a:p>
+        </p:txBody>
+      </p:sp>
+      <p:sp>
+        <p:nvSpPr>
+          <p:cNvPr id="20" name="Rounded Rectangle 19"/>
+          <p:cNvSpPr/>
+          <p:nvPr/>
+        </p:nvSpPr>
+        <p:spPr>
+          <a:xfrm>
+            <a:off x="4119370" y="2304105"/>
+            <a:ext cx="1108642" cy="244365"/>
+          </a:xfrm>
+          <a:prstGeom prst="roundRect">
+            <a:avLst/>
+          </a:prstGeom>
+          <a:solidFill>
+            <a:srgbClr val="FFFF00">
+              <a:alpha val="27059"/>
+            </a:srgbClr>
+          </a:solidFill>
+          <a:ln w="9525"/>
+        </p:spPr>
+        <p:style>
+          <a:lnRef idx="2">
+            <a:schemeClr val="accent1">
+              <a:shade val="50000"/>
+            </a:schemeClr>
+          </a:lnRef>
+          <a:fillRef idx="1">
+            <a:schemeClr val="accent1"/>
+          </a:fillRef>
+          <a:effectRef idx="0">
+            <a:schemeClr val="accent1"/>
+          </a:effectRef>
+          <a:fontRef idx="minor">
+            <a:schemeClr val="lt1"/>
+          </a:fontRef>
+        </p:style>
+        <p:txBody>
+          <a:bodyPr rot="0" spcFirstLastPara="0" vertOverflow="overflow" horzOverflow="overflow" vert="horz" wrap="square" lIns="91440" tIns="45720" rIns="91440" bIns="45720" numCol="1" spcCol="0" rtlCol="0" fromWordArt="0" anchor="ctr" anchorCtr="0" forceAA="0" compatLnSpc="1">
+            <a:prstTxWarp prst="textNoShape">
+              <a:avLst/>
+            </a:prstTxWarp>
+            <a:noAutofit/>
+          </a:bodyPr>
+          <a:lstStyle/>
+          <a:p>
+            <a:pPr algn="ctr"/>
+            <a:endParaRPr lang="en-US" dirty="0" err="1" smtClean="0">
+              <a:solidFill>
+                <a:schemeClr val="accent1">
+                  <a:lumMod val="50000"/>
+                </a:schemeClr>
+              </a:solidFill>
+            </a:endParaRPr>
+          </a:p>
+        </p:txBody>
+      </p:sp>
+      <p:sp>
+        <p:nvSpPr>
+          <p:cNvPr id="21" name="Rounded Rectangle 20"/>
+          <p:cNvSpPr/>
+          <p:nvPr/>
+        </p:nvSpPr>
+        <p:spPr>
+          <a:xfrm>
+            <a:off x="4106082" y="2711962"/>
+            <a:ext cx="1108642" cy="244365"/>
+          </a:xfrm>
+          <a:prstGeom prst="roundRect">
+            <a:avLst/>
+          </a:prstGeom>
+          <a:solidFill>
+            <a:schemeClr val="accent2">
+              <a:lumMod val="60000"/>
+              <a:lumOff val="40000"/>
+              <a:alpha val="27059"/>
+            </a:schemeClr>
+          </a:solidFill>
+          <a:ln w="9525"/>
+        </p:spPr>
+        <p:style>
+          <a:lnRef idx="2">
+            <a:schemeClr val="accent1">
+              <a:shade val="50000"/>
+            </a:schemeClr>
+          </a:lnRef>
+          <a:fillRef idx="1">
+            <a:schemeClr val="accent1"/>
+          </a:fillRef>
+          <a:effectRef idx="0">
+            <a:schemeClr val="accent1"/>
+          </a:effectRef>
+          <a:fontRef idx="minor">
+            <a:schemeClr val="lt1"/>
+          </a:fontRef>
+        </p:style>
+        <p:txBody>
+          <a:bodyPr rot="0" spcFirstLastPara="0" vertOverflow="overflow" horzOverflow="overflow" vert="horz" wrap="square" lIns="91440" tIns="45720" rIns="91440" bIns="45720" numCol="1" spcCol="0" rtlCol="0" fromWordArt="0" anchor="ctr" anchorCtr="0" forceAA="0" compatLnSpc="1">
+            <a:prstTxWarp prst="textNoShape">
+              <a:avLst/>
+            </a:prstTxWarp>
+            <a:noAutofit/>
+          </a:bodyPr>
+          <a:lstStyle/>
+          <a:p>
+            <a:pPr algn="ctr"/>
+            <a:endParaRPr lang="en-US" dirty="0" err="1" smtClean="0">
+              <a:solidFill>
+                <a:schemeClr val="accent1">
+                  <a:lumMod val="50000"/>
+                </a:schemeClr>
+              </a:solidFill>
+            </a:endParaRPr>
+          </a:p>
+        </p:txBody>
+      </p:sp>
+      <p:cxnSp>
+        <p:nvCxnSpPr>
+          <p:cNvPr id="22" name="Elbow Connector 21"/>
+          <p:cNvCxnSpPr>
+            <a:stCxn id="21" idx="1"/>
+            <a:endCxn id="15" idx="2"/>
+          </p:cNvCxnSpPr>
+          <p:nvPr/>
+        </p:nvCxnSpPr>
+        <p:spPr>
+          <a:xfrm rot="10800000" flipV="1">
+            <a:off x="2709096" y="2834144"/>
+            <a:ext cx="1396987" cy="454917"/>
+          </a:xfrm>
+          <a:prstGeom prst="bentConnector4">
+            <a:avLst>
+              <a:gd name="adj1" fmla="val 26209"/>
+              <a:gd name="adj2" fmla="val 150251"/>
+            </a:avLst>
+          </a:prstGeom>
+          <a:ln w="19050">
+            <a:solidFill>
+              <a:srgbClr val="00B0F0"/>
+            </a:solidFill>
+            <a:tailEnd type="triangle"/>
+          </a:ln>
+        </p:spPr>
+        <p:style>
+          <a:lnRef idx="1">
+            <a:schemeClr val="accent1"/>
+          </a:lnRef>
+          <a:fillRef idx="0">
+            <a:schemeClr val="accent1"/>
+          </a:fillRef>
+          <a:effectRef idx="0">
+            <a:schemeClr val="accent1"/>
+          </a:effectRef>
+          <a:fontRef idx="minor">
+            <a:schemeClr val="tx1"/>
+          </a:fontRef>
+        </p:style>
+      </p:cxnSp>
+      <p:cxnSp>
+        <p:nvCxnSpPr>
+          <p:cNvPr id="23" name="Elbow Connector 22"/>
+          <p:cNvCxnSpPr>
+            <a:stCxn id="18" idx="1"/>
+            <a:endCxn id="7" idx="2"/>
+          </p:cNvCxnSpPr>
+          <p:nvPr/>
+        </p:nvCxnSpPr>
+        <p:spPr>
+          <a:xfrm rot="10800000" flipV="1">
+            <a:off x="4689458" y="2845395"/>
+            <a:ext cx="1552562" cy="443666"/>
+          </a:xfrm>
+          <a:prstGeom prst="bentConnector4">
+            <a:avLst>
+              <a:gd name="adj1" fmla="val 29478"/>
+              <a:gd name="adj2" fmla="val 151525"/>
+            </a:avLst>
+          </a:prstGeom>
+          <a:ln w="19050">
+            <a:solidFill>
+              <a:srgbClr val="00B0F0"/>
+            </a:solidFill>
+            <a:tailEnd type="triangle"/>
+          </a:ln>
+        </p:spPr>
+        <p:style>
+          <a:lnRef idx="1">
+            <a:schemeClr val="accent1"/>
+          </a:lnRef>
+          <a:fillRef idx="0">
+            <a:schemeClr val="accent1"/>
+          </a:fillRef>
+          <a:effectRef idx="0">
+            <a:schemeClr val="accent1"/>
+          </a:effectRef>
+          <a:fontRef idx="minor">
+            <a:schemeClr val="tx1"/>
+          </a:fontRef>
+        </p:style>
+      </p:cxnSp>
+      <p:sp>
+        <p:nvSpPr>
+          <p:cNvPr id="24" name="Rounded Rectangle 23"/>
+          <p:cNvSpPr/>
+          <p:nvPr/>
+        </p:nvSpPr>
+        <p:spPr>
+          <a:xfrm>
+            <a:off x="6233648" y="2628811"/>
+            <a:ext cx="1108642" cy="453348"/>
+          </a:xfrm>
+          <a:prstGeom prst="roundRect">
+            <a:avLst/>
+          </a:prstGeom>
+          <a:solidFill>
+            <a:schemeClr val="accent2">
+              <a:lumMod val="60000"/>
+              <a:lumOff val="40000"/>
+              <a:alpha val="27059"/>
+            </a:schemeClr>
+          </a:solidFill>
+          <a:ln w="9525"/>
+        </p:spPr>
+        <p:style>
+          <a:lnRef idx="2">
+            <a:schemeClr val="accent1">
+              <a:shade val="50000"/>
+            </a:schemeClr>
+          </a:lnRef>
+          <a:fillRef idx="1">
+            <a:schemeClr val="accent1"/>
+          </a:fillRef>
+          <a:effectRef idx="0">
+            <a:schemeClr val="accent1"/>
+          </a:effectRef>
+          <a:fontRef idx="minor">
+            <a:schemeClr val="lt1"/>
+          </a:fontRef>
+        </p:style>
+        <p:txBody>
+          <a:bodyPr rot="0" spcFirstLastPara="0" vertOverflow="overflow" horzOverflow="overflow" vert="horz" wrap="square" lIns="91440" tIns="45720" rIns="91440" bIns="45720" numCol="1" spcCol="0" rtlCol="0" fromWordArt="0" anchor="ctr" anchorCtr="0" forceAA="0" compatLnSpc="1">
+            <a:prstTxWarp prst="textNoShape">
+              <a:avLst/>
+            </a:prstTxWarp>
+            <a:noAutofit/>
+          </a:bodyPr>
+          <a:lstStyle/>
+          <a:p>
+            <a:pPr algn="ctr"/>
+            <a:endParaRPr lang="en-US" dirty="0" err="1" smtClean="0">
+              <a:solidFill>
+                <a:schemeClr val="accent1">
+                  <a:lumMod val="50000"/>
+                </a:schemeClr>
+              </a:solidFill>
+            </a:endParaRPr>
+          </a:p>
+        </p:txBody>
+      </p:sp>
+      <p:sp>
+        <p:nvSpPr>
+          <p:cNvPr id="25" name="Rounded Rectangle 24"/>
+          <p:cNvSpPr/>
+          <p:nvPr/>
+        </p:nvSpPr>
+        <p:spPr>
+          <a:xfrm>
+            <a:off x="2095323" y="2512922"/>
+            <a:ext cx="1108642" cy="455859"/>
+          </a:xfrm>
+          <a:prstGeom prst="roundRect">
+            <a:avLst/>
+          </a:prstGeom>
+          <a:solidFill>
+            <a:srgbClr val="FFFF00">
+              <a:alpha val="27059"/>
+            </a:srgbClr>
+          </a:solidFill>
+          <a:ln w="9525"/>
+        </p:spPr>
+        <p:style>
+          <a:lnRef idx="2">
+            <a:schemeClr val="accent1">
+              <a:shade val="50000"/>
+            </a:schemeClr>
+          </a:lnRef>
+          <a:fillRef idx="1">
+            <a:schemeClr val="accent1"/>
+          </a:fillRef>
+          <a:effectRef idx="0">
+            <a:schemeClr val="accent1"/>
+          </a:effectRef>
+          <a:fontRef idx="minor">
+            <a:schemeClr val="lt1"/>
+          </a:fontRef>
+        </p:style>
+        <p:txBody>
+          <a:bodyPr rot="0" spcFirstLastPara="0" vertOverflow="overflow" horzOverflow="overflow" vert="horz" wrap="square" lIns="91440" tIns="45720" rIns="91440" bIns="45720" numCol="1" spcCol="0" rtlCol="0" fromWordArt="0" anchor="ctr" anchorCtr="0" forceAA="0" compatLnSpc="1">
+            <a:prstTxWarp prst="textNoShape">
+              <a:avLst/>
+            </a:prstTxWarp>
+            <a:noAutofit/>
+          </a:bodyPr>
+          <a:lstStyle/>
+          <a:p>
+            <a:pPr algn="ctr"/>
+            <a:endParaRPr lang="en-US" dirty="0" err="1" smtClean="0">
+              <a:solidFill>
+                <a:schemeClr val="accent1">
+                  <a:lumMod val="50000"/>
+                </a:schemeClr>
+              </a:solidFill>
+            </a:endParaRPr>
+          </a:p>
+        </p:txBody>
+      </p:sp>
+    </p:spTree>
+    <p:extLst>
+      <p:ext uri="{BB962C8B-B14F-4D97-AF65-F5344CB8AC3E}">
+        <p14:creationId xmlns:p14="http://schemas.microsoft.com/office/powerpoint/2010/main" val="2882809039"/>
+      </p:ext>
+    </p:extLst>
+  </p:cSld>
+  <p:clrMapOvr>
+    <a:masterClrMapping/>
+  </p:clrMapOvr>
+</p:sld>
+</file>
+
+<file path=ppt/slides/slide8.xml><?xml version="1.0" encoding="utf-8"?>
+<p:sld xmlns:a="http://schemas.openxmlformats.org/drawingml/2006/main" xmlns:r="http://schemas.openxmlformats.org/officeDocument/2006/relationships" xmlns:p="http://schemas.openxmlformats.org/presentationml/2006/main">
+  <p:cSld>
+    <p:spTree>
+      <p:nvGrpSpPr>
+        <p:cNvPr id="1" name=""/>
+        <p:cNvGrpSpPr/>
+        <p:nvPr/>
+      </p:nvGrpSpPr>
+      <p:grpSpPr>
+        <a:xfrm>
+          <a:off x="0" y="0"/>
+          <a:ext cx="0" cy="0"/>
+          <a:chOff x="0" y="0"/>
+          <a:chExt cx="0" cy="0"/>
+        </a:xfrm>
+      </p:grpSpPr>
+      <p:cxnSp>
+        <p:nvCxnSpPr>
+          <p:cNvPr id="47" name="Straight Arrow Connector 46"/>
+          <p:cNvCxnSpPr/>
+          <p:nvPr/>
+        </p:nvCxnSpPr>
+        <p:spPr>
+          <a:xfrm>
+            <a:off x="817179" y="3166795"/>
+            <a:ext cx="0" cy="654891"/>
+          </a:xfrm>
+          <a:prstGeom prst="straightConnector1">
+            <a:avLst/>
+          </a:prstGeom>
+          <a:ln w="57150">
+            <a:headEnd type="triangle" w="med" len="med"/>
+            <a:tailEnd type="triangle" w="med" len="med"/>
+          </a:ln>
+        </p:spPr>
+        <p:style>
+          <a:lnRef idx="1">
+            <a:schemeClr val="accent1"/>
+          </a:lnRef>
+          <a:fillRef idx="0">
+            <a:schemeClr val="accent1"/>
+          </a:fillRef>
+          <a:effectRef idx="0">
+            <a:schemeClr val="accent1"/>
+          </a:effectRef>
+          <a:fontRef idx="minor">
+            <a:schemeClr val="tx1"/>
+          </a:fontRef>
+        </p:style>
+      </p:cxnSp>
+      <p:grpSp>
+        <p:nvGrpSpPr>
+          <p:cNvPr id="70" name="Group 69"/>
+          <p:cNvGrpSpPr/>
+          <p:nvPr/>
+        </p:nvGrpSpPr>
+        <p:grpSpPr>
+          <a:xfrm>
+            <a:off x="3196517" y="302172"/>
+            <a:ext cx="3106581" cy="3032235"/>
+            <a:chOff x="3196517" y="302172"/>
+            <a:chExt cx="3106581" cy="3032235"/>
+          </a:xfrm>
+        </p:grpSpPr>
+        <p:sp>
+          <p:nvSpPr>
+            <p:cNvPr id="4" name="Oval 3"/>
+            <p:cNvSpPr/>
+            <p:nvPr/>
+          </p:nvSpPr>
+          <p:spPr>
+            <a:xfrm>
+              <a:off x="4347305" y="1526762"/>
+              <a:ext cx="807096" cy="807096"/>
+            </a:xfrm>
+            <a:prstGeom prst="ellipse">
+              <a:avLst/>
+            </a:prstGeom>
+            <a:solidFill>
+              <a:schemeClr val="accent6">
+                <a:lumMod val="60000"/>
+                <a:lumOff val="40000"/>
+              </a:schemeClr>
+            </a:solidFill>
+            <a:ln w="9525"/>
+          </p:spPr>
+          <p:style>
+            <a:lnRef idx="2">
+              <a:schemeClr val="accent1">
+                <a:shade val="50000"/>
+              </a:schemeClr>
+            </a:lnRef>
+            <a:fillRef idx="1">
+              <a:schemeClr val="accent1"/>
+            </a:fillRef>
+            <a:effectRef idx="0">
+              <a:schemeClr val="accent1"/>
+            </a:effectRef>
+            <a:fontRef idx="minor">
+              <a:schemeClr val="lt1"/>
+            </a:fontRef>
+          </p:style>
+          <p:txBody>
+            <a:bodyPr rot="0" spcFirstLastPara="0" vertOverflow="overflow" horzOverflow="overflow" vert="horz" wrap="square" lIns="91440" tIns="45720" rIns="91440" bIns="45720" numCol="1" spcCol="0" rtlCol="0" fromWordArt="0" anchor="ctr" anchorCtr="0" forceAA="0" compatLnSpc="1">
+              <a:prstTxWarp prst="textNoShape">
+                <a:avLst/>
+              </a:prstTxWarp>
+              <a:noAutofit/>
+            </a:bodyPr>
+            <a:lstStyle/>
+            <a:p>
+              <a:pPr algn="ctr"/>
+              <a:r>
+                <a:rPr lang="en-US" sz="900" dirty="0" smtClean="0">
+                  <a:solidFill>
+                    <a:schemeClr val="accent1">
+                      <a:lumMod val="50000"/>
+                    </a:schemeClr>
+                  </a:solidFill>
+                </a:rPr>
+                <a:t>Address</a:t>
+              </a:r>
+              <a:endParaRPr lang="en-US" sz="900" dirty="0" smtClean="0">
+                <a:solidFill>
+                  <a:schemeClr val="accent1">
+                    <a:lumMod val="50000"/>
+                  </a:schemeClr>
+                </a:solidFill>
+              </a:endParaRPr>
+            </a:p>
+          </p:txBody>
+        </p:sp>
+        <p:sp>
+          <p:nvSpPr>
+            <p:cNvPr id="5" name="Oval 4"/>
+            <p:cNvSpPr/>
+            <p:nvPr/>
+          </p:nvSpPr>
+          <p:spPr>
+            <a:xfrm>
+              <a:off x="5496002" y="1082999"/>
+              <a:ext cx="807096" cy="807096"/>
+            </a:xfrm>
+            <a:prstGeom prst="ellipse">
+              <a:avLst/>
+            </a:prstGeom>
+            <a:solidFill>
+              <a:schemeClr val="accent5">
+                <a:lumMod val="40000"/>
+                <a:lumOff val="60000"/>
+              </a:schemeClr>
+            </a:solidFill>
+            <a:ln w="9525"/>
+          </p:spPr>
+          <p:style>
+            <a:lnRef idx="2">
+              <a:schemeClr val="accent1">
+                <a:shade val="50000"/>
+              </a:schemeClr>
+            </a:lnRef>
+            <a:fillRef idx="1">
+              <a:schemeClr val="accent1"/>
+            </a:fillRef>
+            <a:effectRef idx="0">
+              <a:schemeClr val="accent1"/>
+            </a:effectRef>
+            <a:fontRef idx="minor">
+              <a:schemeClr val="lt1"/>
+            </a:fontRef>
+          </p:style>
+          <p:txBody>
+            <a:bodyPr rot="0" spcFirstLastPara="0" vertOverflow="overflow" horzOverflow="overflow" vert="horz" wrap="square" lIns="91440" tIns="45720" rIns="91440" bIns="45720" numCol="1" spcCol="0" rtlCol="0" fromWordArt="0" anchor="ctr" anchorCtr="0" forceAA="0" compatLnSpc="1">
+              <a:prstTxWarp prst="textNoShape">
+                <a:avLst/>
+              </a:prstTxWarp>
+              <a:noAutofit/>
+            </a:bodyPr>
+            <a:lstStyle/>
+            <a:p>
+              <a:pPr algn="ctr"/>
+              <a:r>
+                <a:rPr lang="en-US" sz="900" dirty="0" smtClean="0">
+                  <a:solidFill>
+                    <a:schemeClr val="accent1">
+                      <a:lumMod val="50000"/>
+                    </a:schemeClr>
+                  </a:solidFill>
+                </a:rPr>
+                <a:t>Person</a:t>
+              </a:r>
+              <a:endParaRPr lang="en-US" sz="900" dirty="0" smtClean="0">
+                <a:solidFill>
+                  <a:schemeClr val="accent1">
+                    <a:lumMod val="50000"/>
+                  </a:schemeClr>
+                </a:solidFill>
+              </a:endParaRPr>
+            </a:p>
+          </p:txBody>
+        </p:sp>
+        <p:sp>
+          <p:nvSpPr>
+            <p:cNvPr id="6" name="Oval 5"/>
+            <p:cNvSpPr/>
+            <p:nvPr/>
+          </p:nvSpPr>
+          <p:spPr>
+            <a:xfrm>
+              <a:off x="3196517" y="1095743"/>
+              <a:ext cx="807096" cy="807096"/>
+            </a:xfrm>
+            <a:prstGeom prst="ellipse">
+              <a:avLst/>
+            </a:prstGeom>
+            <a:solidFill>
+              <a:schemeClr val="accent5">
+                <a:lumMod val="40000"/>
+                <a:lumOff val="60000"/>
+              </a:schemeClr>
+            </a:solidFill>
+            <a:ln w="9525"/>
+          </p:spPr>
+          <p:style>
+            <a:lnRef idx="2">
+              <a:schemeClr val="accent1">
+                <a:shade val="50000"/>
+              </a:schemeClr>
+            </a:lnRef>
+            <a:fillRef idx="1">
+              <a:schemeClr val="accent1"/>
+            </a:fillRef>
+            <a:effectRef idx="0">
+              <a:schemeClr val="accent1"/>
+            </a:effectRef>
+            <a:fontRef idx="minor">
+              <a:schemeClr val="lt1"/>
+            </a:fontRef>
+          </p:style>
+          <p:txBody>
+            <a:bodyPr rot="0" spcFirstLastPara="0" vertOverflow="overflow" horzOverflow="overflow" vert="horz" wrap="square" lIns="91440" tIns="45720" rIns="91440" bIns="45720" numCol="1" spcCol="0" rtlCol="0" fromWordArt="0" anchor="ctr" anchorCtr="0" forceAA="0" compatLnSpc="1">
+              <a:prstTxWarp prst="textNoShape">
+                <a:avLst/>
+              </a:prstTxWarp>
+              <a:noAutofit/>
+            </a:bodyPr>
+            <a:lstStyle/>
+            <a:p>
+              <a:pPr algn="ctr"/>
+              <a:r>
+                <a:rPr lang="en-US" sz="900" dirty="0" smtClean="0">
+                  <a:solidFill>
+                    <a:schemeClr val="accent1">
+                      <a:lumMod val="50000"/>
+                    </a:schemeClr>
+                  </a:solidFill>
+                </a:rPr>
+                <a:t>Person</a:t>
+              </a:r>
+              <a:endParaRPr lang="en-US" sz="900" dirty="0" smtClean="0">
+                <a:solidFill>
+                  <a:schemeClr val="accent1">
+                    <a:lumMod val="50000"/>
+                  </a:schemeClr>
+                </a:solidFill>
+              </a:endParaRPr>
+            </a:p>
+          </p:txBody>
+        </p:sp>
+        <p:sp>
+          <p:nvSpPr>
+            <p:cNvPr id="7" name="Oval 6"/>
+            <p:cNvSpPr/>
+            <p:nvPr/>
+          </p:nvSpPr>
+          <p:spPr>
+            <a:xfrm>
+              <a:off x="3602158" y="2501823"/>
+              <a:ext cx="807096" cy="807096"/>
+            </a:xfrm>
+            <a:prstGeom prst="ellipse">
+              <a:avLst/>
+            </a:prstGeom>
+            <a:solidFill>
+              <a:schemeClr val="accent5">
+                <a:lumMod val="40000"/>
+                <a:lumOff val="60000"/>
+              </a:schemeClr>
+            </a:solidFill>
+            <a:ln w="9525"/>
+          </p:spPr>
+          <p:style>
+            <a:lnRef idx="2">
+              <a:schemeClr val="accent1">
+                <a:shade val="50000"/>
+              </a:schemeClr>
+            </a:lnRef>
+            <a:fillRef idx="1">
+              <a:schemeClr val="accent1"/>
+            </a:fillRef>
+            <a:effectRef idx="0">
+              <a:schemeClr val="accent1"/>
+            </a:effectRef>
+            <a:fontRef idx="minor">
+              <a:schemeClr val="lt1"/>
+            </a:fontRef>
+          </p:style>
+          <p:txBody>
+            <a:bodyPr rot="0" spcFirstLastPara="0" vertOverflow="overflow" horzOverflow="overflow" vert="horz" wrap="square" lIns="91440" tIns="45720" rIns="91440" bIns="45720" numCol="1" spcCol="0" rtlCol="0" fromWordArt="0" anchor="ctr" anchorCtr="0" forceAA="0" compatLnSpc="1">
+              <a:prstTxWarp prst="textNoShape">
+                <a:avLst/>
+              </a:prstTxWarp>
+              <a:noAutofit/>
+            </a:bodyPr>
+            <a:lstStyle/>
+            <a:p>
+              <a:pPr algn="ctr"/>
+              <a:r>
+                <a:rPr lang="en-US" sz="900" dirty="0" smtClean="0">
+                  <a:solidFill>
+                    <a:schemeClr val="accent1">
+                      <a:lumMod val="50000"/>
+                    </a:schemeClr>
+                  </a:solidFill>
+                </a:rPr>
+                <a:t>Person</a:t>
+              </a:r>
+              <a:endParaRPr lang="en-US" sz="900" dirty="0" smtClean="0">
+                <a:solidFill>
+                  <a:schemeClr val="accent1">
+                    <a:lumMod val="50000"/>
+                  </a:schemeClr>
+                </a:solidFill>
+              </a:endParaRPr>
+            </a:p>
+          </p:txBody>
+        </p:sp>
+        <p:sp>
+          <p:nvSpPr>
+            <p:cNvPr id="8" name="Oval 7"/>
+            <p:cNvSpPr/>
+            <p:nvPr/>
+          </p:nvSpPr>
+          <p:spPr>
+            <a:xfrm>
+              <a:off x="5064369" y="2527311"/>
+              <a:ext cx="807096" cy="807096"/>
+            </a:xfrm>
+            <a:prstGeom prst="ellipse">
+              <a:avLst/>
+            </a:prstGeom>
+            <a:solidFill>
+              <a:schemeClr val="accent5">
+                <a:lumMod val="40000"/>
+                <a:lumOff val="60000"/>
+              </a:schemeClr>
+            </a:solidFill>
+            <a:ln w="9525"/>
+          </p:spPr>
+          <p:style>
+            <a:lnRef idx="2">
+              <a:schemeClr val="accent1">
+                <a:shade val="50000"/>
+              </a:schemeClr>
+            </a:lnRef>
+            <a:fillRef idx="1">
+              <a:schemeClr val="accent1"/>
+            </a:fillRef>
+            <a:effectRef idx="0">
+              <a:schemeClr val="accent1"/>
+            </a:effectRef>
+            <a:fontRef idx="minor">
+              <a:schemeClr val="lt1"/>
+            </a:fontRef>
+          </p:style>
+          <p:txBody>
+            <a:bodyPr rot="0" spcFirstLastPara="0" vertOverflow="overflow" horzOverflow="overflow" vert="horz" wrap="square" lIns="91440" tIns="45720" rIns="91440" bIns="45720" numCol="1" spcCol="0" rtlCol="0" fromWordArt="0" anchor="ctr" anchorCtr="0" forceAA="0" compatLnSpc="1">
+              <a:prstTxWarp prst="textNoShape">
+                <a:avLst/>
+              </a:prstTxWarp>
+              <a:noAutofit/>
+            </a:bodyPr>
+            <a:lstStyle/>
+            <a:p>
+              <a:pPr algn="ctr"/>
+              <a:r>
+                <a:rPr lang="en-US" sz="900" dirty="0" smtClean="0">
+                  <a:solidFill>
+                    <a:schemeClr val="accent1">
+                      <a:lumMod val="50000"/>
+                    </a:schemeClr>
+                  </a:solidFill>
+                </a:rPr>
+                <a:t>Person</a:t>
+              </a:r>
+              <a:endParaRPr lang="en-US" sz="900" dirty="0" smtClean="0">
+                <a:solidFill>
+                  <a:schemeClr val="accent1">
+                    <a:lumMod val="50000"/>
+                  </a:schemeClr>
+                </a:solidFill>
+              </a:endParaRPr>
+            </a:p>
+          </p:txBody>
+        </p:sp>
+        <p:sp>
+          <p:nvSpPr>
+            <p:cNvPr id="9" name="Oval 8"/>
+            <p:cNvSpPr/>
+            <p:nvPr/>
+          </p:nvSpPr>
+          <p:spPr>
+            <a:xfrm>
+              <a:off x="4338457" y="302172"/>
+              <a:ext cx="807096" cy="807096"/>
+            </a:xfrm>
+            <a:prstGeom prst="ellipse">
+              <a:avLst/>
+            </a:prstGeom>
+            <a:solidFill>
+              <a:schemeClr val="accent5">
+                <a:lumMod val="40000"/>
+                <a:lumOff val="60000"/>
+              </a:schemeClr>
+            </a:solidFill>
+            <a:ln w="9525"/>
+          </p:spPr>
+          <p:style>
+            <a:lnRef idx="2">
+              <a:schemeClr val="accent1">
+                <a:shade val="50000"/>
+              </a:schemeClr>
+            </a:lnRef>
+            <a:fillRef idx="1">
+              <a:schemeClr val="accent1"/>
+            </a:fillRef>
+            <a:effectRef idx="0">
+              <a:schemeClr val="accent1"/>
+            </a:effectRef>
+            <a:fontRef idx="minor">
+              <a:schemeClr val="lt1"/>
+            </a:fontRef>
+          </p:style>
+          <p:txBody>
+            <a:bodyPr rot="0" spcFirstLastPara="0" vertOverflow="overflow" horzOverflow="overflow" vert="horz" wrap="square" lIns="91440" tIns="45720" rIns="91440" bIns="45720" numCol="1" spcCol="0" rtlCol="0" fromWordArt="0" anchor="ctr" anchorCtr="0" forceAA="0" compatLnSpc="1">
+              <a:prstTxWarp prst="textNoShape">
+                <a:avLst/>
+              </a:prstTxWarp>
+              <a:noAutofit/>
+            </a:bodyPr>
+            <a:lstStyle/>
+            <a:p>
+              <a:pPr algn="ctr"/>
+              <a:r>
+                <a:rPr lang="en-US" sz="900" dirty="0" smtClean="0">
+                  <a:solidFill>
+                    <a:schemeClr val="accent1">
+                      <a:lumMod val="50000"/>
+                    </a:schemeClr>
+                  </a:solidFill>
+                </a:rPr>
+                <a:t>Person</a:t>
+              </a:r>
+              <a:endParaRPr lang="en-US" sz="900" dirty="0" smtClean="0">
+                <a:solidFill>
+                  <a:schemeClr val="accent1">
+                    <a:lumMod val="50000"/>
+                  </a:schemeClr>
+                </a:solidFill>
+              </a:endParaRPr>
+            </a:p>
+          </p:txBody>
+        </p:sp>
+        <p:cxnSp>
+          <p:nvCxnSpPr>
+            <p:cNvPr id="13" name="Straight Arrow Connector 12"/>
+            <p:cNvCxnSpPr>
+              <a:endCxn id="4" idx="0"/>
+            </p:cNvCxnSpPr>
+            <p:nvPr/>
+          </p:nvCxnSpPr>
+          <p:spPr>
+            <a:xfrm flipH="1">
+              <a:off x="4750853" y="1107993"/>
+              <a:ext cx="1" cy="418769"/>
+            </a:xfrm>
+            <a:prstGeom prst="straightConnector1">
+              <a:avLst/>
+            </a:prstGeom>
+            <a:ln w="28575">
+              <a:headEnd type="triangle" w="med" len="med"/>
+              <a:tailEnd type="triangle" w="med" len="med"/>
+            </a:ln>
+          </p:spPr>
+          <p:style>
+            <a:lnRef idx="1">
+              <a:schemeClr val="accent1"/>
+            </a:lnRef>
+            <a:fillRef idx="0">
+              <a:schemeClr val="accent1"/>
+            </a:fillRef>
+            <a:effectRef idx="0">
+              <a:schemeClr val="accent1"/>
+            </a:effectRef>
+            <a:fontRef idx="minor">
+              <a:schemeClr val="tx1"/>
+            </a:fontRef>
+          </p:style>
+        </p:cxnSp>
+        <p:cxnSp>
+          <p:nvCxnSpPr>
+            <p:cNvPr id="15" name="Straight Arrow Connector 14"/>
+            <p:cNvCxnSpPr/>
+            <p:nvPr/>
+          </p:nvCxnSpPr>
+          <p:spPr>
+            <a:xfrm flipV="1">
+              <a:off x="5111569" y="1626094"/>
+              <a:ext cx="418769" cy="132168"/>
+            </a:xfrm>
+            <a:prstGeom prst="straightConnector1">
+              <a:avLst/>
+            </a:prstGeom>
+            <a:ln w="28575">
+              <a:headEnd type="triangle" w="med" len="med"/>
+              <a:tailEnd type="triangle"/>
+            </a:ln>
+          </p:spPr>
+          <p:style>
+            <a:lnRef idx="1">
+              <a:schemeClr val="accent1"/>
+            </a:lnRef>
+            <a:fillRef idx="0">
+              <a:schemeClr val="accent1"/>
+            </a:fillRef>
+            <a:effectRef idx="0">
+              <a:schemeClr val="accent1"/>
+            </a:effectRef>
+            <a:fontRef idx="minor">
+              <a:schemeClr val="tx1"/>
+            </a:fontRef>
+          </p:style>
+        </p:cxnSp>
+        <p:cxnSp>
+          <p:nvCxnSpPr>
+            <p:cNvPr id="17" name="Straight Arrow Connector 16"/>
+            <p:cNvCxnSpPr/>
+            <p:nvPr/>
+          </p:nvCxnSpPr>
+          <p:spPr>
+            <a:xfrm>
+              <a:off x="4982717" y="2271770"/>
+              <a:ext cx="251067" cy="331334"/>
+            </a:xfrm>
+            <a:prstGeom prst="straightConnector1">
+              <a:avLst/>
+            </a:prstGeom>
+            <a:ln w="28575">
+              <a:headEnd type="triangle" w="med" len="med"/>
+              <a:tailEnd type="triangle"/>
+            </a:ln>
+          </p:spPr>
+          <p:style>
+            <a:lnRef idx="1">
+              <a:schemeClr val="accent1"/>
+            </a:lnRef>
+            <a:fillRef idx="0">
+              <a:schemeClr val="accent1"/>
+            </a:fillRef>
+            <a:effectRef idx="0">
+              <a:schemeClr val="accent1"/>
+            </a:effectRef>
+            <a:fontRef idx="minor">
+              <a:schemeClr val="tx1"/>
+            </a:fontRef>
+          </p:style>
+        </p:cxnSp>
+        <p:cxnSp>
+          <p:nvCxnSpPr>
+            <p:cNvPr id="48" name="Straight Arrow Connector 47"/>
+            <p:cNvCxnSpPr/>
+            <p:nvPr/>
+          </p:nvCxnSpPr>
+          <p:spPr>
+            <a:xfrm>
+              <a:off x="3988714" y="1626094"/>
+              <a:ext cx="390836" cy="155186"/>
+            </a:xfrm>
+            <a:prstGeom prst="straightConnector1">
+              <a:avLst/>
+            </a:prstGeom>
+            <a:ln w="28575">
+              <a:headEnd type="triangle" w="med" len="med"/>
+              <a:tailEnd type="triangle" w="med" len="med"/>
+            </a:ln>
+          </p:spPr>
+          <p:style>
+            <a:lnRef idx="1">
+              <a:schemeClr val="accent1"/>
+            </a:lnRef>
+            <a:fillRef idx="0">
+              <a:schemeClr val="accent1"/>
+            </a:fillRef>
+            <a:effectRef idx="0">
+              <a:schemeClr val="accent1"/>
+            </a:effectRef>
+            <a:fontRef idx="minor">
+              <a:schemeClr val="tx1"/>
+            </a:fontRef>
+          </p:style>
+        </p:cxnSp>
+        <p:cxnSp>
+          <p:nvCxnSpPr>
+            <p:cNvPr id="53" name="Straight Arrow Connector 52"/>
+            <p:cNvCxnSpPr/>
+            <p:nvPr/>
+          </p:nvCxnSpPr>
+          <p:spPr>
+            <a:xfrm flipH="1">
+              <a:off x="4252790" y="2271770"/>
+              <a:ext cx="269123" cy="315330"/>
+            </a:xfrm>
+            <a:prstGeom prst="straightConnector1">
+              <a:avLst/>
+            </a:prstGeom>
+            <a:ln w="28575">
+              <a:headEnd type="triangle" w="med" len="med"/>
+              <a:tailEnd type="triangle" w="med" len="med"/>
+            </a:ln>
+          </p:spPr>
+          <p:style>
+            <a:lnRef idx="1">
+              <a:schemeClr val="accent1"/>
+            </a:lnRef>
+            <a:fillRef idx="0">
+              <a:schemeClr val="accent1"/>
+            </a:fillRef>
+            <a:effectRef idx="0">
+              <a:schemeClr val="accent1"/>
+            </a:effectRef>
+            <a:fontRef idx="minor">
+              <a:schemeClr val="tx1"/>
+            </a:fontRef>
+          </p:style>
+        </p:cxnSp>
+      </p:grpSp>
+    </p:spTree>
+    <p:extLst>
+      <p:ext uri="{BB962C8B-B14F-4D97-AF65-F5344CB8AC3E}">
+        <p14:creationId xmlns:p14="http://schemas.microsoft.com/office/powerpoint/2010/main" val="3361237892"/>
+      </p:ext>
+    </p:extLst>
+  </p:cSld>
+  <p:clrMapOvr>
+    <a:masterClrMapping/>
+  </p:clrMapOvr>
+</p:sld>
+</file>
+
+<file path=ppt/slides/slide9.xml><?xml version="1.0" encoding="utf-8"?>
+<p:sld xmlns:a="http://schemas.openxmlformats.org/drawingml/2006/main" xmlns:r="http://schemas.openxmlformats.org/officeDocument/2006/relationships" xmlns:p="http://schemas.openxmlformats.org/presentationml/2006/main">
+  <p:cSld>
+    <p:spTree>
+      <p:nvGrpSpPr>
+        <p:cNvPr id="1" name=""/>
+        <p:cNvGrpSpPr/>
+        <p:nvPr/>
+      </p:nvGrpSpPr>
+      <p:grpSpPr>
+        <a:xfrm>
+          <a:off x="0" y="0"/>
+          <a:ext cx="0" cy="0"/>
+          <a:chOff x="0" y="0"/>
+          <a:chExt cx="0" cy="0"/>
+        </a:xfrm>
+      </p:grpSpPr>
+      <p:grpSp>
+        <p:nvGrpSpPr>
+          <p:cNvPr id="4" name="Group 3"/>
+          <p:cNvGrpSpPr/>
+          <p:nvPr/>
+        </p:nvGrpSpPr>
+        <p:grpSpPr>
+          <a:xfrm>
+            <a:off x="3208281" y="1206062"/>
+            <a:ext cx="4560173" cy="4349899"/>
+            <a:chOff x="3735114" y="980089"/>
+            <a:chExt cx="4560173" cy="4349899"/>
+          </a:xfrm>
+        </p:grpSpPr>
+        <p:sp>
+          <p:nvSpPr>
+            <p:cNvPr id="5" name="Oval 4"/>
+            <p:cNvSpPr/>
+            <p:nvPr/>
+          </p:nvSpPr>
+          <p:spPr>
+            <a:xfrm>
+              <a:off x="5938345" y="3132704"/>
+              <a:ext cx="141890" cy="141890"/>
+            </a:xfrm>
+            <a:prstGeom prst="ellipse">
+              <a:avLst/>
+            </a:prstGeom>
+            <a:solidFill>
+              <a:schemeClr val="accent4">
+                <a:lumMod val="60000"/>
+                <a:lumOff val="40000"/>
+              </a:schemeClr>
+            </a:solidFill>
+            <a:ln w="9525"/>
+          </p:spPr>
+          <p:style>
+            <a:lnRef idx="2">
+              <a:schemeClr val="accent1">
+                <a:shade val="50000"/>
+              </a:schemeClr>
+            </a:lnRef>
+            <a:fillRef idx="1">
+              <a:schemeClr val="accent1"/>
+            </a:fillRef>
+            <a:effectRef idx="0">
+              <a:schemeClr val="accent1"/>
+            </a:effectRef>
+            <a:fontRef idx="minor">
+              <a:schemeClr val="lt1"/>
+            </a:fontRef>
+          </p:style>
+          <p:txBody>
+            <a:bodyPr rot="0" spcFirstLastPara="0" vertOverflow="overflow" horzOverflow="overflow" vert="horz" wrap="square" lIns="91440" tIns="45720" rIns="91440" bIns="45720" numCol="1" spcCol="0" rtlCol="0" fromWordArt="0" anchor="ctr" anchorCtr="0" forceAA="0" compatLnSpc="1">
+              <a:prstTxWarp prst="textNoShape">
+                <a:avLst/>
+              </a:prstTxWarp>
+              <a:noAutofit/>
+            </a:bodyPr>
+            <a:lstStyle/>
+            <a:p>
+              <a:pPr algn="ctr"/>
+              <a:endParaRPr lang="en-US" dirty="0" err="1" smtClean="0">
+                <a:solidFill>
+                  <a:schemeClr val="accent1">
+                    <a:lumMod val="50000"/>
+                  </a:schemeClr>
+                </a:solidFill>
+              </a:endParaRPr>
+            </a:p>
+          </p:txBody>
+        </p:sp>
+        <p:grpSp>
+          <p:nvGrpSpPr>
+            <p:cNvPr id="6" name="Group 5"/>
+            <p:cNvGrpSpPr/>
+            <p:nvPr/>
+          </p:nvGrpSpPr>
+          <p:grpSpPr>
+            <a:xfrm>
+              <a:off x="3735114" y="980089"/>
+              <a:ext cx="4560173" cy="4349899"/>
+              <a:chOff x="3735114" y="980089"/>
+              <a:chExt cx="4560173" cy="4349899"/>
+            </a:xfrm>
+          </p:grpSpPr>
+          <p:sp>
+            <p:nvSpPr>
+              <p:cNvPr id="7" name="Oval 6"/>
+              <p:cNvSpPr/>
+              <p:nvPr/>
+            </p:nvSpPr>
+            <p:spPr>
+              <a:xfrm>
+                <a:off x="8153397" y="2574380"/>
+                <a:ext cx="141890" cy="141890"/>
+              </a:xfrm>
+              <a:prstGeom prst="ellipse">
+                <a:avLst/>
+              </a:prstGeom>
+              <a:solidFill>
+                <a:schemeClr val="accent4">
+                  <a:lumMod val="60000"/>
+                  <a:lumOff val="40000"/>
+                </a:schemeClr>
+              </a:solidFill>
+              <a:ln w="9525"/>
+            </p:spPr>
+            <p:style>
+              <a:lnRef idx="2">
+                <a:schemeClr val="accent1">
+                  <a:shade val="50000"/>
+                </a:schemeClr>
+              </a:lnRef>
+              <a:fillRef idx="1">
+                <a:schemeClr val="accent1"/>
+              </a:fillRef>
+              <a:effectRef idx="0">
+                <a:schemeClr val="accent1"/>
+              </a:effectRef>
+              <a:fontRef idx="minor">
+                <a:schemeClr val="lt1"/>
+              </a:fontRef>
+            </p:style>
+            <p:txBody>
+              <a:bodyPr rot="0" spcFirstLastPara="0" vertOverflow="overflow" horzOverflow="overflow" vert="horz" wrap="square" lIns="91440" tIns="45720" rIns="91440" bIns="45720" numCol="1" spcCol="0" rtlCol="0" fromWordArt="0" anchor="ctr" anchorCtr="0" forceAA="0" compatLnSpc="1">
+                <a:prstTxWarp prst="textNoShape">
+                  <a:avLst/>
+                </a:prstTxWarp>
+                <a:noAutofit/>
+              </a:bodyPr>
+              <a:lstStyle/>
+              <a:p>
+                <a:pPr algn="ctr"/>
+                <a:endParaRPr lang="en-US" dirty="0" err="1" smtClean="0">
+                  <a:solidFill>
+                    <a:schemeClr val="accent1">
+                      <a:lumMod val="50000"/>
+                    </a:schemeClr>
+                  </a:solidFill>
+                </a:endParaRPr>
+              </a:p>
+            </p:txBody>
+          </p:sp>
+          <p:sp>
+            <p:nvSpPr>
+              <p:cNvPr id="8" name="Oval 7"/>
+              <p:cNvSpPr/>
+              <p:nvPr/>
+            </p:nvSpPr>
+            <p:spPr>
+              <a:xfrm>
+                <a:off x="5938345" y="980089"/>
+                <a:ext cx="141890" cy="141890"/>
+              </a:xfrm>
+              <a:prstGeom prst="ellipse">
+                <a:avLst/>
+              </a:prstGeom>
+              <a:solidFill>
+                <a:schemeClr val="accent4">
+                  <a:lumMod val="60000"/>
+                  <a:lumOff val="40000"/>
+                </a:schemeClr>
+              </a:solidFill>
+              <a:ln w="9525"/>
+            </p:spPr>
+            <p:style>
+              <a:lnRef idx="2">
+                <a:schemeClr val="accent1">
+                  <a:shade val="50000"/>
+                </a:schemeClr>
+              </a:lnRef>
+              <a:fillRef idx="1">
+                <a:schemeClr val="accent1"/>
+              </a:fillRef>
+              <a:effectRef idx="0">
+                <a:schemeClr val="accent1"/>
+              </a:effectRef>
+              <a:fontRef idx="minor">
+                <a:schemeClr val="lt1"/>
+              </a:fontRef>
+            </p:style>
+            <p:txBody>
+              <a:bodyPr rot="0" spcFirstLastPara="0" vertOverflow="overflow" horzOverflow="overflow" vert="horz" wrap="square" lIns="91440" tIns="45720" rIns="91440" bIns="45720" numCol="1" spcCol="0" rtlCol="0" fromWordArt="0" anchor="ctr" anchorCtr="0" forceAA="0" compatLnSpc="1">
+                <a:prstTxWarp prst="textNoShape">
+                  <a:avLst/>
+                </a:prstTxWarp>
+                <a:noAutofit/>
+              </a:bodyPr>
+              <a:lstStyle/>
+              <a:p>
+                <a:pPr algn="ctr"/>
+                <a:endParaRPr lang="en-US" dirty="0" err="1" smtClean="0">
+                  <a:solidFill>
+                    <a:schemeClr val="accent1">
+                      <a:lumMod val="50000"/>
+                    </a:schemeClr>
+                  </a:solidFill>
+                </a:endParaRPr>
+              </a:p>
+            </p:txBody>
+          </p:sp>
+          <p:sp>
+            <p:nvSpPr>
+              <p:cNvPr id="9" name="Oval 8"/>
+              <p:cNvSpPr/>
+              <p:nvPr/>
+            </p:nvSpPr>
+            <p:spPr>
+              <a:xfrm>
+                <a:off x="3735114" y="2574380"/>
+                <a:ext cx="141890" cy="141890"/>
+              </a:xfrm>
+              <a:prstGeom prst="ellipse">
+                <a:avLst/>
+              </a:prstGeom>
+              <a:solidFill>
+                <a:schemeClr val="accent4">
+                  <a:lumMod val="60000"/>
+                  <a:lumOff val="40000"/>
+                </a:schemeClr>
+              </a:solidFill>
+              <a:ln w="9525"/>
+            </p:spPr>
+            <p:style>
+              <a:lnRef idx="2">
+                <a:schemeClr val="accent1">
+                  <a:shade val="50000"/>
+                </a:schemeClr>
+              </a:lnRef>
+              <a:fillRef idx="1">
+                <a:schemeClr val="accent1"/>
+              </a:fillRef>
+              <a:effectRef idx="0">
+                <a:schemeClr val="accent1"/>
+              </a:effectRef>
+              <a:fontRef idx="minor">
+                <a:schemeClr val="lt1"/>
+              </a:fontRef>
+            </p:style>
+            <p:txBody>
+              <a:bodyPr rot="0" spcFirstLastPara="0" vertOverflow="overflow" horzOverflow="overflow" vert="horz" wrap="square" lIns="91440" tIns="45720" rIns="91440" bIns="45720" numCol="1" spcCol="0" rtlCol="0" fromWordArt="0" anchor="ctr" anchorCtr="0" forceAA="0" compatLnSpc="1">
+                <a:prstTxWarp prst="textNoShape">
+                  <a:avLst/>
+                </a:prstTxWarp>
+                <a:noAutofit/>
+              </a:bodyPr>
+              <a:lstStyle/>
+              <a:p>
+                <a:pPr algn="ctr"/>
+                <a:endParaRPr lang="en-US" dirty="0" err="1" smtClean="0">
+                  <a:solidFill>
+                    <a:schemeClr val="accent1">
+                      <a:lumMod val="50000"/>
+                    </a:schemeClr>
+                  </a:solidFill>
+                </a:endParaRPr>
+              </a:p>
+            </p:txBody>
+          </p:sp>
+          <p:sp>
+            <p:nvSpPr>
+              <p:cNvPr id="10" name="Oval 9"/>
+              <p:cNvSpPr/>
+              <p:nvPr/>
+            </p:nvSpPr>
+            <p:spPr>
+              <a:xfrm>
+                <a:off x="4595647" y="5188098"/>
+                <a:ext cx="141890" cy="141890"/>
+              </a:xfrm>
+              <a:prstGeom prst="ellipse">
+                <a:avLst/>
+              </a:prstGeom>
+              <a:solidFill>
+                <a:schemeClr val="accent4">
+                  <a:lumMod val="60000"/>
+                  <a:lumOff val="40000"/>
+                </a:schemeClr>
+              </a:solidFill>
+              <a:ln w="9525"/>
+            </p:spPr>
+            <p:style>
+              <a:lnRef idx="2">
+                <a:schemeClr val="accent1">
+                  <a:shade val="50000"/>
+                </a:schemeClr>
+              </a:lnRef>
+              <a:fillRef idx="1">
+                <a:schemeClr val="accent1"/>
+              </a:fillRef>
+              <a:effectRef idx="0">
+                <a:schemeClr val="accent1"/>
+              </a:effectRef>
+              <a:fontRef idx="minor">
+                <a:schemeClr val="lt1"/>
+              </a:fontRef>
+            </p:style>
+            <p:txBody>
+              <a:bodyPr rot="0" spcFirstLastPara="0" vertOverflow="overflow" horzOverflow="overflow" vert="horz" wrap="square" lIns="91440" tIns="45720" rIns="91440" bIns="45720" numCol="1" spcCol="0" rtlCol="0" fromWordArt="0" anchor="ctr" anchorCtr="0" forceAA="0" compatLnSpc="1">
+                <a:prstTxWarp prst="textNoShape">
+                  <a:avLst/>
+                </a:prstTxWarp>
+                <a:noAutofit/>
+              </a:bodyPr>
+              <a:lstStyle/>
+              <a:p>
+                <a:pPr algn="ctr"/>
+                <a:endParaRPr lang="en-US" dirty="0" err="1" smtClean="0">
+                  <a:solidFill>
+                    <a:schemeClr val="accent1">
+                      <a:lumMod val="50000"/>
+                    </a:schemeClr>
+                  </a:solidFill>
+                </a:endParaRPr>
+              </a:p>
+            </p:txBody>
+          </p:sp>
+          <p:sp>
+            <p:nvSpPr>
+              <p:cNvPr id="11" name="Oval 10"/>
+              <p:cNvSpPr/>
+              <p:nvPr/>
+            </p:nvSpPr>
+            <p:spPr>
+              <a:xfrm>
+                <a:off x="7316949" y="5188098"/>
+                <a:ext cx="141890" cy="141890"/>
+              </a:xfrm>
+              <a:prstGeom prst="ellipse">
+                <a:avLst/>
+              </a:prstGeom>
+              <a:solidFill>
+                <a:schemeClr val="accent4">
+                  <a:lumMod val="60000"/>
+                  <a:lumOff val="40000"/>
+                </a:schemeClr>
+              </a:solidFill>
+              <a:ln w="9525"/>
+            </p:spPr>
+            <p:style>
+              <a:lnRef idx="2">
+                <a:schemeClr val="accent1">
+                  <a:shade val="50000"/>
+                </a:schemeClr>
+              </a:lnRef>
+              <a:fillRef idx="1">
+                <a:schemeClr val="accent1"/>
+              </a:fillRef>
+              <a:effectRef idx="0">
+                <a:schemeClr val="accent1"/>
+              </a:effectRef>
+              <a:fontRef idx="minor">
+                <a:schemeClr val="lt1"/>
+              </a:fontRef>
+            </p:style>
+            <p:txBody>
+              <a:bodyPr rot="0" spcFirstLastPara="0" vertOverflow="overflow" horzOverflow="overflow" vert="horz" wrap="square" lIns="91440" tIns="45720" rIns="91440" bIns="45720" numCol="1" spcCol="0" rtlCol="0" fromWordArt="0" anchor="ctr" anchorCtr="0" forceAA="0" compatLnSpc="1">
+                <a:prstTxWarp prst="textNoShape">
+                  <a:avLst/>
+                </a:prstTxWarp>
+                <a:noAutofit/>
+              </a:bodyPr>
+              <a:lstStyle/>
+              <a:p>
+                <a:pPr algn="ctr"/>
+                <a:endParaRPr lang="en-US" dirty="0" err="1" smtClean="0">
+                  <a:solidFill>
+                    <a:schemeClr val="accent1">
+                      <a:lumMod val="50000"/>
+                    </a:schemeClr>
+                  </a:solidFill>
+                </a:endParaRPr>
+              </a:p>
+            </p:txBody>
+          </p:sp>
+          <p:cxnSp>
+            <p:nvCxnSpPr>
+              <p:cNvPr id="12" name="Straight Connector 11"/>
+              <p:cNvCxnSpPr>
+                <a:stCxn id="5" idx="5"/>
+                <a:endCxn id="11" idx="1"/>
+              </p:cNvCxnSpPr>
+              <p:nvPr/>
+            </p:nvCxnSpPr>
+            <p:spPr>
+              <a:xfrm>
+                <a:off x="6059456" y="3253815"/>
+                <a:ext cx="1278272" cy="1955062"/>
+              </a:xfrm>
+              <a:prstGeom prst="line">
+                <a:avLst/>
+              </a:prstGeom>
+              <a:ln w="12700">
+                <a:solidFill>
+                  <a:srgbClr val="FF0000"/>
+                </a:solidFill>
+                <a:headEnd type="triangle" w="med" len="med"/>
+                <a:tailEnd type="triangle" w="med" len="med"/>
+              </a:ln>
+            </p:spPr>
+            <p:style>
+              <a:lnRef idx="1">
+                <a:schemeClr val="accent1"/>
+              </a:lnRef>
+              <a:fillRef idx="0">
+                <a:schemeClr val="accent1"/>
+              </a:fillRef>
+              <a:effectRef idx="0">
+                <a:schemeClr val="accent1"/>
+              </a:effectRef>
+              <a:fontRef idx="minor">
+                <a:schemeClr val="tx1"/>
+              </a:fontRef>
+            </p:style>
+          </p:cxnSp>
+          <p:cxnSp>
+            <p:nvCxnSpPr>
+              <p:cNvPr id="13" name="Straight Connector 12"/>
+              <p:cNvCxnSpPr>
+                <a:stCxn id="5" idx="6"/>
+                <a:endCxn id="7" idx="2"/>
+              </p:cNvCxnSpPr>
+              <p:nvPr/>
+            </p:nvCxnSpPr>
+            <p:spPr>
+              <a:xfrm flipV="1">
+                <a:off x="6080235" y="2645325"/>
+                <a:ext cx="2073162" cy="558324"/>
+              </a:xfrm>
+              <a:prstGeom prst="line">
+                <a:avLst/>
+              </a:prstGeom>
+              <a:ln w="12700">
+                <a:solidFill>
+                  <a:srgbClr val="FF0000"/>
+                </a:solidFill>
+                <a:headEnd type="triangle" w="med" len="med"/>
+                <a:tailEnd type="triangle" w="med" len="med"/>
+              </a:ln>
+            </p:spPr>
+            <p:style>
+              <a:lnRef idx="1">
+                <a:schemeClr val="accent1"/>
+              </a:lnRef>
+              <a:fillRef idx="0">
+                <a:schemeClr val="accent1"/>
+              </a:fillRef>
+              <a:effectRef idx="0">
+                <a:schemeClr val="accent1"/>
+              </a:effectRef>
+              <a:fontRef idx="minor">
+                <a:schemeClr val="tx1"/>
+              </a:fontRef>
+            </p:style>
+          </p:cxnSp>
+          <p:cxnSp>
+            <p:nvCxnSpPr>
+              <p:cNvPr id="14" name="Straight Connector 13"/>
+              <p:cNvCxnSpPr>
+                <a:stCxn id="5" idx="0"/>
+                <a:endCxn id="8" idx="4"/>
+              </p:cNvCxnSpPr>
+              <p:nvPr/>
+            </p:nvCxnSpPr>
+            <p:spPr>
+              <a:xfrm flipV="1">
+                <a:off x="6009290" y="1121979"/>
+                <a:ext cx="0" cy="2010725"/>
+              </a:xfrm>
+              <a:prstGeom prst="line">
+                <a:avLst/>
+              </a:prstGeom>
+              <a:ln w="12700">
+                <a:solidFill>
+                  <a:srgbClr val="FF0000"/>
+                </a:solidFill>
+                <a:headEnd type="triangle" w="med" len="med"/>
+                <a:tailEnd type="triangle" w="med" len="med"/>
+              </a:ln>
+            </p:spPr>
+            <p:style>
+              <a:lnRef idx="1">
+                <a:schemeClr val="accent1"/>
+              </a:lnRef>
+              <a:fillRef idx="0">
+                <a:schemeClr val="accent1"/>
+              </a:fillRef>
+              <a:effectRef idx="0">
+                <a:schemeClr val="accent1"/>
+              </a:effectRef>
+              <a:fontRef idx="minor">
+                <a:schemeClr val="tx1"/>
+              </a:fontRef>
+            </p:style>
+          </p:cxnSp>
+          <p:cxnSp>
+            <p:nvCxnSpPr>
+              <p:cNvPr id="15" name="Straight Connector 14"/>
+              <p:cNvCxnSpPr>
+                <a:stCxn id="5" idx="2"/>
+                <a:endCxn id="9" idx="6"/>
+              </p:cNvCxnSpPr>
+              <p:nvPr/>
+            </p:nvCxnSpPr>
+            <p:spPr>
+              <a:xfrm flipH="1" flipV="1">
+                <a:off x="3877004" y="2645325"/>
+                <a:ext cx="2061341" cy="558324"/>
+              </a:xfrm>
+              <a:prstGeom prst="line">
+                <a:avLst/>
+              </a:prstGeom>
+              <a:ln w="12700">
+                <a:solidFill>
+                  <a:srgbClr val="FF0000"/>
+                </a:solidFill>
+                <a:headEnd type="triangle" w="med" len="med"/>
+                <a:tailEnd type="triangle" w="med" len="med"/>
+              </a:ln>
+            </p:spPr>
+            <p:style>
+              <a:lnRef idx="1">
+                <a:schemeClr val="accent1"/>
+              </a:lnRef>
+              <a:fillRef idx="0">
+                <a:schemeClr val="accent1"/>
+              </a:fillRef>
+              <a:effectRef idx="0">
+                <a:schemeClr val="accent1"/>
+              </a:effectRef>
+              <a:fontRef idx="minor">
+                <a:schemeClr val="tx1"/>
+              </a:fontRef>
+            </p:style>
+          </p:cxnSp>
+          <p:cxnSp>
+            <p:nvCxnSpPr>
+              <p:cNvPr id="16" name="Straight Connector 15"/>
+              <p:cNvCxnSpPr>
+                <a:stCxn id="5" idx="3"/>
+                <a:endCxn id="10" idx="7"/>
+              </p:cNvCxnSpPr>
+              <p:nvPr/>
+            </p:nvCxnSpPr>
+            <p:spPr>
+              <a:xfrm flipH="1">
+                <a:off x="4716758" y="3253815"/>
+                <a:ext cx="1242366" cy="1955062"/>
+              </a:xfrm>
+              <a:prstGeom prst="line">
+                <a:avLst/>
+              </a:prstGeom>
+              <a:ln w="12700">
+                <a:solidFill>
+                  <a:srgbClr val="FF0000"/>
+                </a:solidFill>
+                <a:headEnd type="triangle" w="med" len="med"/>
+                <a:tailEnd type="triangle" w="med" len="med"/>
+              </a:ln>
+            </p:spPr>
+            <p:style>
+              <a:lnRef idx="1">
+                <a:schemeClr val="accent1"/>
+              </a:lnRef>
+              <a:fillRef idx="0">
+                <a:schemeClr val="accent1"/>
+              </a:fillRef>
+              <a:effectRef idx="0">
+                <a:schemeClr val="accent1"/>
+              </a:effectRef>
+              <a:fontRef idx="minor">
+                <a:schemeClr val="tx1"/>
+              </a:fontRef>
+            </p:style>
+          </p:cxnSp>
+        </p:grpSp>
+      </p:grpSp>
+    </p:spTree>
+    <p:extLst>
+      <p:ext uri="{BB962C8B-B14F-4D97-AF65-F5344CB8AC3E}">
+        <p14:creationId xmlns:p14="http://schemas.microsoft.com/office/powerpoint/2010/main" val="3617663812"/>
       </p:ext>
     </p:extLst>
   </p:cSld>
@@ -7890,7 +12026,8 @@
     <a:lnDef>
       <a:spPr>
         <a:ln w="57150">
-          <a:tailEnd type="triangle"/>
+          <a:headEnd type="triangle" w="med" len="med"/>
+          <a:tailEnd type="triangle" w="med" len="med"/>
         </a:ln>
       </a:spPr>
       <a:bodyPr/>

--- a/docs/Java ULB Diagrams.pptx
+++ b/docs/Java ULB Diagrams.pptx
@@ -13,7 +13,10 @@
     <p:sldId id="261" r:id="rId7"/>
     <p:sldId id="262" r:id="rId8"/>
     <p:sldId id="263" r:id="rId9"/>
-    <p:sldId id="264" r:id="rId10"/>
+    <p:sldId id="265" r:id="rId10"/>
+    <p:sldId id="264" r:id="rId11"/>
+    <p:sldId id="266" r:id="rId12"/>
+    <p:sldId id="267" r:id="rId13"/>
   </p:sldIdLst>
   <p:sldSz cx="12192000" cy="6858000"/>
   <p:notesSz cx="6858000" cy="9144000"/>
@@ -251,7 +254,7 @@
           <a:p>
             <a:fld id="{E368026E-3E9B-4960-907A-2C0848B388A7}" type="datetimeFigureOut">
               <a:rPr lang="en-US" smtClean="0"/>
-              <a:t>1/8/2020</a:t>
+              <a:t>1/16/2020</a:t>
             </a:fld>
             <a:endParaRPr lang="en-US"/>
           </a:p>
@@ -421,7 +424,7 @@
           <a:p>
             <a:fld id="{E368026E-3E9B-4960-907A-2C0848B388A7}" type="datetimeFigureOut">
               <a:rPr lang="en-US" smtClean="0"/>
-              <a:t>1/8/2020</a:t>
+              <a:t>1/16/2020</a:t>
             </a:fld>
             <a:endParaRPr lang="en-US"/>
           </a:p>
@@ -601,7 +604,7 @@
           <a:p>
             <a:fld id="{E368026E-3E9B-4960-907A-2C0848B388A7}" type="datetimeFigureOut">
               <a:rPr lang="en-US" smtClean="0"/>
-              <a:t>1/8/2020</a:t>
+              <a:t>1/16/2020</a:t>
             </a:fld>
             <a:endParaRPr lang="en-US"/>
           </a:p>
@@ -771,7 +774,7 @@
           <a:p>
             <a:fld id="{E368026E-3E9B-4960-907A-2C0848B388A7}" type="datetimeFigureOut">
               <a:rPr lang="en-US" smtClean="0"/>
-              <a:t>1/8/2020</a:t>
+              <a:t>1/16/2020</a:t>
             </a:fld>
             <a:endParaRPr lang="en-US"/>
           </a:p>
@@ -1017,7 +1020,7 @@
           <a:p>
             <a:fld id="{E368026E-3E9B-4960-907A-2C0848B388A7}" type="datetimeFigureOut">
               <a:rPr lang="en-US" smtClean="0"/>
-              <a:t>1/8/2020</a:t>
+              <a:t>1/16/2020</a:t>
             </a:fld>
             <a:endParaRPr lang="en-US"/>
           </a:p>
@@ -1249,7 +1252,7 @@
           <a:p>
             <a:fld id="{E368026E-3E9B-4960-907A-2C0848B388A7}" type="datetimeFigureOut">
               <a:rPr lang="en-US" smtClean="0"/>
-              <a:t>1/8/2020</a:t>
+              <a:t>1/16/2020</a:t>
             </a:fld>
             <a:endParaRPr lang="en-US"/>
           </a:p>
@@ -1616,7 +1619,7 @@
           <a:p>
             <a:fld id="{E368026E-3E9B-4960-907A-2C0848B388A7}" type="datetimeFigureOut">
               <a:rPr lang="en-US" smtClean="0"/>
-              <a:t>1/8/2020</a:t>
+              <a:t>1/16/2020</a:t>
             </a:fld>
             <a:endParaRPr lang="en-US"/>
           </a:p>
@@ -1734,7 +1737,7 @@
           <a:p>
             <a:fld id="{E368026E-3E9B-4960-907A-2C0848B388A7}" type="datetimeFigureOut">
               <a:rPr lang="en-US" smtClean="0"/>
-              <a:t>1/8/2020</a:t>
+              <a:t>1/16/2020</a:t>
             </a:fld>
             <a:endParaRPr lang="en-US"/>
           </a:p>
@@ -1829,7 +1832,7 @@
           <a:p>
             <a:fld id="{E368026E-3E9B-4960-907A-2C0848B388A7}" type="datetimeFigureOut">
               <a:rPr lang="en-US" smtClean="0"/>
-              <a:t>1/8/2020</a:t>
+              <a:t>1/16/2020</a:t>
             </a:fld>
             <a:endParaRPr lang="en-US"/>
           </a:p>
@@ -2106,7 +2109,7 @@
           <a:p>
             <a:fld id="{E368026E-3E9B-4960-907A-2C0848B388A7}" type="datetimeFigureOut">
               <a:rPr lang="en-US" smtClean="0"/>
-              <a:t>1/8/2020</a:t>
+              <a:t>1/16/2020</a:t>
             </a:fld>
             <a:endParaRPr lang="en-US"/>
           </a:p>
@@ -2359,7 +2362,7 @@
           <a:p>
             <a:fld id="{E368026E-3E9B-4960-907A-2C0848B388A7}" type="datetimeFigureOut">
               <a:rPr lang="en-US" smtClean="0"/>
-              <a:t>1/8/2020</a:t>
+              <a:t>1/16/2020</a:t>
             </a:fld>
             <a:endParaRPr lang="en-US"/>
           </a:p>
@@ -2572,7 +2575,7 @@
           <a:p>
             <a:fld id="{E368026E-3E9B-4960-907A-2C0848B388A7}" type="datetimeFigureOut">
               <a:rPr lang="en-US" smtClean="0"/>
-              <a:t>1/8/2020</a:t>
+              <a:t>1/16/2020</a:t>
             </a:fld>
             <a:endParaRPr lang="en-US"/>
           </a:p>
@@ -3023,6 +3026,2828 @@
     <p:extLst>
       <p:ext uri="{BB962C8B-B14F-4D97-AF65-F5344CB8AC3E}">
         <p14:creationId xmlns:p14="http://schemas.microsoft.com/office/powerpoint/2010/main" val="2405913443"/>
+      </p:ext>
+    </p:extLst>
+  </p:cSld>
+  <p:clrMapOvr>
+    <a:masterClrMapping/>
+  </p:clrMapOvr>
+</p:sld>
+</file>
+
+<file path=ppt/slides/slide10.xml><?xml version="1.0" encoding="utf-8"?>
+<p:sld xmlns:a="http://schemas.openxmlformats.org/drawingml/2006/main" xmlns:r="http://schemas.openxmlformats.org/officeDocument/2006/relationships" xmlns:p="http://schemas.openxmlformats.org/presentationml/2006/main">
+  <p:cSld>
+    <p:spTree>
+      <p:nvGrpSpPr>
+        <p:cNvPr id="1" name=""/>
+        <p:cNvGrpSpPr/>
+        <p:nvPr/>
+      </p:nvGrpSpPr>
+      <p:grpSpPr>
+        <a:xfrm>
+          <a:off x="0" y="0"/>
+          <a:ext cx="0" cy="0"/>
+          <a:chOff x="0" y="0"/>
+          <a:chExt cx="0" cy="0"/>
+        </a:xfrm>
+      </p:grpSpPr>
+      <p:grpSp>
+        <p:nvGrpSpPr>
+          <p:cNvPr id="4" name="Group 3"/>
+          <p:cNvGrpSpPr/>
+          <p:nvPr/>
+        </p:nvGrpSpPr>
+        <p:grpSpPr>
+          <a:xfrm>
+            <a:off x="3208281" y="1206062"/>
+            <a:ext cx="4560173" cy="4349899"/>
+            <a:chOff x="3735114" y="980089"/>
+            <a:chExt cx="4560173" cy="4349899"/>
+          </a:xfrm>
+        </p:grpSpPr>
+        <p:sp>
+          <p:nvSpPr>
+            <p:cNvPr id="5" name="Oval 4"/>
+            <p:cNvSpPr/>
+            <p:nvPr/>
+          </p:nvSpPr>
+          <p:spPr>
+            <a:xfrm>
+              <a:off x="5938345" y="3132704"/>
+              <a:ext cx="141890" cy="141890"/>
+            </a:xfrm>
+            <a:prstGeom prst="ellipse">
+              <a:avLst/>
+            </a:prstGeom>
+            <a:solidFill>
+              <a:schemeClr val="accent4">
+                <a:lumMod val="60000"/>
+                <a:lumOff val="40000"/>
+              </a:schemeClr>
+            </a:solidFill>
+            <a:ln w="9525"/>
+          </p:spPr>
+          <p:style>
+            <a:lnRef idx="2">
+              <a:schemeClr val="accent1">
+                <a:shade val="50000"/>
+              </a:schemeClr>
+            </a:lnRef>
+            <a:fillRef idx="1">
+              <a:schemeClr val="accent1"/>
+            </a:fillRef>
+            <a:effectRef idx="0">
+              <a:schemeClr val="accent1"/>
+            </a:effectRef>
+            <a:fontRef idx="minor">
+              <a:schemeClr val="lt1"/>
+            </a:fontRef>
+          </p:style>
+          <p:txBody>
+            <a:bodyPr rot="0" spcFirstLastPara="0" vertOverflow="overflow" horzOverflow="overflow" vert="horz" wrap="square" lIns="91440" tIns="45720" rIns="91440" bIns="45720" numCol="1" spcCol="0" rtlCol="0" fromWordArt="0" anchor="ctr" anchorCtr="0" forceAA="0" compatLnSpc="1">
+              <a:prstTxWarp prst="textNoShape">
+                <a:avLst/>
+              </a:prstTxWarp>
+              <a:noAutofit/>
+            </a:bodyPr>
+            <a:lstStyle/>
+            <a:p>
+              <a:pPr algn="ctr"/>
+              <a:endParaRPr lang="en-US" dirty="0" err="1" smtClean="0">
+                <a:solidFill>
+                  <a:schemeClr val="accent1">
+                    <a:lumMod val="50000"/>
+                  </a:schemeClr>
+                </a:solidFill>
+              </a:endParaRPr>
+            </a:p>
+          </p:txBody>
+        </p:sp>
+        <p:grpSp>
+          <p:nvGrpSpPr>
+            <p:cNvPr id="6" name="Group 5"/>
+            <p:cNvGrpSpPr/>
+            <p:nvPr/>
+          </p:nvGrpSpPr>
+          <p:grpSpPr>
+            <a:xfrm>
+              <a:off x="3735114" y="980089"/>
+              <a:ext cx="4560173" cy="4349899"/>
+              <a:chOff x="3735114" y="980089"/>
+              <a:chExt cx="4560173" cy="4349899"/>
+            </a:xfrm>
+          </p:grpSpPr>
+          <p:sp>
+            <p:nvSpPr>
+              <p:cNvPr id="7" name="Oval 6"/>
+              <p:cNvSpPr/>
+              <p:nvPr/>
+            </p:nvSpPr>
+            <p:spPr>
+              <a:xfrm>
+                <a:off x="8153397" y="2574380"/>
+                <a:ext cx="141890" cy="141890"/>
+              </a:xfrm>
+              <a:prstGeom prst="ellipse">
+                <a:avLst/>
+              </a:prstGeom>
+              <a:solidFill>
+                <a:schemeClr val="accent4">
+                  <a:lumMod val="60000"/>
+                  <a:lumOff val="40000"/>
+                </a:schemeClr>
+              </a:solidFill>
+              <a:ln w="9525"/>
+            </p:spPr>
+            <p:style>
+              <a:lnRef idx="2">
+                <a:schemeClr val="accent1">
+                  <a:shade val="50000"/>
+                </a:schemeClr>
+              </a:lnRef>
+              <a:fillRef idx="1">
+                <a:schemeClr val="accent1"/>
+              </a:fillRef>
+              <a:effectRef idx="0">
+                <a:schemeClr val="accent1"/>
+              </a:effectRef>
+              <a:fontRef idx="minor">
+                <a:schemeClr val="lt1"/>
+              </a:fontRef>
+            </p:style>
+            <p:txBody>
+              <a:bodyPr rot="0" spcFirstLastPara="0" vertOverflow="overflow" horzOverflow="overflow" vert="horz" wrap="square" lIns="91440" tIns="45720" rIns="91440" bIns="45720" numCol="1" spcCol="0" rtlCol="0" fromWordArt="0" anchor="ctr" anchorCtr="0" forceAA="0" compatLnSpc="1">
+                <a:prstTxWarp prst="textNoShape">
+                  <a:avLst/>
+                </a:prstTxWarp>
+                <a:noAutofit/>
+              </a:bodyPr>
+              <a:lstStyle/>
+              <a:p>
+                <a:pPr algn="ctr"/>
+                <a:endParaRPr lang="en-US" dirty="0" err="1" smtClean="0">
+                  <a:solidFill>
+                    <a:schemeClr val="accent1">
+                      <a:lumMod val="50000"/>
+                    </a:schemeClr>
+                  </a:solidFill>
+                </a:endParaRPr>
+              </a:p>
+            </p:txBody>
+          </p:sp>
+          <p:sp>
+            <p:nvSpPr>
+              <p:cNvPr id="8" name="Oval 7"/>
+              <p:cNvSpPr/>
+              <p:nvPr/>
+            </p:nvSpPr>
+            <p:spPr>
+              <a:xfrm>
+                <a:off x="5938345" y="980089"/>
+                <a:ext cx="141890" cy="141890"/>
+              </a:xfrm>
+              <a:prstGeom prst="ellipse">
+                <a:avLst/>
+              </a:prstGeom>
+              <a:solidFill>
+                <a:schemeClr val="accent4">
+                  <a:lumMod val="60000"/>
+                  <a:lumOff val="40000"/>
+                </a:schemeClr>
+              </a:solidFill>
+              <a:ln w="9525"/>
+            </p:spPr>
+            <p:style>
+              <a:lnRef idx="2">
+                <a:schemeClr val="accent1">
+                  <a:shade val="50000"/>
+                </a:schemeClr>
+              </a:lnRef>
+              <a:fillRef idx="1">
+                <a:schemeClr val="accent1"/>
+              </a:fillRef>
+              <a:effectRef idx="0">
+                <a:schemeClr val="accent1"/>
+              </a:effectRef>
+              <a:fontRef idx="minor">
+                <a:schemeClr val="lt1"/>
+              </a:fontRef>
+            </p:style>
+            <p:txBody>
+              <a:bodyPr rot="0" spcFirstLastPara="0" vertOverflow="overflow" horzOverflow="overflow" vert="horz" wrap="square" lIns="91440" tIns="45720" rIns="91440" bIns="45720" numCol="1" spcCol="0" rtlCol="0" fromWordArt="0" anchor="ctr" anchorCtr="0" forceAA="0" compatLnSpc="1">
+                <a:prstTxWarp prst="textNoShape">
+                  <a:avLst/>
+                </a:prstTxWarp>
+                <a:noAutofit/>
+              </a:bodyPr>
+              <a:lstStyle/>
+              <a:p>
+                <a:pPr algn="ctr"/>
+                <a:endParaRPr lang="en-US" dirty="0" err="1" smtClean="0">
+                  <a:solidFill>
+                    <a:schemeClr val="accent1">
+                      <a:lumMod val="50000"/>
+                    </a:schemeClr>
+                  </a:solidFill>
+                </a:endParaRPr>
+              </a:p>
+            </p:txBody>
+          </p:sp>
+          <p:sp>
+            <p:nvSpPr>
+              <p:cNvPr id="9" name="Oval 8"/>
+              <p:cNvSpPr/>
+              <p:nvPr/>
+            </p:nvSpPr>
+            <p:spPr>
+              <a:xfrm>
+                <a:off x="3735114" y="2574380"/>
+                <a:ext cx="141890" cy="141890"/>
+              </a:xfrm>
+              <a:prstGeom prst="ellipse">
+                <a:avLst/>
+              </a:prstGeom>
+              <a:solidFill>
+                <a:schemeClr val="accent4">
+                  <a:lumMod val="60000"/>
+                  <a:lumOff val="40000"/>
+                </a:schemeClr>
+              </a:solidFill>
+              <a:ln w="9525"/>
+            </p:spPr>
+            <p:style>
+              <a:lnRef idx="2">
+                <a:schemeClr val="accent1">
+                  <a:shade val="50000"/>
+                </a:schemeClr>
+              </a:lnRef>
+              <a:fillRef idx="1">
+                <a:schemeClr val="accent1"/>
+              </a:fillRef>
+              <a:effectRef idx="0">
+                <a:schemeClr val="accent1"/>
+              </a:effectRef>
+              <a:fontRef idx="minor">
+                <a:schemeClr val="lt1"/>
+              </a:fontRef>
+            </p:style>
+            <p:txBody>
+              <a:bodyPr rot="0" spcFirstLastPara="0" vertOverflow="overflow" horzOverflow="overflow" vert="horz" wrap="square" lIns="91440" tIns="45720" rIns="91440" bIns="45720" numCol="1" spcCol="0" rtlCol="0" fromWordArt="0" anchor="ctr" anchorCtr="0" forceAA="0" compatLnSpc="1">
+                <a:prstTxWarp prst="textNoShape">
+                  <a:avLst/>
+                </a:prstTxWarp>
+                <a:noAutofit/>
+              </a:bodyPr>
+              <a:lstStyle/>
+              <a:p>
+                <a:pPr algn="ctr"/>
+                <a:endParaRPr lang="en-US" dirty="0" err="1" smtClean="0">
+                  <a:solidFill>
+                    <a:schemeClr val="accent1">
+                      <a:lumMod val="50000"/>
+                    </a:schemeClr>
+                  </a:solidFill>
+                </a:endParaRPr>
+              </a:p>
+            </p:txBody>
+          </p:sp>
+          <p:sp>
+            <p:nvSpPr>
+              <p:cNvPr id="10" name="Oval 9"/>
+              <p:cNvSpPr/>
+              <p:nvPr/>
+            </p:nvSpPr>
+            <p:spPr>
+              <a:xfrm>
+                <a:off x="4595647" y="5188098"/>
+                <a:ext cx="141890" cy="141890"/>
+              </a:xfrm>
+              <a:prstGeom prst="ellipse">
+                <a:avLst/>
+              </a:prstGeom>
+              <a:solidFill>
+                <a:schemeClr val="accent4">
+                  <a:lumMod val="60000"/>
+                  <a:lumOff val="40000"/>
+                </a:schemeClr>
+              </a:solidFill>
+              <a:ln w="9525"/>
+            </p:spPr>
+            <p:style>
+              <a:lnRef idx="2">
+                <a:schemeClr val="accent1">
+                  <a:shade val="50000"/>
+                </a:schemeClr>
+              </a:lnRef>
+              <a:fillRef idx="1">
+                <a:schemeClr val="accent1"/>
+              </a:fillRef>
+              <a:effectRef idx="0">
+                <a:schemeClr val="accent1"/>
+              </a:effectRef>
+              <a:fontRef idx="minor">
+                <a:schemeClr val="lt1"/>
+              </a:fontRef>
+            </p:style>
+            <p:txBody>
+              <a:bodyPr rot="0" spcFirstLastPara="0" vertOverflow="overflow" horzOverflow="overflow" vert="horz" wrap="square" lIns="91440" tIns="45720" rIns="91440" bIns="45720" numCol="1" spcCol="0" rtlCol="0" fromWordArt="0" anchor="ctr" anchorCtr="0" forceAA="0" compatLnSpc="1">
+                <a:prstTxWarp prst="textNoShape">
+                  <a:avLst/>
+                </a:prstTxWarp>
+                <a:noAutofit/>
+              </a:bodyPr>
+              <a:lstStyle/>
+              <a:p>
+                <a:pPr algn="ctr"/>
+                <a:endParaRPr lang="en-US" dirty="0" err="1" smtClean="0">
+                  <a:solidFill>
+                    <a:schemeClr val="accent1">
+                      <a:lumMod val="50000"/>
+                    </a:schemeClr>
+                  </a:solidFill>
+                </a:endParaRPr>
+              </a:p>
+            </p:txBody>
+          </p:sp>
+          <p:sp>
+            <p:nvSpPr>
+              <p:cNvPr id="11" name="Oval 10"/>
+              <p:cNvSpPr/>
+              <p:nvPr/>
+            </p:nvSpPr>
+            <p:spPr>
+              <a:xfrm>
+                <a:off x="7316949" y="5188098"/>
+                <a:ext cx="141890" cy="141890"/>
+              </a:xfrm>
+              <a:prstGeom prst="ellipse">
+                <a:avLst/>
+              </a:prstGeom>
+              <a:solidFill>
+                <a:schemeClr val="accent4">
+                  <a:lumMod val="60000"/>
+                  <a:lumOff val="40000"/>
+                </a:schemeClr>
+              </a:solidFill>
+              <a:ln w="9525"/>
+            </p:spPr>
+            <p:style>
+              <a:lnRef idx="2">
+                <a:schemeClr val="accent1">
+                  <a:shade val="50000"/>
+                </a:schemeClr>
+              </a:lnRef>
+              <a:fillRef idx="1">
+                <a:schemeClr val="accent1"/>
+              </a:fillRef>
+              <a:effectRef idx="0">
+                <a:schemeClr val="accent1"/>
+              </a:effectRef>
+              <a:fontRef idx="minor">
+                <a:schemeClr val="lt1"/>
+              </a:fontRef>
+            </p:style>
+            <p:txBody>
+              <a:bodyPr rot="0" spcFirstLastPara="0" vertOverflow="overflow" horzOverflow="overflow" vert="horz" wrap="square" lIns="91440" tIns="45720" rIns="91440" bIns="45720" numCol="1" spcCol="0" rtlCol="0" fromWordArt="0" anchor="ctr" anchorCtr="0" forceAA="0" compatLnSpc="1">
+                <a:prstTxWarp prst="textNoShape">
+                  <a:avLst/>
+                </a:prstTxWarp>
+                <a:noAutofit/>
+              </a:bodyPr>
+              <a:lstStyle/>
+              <a:p>
+                <a:pPr algn="ctr"/>
+                <a:endParaRPr lang="en-US" dirty="0" err="1" smtClean="0">
+                  <a:solidFill>
+                    <a:schemeClr val="accent1">
+                      <a:lumMod val="50000"/>
+                    </a:schemeClr>
+                  </a:solidFill>
+                </a:endParaRPr>
+              </a:p>
+            </p:txBody>
+          </p:sp>
+          <p:cxnSp>
+            <p:nvCxnSpPr>
+              <p:cNvPr id="12" name="Straight Connector 11"/>
+              <p:cNvCxnSpPr>
+                <a:stCxn id="5" idx="5"/>
+                <a:endCxn id="11" idx="1"/>
+              </p:cNvCxnSpPr>
+              <p:nvPr/>
+            </p:nvCxnSpPr>
+            <p:spPr>
+              <a:xfrm>
+                <a:off x="6059456" y="3253815"/>
+                <a:ext cx="1278272" cy="1955062"/>
+              </a:xfrm>
+              <a:prstGeom prst="line">
+                <a:avLst/>
+              </a:prstGeom>
+              <a:ln w="12700">
+                <a:solidFill>
+                  <a:srgbClr val="FF0000"/>
+                </a:solidFill>
+                <a:headEnd type="triangle" w="med" len="med"/>
+                <a:tailEnd type="triangle" w="med" len="med"/>
+              </a:ln>
+            </p:spPr>
+            <p:style>
+              <a:lnRef idx="1">
+                <a:schemeClr val="accent1"/>
+              </a:lnRef>
+              <a:fillRef idx="0">
+                <a:schemeClr val="accent1"/>
+              </a:fillRef>
+              <a:effectRef idx="0">
+                <a:schemeClr val="accent1"/>
+              </a:effectRef>
+              <a:fontRef idx="minor">
+                <a:schemeClr val="tx1"/>
+              </a:fontRef>
+            </p:style>
+          </p:cxnSp>
+          <p:cxnSp>
+            <p:nvCxnSpPr>
+              <p:cNvPr id="13" name="Straight Connector 12"/>
+              <p:cNvCxnSpPr>
+                <a:stCxn id="5" idx="6"/>
+                <a:endCxn id="7" idx="2"/>
+              </p:cNvCxnSpPr>
+              <p:nvPr/>
+            </p:nvCxnSpPr>
+            <p:spPr>
+              <a:xfrm flipV="1">
+                <a:off x="6080235" y="2645325"/>
+                <a:ext cx="2073162" cy="558324"/>
+              </a:xfrm>
+              <a:prstGeom prst="line">
+                <a:avLst/>
+              </a:prstGeom>
+              <a:ln w="12700">
+                <a:solidFill>
+                  <a:srgbClr val="FF0000"/>
+                </a:solidFill>
+                <a:headEnd type="triangle" w="med" len="med"/>
+                <a:tailEnd type="triangle" w="med" len="med"/>
+              </a:ln>
+            </p:spPr>
+            <p:style>
+              <a:lnRef idx="1">
+                <a:schemeClr val="accent1"/>
+              </a:lnRef>
+              <a:fillRef idx="0">
+                <a:schemeClr val="accent1"/>
+              </a:fillRef>
+              <a:effectRef idx="0">
+                <a:schemeClr val="accent1"/>
+              </a:effectRef>
+              <a:fontRef idx="minor">
+                <a:schemeClr val="tx1"/>
+              </a:fontRef>
+            </p:style>
+          </p:cxnSp>
+          <p:cxnSp>
+            <p:nvCxnSpPr>
+              <p:cNvPr id="14" name="Straight Connector 13"/>
+              <p:cNvCxnSpPr>
+                <a:stCxn id="5" idx="0"/>
+                <a:endCxn id="8" idx="4"/>
+              </p:cNvCxnSpPr>
+              <p:nvPr/>
+            </p:nvCxnSpPr>
+            <p:spPr>
+              <a:xfrm flipV="1">
+                <a:off x="6009290" y="1121979"/>
+                <a:ext cx="0" cy="2010725"/>
+              </a:xfrm>
+              <a:prstGeom prst="line">
+                <a:avLst/>
+              </a:prstGeom>
+              <a:ln w="12700">
+                <a:solidFill>
+                  <a:srgbClr val="FF0000"/>
+                </a:solidFill>
+                <a:headEnd type="triangle" w="med" len="med"/>
+                <a:tailEnd type="triangle" w="med" len="med"/>
+              </a:ln>
+            </p:spPr>
+            <p:style>
+              <a:lnRef idx="1">
+                <a:schemeClr val="accent1"/>
+              </a:lnRef>
+              <a:fillRef idx="0">
+                <a:schemeClr val="accent1"/>
+              </a:fillRef>
+              <a:effectRef idx="0">
+                <a:schemeClr val="accent1"/>
+              </a:effectRef>
+              <a:fontRef idx="minor">
+                <a:schemeClr val="tx1"/>
+              </a:fontRef>
+            </p:style>
+          </p:cxnSp>
+          <p:cxnSp>
+            <p:nvCxnSpPr>
+              <p:cNvPr id="15" name="Straight Connector 14"/>
+              <p:cNvCxnSpPr>
+                <a:stCxn id="5" idx="2"/>
+                <a:endCxn id="9" idx="6"/>
+              </p:cNvCxnSpPr>
+              <p:nvPr/>
+            </p:nvCxnSpPr>
+            <p:spPr>
+              <a:xfrm flipH="1" flipV="1">
+                <a:off x="3877004" y="2645325"/>
+                <a:ext cx="2061341" cy="558324"/>
+              </a:xfrm>
+              <a:prstGeom prst="line">
+                <a:avLst/>
+              </a:prstGeom>
+              <a:ln w="12700">
+                <a:solidFill>
+                  <a:srgbClr val="FF0000"/>
+                </a:solidFill>
+                <a:headEnd type="triangle" w="med" len="med"/>
+                <a:tailEnd type="triangle" w="med" len="med"/>
+              </a:ln>
+            </p:spPr>
+            <p:style>
+              <a:lnRef idx="1">
+                <a:schemeClr val="accent1"/>
+              </a:lnRef>
+              <a:fillRef idx="0">
+                <a:schemeClr val="accent1"/>
+              </a:fillRef>
+              <a:effectRef idx="0">
+                <a:schemeClr val="accent1"/>
+              </a:effectRef>
+              <a:fontRef idx="minor">
+                <a:schemeClr val="tx1"/>
+              </a:fontRef>
+            </p:style>
+          </p:cxnSp>
+          <p:cxnSp>
+            <p:nvCxnSpPr>
+              <p:cNvPr id="16" name="Straight Connector 15"/>
+              <p:cNvCxnSpPr>
+                <a:stCxn id="5" idx="3"/>
+                <a:endCxn id="10" idx="7"/>
+              </p:cNvCxnSpPr>
+              <p:nvPr/>
+            </p:nvCxnSpPr>
+            <p:spPr>
+              <a:xfrm flipH="1">
+                <a:off x="4716758" y="3253815"/>
+                <a:ext cx="1242366" cy="1955062"/>
+              </a:xfrm>
+              <a:prstGeom prst="line">
+                <a:avLst/>
+              </a:prstGeom>
+              <a:ln w="12700">
+                <a:solidFill>
+                  <a:srgbClr val="FF0000"/>
+                </a:solidFill>
+                <a:headEnd type="triangle" w="med" len="med"/>
+                <a:tailEnd type="triangle" w="med" len="med"/>
+              </a:ln>
+            </p:spPr>
+            <p:style>
+              <a:lnRef idx="1">
+                <a:schemeClr val="accent1"/>
+              </a:lnRef>
+              <a:fillRef idx="0">
+                <a:schemeClr val="accent1"/>
+              </a:fillRef>
+              <a:effectRef idx="0">
+                <a:schemeClr val="accent1"/>
+              </a:effectRef>
+              <a:fontRef idx="minor">
+                <a:schemeClr val="tx1"/>
+              </a:fontRef>
+            </p:style>
+          </p:cxnSp>
+        </p:grpSp>
+      </p:grpSp>
+    </p:spTree>
+    <p:extLst>
+      <p:ext uri="{BB962C8B-B14F-4D97-AF65-F5344CB8AC3E}">
+        <p14:creationId xmlns:p14="http://schemas.microsoft.com/office/powerpoint/2010/main" val="3617663812"/>
+      </p:ext>
+    </p:extLst>
+  </p:cSld>
+  <p:clrMapOvr>
+    <a:masterClrMapping/>
+  </p:clrMapOvr>
+</p:sld>
+</file>
+
+<file path=ppt/slides/slide11.xml><?xml version="1.0" encoding="utf-8"?>
+<p:sld xmlns:a="http://schemas.openxmlformats.org/drawingml/2006/main" xmlns:r="http://schemas.openxmlformats.org/officeDocument/2006/relationships" xmlns:p="http://schemas.openxmlformats.org/presentationml/2006/main">
+  <p:cSld>
+    <p:spTree>
+      <p:nvGrpSpPr>
+        <p:cNvPr id="1" name=""/>
+        <p:cNvGrpSpPr/>
+        <p:nvPr/>
+      </p:nvGrpSpPr>
+      <p:grpSpPr>
+        <a:xfrm>
+          <a:off x="0" y="0"/>
+          <a:ext cx="0" cy="0"/>
+          <a:chOff x="0" y="0"/>
+          <a:chExt cx="0" cy="0"/>
+        </a:xfrm>
+      </p:grpSpPr>
+      <p:sp>
+        <p:nvSpPr>
+          <p:cNvPr id="5" name="Oval 4"/>
+          <p:cNvSpPr/>
+          <p:nvPr/>
+        </p:nvSpPr>
+        <p:spPr>
+          <a:xfrm>
+            <a:off x="6593405" y="3786528"/>
+            <a:ext cx="807096" cy="807096"/>
+          </a:xfrm>
+          <a:prstGeom prst="ellipse">
+            <a:avLst/>
+          </a:prstGeom>
+          <a:solidFill>
+            <a:schemeClr val="accent6">
+              <a:lumMod val="60000"/>
+              <a:lumOff val="40000"/>
+            </a:schemeClr>
+          </a:solidFill>
+          <a:ln w="9525"/>
+        </p:spPr>
+        <p:style>
+          <a:lnRef idx="2">
+            <a:schemeClr val="accent1">
+              <a:shade val="50000"/>
+            </a:schemeClr>
+          </a:lnRef>
+          <a:fillRef idx="1">
+            <a:schemeClr val="accent1"/>
+          </a:fillRef>
+          <a:effectRef idx="0">
+            <a:schemeClr val="accent1"/>
+          </a:effectRef>
+          <a:fontRef idx="minor">
+            <a:schemeClr val="lt1"/>
+          </a:fontRef>
+        </p:style>
+        <p:txBody>
+          <a:bodyPr rot="0" spcFirstLastPara="0" vertOverflow="overflow" horzOverflow="overflow" vert="horz" wrap="square" lIns="91440" tIns="45720" rIns="91440" bIns="45720" numCol="1" spcCol="0" rtlCol="0" fromWordArt="0" anchor="ctr" anchorCtr="0" forceAA="0" compatLnSpc="1">
+            <a:prstTxWarp prst="textNoShape">
+              <a:avLst/>
+            </a:prstTxWarp>
+            <a:noAutofit/>
+          </a:bodyPr>
+          <a:lstStyle/>
+          <a:p>
+            <a:pPr algn="ctr"/>
+            <a:r>
+              <a:rPr lang="en-US" sz="900" dirty="0" smtClean="0">
+                <a:solidFill>
+                  <a:schemeClr val="accent1">
+                    <a:lumMod val="50000"/>
+                  </a:schemeClr>
+                </a:solidFill>
+              </a:rPr>
+              <a:t>Address</a:t>
+            </a:r>
+          </a:p>
+        </p:txBody>
+      </p:sp>
+      <p:sp>
+        <p:nvSpPr>
+          <p:cNvPr id="7" name="Oval 6"/>
+          <p:cNvSpPr/>
+          <p:nvPr/>
+        </p:nvSpPr>
+        <p:spPr>
+          <a:xfrm>
+            <a:off x="3972305" y="3786528"/>
+            <a:ext cx="807096" cy="807096"/>
+          </a:xfrm>
+          <a:prstGeom prst="ellipse">
+            <a:avLst/>
+          </a:prstGeom>
+          <a:solidFill>
+            <a:schemeClr val="accent5">
+              <a:lumMod val="40000"/>
+              <a:lumOff val="60000"/>
+            </a:schemeClr>
+          </a:solidFill>
+          <a:ln w="9525"/>
+        </p:spPr>
+        <p:style>
+          <a:lnRef idx="2">
+            <a:schemeClr val="accent1">
+              <a:shade val="50000"/>
+            </a:schemeClr>
+          </a:lnRef>
+          <a:fillRef idx="1">
+            <a:schemeClr val="accent1"/>
+          </a:fillRef>
+          <a:effectRef idx="0">
+            <a:schemeClr val="accent1"/>
+          </a:effectRef>
+          <a:fontRef idx="minor">
+            <a:schemeClr val="lt1"/>
+          </a:fontRef>
+        </p:style>
+        <p:txBody>
+          <a:bodyPr rot="0" spcFirstLastPara="0" vertOverflow="overflow" horzOverflow="overflow" vert="horz" wrap="square" lIns="91440" tIns="45720" rIns="91440" bIns="45720" numCol="1" spcCol="0" rtlCol="0" fromWordArt="0" anchor="ctr" anchorCtr="0" forceAA="0" compatLnSpc="1">
+            <a:prstTxWarp prst="textNoShape">
+              <a:avLst/>
+            </a:prstTxWarp>
+            <a:noAutofit/>
+          </a:bodyPr>
+          <a:lstStyle/>
+          <a:p>
+            <a:pPr algn="ctr"/>
+            <a:r>
+              <a:rPr lang="en-US" sz="900" dirty="0" smtClean="0">
+                <a:solidFill>
+                  <a:schemeClr val="accent1">
+                    <a:lumMod val="50000"/>
+                  </a:schemeClr>
+                </a:solidFill>
+              </a:rPr>
+              <a:t>Person</a:t>
+            </a:r>
+          </a:p>
+        </p:txBody>
+      </p:sp>
+      <p:sp>
+        <p:nvSpPr>
+          <p:cNvPr id="10" name="Oval 9"/>
+          <p:cNvSpPr/>
+          <p:nvPr/>
+        </p:nvSpPr>
+        <p:spPr>
+          <a:xfrm>
+            <a:off x="5354194" y="3857867"/>
+            <a:ext cx="664418" cy="664418"/>
+          </a:xfrm>
+          <a:prstGeom prst="ellipse">
+            <a:avLst/>
+          </a:prstGeom>
+          <a:solidFill>
+            <a:schemeClr val="accent2">
+              <a:lumMod val="60000"/>
+              <a:lumOff val="40000"/>
+            </a:schemeClr>
+          </a:solidFill>
+          <a:ln w="9525"/>
+        </p:spPr>
+        <p:style>
+          <a:lnRef idx="2">
+            <a:schemeClr val="accent1">
+              <a:shade val="50000"/>
+            </a:schemeClr>
+          </a:lnRef>
+          <a:fillRef idx="1">
+            <a:schemeClr val="accent1"/>
+          </a:fillRef>
+          <a:effectRef idx="0">
+            <a:schemeClr val="accent1"/>
+          </a:effectRef>
+          <a:fontRef idx="minor">
+            <a:schemeClr val="lt1"/>
+          </a:fontRef>
+        </p:style>
+        <p:txBody>
+          <a:bodyPr rot="0" spcFirstLastPara="0" vertOverflow="overflow" horzOverflow="overflow" vert="horz" wrap="square" lIns="91440" tIns="45720" rIns="91440" bIns="45720" numCol="1" spcCol="0" rtlCol="0" fromWordArt="0" anchor="ctr" anchorCtr="0" forceAA="0" compatLnSpc="1">
+            <a:prstTxWarp prst="textNoShape">
+              <a:avLst/>
+            </a:prstTxWarp>
+            <a:noAutofit/>
+          </a:bodyPr>
+          <a:lstStyle/>
+          <a:p>
+            <a:pPr algn="ctr"/>
+            <a:r>
+              <a:rPr lang="en-US" sz="900" dirty="0" err="1" smtClean="0">
+                <a:solidFill>
+                  <a:schemeClr val="accent1">
+                    <a:lumMod val="50000"/>
+                  </a:schemeClr>
+                </a:solidFill>
+              </a:rPr>
+              <a:t>LivesAt</a:t>
+            </a:r>
+            <a:endParaRPr lang="en-US" sz="900" dirty="0" smtClean="0">
+              <a:solidFill>
+                <a:schemeClr val="accent1">
+                  <a:lumMod val="50000"/>
+                </a:schemeClr>
+              </a:solidFill>
+            </a:endParaRPr>
+          </a:p>
+        </p:txBody>
+      </p:sp>
+      <p:cxnSp>
+        <p:nvCxnSpPr>
+          <p:cNvPr id="16" name="Straight Arrow Connector 15"/>
+          <p:cNvCxnSpPr>
+            <a:stCxn id="10" idx="2"/>
+            <a:endCxn id="7" idx="6"/>
+          </p:cNvCxnSpPr>
+          <p:nvPr/>
+        </p:nvCxnSpPr>
+        <p:spPr>
+          <a:xfrm flipH="1">
+            <a:off x="4779401" y="4190076"/>
+            <a:ext cx="574793" cy="0"/>
+          </a:xfrm>
+          <a:prstGeom prst="straightConnector1">
+            <a:avLst/>
+          </a:prstGeom>
+          <a:ln w="57150">
+            <a:headEnd type="triangle"/>
+            <a:tailEnd type="triangle"/>
+          </a:ln>
+        </p:spPr>
+        <p:style>
+          <a:lnRef idx="1">
+            <a:schemeClr val="accent1"/>
+          </a:lnRef>
+          <a:fillRef idx="0">
+            <a:schemeClr val="accent1"/>
+          </a:fillRef>
+          <a:effectRef idx="0">
+            <a:schemeClr val="accent1"/>
+          </a:effectRef>
+          <a:fontRef idx="minor">
+            <a:schemeClr val="tx1"/>
+          </a:fontRef>
+        </p:style>
+      </p:cxnSp>
+      <p:cxnSp>
+        <p:nvCxnSpPr>
+          <p:cNvPr id="19" name="Straight Arrow Connector 18"/>
+          <p:cNvCxnSpPr>
+            <a:stCxn id="5" idx="2"/>
+            <a:endCxn id="10" idx="6"/>
+          </p:cNvCxnSpPr>
+          <p:nvPr/>
+        </p:nvCxnSpPr>
+        <p:spPr>
+          <a:xfrm flipH="1">
+            <a:off x="6018612" y="4190076"/>
+            <a:ext cx="574793" cy="0"/>
+          </a:xfrm>
+          <a:prstGeom prst="straightConnector1">
+            <a:avLst/>
+          </a:prstGeom>
+          <a:ln w="57150">
+            <a:headEnd type="triangle"/>
+            <a:tailEnd type="triangle"/>
+          </a:ln>
+        </p:spPr>
+        <p:style>
+          <a:lnRef idx="1">
+            <a:schemeClr val="accent1"/>
+          </a:lnRef>
+          <a:fillRef idx="0">
+            <a:schemeClr val="accent1"/>
+          </a:fillRef>
+          <a:effectRef idx="0">
+            <a:schemeClr val="accent1"/>
+          </a:effectRef>
+          <a:fontRef idx="minor">
+            <a:schemeClr val="tx1"/>
+          </a:fontRef>
+        </p:style>
+      </p:cxnSp>
+      <p:sp>
+        <p:nvSpPr>
+          <p:cNvPr id="21" name="Rounded Rectangle 20"/>
+          <p:cNvSpPr/>
+          <p:nvPr/>
+        </p:nvSpPr>
+        <p:spPr>
+          <a:xfrm>
+            <a:off x="3930980" y="998376"/>
+            <a:ext cx="3510846" cy="2020721"/>
+          </a:xfrm>
+          <a:prstGeom prst="roundRect">
+            <a:avLst/>
+          </a:prstGeom>
+          <a:solidFill>
+            <a:schemeClr val="bg1">
+              <a:lumMod val="95000"/>
+            </a:schemeClr>
+          </a:solidFill>
+          <a:ln w="9525"/>
+        </p:spPr>
+        <p:style>
+          <a:lnRef idx="2">
+            <a:schemeClr val="accent1">
+              <a:shade val="50000"/>
+            </a:schemeClr>
+          </a:lnRef>
+          <a:fillRef idx="1">
+            <a:schemeClr val="accent1"/>
+          </a:fillRef>
+          <a:effectRef idx="0">
+            <a:schemeClr val="accent1"/>
+          </a:effectRef>
+          <a:fontRef idx="minor">
+            <a:schemeClr val="lt1"/>
+          </a:fontRef>
+        </p:style>
+        <p:txBody>
+          <a:bodyPr rot="0" spcFirstLastPara="0" vertOverflow="overflow" horzOverflow="overflow" vert="horz" wrap="square" lIns="91440" tIns="45720" rIns="91440" bIns="45720" numCol="1" spcCol="0" rtlCol="0" fromWordArt="0" anchor="t" anchorCtr="0" forceAA="0" compatLnSpc="1">
+            <a:prstTxWarp prst="textNoShape">
+              <a:avLst/>
+            </a:prstTxWarp>
+            <a:noAutofit/>
+          </a:bodyPr>
+          <a:lstStyle/>
+          <a:p>
+            <a:pPr algn="ctr"/>
+            <a:r>
+              <a:rPr lang="en-US" dirty="0" smtClean="0">
+                <a:solidFill>
+                  <a:schemeClr val="accent1">
+                    <a:lumMod val="50000"/>
+                  </a:schemeClr>
+                </a:solidFill>
+              </a:rPr>
+              <a:t>Walk</a:t>
+            </a:r>
+            <a:endParaRPr lang="en-US" dirty="0" smtClean="0">
+              <a:solidFill>
+                <a:schemeClr val="accent1">
+                  <a:lumMod val="50000"/>
+                </a:schemeClr>
+              </a:solidFill>
+            </a:endParaRPr>
+          </a:p>
+        </p:txBody>
+      </p:sp>
+      <p:sp>
+        <p:nvSpPr>
+          <p:cNvPr id="25" name="Rectangle 24"/>
+          <p:cNvSpPr/>
+          <p:nvPr/>
+        </p:nvSpPr>
+        <p:spPr>
+          <a:xfrm>
+            <a:off x="4763279" y="2341987"/>
+            <a:ext cx="214604" cy="214604"/>
+          </a:xfrm>
+          <a:prstGeom prst="rect">
+            <a:avLst/>
+          </a:prstGeom>
+          <a:solidFill>
+            <a:schemeClr val="bg1">
+              <a:lumMod val="85000"/>
+            </a:schemeClr>
+          </a:solidFill>
+          <a:ln w="9525">
+            <a:noFill/>
+          </a:ln>
+        </p:spPr>
+        <p:style>
+          <a:lnRef idx="2">
+            <a:schemeClr val="accent1">
+              <a:shade val="50000"/>
+            </a:schemeClr>
+          </a:lnRef>
+          <a:fillRef idx="1">
+            <a:schemeClr val="accent1"/>
+          </a:fillRef>
+          <a:effectRef idx="0">
+            <a:schemeClr val="accent1"/>
+          </a:effectRef>
+          <a:fontRef idx="minor">
+            <a:schemeClr val="lt1"/>
+          </a:fontRef>
+        </p:style>
+        <p:txBody>
+          <a:bodyPr rot="0" spcFirstLastPara="0" vertOverflow="overflow" horzOverflow="overflow" vert="horz" wrap="square" lIns="91440" tIns="45720" rIns="91440" bIns="45720" numCol="1" spcCol="0" rtlCol="0" fromWordArt="0" anchor="ctr" anchorCtr="0" forceAA="0" compatLnSpc="1">
+            <a:prstTxWarp prst="textNoShape">
+              <a:avLst/>
+            </a:prstTxWarp>
+            <a:noAutofit/>
+          </a:bodyPr>
+          <a:lstStyle/>
+          <a:p>
+            <a:pPr algn="ctr"/>
+            <a:endParaRPr lang="en-US" dirty="0" err="1" smtClean="0">
+              <a:solidFill>
+                <a:schemeClr val="accent1">
+                  <a:lumMod val="50000"/>
+                </a:schemeClr>
+              </a:solidFill>
+            </a:endParaRPr>
+          </a:p>
+        </p:txBody>
+      </p:sp>
+      <p:sp>
+        <p:nvSpPr>
+          <p:cNvPr id="26" name="Rectangle 25"/>
+          <p:cNvSpPr/>
+          <p:nvPr/>
+        </p:nvSpPr>
+        <p:spPr>
+          <a:xfrm>
+            <a:off x="5579261" y="2341987"/>
+            <a:ext cx="214604" cy="214604"/>
+          </a:xfrm>
+          <a:prstGeom prst="rect">
+            <a:avLst/>
+          </a:prstGeom>
+          <a:solidFill>
+            <a:schemeClr val="bg1">
+              <a:lumMod val="85000"/>
+            </a:schemeClr>
+          </a:solidFill>
+          <a:ln w="9525">
+            <a:noFill/>
+          </a:ln>
+        </p:spPr>
+        <p:style>
+          <a:lnRef idx="2">
+            <a:schemeClr val="accent1">
+              <a:shade val="50000"/>
+            </a:schemeClr>
+          </a:lnRef>
+          <a:fillRef idx="1">
+            <a:schemeClr val="accent1"/>
+          </a:fillRef>
+          <a:effectRef idx="0">
+            <a:schemeClr val="accent1"/>
+          </a:effectRef>
+          <a:fontRef idx="minor">
+            <a:schemeClr val="lt1"/>
+          </a:fontRef>
+        </p:style>
+        <p:txBody>
+          <a:bodyPr rot="0" spcFirstLastPara="0" vertOverflow="overflow" horzOverflow="overflow" vert="horz" wrap="square" lIns="91440" tIns="45720" rIns="91440" bIns="45720" numCol="1" spcCol="0" rtlCol="0" fromWordArt="0" anchor="ctr" anchorCtr="0" forceAA="0" compatLnSpc="1">
+            <a:prstTxWarp prst="textNoShape">
+              <a:avLst/>
+            </a:prstTxWarp>
+            <a:noAutofit/>
+          </a:bodyPr>
+          <a:lstStyle/>
+          <a:p>
+            <a:pPr algn="ctr"/>
+            <a:endParaRPr lang="en-US" dirty="0" err="1" smtClean="0">
+              <a:solidFill>
+                <a:schemeClr val="accent1">
+                  <a:lumMod val="50000"/>
+                </a:schemeClr>
+              </a:solidFill>
+            </a:endParaRPr>
+          </a:p>
+        </p:txBody>
+      </p:sp>
+      <p:sp>
+        <p:nvSpPr>
+          <p:cNvPr id="27" name="Rectangle 26"/>
+          <p:cNvSpPr/>
+          <p:nvPr/>
+        </p:nvSpPr>
+        <p:spPr>
+          <a:xfrm>
+            <a:off x="6409239" y="2341987"/>
+            <a:ext cx="214604" cy="214604"/>
+          </a:xfrm>
+          <a:prstGeom prst="rect">
+            <a:avLst/>
+          </a:prstGeom>
+          <a:solidFill>
+            <a:schemeClr val="bg1">
+              <a:lumMod val="85000"/>
+            </a:schemeClr>
+          </a:solidFill>
+          <a:ln w="9525">
+            <a:noFill/>
+          </a:ln>
+        </p:spPr>
+        <p:style>
+          <a:lnRef idx="2">
+            <a:schemeClr val="accent1">
+              <a:shade val="50000"/>
+            </a:schemeClr>
+          </a:lnRef>
+          <a:fillRef idx="1">
+            <a:schemeClr val="accent1"/>
+          </a:fillRef>
+          <a:effectRef idx="0">
+            <a:schemeClr val="accent1"/>
+          </a:effectRef>
+          <a:fontRef idx="minor">
+            <a:schemeClr val="lt1"/>
+          </a:fontRef>
+        </p:style>
+        <p:txBody>
+          <a:bodyPr rot="0" spcFirstLastPara="0" vertOverflow="overflow" horzOverflow="overflow" vert="horz" wrap="square" lIns="91440" tIns="45720" rIns="91440" bIns="45720" numCol="1" spcCol="0" rtlCol="0" fromWordArt="0" anchor="ctr" anchorCtr="0" forceAA="0" compatLnSpc="1">
+            <a:prstTxWarp prst="textNoShape">
+              <a:avLst/>
+            </a:prstTxWarp>
+            <a:noAutofit/>
+          </a:bodyPr>
+          <a:lstStyle/>
+          <a:p>
+            <a:pPr algn="ctr"/>
+            <a:endParaRPr lang="en-US" dirty="0" err="1" smtClean="0">
+              <a:solidFill>
+                <a:schemeClr val="accent1">
+                  <a:lumMod val="50000"/>
+                </a:schemeClr>
+              </a:solidFill>
+            </a:endParaRPr>
+          </a:p>
+        </p:txBody>
+      </p:sp>
+      <p:sp>
+        <p:nvSpPr>
+          <p:cNvPr id="23" name="Rounded Rectangle 22"/>
+          <p:cNvSpPr/>
+          <p:nvPr/>
+        </p:nvSpPr>
+        <p:spPr>
+          <a:xfrm>
+            <a:off x="4518361" y="1628191"/>
+            <a:ext cx="2280098" cy="1115355"/>
+          </a:xfrm>
+          <a:prstGeom prst="roundRect">
+            <a:avLst/>
+          </a:prstGeom>
+          <a:solidFill>
+            <a:schemeClr val="bg1">
+              <a:lumMod val="85000"/>
+            </a:schemeClr>
+          </a:solidFill>
+          <a:ln w="9525"/>
+        </p:spPr>
+        <p:style>
+          <a:lnRef idx="2">
+            <a:schemeClr val="accent1">
+              <a:shade val="50000"/>
+            </a:schemeClr>
+          </a:lnRef>
+          <a:fillRef idx="1">
+            <a:schemeClr val="accent1"/>
+          </a:fillRef>
+          <a:effectRef idx="0">
+            <a:schemeClr val="accent1"/>
+          </a:effectRef>
+          <a:fontRef idx="minor">
+            <a:schemeClr val="lt1"/>
+          </a:fontRef>
+        </p:style>
+        <p:txBody>
+          <a:bodyPr rot="0" spcFirstLastPara="0" vertOverflow="overflow" horzOverflow="overflow" vert="horz" wrap="square" lIns="91440" tIns="45720" rIns="91440" bIns="45720" numCol="1" spcCol="0" rtlCol="0" fromWordArt="0" anchor="t" anchorCtr="0" forceAA="0" compatLnSpc="1">
+            <a:prstTxWarp prst="textNoShape">
+              <a:avLst/>
+            </a:prstTxWarp>
+            <a:noAutofit/>
+          </a:bodyPr>
+          <a:lstStyle/>
+          <a:p>
+            <a:pPr algn="ctr"/>
+            <a:r>
+              <a:rPr lang="en-US" dirty="0" smtClean="0">
+                <a:solidFill>
+                  <a:schemeClr val="accent1">
+                    <a:lumMod val="50000"/>
+                  </a:schemeClr>
+                </a:solidFill>
+              </a:rPr>
+              <a:t>Edge</a:t>
+            </a:r>
+          </a:p>
+          <a:p>
+            <a:pPr algn="ctr"/>
+            <a:endParaRPr lang="en-US" dirty="0" smtClean="0">
+              <a:solidFill>
+                <a:schemeClr val="accent1">
+                  <a:lumMod val="50000"/>
+                </a:schemeClr>
+              </a:solidFill>
+            </a:endParaRPr>
+          </a:p>
+          <a:p>
+            <a:r>
+              <a:rPr lang="en-US" dirty="0" smtClean="0">
+                <a:solidFill>
+                  <a:schemeClr val="accent1">
+                    <a:lumMod val="50000"/>
+                  </a:schemeClr>
+                </a:solidFill>
+              </a:rPr>
+              <a:t>from   </a:t>
+            </a:r>
+            <a:r>
+              <a:rPr lang="en-US" dirty="0" err="1" smtClean="0">
+                <a:solidFill>
+                  <a:schemeClr val="accent1">
+                    <a:lumMod val="50000"/>
+                  </a:schemeClr>
+                </a:solidFill>
+              </a:rPr>
+              <a:t>edgeData</a:t>
+            </a:r>
+            <a:r>
+              <a:rPr lang="en-US" dirty="0" smtClean="0">
+                <a:solidFill>
+                  <a:schemeClr val="accent1">
+                    <a:lumMod val="50000"/>
+                  </a:schemeClr>
+                </a:solidFill>
+              </a:rPr>
+              <a:t>     to</a:t>
+            </a:r>
+            <a:endParaRPr lang="en-US" dirty="0" smtClean="0">
+              <a:solidFill>
+                <a:schemeClr val="accent1">
+                  <a:lumMod val="50000"/>
+                </a:schemeClr>
+              </a:solidFill>
+            </a:endParaRPr>
+          </a:p>
+        </p:txBody>
+      </p:sp>
+      <p:cxnSp>
+        <p:nvCxnSpPr>
+          <p:cNvPr id="29" name="Elbow Connector 28"/>
+          <p:cNvCxnSpPr>
+            <a:stCxn id="25" idx="2"/>
+            <a:endCxn id="7" idx="0"/>
+          </p:cNvCxnSpPr>
+          <p:nvPr/>
+        </p:nvCxnSpPr>
+        <p:spPr>
+          <a:xfrm rot="5400000">
+            <a:off x="4008249" y="2924195"/>
+            <a:ext cx="1229937" cy="494728"/>
+          </a:xfrm>
+          <a:prstGeom prst="bentConnector3">
+            <a:avLst>
+              <a:gd name="adj1" fmla="val 50000"/>
+            </a:avLst>
+          </a:prstGeom>
+          <a:ln w="57150">
+            <a:solidFill>
+              <a:srgbClr val="FFC000"/>
+            </a:solidFill>
+            <a:headEnd type="none" w="med" len="med"/>
+            <a:tailEnd type="arrow" w="med" len="med"/>
+          </a:ln>
+        </p:spPr>
+        <p:style>
+          <a:lnRef idx="1">
+            <a:schemeClr val="accent1"/>
+          </a:lnRef>
+          <a:fillRef idx="0">
+            <a:schemeClr val="accent1"/>
+          </a:fillRef>
+          <a:effectRef idx="0">
+            <a:schemeClr val="accent1"/>
+          </a:effectRef>
+          <a:fontRef idx="minor">
+            <a:schemeClr val="tx1"/>
+          </a:fontRef>
+        </p:style>
+      </p:cxnSp>
+      <p:cxnSp>
+        <p:nvCxnSpPr>
+          <p:cNvPr id="33" name="Elbow Connector 32"/>
+          <p:cNvCxnSpPr>
+            <a:stCxn id="27" idx="2"/>
+            <a:endCxn id="5" idx="0"/>
+          </p:cNvCxnSpPr>
+          <p:nvPr/>
+        </p:nvCxnSpPr>
+        <p:spPr>
+          <a:xfrm rot="16200000" flipH="1">
+            <a:off x="6141779" y="2931353"/>
+            <a:ext cx="1229937" cy="480412"/>
+          </a:xfrm>
+          <a:prstGeom prst="bentConnector3">
+            <a:avLst>
+              <a:gd name="adj1" fmla="val 50000"/>
+            </a:avLst>
+          </a:prstGeom>
+          <a:ln w="57150">
+            <a:solidFill>
+              <a:srgbClr val="FFC000"/>
+            </a:solidFill>
+            <a:headEnd type="none" w="med" len="med"/>
+            <a:tailEnd type="triangle"/>
+          </a:ln>
+        </p:spPr>
+        <p:style>
+          <a:lnRef idx="1">
+            <a:schemeClr val="accent1"/>
+          </a:lnRef>
+          <a:fillRef idx="0">
+            <a:schemeClr val="accent1"/>
+          </a:fillRef>
+          <a:effectRef idx="0">
+            <a:schemeClr val="accent1"/>
+          </a:effectRef>
+          <a:fontRef idx="minor">
+            <a:schemeClr val="tx1"/>
+          </a:fontRef>
+        </p:style>
+      </p:cxnSp>
+      <p:cxnSp>
+        <p:nvCxnSpPr>
+          <p:cNvPr id="36" name="Straight Arrow Connector 35"/>
+          <p:cNvCxnSpPr>
+            <a:stCxn id="26" idx="2"/>
+            <a:endCxn id="10" idx="0"/>
+          </p:cNvCxnSpPr>
+          <p:nvPr/>
+        </p:nvCxnSpPr>
+        <p:spPr>
+          <a:xfrm flipH="1">
+            <a:off x="5686403" y="2556591"/>
+            <a:ext cx="160" cy="1301276"/>
+          </a:xfrm>
+          <a:prstGeom prst="straightConnector1">
+            <a:avLst/>
+          </a:prstGeom>
+          <a:ln w="57150">
+            <a:solidFill>
+              <a:srgbClr val="FFC000"/>
+            </a:solidFill>
+            <a:headEnd type="none" w="med" len="med"/>
+            <a:tailEnd type="triangle"/>
+          </a:ln>
+        </p:spPr>
+        <p:style>
+          <a:lnRef idx="1">
+            <a:schemeClr val="accent1"/>
+          </a:lnRef>
+          <a:fillRef idx="0">
+            <a:schemeClr val="accent1"/>
+          </a:fillRef>
+          <a:effectRef idx="0">
+            <a:schemeClr val="accent1"/>
+          </a:effectRef>
+          <a:fontRef idx="minor">
+            <a:schemeClr val="tx1"/>
+          </a:fontRef>
+        </p:style>
+      </p:cxnSp>
+    </p:spTree>
+    <p:extLst>
+      <p:ext uri="{BB962C8B-B14F-4D97-AF65-F5344CB8AC3E}">
+        <p14:creationId xmlns:p14="http://schemas.microsoft.com/office/powerpoint/2010/main" val="3226688290"/>
+      </p:ext>
+    </p:extLst>
+  </p:cSld>
+  <p:clrMapOvr>
+    <a:masterClrMapping/>
+  </p:clrMapOvr>
+</p:sld>
+</file>
+
+<file path=ppt/slides/slide12.xml><?xml version="1.0" encoding="utf-8"?>
+<p:sld xmlns:a="http://schemas.openxmlformats.org/drawingml/2006/main" xmlns:r="http://schemas.openxmlformats.org/officeDocument/2006/relationships" xmlns:p="http://schemas.openxmlformats.org/presentationml/2006/main">
+  <p:cSld>
+    <p:spTree>
+      <p:nvGrpSpPr>
+        <p:cNvPr id="1" name=""/>
+        <p:cNvGrpSpPr/>
+        <p:nvPr/>
+      </p:nvGrpSpPr>
+      <p:grpSpPr>
+        <a:xfrm>
+          <a:off x="0" y="0"/>
+          <a:ext cx="0" cy="0"/>
+          <a:chOff x="0" y="0"/>
+          <a:chExt cx="0" cy="0"/>
+        </a:xfrm>
+      </p:grpSpPr>
+      <p:grpSp>
+        <p:nvGrpSpPr>
+          <p:cNvPr id="64" name="Group 63"/>
+          <p:cNvGrpSpPr/>
+          <p:nvPr/>
+        </p:nvGrpSpPr>
+        <p:grpSpPr>
+          <a:xfrm>
+            <a:off x="3322531" y="1063690"/>
+            <a:ext cx="5039646" cy="2873602"/>
+            <a:chOff x="3322531" y="1063690"/>
+            <a:chExt cx="5039646" cy="2873602"/>
+          </a:xfrm>
+        </p:grpSpPr>
+        <p:sp>
+          <p:nvSpPr>
+            <p:cNvPr id="37" name="Rectangle 36"/>
+            <p:cNvSpPr/>
+            <p:nvPr/>
+          </p:nvSpPr>
+          <p:spPr>
+            <a:xfrm>
+              <a:off x="7401111" y="1856798"/>
+              <a:ext cx="214604" cy="214604"/>
+            </a:xfrm>
+            <a:prstGeom prst="rect">
+              <a:avLst/>
+            </a:prstGeom>
+            <a:solidFill>
+              <a:schemeClr val="bg1">
+                <a:lumMod val="85000"/>
+              </a:schemeClr>
+            </a:solidFill>
+            <a:ln w="9525">
+              <a:noFill/>
+            </a:ln>
+          </p:spPr>
+          <p:style>
+            <a:lnRef idx="2">
+              <a:schemeClr val="accent1">
+                <a:shade val="50000"/>
+              </a:schemeClr>
+            </a:lnRef>
+            <a:fillRef idx="1">
+              <a:schemeClr val="accent1"/>
+            </a:fillRef>
+            <a:effectRef idx="0">
+              <a:schemeClr val="accent1"/>
+            </a:effectRef>
+            <a:fontRef idx="minor">
+              <a:schemeClr val="lt1"/>
+            </a:fontRef>
+          </p:style>
+          <p:txBody>
+            <a:bodyPr rot="0" spcFirstLastPara="0" vertOverflow="overflow" horzOverflow="overflow" vert="horz" wrap="square" lIns="91440" tIns="45720" rIns="91440" bIns="45720" numCol="1" spcCol="0" rtlCol="0" fromWordArt="0" anchor="ctr" anchorCtr="0" forceAA="0" compatLnSpc="1">
+              <a:prstTxWarp prst="textNoShape">
+                <a:avLst/>
+              </a:prstTxWarp>
+              <a:noAutofit/>
+            </a:bodyPr>
+            <a:lstStyle/>
+            <a:p>
+              <a:pPr algn="ctr"/>
+              <a:endParaRPr lang="en-US" sz="900" dirty="0" err="1" smtClean="0">
+                <a:solidFill>
+                  <a:schemeClr val="accent1">
+                    <a:lumMod val="50000"/>
+                  </a:schemeClr>
+                </a:solidFill>
+              </a:endParaRPr>
+            </a:p>
+          </p:txBody>
+        </p:sp>
+        <p:sp>
+          <p:nvSpPr>
+            <p:cNvPr id="36" name="Rectangle 35"/>
+            <p:cNvSpPr/>
+            <p:nvPr/>
+          </p:nvSpPr>
+          <p:spPr>
+            <a:xfrm>
+              <a:off x="6774333" y="1856798"/>
+              <a:ext cx="214604" cy="214604"/>
+            </a:xfrm>
+            <a:prstGeom prst="rect">
+              <a:avLst/>
+            </a:prstGeom>
+            <a:solidFill>
+              <a:schemeClr val="bg1">
+                <a:lumMod val="85000"/>
+              </a:schemeClr>
+            </a:solidFill>
+            <a:ln w="9525">
+              <a:noFill/>
+            </a:ln>
+          </p:spPr>
+          <p:style>
+            <a:lnRef idx="2">
+              <a:schemeClr val="accent1">
+                <a:shade val="50000"/>
+              </a:schemeClr>
+            </a:lnRef>
+            <a:fillRef idx="1">
+              <a:schemeClr val="accent1"/>
+            </a:fillRef>
+            <a:effectRef idx="0">
+              <a:schemeClr val="accent1"/>
+            </a:effectRef>
+            <a:fontRef idx="minor">
+              <a:schemeClr val="lt1"/>
+            </a:fontRef>
+          </p:style>
+          <p:txBody>
+            <a:bodyPr rot="0" spcFirstLastPara="0" vertOverflow="overflow" horzOverflow="overflow" vert="horz" wrap="square" lIns="91440" tIns="45720" rIns="91440" bIns="45720" numCol="1" spcCol="0" rtlCol="0" fromWordArt="0" anchor="ctr" anchorCtr="0" forceAA="0" compatLnSpc="1">
+              <a:prstTxWarp prst="textNoShape">
+                <a:avLst/>
+              </a:prstTxWarp>
+              <a:noAutofit/>
+            </a:bodyPr>
+            <a:lstStyle/>
+            <a:p>
+              <a:pPr algn="ctr"/>
+              <a:endParaRPr lang="en-US" sz="900" dirty="0" err="1" smtClean="0">
+                <a:solidFill>
+                  <a:schemeClr val="accent1">
+                    <a:lumMod val="50000"/>
+                  </a:schemeClr>
+                </a:solidFill>
+              </a:endParaRPr>
+            </a:p>
+          </p:txBody>
+        </p:sp>
+        <p:sp>
+          <p:nvSpPr>
+            <p:cNvPr id="35" name="Rectangle 34"/>
+            <p:cNvSpPr/>
+            <p:nvPr/>
+          </p:nvSpPr>
+          <p:spPr>
+            <a:xfrm>
+              <a:off x="6250451" y="1818698"/>
+              <a:ext cx="214604" cy="214604"/>
+            </a:xfrm>
+            <a:prstGeom prst="rect">
+              <a:avLst/>
+            </a:prstGeom>
+            <a:solidFill>
+              <a:schemeClr val="bg1">
+                <a:lumMod val="85000"/>
+              </a:schemeClr>
+            </a:solidFill>
+            <a:ln w="9525">
+              <a:noFill/>
+            </a:ln>
+          </p:spPr>
+          <p:style>
+            <a:lnRef idx="2">
+              <a:schemeClr val="accent1">
+                <a:shade val="50000"/>
+              </a:schemeClr>
+            </a:lnRef>
+            <a:fillRef idx="1">
+              <a:schemeClr val="accent1"/>
+            </a:fillRef>
+            <a:effectRef idx="0">
+              <a:schemeClr val="accent1"/>
+            </a:effectRef>
+            <a:fontRef idx="minor">
+              <a:schemeClr val="lt1"/>
+            </a:fontRef>
+          </p:style>
+          <p:txBody>
+            <a:bodyPr rot="0" spcFirstLastPara="0" vertOverflow="overflow" horzOverflow="overflow" vert="horz" wrap="square" lIns="91440" tIns="45720" rIns="91440" bIns="45720" numCol="1" spcCol="0" rtlCol="0" fromWordArt="0" anchor="ctr" anchorCtr="0" forceAA="0" compatLnSpc="1">
+              <a:prstTxWarp prst="textNoShape">
+                <a:avLst/>
+              </a:prstTxWarp>
+              <a:noAutofit/>
+            </a:bodyPr>
+            <a:lstStyle/>
+            <a:p>
+              <a:pPr algn="ctr"/>
+              <a:endParaRPr lang="en-US" sz="900" dirty="0" err="1" smtClean="0">
+                <a:solidFill>
+                  <a:schemeClr val="accent1">
+                    <a:lumMod val="50000"/>
+                  </a:schemeClr>
+                </a:solidFill>
+              </a:endParaRPr>
+            </a:p>
+          </p:txBody>
+        </p:sp>
+        <p:sp>
+          <p:nvSpPr>
+            <p:cNvPr id="9" name="Rounded Rectangle 8"/>
+            <p:cNvSpPr/>
+            <p:nvPr/>
+          </p:nvSpPr>
+          <p:spPr>
+            <a:xfrm>
+              <a:off x="3322531" y="1063690"/>
+              <a:ext cx="5039646" cy="1442224"/>
+            </a:xfrm>
+            <a:prstGeom prst="roundRect">
+              <a:avLst/>
+            </a:prstGeom>
+            <a:solidFill>
+              <a:schemeClr val="bg1">
+                <a:lumMod val="95000"/>
+              </a:schemeClr>
+            </a:solidFill>
+            <a:ln w="9525"/>
+          </p:spPr>
+          <p:style>
+            <a:lnRef idx="2">
+              <a:schemeClr val="accent1">
+                <a:shade val="50000"/>
+              </a:schemeClr>
+            </a:lnRef>
+            <a:fillRef idx="1">
+              <a:schemeClr val="accent1"/>
+            </a:fillRef>
+            <a:effectRef idx="0">
+              <a:schemeClr val="accent1"/>
+            </a:effectRef>
+            <a:fontRef idx="minor">
+              <a:schemeClr val="lt1"/>
+            </a:fontRef>
+          </p:style>
+          <p:txBody>
+            <a:bodyPr rot="0" spcFirstLastPara="0" vertOverflow="overflow" horzOverflow="overflow" vert="horz" wrap="square" lIns="91440" tIns="45720" rIns="91440" bIns="45720" numCol="1" spcCol="0" rtlCol="0" fromWordArt="0" anchor="t" anchorCtr="0" forceAA="0" compatLnSpc="1">
+              <a:prstTxWarp prst="textNoShape">
+                <a:avLst/>
+              </a:prstTxWarp>
+              <a:noAutofit/>
+            </a:bodyPr>
+            <a:lstStyle/>
+            <a:p>
+              <a:pPr algn="ctr"/>
+              <a:r>
+                <a:rPr lang="en-US" sz="1050" dirty="0" err="1">
+                  <a:solidFill>
+                    <a:schemeClr val="accent5">
+                      <a:lumMod val="75000"/>
+                    </a:schemeClr>
+                  </a:solidFill>
+                </a:rPr>
+                <a:t>com.objy.data.</a:t>
+              </a:r>
+              <a:r>
+                <a:rPr lang="en-US" sz="1050" dirty="0" err="1" smtClean="0">
+                  <a:solidFill>
+                    <a:schemeClr val="accent5">
+                      <a:lumMod val="75000"/>
+                    </a:schemeClr>
+                  </a:solidFill>
+                </a:rPr>
+                <a:t>Walk</a:t>
+              </a:r>
+              <a:endParaRPr lang="en-US" sz="900" dirty="0" smtClean="0">
+                <a:solidFill>
+                  <a:schemeClr val="accent5">
+                    <a:lumMod val="75000"/>
+                  </a:schemeClr>
+                </a:solidFill>
+              </a:endParaRPr>
+            </a:p>
+          </p:txBody>
+        </p:sp>
+        <p:sp>
+          <p:nvSpPr>
+            <p:cNvPr id="63" name="Rounded Rectangle 62"/>
+            <p:cNvSpPr/>
+            <p:nvPr/>
+          </p:nvSpPr>
+          <p:spPr>
+            <a:xfrm>
+              <a:off x="5985545" y="1455406"/>
+              <a:ext cx="1820576" cy="746795"/>
+            </a:xfrm>
+            <a:prstGeom prst="roundRect">
+              <a:avLst/>
+            </a:prstGeom>
+            <a:solidFill>
+              <a:schemeClr val="bg1">
+                <a:lumMod val="85000"/>
+              </a:schemeClr>
+            </a:solidFill>
+            <a:ln w="9525"/>
+          </p:spPr>
+          <p:style>
+            <a:lnRef idx="2">
+              <a:schemeClr val="accent1">
+                <a:shade val="50000"/>
+              </a:schemeClr>
+            </a:lnRef>
+            <a:fillRef idx="1">
+              <a:schemeClr val="accent1"/>
+            </a:fillRef>
+            <a:effectRef idx="0">
+              <a:schemeClr val="accent1"/>
+            </a:effectRef>
+            <a:fontRef idx="minor">
+              <a:schemeClr val="lt1"/>
+            </a:fontRef>
+          </p:style>
+          <p:txBody>
+            <a:bodyPr rot="0" spcFirstLastPara="0" vertOverflow="overflow" horzOverflow="overflow" vert="horz" wrap="square" lIns="91440" tIns="45720" rIns="91440" bIns="45720" numCol="1" spcCol="0" rtlCol="0" fromWordArt="0" anchor="t" anchorCtr="0" forceAA="0" compatLnSpc="1">
+              <a:prstTxWarp prst="textNoShape">
+                <a:avLst/>
+              </a:prstTxWarp>
+              <a:noAutofit/>
+            </a:bodyPr>
+            <a:lstStyle/>
+            <a:p>
+              <a:pPr algn="ctr"/>
+              <a:r>
+                <a:rPr lang="en-US" sz="1050" dirty="0" err="1">
+                  <a:solidFill>
+                    <a:schemeClr val="accent5">
+                      <a:lumMod val="75000"/>
+                    </a:schemeClr>
+                  </a:solidFill>
+                </a:rPr>
+                <a:t>com.objy.data.</a:t>
+              </a:r>
+              <a:r>
+                <a:rPr lang="en-US" sz="1050" dirty="0" err="1" smtClean="0">
+                  <a:solidFill>
+                    <a:schemeClr val="accent1">
+                      <a:lumMod val="50000"/>
+                    </a:schemeClr>
+                  </a:solidFill>
+                </a:rPr>
+                <a:t>Edge</a:t>
+              </a:r>
+              <a:endParaRPr lang="en-US" sz="900" dirty="0" smtClean="0">
+                <a:solidFill>
+                  <a:schemeClr val="accent1">
+                    <a:lumMod val="50000"/>
+                  </a:schemeClr>
+                </a:solidFill>
+              </a:endParaRPr>
+            </a:p>
+            <a:p>
+              <a:pPr algn="ctr"/>
+              <a:endParaRPr lang="en-US" sz="900" dirty="0" smtClean="0">
+                <a:solidFill>
+                  <a:schemeClr val="accent1">
+                    <a:lumMod val="50000"/>
+                  </a:schemeClr>
+                </a:solidFill>
+              </a:endParaRPr>
+            </a:p>
+            <a:p>
+              <a:r>
+                <a:rPr lang="en-US" sz="900" b="1" dirty="0" smtClean="0">
+                  <a:solidFill>
+                    <a:schemeClr val="accent1">
+                      <a:lumMod val="50000"/>
+                    </a:schemeClr>
+                  </a:solidFill>
+                </a:rPr>
+                <a:t>     from         </a:t>
+              </a:r>
+              <a:r>
+                <a:rPr lang="en-US" sz="900" b="1" dirty="0" err="1" smtClean="0">
+                  <a:solidFill>
+                    <a:schemeClr val="accent1">
+                      <a:lumMod val="50000"/>
+                    </a:schemeClr>
+                  </a:solidFill>
+                </a:rPr>
+                <a:t>edgeData</a:t>
+              </a:r>
+              <a:r>
+                <a:rPr lang="en-US" sz="900" b="1" dirty="0" smtClean="0">
+                  <a:solidFill>
+                    <a:schemeClr val="accent1">
+                      <a:lumMod val="50000"/>
+                    </a:schemeClr>
+                  </a:solidFill>
+                </a:rPr>
+                <a:t>            to</a:t>
+              </a:r>
+              <a:endParaRPr lang="en-US" sz="900" b="1" dirty="0" smtClean="0">
+                <a:solidFill>
+                  <a:schemeClr val="accent1">
+                    <a:lumMod val="50000"/>
+                  </a:schemeClr>
+                </a:solidFill>
+              </a:endParaRPr>
+            </a:p>
+          </p:txBody>
+        </p:sp>
+        <p:sp>
+          <p:nvSpPr>
+            <p:cNvPr id="10" name="Rectangle 9"/>
+            <p:cNvSpPr/>
+            <p:nvPr/>
+          </p:nvSpPr>
+          <p:spPr>
+            <a:xfrm>
+              <a:off x="4145255" y="1828804"/>
+              <a:ext cx="214604" cy="214604"/>
+            </a:xfrm>
+            <a:prstGeom prst="rect">
+              <a:avLst/>
+            </a:prstGeom>
+            <a:solidFill>
+              <a:schemeClr val="bg1">
+                <a:lumMod val="85000"/>
+              </a:schemeClr>
+            </a:solidFill>
+            <a:ln w="9525">
+              <a:noFill/>
+            </a:ln>
+          </p:spPr>
+          <p:style>
+            <a:lnRef idx="2">
+              <a:schemeClr val="accent1">
+                <a:shade val="50000"/>
+              </a:schemeClr>
+            </a:lnRef>
+            <a:fillRef idx="1">
+              <a:schemeClr val="accent1"/>
+            </a:fillRef>
+            <a:effectRef idx="0">
+              <a:schemeClr val="accent1"/>
+            </a:effectRef>
+            <a:fontRef idx="minor">
+              <a:schemeClr val="lt1"/>
+            </a:fontRef>
+          </p:style>
+          <p:txBody>
+            <a:bodyPr rot="0" spcFirstLastPara="0" vertOverflow="overflow" horzOverflow="overflow" vert="horz" wrap="square" lIns="91440" tIns="45720" rIns="91440" bIns="45720" numCol="1" spcCol="0" rtlCol="0" fromWordArt="0" anchor="ctr" anchorCtr="0" forceAA="0" compatLnSpc="1">
+              <a:prstTxWarp prst="textNoShape">
+                <a:avLst/>
+              </a:prstTxWarp>
+              <a:noAutofit/>
+            </a:bodyPr>
+            <a:lstStyle/>
+            <a:p>
+              <a:pPr algn="ctr"/>
+              <a:endParaRPr lang="en-US" sz="900" dirty="0" err="1" smtClean="0">
+                <a:solidFill>
+                  <a:schemeClr val="accent1">
+                    <a:lumMod val="50000"/>
+                  </a:schemeClr>
+                </a:solidFill>
+              </a:endParaRPr>
+            </a:p>
+          </p:txBody>
+        </p:sp>
+        <p:sp>
+          <p:nvSpPr>
+            <p:cNvPr id="11" name="Rectangle 10"/>
+            <p:cNvSpPr/>
+            <p:nvPr/>
+          </p:nvSpPr>
+          <p:spPr>
+            <a:xfrm>
+              <a:off x="4675487" y="1828804"/>
+              <a:ext cx="214604" cy="214604"/>
+            </a:xfrm>
+            <a:prstGeom prst="rect">
+              <a:avLst/>
+            </a:prstGeom>
+            <a:solidFill>
+              <a:schemeClr val="bg1">
+                <a:lumMod val="85000"/>
+              </a:schemeClr>
+            </a:solidFill>
+            <a:ln w="9525">
+              <a:noFill/>
+            </a:ln>
+          </p:spPr>
+          <p:style>
+            <a:lnRef idx="2">
+              <a:schemeClr val="accent1">
+                <a:shade val="50000"/>
+              </a:schemeClr>
+            </a:lnRef>
+            <a:fillRef idx="1">
+              <a:schemeClr val="accent1"/>
+            </a:fillRef>
+            <a:effectRef idx="0">
+              <a:schemeClr val="accent1"/>
+            </a:effectRef>
+            <a:fontRef idx="minor">
+              <a:schemeClr val="lt1"/>
+            </a:fontRef>
+          </p:style>
+          <p:txBody>
+            <a:bodyPr rot="0" spcFirstLastPara="0" vertOverflow="overflow" horzOverflow="overflow" vert="horz" wrap="square" lIns="91440" tIns="45720" rIns="91440" bIns="45720" numCol="1" spcCol="0" rtlCol="0" fromWordArt="0" anchor="ctr" anchorCtr="0" forceAA="0" compatLnSpc="1">
+              <a:prstTxWarp prst="textNoShape">
+                <a:avLst/>
+              </a:prstTxWarp>
+              <a:noAutofit/>
+            </a:bodyPr>
+            <a:lstStyle/>
+            <a:p>
+              <a:pPr algn="ctr"/>
+              <a:endParaRPr lang="en-US" sz="900" dirty="0" err="1" smtClean="0">
+                <a:solidFill>
+                  <a:schemeClr val="accent1">
+                    <a:lumMod val="50000"/>
+                  </a:schemeClr>
+                </a:solidFill>
+              </a:endParaRPr>
+            </a:p>
+          </p:txBody>
+        </p:sp>
+        <p:sp>
+          <p:nvSpPr>
+            <p:cNvPr id="12" name="Rectangle 11"/>
+            <p:cNvSpPr/>
+            <p:nvPr/>
+          </p:nvSpPr>
+          <p:spPr>
+            <a:xfrm>
+              <a:off x="5276865" y="1828804"/>
+              <a:ext cx="214604" cy="214604"/>
+            </a:xfrm>
+            <a:prstGeom prst="rect">
+              <a:avLst/>
+            </a:prstGeom>
+            <a:solidFill>
+              <a:schemeClr val="bg1">
+                <a:lumMod val="85000"/>
+              </a:schemeClr>
+            </a:solidFill>
+            <a:ln w="9525">
+              <a:noFill/>
+            </a:ln>
+          </p:spPr>
+          <p:style>
+            <a:lnRef idx="2">
+              <a:schemeClr val="accent1">
+                <a:shade val="50000"/>
+              </a:schemeClr>
+            </a:lnRef>
+            <a:fillRef idx="1">
+              <a:schemeClr val="accent1"/>
+            </a:fillRef>
+            <a:effectRef idx="0">
+              <a:schemeClr val="accent1"/>
+            </a:effectRef>
+            <a:fontRef idx="minor">
+              <a:schemeClr val="lt1"/>
+            </a:fontRef>
+          </p:style>
+          <p:txBody>
+            <a:bodyPr rot="0" spcFirstLastPara="0" vertOverflow="overflow" horzOverflow="overflow" vert="horz" wrap="square" lIns="91440" tIns="45720" rIns="91440" bIns="45720" numCol="1" spcCol="0" rtlCol="0" fromWordArt="0" anchor="ctr" anchorCtr="0" forceAA="0" compatLnSpc="1">
+              <a:prstTxWarp prst="textNoShape">
+                <a:avLst/>
+              </a:prstTxWarp>
+              <a:noAutofit/>
+            </a:bodyPr>
+            <a:lstStyle/>
+            <a:p>
+              <a:pPr algn="ctr"/>
+              <a:endParaRPr lang="en-US" sz="900" dirty="0" err="1" smtClean="0">
+                <a:solidFill>
+                  <a:schemeClr val="accent1">
+                    <a:lumMod val="50000"/>
+                  </a:schemeClr>
+                </a:solidFill>
+              </a:endParaRPr>
+            </a:p>
+          </p:txBody>
+        </p:sp>
+        <p:sp>
+          <p:nvSpPr>
+            <p:cNvPr id="13" name="Rounded Rectangle 12"/>
+            <p:cNvSpPr/>
+            <p:nvPr/>
+          </p:nvSpPr>
+          <p:spPr>
+            <a:xfrm>
+              <a:off x="3858209" y="1483568"/>
+              <a:ext cx="1820576" cy="746795"/>
+            </a:xfrm>
+            <a:prstGeom prst="roundRect">
+              <a:avLst/>
+            </a:prstGeom>
+            <a:solidFill>
+              <a:schemeClr val="bg1">
+                <a:lumMod val="85000"/>
+              </a:schemeClr>
+            </a:solidFill>
+            <a:ln w="9525"/>
+          </p:spPr>
+          <p:style>
+            <a:lnRef idx="2">
+              <a:schemeClr val="accent1">
+                <a:shade val="50000"/>
+              </a:schemeClr>
+            </a:lnRef>
+            <a:fillRef idx="1">
+              <a:schemeClr val="accent1"/>
+            </a:fillRef>
+            <a:effectRef idx="0">
+              <a:schemeClr val="accent1"/>
+            </a:effectRef>
+            <a:fontRef idx="minor">
+              <a:schemeClr val="lt1"/>
+            </a:fontRef>
+          </p:style>
+          <p:txBody>
+            <a:bodyPr rot="0" spcFirstLastPara="0" vertOverflow="overflow" horzOverflow="overflow" vert="horz" wrap="square" lIns="91440" tIns="45720" rIns="91440" bIns="45720" numCol="1" spcCol="0" rtlCol="0" fromWordArt="0" anchor="t" anchorCtr="0" forceAA="0" compatLnSpc="1">
+              <a:prstTxWarp prst="textNoShape">
+                <a:avLst/>
+              </a:prstTxWarp>
+              <a:noAutofit/>
+            </a:bodyPr>
+            <a:lstStyle/>
+            <a:p>
+              <a:pPr algn="ctr"/>
+              <a:r>
+                <a:rPr lang="en-US" sz="1050" dirty="0" err="1">
+                  <a:solidFill>
+                    <a:schemeClr val="accent5">
+                      <a:lumMod val="75000"/>
+                    </a:schemeClr>
+                  </a:solidFill>
+                </a:rPr>
+                <a:t>com.objy.data.</a:t>
+              </a:r>
+              <a:r>
+                <a:rPr lang="en-US" sz="1050" dirty="0" err="1" smtClean="0">
+                  <a:solidFill>
+                    <a:schemeClr val="accent1">
+                      <a:lumMod val="50000"/>
+                    </a:schemeClr>
+                  </a:solidFill>
+                </a:rPr>
+                <a:t>Edge</a:t>
+              </a:r>
+              <a:endParaRPr lang="en-US" sz="900" dirty="0" smtClean="0">
+                <a:solidFill>
+                  <a:schemeClr val="accent1">
+                    <a:lumMod val="50000"/>
+                  </a:schemeClr>
+                </a:solidFill>
+              </a:endParaRPr>
+            </a:p>
+            <a:p>
+              <a:pPr algn="ctr"/>
+              <a:endParaRPr lang="en-US" sz="900" dirty="0" smtClean="0">
+                <a:solidFill>
+                  <a:schemeClr val="accent1">
+                    <a:lumMod val="50000"/>
+                  </a:schemeClr>
+                </a:solidFill>
+              </a:endParaRPr>
+            </a:p>
+            <a:p>
+              <a:r>
+                <a:rPr lang="en-US" sz="900" b="1" dirty="0" smtClean="0">
+                  <a:solidFill>
+                    <a:schemeClr val="accent1">
+                      <a:lumMod val="50000"/>
+                    </a:schemeClr>
+                  </a:solidFill>
+                </a:rPr>
+                <a:t>     from         </a:t>
+              </a:r>
+              <a:r>
+                <a:rPr lang="en-US" sz="900" b="1" dirty="0" err="1" smtClean="0">
+                  <a:solidFill>
+                    <a:schemeClr val="accent1">
+                      <a:lumMod val="50000"/>
+                    </a:schemeClr>
+                  </a:solidFill>
+                </a:rPr>
+                <a:t>edgeData</a:t>
+              </a:r>
+              <a:r>
+                <a:rPr lang="en-US" sz="900" b="1" dirty="0" smtClean="0">
+                  <a:solidFill>
+                    <a:schemeClr val="accent1">
+                      <a:lumMod val="50000"/>
+                    </a:schemeClr>
+                  </a:solidFill>
+                </a:rPr>
+                <a:t>            to</a:t>
+              </a:r>
+              <a:endParaRPr lang="en-US" sz="900" b="1" dirty="0" smtClean="0">
+                <a:solidFill>
+                  <a:schemeClr val="accent1">
+                    <a:lumMod val="50000"/>
+                  </a:schemeClr>
+                </a:solidFill>
+              </a:endParaRPr>
+            </a:p>
+          </p:txBody>
+        </p:sp>
+        <p:cxnSp>
+          <p:nvCxnSpPr>
+            <p:cNvPr id="14" name="Elbow Connector 13"/>
+            <p:cNvCxnSpPr>
+              <a:stCxn id="10" idx="2"/>
+              <a:endCxn id="5" idx="0"/>
+            </p:cNvCxnSpPr>
+            <p:nvPr/>
+          </p:nvCxnSpPr>
+          <p:spPr>
+            <a:xfrm rot="5400000">
+              <a:off x="3445924" y="2323563"/>
+              <a:ext cx="1086788" cy="526478"/>
+            </a:xfrm>
+            <a:prstGeom prst="bentConnector3">
+              <a:avLst>
+                <a:gd name="adj1" fmla="val 50000"/>
+              </a:avLst>
+            </a:prstGeom>
+            <a:ln w="28575">
+              <a:solidFill>
+                <a:schemeClr val="tx1"/>
+              </a:solidFill>
+              <a:headEnd type="none" w="med" len="med"/>
+              <a:tailEnd type="triangle" w="med" len="med"/>
+            </a:ln>
+          </p:spPr>
+          <p:style>
+            <a:lnRef idx="1">
+              <a:schemeClr val="accent1"/>
+            </a:lnRef>
+            <a:fillRef idx="0">
+              <a:schemeClr val="accent1"/>
+            </a:fillRef>
+            <a:effectRef idx="0">
+              <a:schemeClr val="accent1"/>
+            </a:effectRef>
+            <a:fontRef idx="minor">
+              <a:schemeClr val="tx1"/>
+            </a:fontRef>
+          </p:style>
+        </p:cxnSp>
+        <p:cxnSp>
+          <p:nvCxnSpPr>
+            <p:cNvPr id="15" name="Elbow Connector 14"/>
+            <p:cNvCxnSpPr>
+              <a:stCxn id="12" idx="2"/>
+              <a:endCxn id="4" idx="1"/>
+            </p:cNvCxnSpPr>
+            <p:nvPr/>
+          </p:nvCxnSpPr>
+          <p:spPr>
+            <a:xfrm rot="16200000" flipH="1">
+              <a:off x="4868092" y="2559483"/>
+              <a:ext cx="1204984" cy="172834"/>
+            </a:xfrm>
+            <a:prstGeom prst="bentConnector3">
+              <a:avLst>
+                <a:gd name="adj1" fmla="val 50000"/>
+              </a:avLst>
+            </a:prstGeom>
+            <a:ln w="28575">
+              <a:solidFill>
+                <a:schemeClr val="tx1"/>
+              </a:solidFill>
+              <a:headEnd type="none" w="med" len="med"/>
+              <a:tailEnd type="triangle"/>
+            </a:ln>
+          </p:spPr>
+          <p:style>
+            <a:lnRef idx="1">
+              <a:schemeClr val="accent1"/>
+            </a:lnRef>
+            <a:fillRef idx="0">
+              <a:schemeClr val="accent1"/>
+            </a:fillRef>
+            <a:effectRef idx="0">
+              <a:schemeClr val="accent1"/>
+            </a:effectRef>
+            <a:fontRef idx="minor">
+              <a:schemeClr val="tx1"/>
+            </a:fontRef>
+          </p:style>
+        </p:cxnSp>
+        <p:cxnSp>
+          <p:nvCxnSpPr>
+            <p:cNvPr id="16" name="Straight Arrow Connector 15"/>
+            <p:cNvCxnSpPr>
+              <a:stCxn id="11" idx="2"/>
+              <a:endCxn id="6" idx="0"/>
+            </p:cNvCxnSpPr>
+            <p:nvPr/>
+          </p:nvCxnSpPr>
+          <p:spPr>
+            <a:xfrm>
+              <a:off x="4782789" y="2043408"/>
+              <a:ext cx="1427" cy="1158127"/>
+            </a:xfrm>
+            <a:prstGeom prst="straightConnector1">
+              <a:avLst/>
+            </a:prstGeom>
+            <a:ln w="28575">
+              <a:solidFill>
+                <a:schemeClr val="tx1"/>
+              </a:solidFill>
+              <a:headEnd type="none" w="med" len="med"/>
+              <a:tailEnd type="triangle"/>
+            </a:ln>
+          </p:spPr>
+          <p:style>
+            <a:lnRef idx="1">
+              <a:schemeClr val="accent1"/>
+            </a:lnRef>
+            <a:fillRef idx="0">
+              <a:schemeClr val="accent1"/>
+            </a:fillRef>
+            <a:effectRef idx="0">
+              <a:schemeClr val="accent1"/>
+            </a:effectRef>
+            <a:fontRef idx="minor">
+              <a:schemeClr val="tx1"/>
+            </a:fontRef>
+          </p:style>
+        </p:cxnSp>
+        <p:sp>
+          <p:nvSpPr>
+            <p:cNvPr id="4" name="Oval 3"/>
+            <p:cNvSpPr/>
+            <p:nvPr/>
+          </p:nvSpPr>
+          <p:spPr>
+            <a:xfrm>
+              <a:off x="5438805" y="3130196"/>
+              <a:ext cx="807096" cy="807096"/>
+            </a:xfrm>
+            <a:prstGeom prst="ellipse">
+              <a:avLst/>
+            </a:prstGeom>
+            <a:solidFill>
+              <a:schemeClr val="accent6">
+                <a:lumMod val="60000"/>
+                <a:lumOff val="40000"/>
+              </a:schemeClr>
+            </a:solidFill>
+            <a:ln w="9525"/>
+          </p:spPr>
+          <p:style>
+            <a:lnRef idx="2">
+              <a:schemeClr val="accent1">
+                <a:shade val="50000"/>
+              </a:schemeClr>
+            </a:lnRef>
+            <a:fillRef idx="1">
+              <a:schemeClr val="accent1"/>
+            </a:fillRef>
+            <a:effectRef idx="0">
+              <a:schemeClr val="accent1"/>
+            </a:effectRef>
+            <a:fontRef idx="minor">
+              <a:schemeClr val="lt1"/>
+            </a:fontRef>
+          </p:style>
+          <p:txBody>
+            <a:bodyPr rot="0" spcFirstLastPara="0" vertOverflow="overflow" horzOverflow="overflow" vert="horz" wrap="square" lIns="91440" tIns="45720" rIns="91440" bIns="45720" numCol="1" spcCol="0" rtlCol="0" fromWordArt="0" anchor="ctr" anchorCtr="0" forceAA="0" compatLnSpc="1">
+              <a:prstTxWarp prst="textNoShape">
+                <a:avLst/>
+              </a:prstTxWarp>
+              <a:noAutofit/>
+            </a:bodyPr>
+            <a:lstStyle/>
+            <a:p>
+              <a:pPr algn="ctr"/>
+              <a:r>
+                <a:rPr lang="en-US" sz="900" dirty="0" smtClean="0">
+                  <a:solidFill>
+                    <a:schemeClr val="accent1">
+                      <a:lumMod val="50000"/>
+                    </a:schemeClr>
+                  </a:solidFill>
+                </a:rPr>
+                <a:t>Address</a:t>
+              </a:r>
+            </a:p>
+          </p:txBody>
+        </p:sp>
+        <p:sp>
+          <p:nvSpPr>
+            <p:cNvPr id="5" name="Oval 4"/>
+            <p:cNvSpPr/>
+            <p:nvPr/>
+          </p:nvSpPr>
+          <p:spPr>
+            <a:xfrm>
+              <a:off x="3322531" y="3130196"/>
+              <a:ext cx="807096" cy="807096"/>
+            </a:xfrm>
+            <a:prstGeom prst="ellipse">
+              <a:avLst/>
+            </a:prstGeom>
+            <a:solidFill>
+              <a:schemeClr val="accent5">
+                <a:lumMod val="40000"/>
+                <a:lumOff val="60000"/>
+              </a:schemeClr>
+            </a:solidFill>
+            <a:ln w="9525"/>
+          </p:spPr>
+          <p:style>
+            <a:lnRef idx="2">
+              <a:schemeClr val="accent1">
+                <a:shade val="50000"/>
+              </a:schemeClr>
+            </a:lnRef>
+            <a:fillRef idx="1">
+              <a:schemeClr val="accent1"/>
+            </a:fillRef>
+            <a:effectRef idx="0">
+              <a:schemeClr val="accent1"/>
+            </a:effectRef>
+            <a:fontRef idx="minor">
+              <a:schemeClr val="lt1"/>
+            </a:fontRef>
+          </p:style>
+          <p:txBody>
+            <a:bodyPr rot="0" spcFirstLastPara="0" vertOverflow="overflow" horzOverflow="overflow" vert="horz" wrap="square" lIns="91440" tIns="45720" rIns="91440" bIns="45720" numCol="1" spcCol="0" rtlCol="0" fromWordArt="0" anchor="ctr" anchorCtr="0" forceAA="0" compatLnSpc="1">
+              <a:prstTxWarp prst="textNoShape">
+                <a:avLst/>
+              </a:prstTxWarp>
+              <a:noAutofit/>
+            </a:bodyPr>
+            <a:lstStyle/>
+            <a:p>
+              <a:pPr algn="ctr"/>
+              <a:r>
+                <a:rPr lang="en-US" sz="900" dirty="0" smtClean="0">
+                  <a:solidFill>
+                    <a:schemeClr val="accent1">
+                      <a:lumMod val="50000"/>
+                    </a:schemeClr>
+                  </a:solidFill>
+                </a:rPr>
+                <a:t>Person</a:t>
+              </a:r>
+            </a:p>
+          </p:txBody>
+        </p:sp>
+        <p:sp>
+          <p:nvSpPr>
+            <p:cNvPr id="6" name="Oval 5"/>
+            <p:cNvSpPr/>
+            <p:nvPr/>
+          </p:nvSpPr>
+          <p:spPr>
+            <a:xfrm>
+              <a:off x="4452007" y="3201535"/>
+              <a:ext cx="664418" cy="664418"/>
+            </a:xfrm>
+            <a:prstGeom prst="ellipse">
+              <a:avLst/>
+            </a:prstGeom>
+            <a:solidFill>
+              <a:schemeClr val="accent2">
+                <a:lumMod val="60000"/>
+                <a:lumOff val="40000"/>
+              </a:schemeClr>
+            </a:solidFill>
+            <a:ln w="9525"/>
+          </p:spPr>
+          <p:style>
+            <a:lnRef idx="2">
+              <a:schemeClr val="accent1">
+                <a:shade val="50000"/>
+              </a:schemeClr>
+            </a:lnRef>
+            <a:fillRef idx="1">
+              <a:schemeClr val="accent1"/>
+            </a:fillRef>
+            <a:effectRef idx="0">
+              <a:schemeClr val="accent1"/>
+            </a:effectRef>
+            <a:fontRef idx="minor">
+              <a:schemeClr val="lt1"/>
+            </a:fontRef>
+          </p:style>
+          <p:txBody>
+            <a:bodyPr rot="0" spcFirstLastPara="0" vertOverflow="overflow" horzOverflow="overflow" vert="horz" wrap="square" lIns="91440" tIns="45720" rIns="91440" bIns="45720" numCol="1" spcCol="0" rtlCol="0" fromWordArt="0" anchor="ctr" anchorCtr="0" forceAA="0" compatLnSpc="1">
+              <a:prstTxWarp prst="textNoShape">
+                <a:avLst/>
+              </a:prstTxWarp>
+              <a:noAutofit/>
+            </a:bodyPr>
+            <a:lstStyle/>
+            <a:p>
+              <a:pPr algn="ctr"/>
+              <a:r>
+                <a:rPr lang="en-US" sz="900" dirty="0" err="1" smtClean="0">
+                  <a:solidFill>
+                    <a:schemeClr val="accent1">
+                      <a:lumMod val="50000"/>
+                    </a:schemeClr>
+                  </a:solidFill>
+                </a:rPr>
+                <a:t>LivesAt</a:t>
+              </a:r>
+              <a:endParaRPr lang="en-US" sz="900" dirty="0" smtClean="0">
+                <a:solidFill>
+                  <a:schemeClr val="accent1">
+                    <a:lumMod val="50000"/>
+                  </a:schemeClr>
+                </a:solidFill>
+              </a:endParaRPr>
+            </a:p>
+          </p:txBody>
+        </p:sp>
+        <p:cxnSp>
+          <p:nvCxnSpPr>
+            <p:cNvPr id="7" name="Straight Arrow Connector 6"/>
+            <p:cNvCxnSpPr>
+              <a:stCxn id="6" idx="2"/>
+              <a:endCxn id="5" idx="6"/>
+            </p:cNvCxnSpPr>
+            <p:nvPr/>
+          </p:nvCxnSpPr>
+          <p:spPr>
+            <a:xfrm flipH="1">
+              <a:off x="4129627" y="3533744"/>
+              <a:ext cx="322380" cy="0"/>
+            </a:xfrm>
+            <a:prstGeom prst="straightConnector1">
+              <a:avLst/>
+            </a:prstGeom>
+            <a:ln w="28575">
+              <a:headEnd type="triangle"/>
+              <a:tailEnd type="triangle"/>
+            </a:ln>
+          </p:spPr>
+          <p:style>
+            <a:lnRef idx="1">
+              <a:schemeClr val="accent1"/>
+            </a:lnRef>
+            <a:fillRef idx="0">
+              <a:schemeClr val="accent1"/>
+            </a:fillRef>
+            <a:effectRef idx="0">
+              <a:schemeClr val="accent1"/>
+            </a:effectRef>
+            <a:fontRef idx="minor">
+              <a:schemeClr val="tx1"/>
+            </a:fontRef>
+          </p:style>
+        </p:cxnSp>
+        <p:cxnSp>
+          <p:nvCxnSpPr>
+            <p:cNvPr id="8" name="Straight Arrow Connector 7"/>
+            <p:cNvCxnSpPr>
+              <a:stCxn id="4" idx="2"/>
+              <a:endCxn id="6" idx="6"/>
+            </p:cNvCxnSpPr>
+            <p:nvPr/>
+          </p:nvCxnSpPr>
+          <p:spPr>
+            <a:xfrm flipH="1">
+              <a:off x="5116425" y="3533744"/>
+              <a:ext cx="322380" cy="0"/>
+            </a:xfrm>
+            <a:prstGeom prst="straightConnector1">
+              <a:avLst/>
+            </a:prstGeom>
+            <a:ln w="28575">
+              <a:headEnd type="triangle"/>
+              <a:tailEnd type="triangle"/>
+            </a:ln>
+          </p:spPr>
+          <p:style>
+            <a:lnRef idx="1">
+              <a:schemeClr val="accent1"/>
+            </a:lnRef>
+            <a:fillRef idx="0">
+              <a:schemeClr val="accent1"/>
+            </a:fillRef>
+            <a:effectRef idx="0">
+              <a:schemeClr val="accent1"/>
+            </a:effectRef>
+            <a:fontRef idx="minor">
+              <a:schemeClr val="tx1"/>
+            </a:fontRef>
+          </p:style>
+        </p:cxnSp>
+        <p:sp>
+          <p:nvSpPr>
+            <p:cNvPr id="17" name="Oval 16"/>
+            <p:cNvSpPr/>
+            <p:nvPr/>
+          </p:nvSpPr>
+          <p:spPr>
+            <a:xfrm>
+              <a:off x="7555081" y="3130196"/>
+              <a:ext cx="807096" cy="807096"/>
+            </a:xfrm>
+            <a:prstGeom prst="ellipse">
+              <a:avLst/>
+            </a:prstGeom>
+            <a:solidFill>
+              <a:schemeClr val="accent5">
+                <a:lumMod val="40000"/>
+                <a:lumOff val="60000"/>
+              </a:schemeClr>
+            </a:solidFill>
+            <a:ln w="9525"/>
+          </p:spPr>
+          <p:style>
+            <a:lnRef idx="2">
+              <a:schemeClr val="accent1">
+                <a:shade val="50000"/>
+              </a:schemeClr>
+            </a:lnRef>
+            <a:fillRef idx="1">
+              <a:schemeClr val="accent1"/>
+            </a:fillRef>
+            <a:effectRef idx="0">
+              <a:schemeClr val="accent1"/>
+            </a:effectRef>
+            <a:fontRef idx="minor">
+              <a:schemeClr val="lt1"/>
+            </a:fontRef>
+          </p:style>
+          <p:txBody>
+            <a:bodyPr rot="0" spcFirstLastPara="0" vertOverflow="overflow" horzOverflow="overflow" vert="horz" wrap="square" lIns="91440" tIns="45720" rIns="91440" bIns="45720" numCol="1" spcCol="0" rtlCol="0" fromWordArt="0" anchor="ctr" anchorCtr="0" forceAA="0" compatLnSpc="1">
+              <a:prstTxWarp prst="textNoShape">
+                <a:avLst/>
+              </a:prstTxWarp>
+              <a:noAutofit/>
+            </a:bodyPr>
+            <a:lstStyle/>
+            <a:p>
+              <a:pPr algn="ctr"/>
+              <a:r>
+                <a:rPr lang="en-US" sz="900" dirty="0" smtClean="0">
+                  <a:solidFill>
+                    <a:schemeClr val="accent1">
+                      <a:lumMod val="50000"/>
+                    </a:schemeClr>
+                  </a:solidFill>
+                </a:rPr>
+                <a:t>Person</a:t>
+              </a:r>
+            </a:p>
+          </p:txBody>
+        </p:sp>
+        <p:sp>
+          <p:nvSpPr>
+            <p:cNvPr id="18" name="Oval 17"/>
+            <p:cNvSpPr/>
+            <p:nvPr/>
+          </p:nvSpPr>
+          <p:spPr>
+            <a:xfrm>
+              <a:off x="6568281" y="3201535"/>
+              <a:ext cx="664418" cy="664418"/>
+            </a:xfrm>
+            <a:prstGeom prst="ellipse">
+              <a:avLst/>
+            </a:prstGeom>
+            <a:solidFill>
+              <a:schemeClr val="accent2">
+                <a:lumMod val="60000"/>
+                <a:lumOff val="40000"/>
+              </a:schemeClr>
+            </a:solidFill>
+            <a:ln w="9525"/>
+          </p:spPr>
+          <p:style>
+            <a:lnRef idx="2">
+              <a:schemeClr val="accent1">
+                <a:shade val="50000"/>
+              </a:schemeClr>
+            </a:lnRef>
+            <a:fillRef idx="1">
+              <a:schemeClr val="accent1"/>
+            </a:fillRef>
+            <a:effectRef idx="0">
+              <a:schemeClr val="accent1"/>
+            </a:effectRef>
+            <a:fontRef idx="minor">
+              <a:schemeClr val="lt1"/>
+            </a:fontRef>
+          </p:style>
+          <p:txBody>
+            <a:bodyPr rot="0" spcFirstLastPara="0" vertOverflow="overflow" horzOverflow="overflow" vert="horz" wrap="square" lIns="91440" tIns="45720" rIns="91440" bIns="45720" numCol="1" spcCol="0" rtlCol="0" fromWordArt="0" anchor="ctr" anchorCtr="0" forceAA="0" compatLnSpc="1">
+              <a:prstTxWarp prst="textNoShape">
+                <a:avLst/>
+              </a:prstTxWarp>
+              <a:noAutofit/>
+            </a:bodyPr>
+            <a:lstStyle/>
+            <a:p>
+              <a:pPr algn="ctr"/>
+              <a:r>
+                <a:rPr lang="en-US" sz="900" dirty="0" err="1" smtClean="0">
+                  <a:solidFill>
+                    <a:schemeClr val="accent1">
+                      <a:lumMod val="50000"/>
+                    </a:schemeClr>
+                  </a:solidFill>
+                </a:rPr>
+                <a:t>LivesAt</a:t>
+              </a:r>
+              <a:endParaRPr lang="en-US" sz="900" dirty="0" smtClean="0">
+                <a:solidFill>
+                  <a:schemeClr val="accent1">
+                    <a:lumMod val="50000"/>
+                  </a:schemeClr>
+                </a:solidFill>
+              </a:endParaRPr>
+            </a:p>
+          </p:txBody>
+        </p:sp>
+        <p:cxnSp>
+          <p:nvCxnSpPr>
+            <p:cNvPr id="19" name="Straight Arrow Connector 18"/>
+            <p:cNvCxnSpPr>
+              <a:stCxn id="18" idx="2"/>
+              <a:endCxn id="4" idx="6"/>
+            </p:cNvCxnSpPr>
+            <p:nvPr/>
+          </p:nvCxnSpPr>
+          <p:spPr>
+            <a:xfrm flipH="1">
+              <a:off x="6245901" y="3533744"/>
+              <a:ext cx="322380" cy="0"/>
+            </a:xfrm>
+            <a:prstGeom prst="straightConnector1">
+              <a:avLst/>
+            </a:prstGeom>
+            <a:ln w="28575">
+              <a:headEnd type="triangle"/>
+              <a:tailEnd type="triangle"/>
+            </a:ln>
+          </p:spPr>
+          <p:style>
+            <a:lnRef idx="1">
+              <a:schemeClr val="accent1"/>
+            </a:lnRef>
+            <a:fillRef idx="0">
+              <a:schemeClr val="accent1"/>
+            </a:fillRef>
+            <a:effectRef idx="0">
+              <a:schemeClr val="accent1"/>
+            </a:effectRef>
+            <a:fontRef idx="minor">
+              <a:schemeClr val="tx1"/>
+            </a:fontRef>
+          </p:style>
+        </p:cxnSp>
+        <p:cxnSp>
+          <p:nvCxnSpPr>
+            <p:cNvPr id="20" name="Straight Arrow Connector 19"/>
+            <p:cNvCxnSpPr>
+              <a:stCxn id="17" idx="2"/>
+              <a:endCxn id="18" idx="6"/>
+            </p:cNvCxnSpPr>
+            <p:nvPr/>
+          </p:nvCxnSpPr>
+          <p:spPr>
+            <a:xfrm flipH="1">
+              <a:off x="7232699" y="3533744"/>
+              <a:ext cx="322382" cy="0"/>
+            </a:xfrm>
+            <a:prstGeom prst="straightConnector1">
+              <a:avLst/>
+            </a:prstGeom>
+            <a:ln w="28575">
+              <a:headEnd type="triangle"/>
+              <a:tailEnd type="triangle"/>
+            </a:ln>
+          </p:spPr>
+          <p:style>
+            <a:lnRef idx="1">
+              <a:schemeClr val="accent1"/>
+            </a:lnRef>
+            <a:fillRef idx="0">
+              <a:schemeClr val="accent1"/>
+            </a:fillRef>
+            <a:effectRef idx="0">
+              <a:schemeClr val="accent1"/>
+            </a:effectRef>
+            <a:fontRef idx="minor">
+              <a:schemeClr val="tx1"/>
+            </a:fontRef>
+          </p:style>
+        </p:cxnSp>
+        <p:cxnSp>
+          <p:nvCxnSpPr>
+            <p:cNvPr id="39" name="Elbow Connector 38"/>
+            <p:cNvCxnSpPr>
+              <a:stCxn id="35" idx="2"/>
+              <a:endCxn id="4" idx="7"/>
+            </p:cNvCxnSpPr>
+            <p:nvPr/>
+          </p:nvCxnSpPr>
+          <p:spPr>
+            <a:xfrm rot="5400000">
+              <a:off x="5635184" y="2525823"/>
+              <a:ext cx="1215090" cy="230048"/>
+            </a:xfrm>
+            <a:prstGeom prst="bentConnector3">
+              <a:avLst>
+                <a:gd name="adj1" fmla="val 50000"/>
+              </a:avLst>
+            </a:prstGeom>
+            <a:ln w="28575">
+              <a:solidFill>
+                <a:schemeClr val="tx1"/>
+              </a:solidFill>
+              <a:headEnd type="none" w="med" len="med"/>
+              <a:tailEnd type="triangle" w="med" len="med"/>
+            </a:ln>
+          </p:spPr>
+          <p:style>
+            <a:lnRef idx="1">
+              <a:schemeClr val="accent1"/>
+            </a:lnRef>
+            <a:fillRef idx="0">
+              <a:schemeClr val="accent1"/>
+            </a:fillRef>
+            <a:effectRef idx="0">
+              <a:schemeClr val="accent1"/>
+            </a:effectRef>
+            <a:fontRef idx="minor">
+              <a:schemeClr val="tx1"/>
+            </a:fontRef>
+          </p:style>
+        </p:cxnSp>
+        <p:cxnSp>
+          <p:nvCxnSpPr>
+            <p:cNvPr id="40" name="Elbow Connector 39"/>
+            <p:cNvCxnSpPr>
+              <a:stCxn id="37" idx="2"/>
+              <a:endCxn id="17" idx="0"/>
+            </p:cNvCxnSpPr>
+            <p:nvPr/>
+          </p:nvCxnSpPr>
+          <p:spPr>
+            <a:xfrm rot="16200000" flipH="1">
+              <a:off x="7204124" y="2375691"/>
+              <a:ext cx="1058794" cy="450216"/>
+            </a:xfrm>
+            <a:prstGeom prst="bentConnector3">
+              <a:avLst>
+                <a:gd name="adj1" fmla="val 50000"/>
+              </a:avLst>
+            </a:prstGeom>
+            <a:ln w="28575">
+              <a:solidFill>
+                <a:schemeClr val="tx1"/>
+              </a:solidFill>
+              <a:headEnd type="none" w="med" len="med"/>
+              <a:tailEnd type="triangle"/>
+            </a:ln>
+          </p:spPr>
+          <p:style>
+            <a:lnRef idx="1">
+              <a:schemeClr val="accent1"/>
+            </a:lnRef>
+            <a:fillRef idx="0">
+              <a:schemeClr val="accent1"/>
+            </a:fillRef>
+            <a:effectRef idx="0">
+              <a:schemeClr val="accent1"/>
+            </a:effectRef>
+            <a:fontRef idx="minor">
+              <a:schemeClr val="tx1"/>
+            </a:fontRef>
+          </p:style>
+        </p:cxnSp>
+        <p:cxnSp>
+          <p:nvCxnSpPr>
+            <p:cNvPr id="41" name="Straight Arrow Connector 40"/>
+            <p:cNvCxnSpPr>
+              <a:stCxn id="36" idx="2"/>
+              <a:endCxn id="18" idx="0"/>
+            </p:cNvCxnSpPr>
+            <p:nvPr/>
+          </p:nvCxnSpPr>
+          <p:spPr>
+            <a:xfrm>
+              <a:off x="6881635" y="2071402"/>
+              <a:ext cx="18855" cy="1130133"/>
+            </a:xfrm>
+            <a:prstGeom prst="straightConnector1">
+              <a:avLst/>
+            </a:prstGeom>
+            <a:ln w="28575">
+              <a:solidFill>
+                <a:schemeClr val="tx1"/>
+              </a:solidFill>
+              <a:headEnd type="none" w="med" len="med"/>
+              <a:tailEnd type="triangle"/>
+            </a:ln>
+          </p:spPr>
+          <p:style>
+            <a:lnRef idx="1">
+              <a:schemeClr val="accent1"/>
+            </a:lnRef>
+            <a:fillRef idx="0">
+              <a:schemeClr val="accent1"/>
+            </a:fillRef>
+            <a:effectRef idx="0">
+              <a:schemeClr val="accent1"/>
+            </a:effectRef>
+            <a:fontRef idx="minor">
+              <a:schemeClr val="tx1"/>
+            </a:fontRef>
+          </p:style>
+        </p:cxnSp>
+      </p:grpSp>
+    </p:spTree>
+    <p:extLst>
+      <p:ext uri="{BB962C8B-B14F-4D97-AF65-F5344CB8AC3E}">
+        <p14:creationId xmlns:p14="http://schemas.microsoft.com/office/powerpoint/2010/main" val="25411552"/>
       </p:ext>
     </p:extLst>
   </p:cSld>
@@ -7672,15 +10497,7 @@
                   <a:srgbClr val="FF0000"/>
                 </a:solidFill>
               </a:rPr>
-              <a:t>OID: </a:t>
-            </a:r>
-            <a:r>
-              <a:rPr lang="en-US" sz="1000" dirty="0" smtClean="0">
-                <a:solidFill>
-                  <a:srgbClr val="FF0000"/>
-                </a:solidFill>
-              </a:rPr>
-              <a:t>3-4-5-2</a:t>
+              <a:t>OID: 3-4-5-2</a:t>
             </a:r>
             <a:endParaRPr lang="en-US" sz="1000" dirty="0">
               <a:solidFill>
@@ -7805,13 +10622,6 @@
               </a:rPr>
               <a:t>From:        3/4/2006</a:t>
             </a:r>
-            <a:endParaRPr lang="en-US" sz="900" dirty="0" smtClean="0">
-              <a:solidFill>
-                <a:schemeClr val="accent1">
-                  <a:lumMod val="50000"/>
-                </a:schemeClr>
-              </a:solidFill>
-            </a:endParaRPr>
           </a:p>
           <a:p>
             <a:r>
@@ -8120,13 +10930,6 @@
               </a:rPr>
               <a:t>Street1:        123 Main</a:t>
             </a:r>
-            <a:endParaRPr lang="en-US" sz="900" dirty="0" smtClean="0">
-              <a:solidFill>
-                <a:schemeClr val="accent1">
-                  <a:lumMod val="50000"/>
-                </a:schemeClr>
-              </a:solidFill>
-            </a:endParaRPr>
           </a:p>
           <a:p>
             <a:r>
@@ -8139,13 +10942,6 @@
               </a:rPr>
               <a:t>Street2:</a:t>
             </a:r>
-            <a:endParaRPr lang="en-US" sz="900" dirty="0" smtClean="0">
-              <a:solidFill>
-                <a:schemeClr val="accent5">
-                  <a:lumMod val="75000"/>
-                </a:schemeClr>
-              </a:solidFill>
-            </a:endParaRPr>
           </a:p>
           <a:p>
             <a:r>
@@ -8495,13 +11291,6 @@
               </a:rPr>
               <a:t> {</a:t>
             </a:r>
-            <a:endParaRPr lang="en-US" sz="900" dirty="0" smtClean="0">
-              <a:solidFill>
-                <a:schemeClr val="accent1">
-                  <a:lumMod val="50000"/>
-                </a:schemeClr>
-              </a:solidFill>
-            </a:endParaRPr>
           </a:p>
           <a:p>
             <a:r>
@@ -8512,25 +11301,8 @@
                   </a:schemeClr>
                 </a:solidFill>
               </a:rPr>
-              <a:t>    </a:t>
-            </a:r>
-            <a:r>
-              <a:rPr lang="en-US" sz="900" dirty="0" smtClean="0">
-                <a:solidFill>
-                  <a:schemeClr val="accent1">
-                    <a:lumMod val="50000"/>
-                  </a:schemeClr>
-                </a:solidFill>
-              </a:rPr>
-              <a:t>3-4-5-2</a:t>
-            </a:r>
-            <a:endParaRPr lang="en-US" sz="900" dirty="0" smtClean="0">
-              <a:solidFill>
-                <a:schemeClr val="accent1">
-                  <a:lumMod val="50000"/>
-                </a:schemeClr>
-              </a:solidFill>
-            </a:endParaRPr>
+              <a:t>    3-4-5-2</a:t>
+            </a:r>
           </a:p>
           <a:p>
             <a:r>
@@ -8980,15 +11752,7 @@
                   <a:srgbClr val="FF0000"/>
                 </a:solidFill>
               </a:rPr>
-              <a:t>: </a:t>
-            </a:r>
-            <a:r>
-              <a:rPr lang="en-US" sz="1000" smtClean="0">
-                <a:solidFill>
-                  <a:srgbClr val="FF0000"/>
-                </a:solidFill>
-              </a:rPr>
-              <a:t>3-4-5-2</a:t>
+              <a:t>: 3-4-5-2</a:t>
             </a:r>
             <a:endParaRPr lang="en-US" sz="1000" dirty="0">
               <a:solidFill>
@@ -9158,17 +11922,7 @@
                   </a:schemeClr>
                 </a:solidFill>
               </a:rPr>
-              <a:t>ToAddress</a:t>
-            </a:r>
-            <a:r>
-              <a:rPr lang="en-US" sz="900" smtClean="0">
-                <a:solidFill>
-                  <a:schemeClr val="accent5">
-                    <a:lumMod val="75000"/>
-                  </a:schemeClr>
-                </a:solidFill>
-              </a:rPr>
-              <a:t> </a:t>
+              <a:t>ToAddress </a:t>
             </a:r>
             <a:r>
               <a:rPr lang="en-US" sz="900">
@@ -9882,17 +12636,7 @@
                   </a:schemeClr>
                 </a:solidFill>
               </a:rPr>
-              <a:t>    </a:t>
-            </a:r>
-            <a:r>
-              <a:rPr lang="en-US" sz="900" smtClean="0">
-                <a:solidFill>
-                  <a:schemeClr val="accent1">
-                    <a:lumMod val="50000"/>
-                  </a:schemeClr>
-                </a:solidFill>
-              </a:rPr>
-              <a:t>3-4-5-2</a:t>
+              <a:t>    3-4-5-2</a:t>
             </a:r>
             <a:endParaRPr lang="en-US" sz="900" dirty="0" smtClean="0">
               <a:solidFill>
@@ -10516,601 +13260,736 @@
           </a:fontRef>
         </p:style>
       </p:cxnSp>
-      <p:grpSp>
-        <p:nvGrpSpPr>
-          <p:cNvPr id="70" name="Group 69"/>
-          <p:cNvGrpSpPr/>
+      <p:sp>
+        <p:nvSpPr>
+          <p:cNvPr id="4" name="Oval 3"/>
+          <p:cNvSpPr/>
           <p:nvPr/>
-        </p:nvGrpSpPr>
-        <p:grpSpPr>
+        </p:nvSpPr>
+        <p:spPr>
           <a:xfrm>
-            <a:off x="3196517" y="302172"/>
-            <a:ext cx="3106581" cy="3032235"/>
-            <a:chOff x="3196517" y="302172"/>
-            <a:chExt cx="3106581" cy="3032235"/>
+            <a:off x="5395712" y="2819534"/>
+            <a:ext cx="807096" cy="807096"/>
           </a:xfrm>
-        </p:grpSpPr>
-        <p:sp>
-          <p:nvSpPr>
-            <p:cNvPr id="4" name="Oval 3"/>
-            <p:cNvSpPr/>
-            <p:nvPr/>
-          </p:nvSpPr>
-          <p:spPr>
-            <a:xfrm>
-              <a:off x="4347305" y="1526762"/>
-              <a:ext cx="807096" cy="807096"/>
-            </a:xfrm>
-            <a:prstGeom prst="ellipse">
+          <a:prstGeom prst="ellipse">
+            <a:avLst/>
+          </a:prstGeom>
+          <a:solidFill>
+            <a:schemeClr val="accent6">
+              <a:lumMod val="60000"/>
+              <a:lumOff val="40000"/>
+            </a:schemeClr>
+          </a:solidFill>
+          <a:ln w="9525"/>
+        </p:spPr>
+        <p:style>
+          <a:lnRef idx="2">
+            <a:schemeClr val="accent1">
+              <a:shade val="50000"/>
+            </a:schemeClr>
+          </a:lnRef>
+          <a:fillRef idx="1">
+            <a:schemeClr val="accent1"/>
+          </a:fillRef>
+          <a:effectRef idx="0">
+            <a:schemeClr val="accent1"/>
+          </a:effectRef>
+          <a:fontRef idx="minor">
+            <a:schemeClr val="lt1"/>
+          </a:fontRef>
+        </p:style>
+        <p:txBody>
+          <a:bodyPr rot="0" spcFirstLastPara="0" vertOverflow="overflow" horzOverflow="overflow" vert="horz" wrap="square" lIns="91440" tIns="45720" rIns="91440" bIns="45720" numCol="1" spcCol="0" rtlCol="0" fromWordArt="0" anchor="ctr" anchorCtr="0" forceAA="0" compatLnSpc="1">
+            <a:prstTxWarp prst="textNoShape">
               <a:avLst/>
-            </a:prstGeom>
-            <a:solidFill>
-              <a:schemeClr val="accent6">
-                <a:lumMod val="60000"/>
-                <a:lumOff val="40000"/>
-              </a:schemeClr>
-            </a:solidFill>
-            <a:ln w="9525"/>
-          </p:spPr>
-          <p:style>
-            <a:lnRef idx="2">
-              <a:schemeClr val="accent1">
-                <a:shade val="50000"/>
-              </a:schemeClr>
-            </a:lnRef>
-            <a:fillRef idx="1">
-              <a:schemeClr val="accent1"/>
-            </a:fillRef>
-            <a:effectRef idx="0">
-              <a:schemeClr val="accent1"/>
-            </a:effectRef>
-            <a:fontRef idx="minor">
-              <a:schemeClr val="lt1"/>
-            </a:fontRef>
-          </p:style>
-          <p:txBody>
-            <a:bodyPr rot="0" spcFirstLastPara="0" vertOverflow="overflow" horzOverflow="overflow" vert="horz" wrap="square" lIns="91440" tIns="45720" rIns="91440" bIns="45720" numCol="1" spcCol="0" rtlCol="0" fromWordArt="0" anchor="ctr" anchorCtr="0" forceAA="0" compatLnSpc="1">
-              <a:prstTxWarp prst="textNoShape">
-                <a:avLst/>
-              </a:prstTxWarp>
-              <a:noAutofit/>
-            </a:bodyPr>
-            <a:lstStyle/>
-            <a:p>
-              <a:pPr algn="ctr"/>
-              <a:r>
-                <a:rPr lang="en-US" sz="900" dirty="0" smtClean="0">
-                  <a:solidFill>
-                    <a:schemeClr val="accent1">
-                      <a:lumMod val="50000"/>
-                    </a:schemeClr>
-                  </a:solidFill>
-                </a:rPr>
-                <a:t>Address</a:t>
-              </a:r>
-              <a:endParaRPr lang="en-US" sz="900" dirty="0" smtClean="0">
+            </a:prstTxWarp>
+            <a:noAutofit/>
+          </a:bodyPr>
+          <a:lstStyle/>
+          <a:p>
+            <a:pPr algn="ctr"/>
+            <a:r>
+              <a:rPr lang="en-US" sz="900" dirty="0" smtClean="0">
                 <a:solidFill>
                   <a:schemeClr val="accent1">
                     <a:lumMod val="50000"/>
                   </a:schemeClr>
                 </a:solidFill>
-              </a:endParaRPr>
-            </a:p>
-          </p:txBody>
-        </p:sp>
-        <p:sp>
-          <p:nvSpPr>
-            <p:cNvPr id="5" name="Oval 4"/>
-            <p:cNvSpPr/>
-            <p:nvPr/>
-          </p:nvSpPr>
-          <p:spPr>
-            <a:xfrm>
-              <a:off x="5496002" y="1082999"/>
-              <a:ext cx="807096" cy="807096"/>
-            </a:xfrm>
-            <a:prstGeom prst="ellipse">
+              </a:rPr>
+              <a:t>Address</a:t>
+            </a:r>
+          </a:p>
+        </p:txBody>
+      </p:sp>
+      <p:sp>
+        <p:nvSpPr>
+          <p:cNvPr id="5" name="Oval 4"/>
+          <p:cNvSpPr/>
+          <p:nvPr/>
+        </p:nvSpPr>
+        <p:spPr>
+          <a:xfrm>
+            <a:off x="7585734" y="2042918"/>
+            <a:ext cx="807096" cy="807096"/>
+          </a:xfrm>
+          <a:prstGeom prst="ellipse">
+            <a:avLst/>
+          </a:prstGeom>
+          <a:solidFill>
+            <a:schemeClr val="accent5">
+              <a:lumMod val="40000"/>
+              <a:lumOff val="60000"/>
+            </a:schemeClr>
+          </a:solidFill>
+          <a:ln w="9525"/>
+        </p:spPr>
+        <p:style>
+          <a:lnRef idx="2">
+            <a:schemeClr val="accent1">
+              <a:shade val="50000"/>
+            </a:schemeClr>
+          </a:lnRef>
+          <a:fillRef idx="1">
+            <a:schemeClr val="accent1"/>
+          </a:fillRef>
+          <a:effectRef idx="0">
+            <a:schemeClr val="accent1"/>
+          </a:effectRef>
+          <a:fontRef idx="minor">
+            <a:schemeClr val="lt1"/>
+          </a:fontRef>
+        </p:style>
+        <p:txBody>
+          <a:bodyPr rot="0" spcFirstLastPara="0" vertOverflow="overflow" horzOverflow="overflow" vert="horz" wrap="square" lIns="91440" tIns="45720" rIns="91440" bIns="45720" numCol="1" spcCol="0" rtlCol="0" fromWordArt="0" anchor="ctr" anchorCtr="0" forceAA="0" compatLnSpc="1">
+            <a:prstTxWarp prst="textNoShape">
               <a:avLst/>
-            </a:prstGeom>
-            <a:solidFill>
-              <a:schemeClr val="accent5">
-                <a:lumMod val="40000"/>
-                <a:lumOff val="60000"/>
-              </a:schemeClr>
-            </a:solidFill>
-            <a:ln w="9525"/>
-          </p:spPr>
-          <p:style>
-            <a:lnRef idx="2">
-              <a:schemeClr val="accent1">
-                <a:shade val="50000"/>
-              </a:schemeClr>
-            </a:lnRef>
-            <a:fillRef idx="1">
-              <a:schemeClr val="accent1"/>
-            </a:fillRef>
-            <a:effectRef idx="0">
-              <a:schemeClr val="accent1"/>
-            </a:effectRef>
-            <a:fontRef idx="minor">
-              <a:schemeClr val="lt1"/>
-            </a:fontRef>
-          </p:style>
-          <p:txBody>
-            <a:bodyPr rot="0" spcFirstLastPara="0" vertOverflow="overflow" horzOverflow="overflow" vert="horz" wrap="square" lIns="91440" tIns="45720" rIns="91440" bIns="45720" numCol="1" spcCol="0" rtlCol="0" fromWordArt="0" anchor="ctr" anchorCtr="0" forceAA="0" compatLnSpc="1">
-              <a:prstTxWarp prst="textNoShape">
-                <a:avLst/>
-              </a:prstTxWarp>
-              <a:noAutofit/>
-            </a:bodyPr>
-            <a:lstStyle/>
-            <a:p>
-              <a:pPr algn="ctr"/>
-              <a:r>
-                <a:rPr lang="en-US" sz="900" dirty="0" smtClean="0">
-                  <a:solidFill>
-                    <a:schemeClr val="accent1">
-                      <a:lumMod val="50000"/>
-                    </a:schemeClr>
-                  </a:solidFill>
-                </a:rPr>
-                <a:t>Person</a:t>
-              </a:r>
-              <a:endParaRPr lang="en-US" sz="900" dirty="0" smtClean="0">
+            </a:prstTxWarp>
+            <a:noAutofit/>
+          </a:bodyPr>
+          <a:lstStyle/>
+          <a:p>
+            <a:pPr algn="ctr"/>
+            <a:r>
+              <a:rPr lang="en-US" sz="900" dirty="0" smtClean="0">
                 <a:solidFill>
                   <a:schemeClr val="accent1">
                     <a:lumMod val="50000"/>
                   </a:schemeClr>
                 </a:solidFill>
-              </a:endParaRPr>
-            </a:p>
-          </p:txBody>
-        </p:sp>
-        <p:sp>
-          <p:nvSpPr>
-            <p:cNvPr id="6" name="Oval 5"/>
-            <p:cNvSpPr/>
-            <p:nvPr/>
-          </p:nvSpPr>
-          <p:spPr>
-            <a:xfrm>
-              <a:off x="3196517" y="1095743"/>
-              <a:ext cx="807096" cy="807096"/>
-            </a:xfrm>
-            <a:prstGeom prst="ellipse">
+              </a:rPr>
+              <a:t>Person</a:t>
+            </a:r>
+          </a:p>
+        </p:txBody>
+      </p:sp>
+      <p:sp>
+        <p:nvSpPr>
+          <p:cNvPr id="6" name="Oval 5"/>
+          <p:cNvSpPr/>
+          <p:nvPr/>
+        </p:nvSpPr>
+        <p:spPr>
+          <a:xfrm>
+            <a:off x="4244924" y="2388515"/>
+            <a:ext cx="807096" cy="807096"/>
+          </a:xfrm>
+          <a:prstGeom prst="ellipse">
+            <a:avLst/>
+          </a:prstGeom>
+          <a:solidFill>
+            <a:schemeClr val="accent5">
+              <a:lumMod val="40000"/>
+              <a:lumOff val="60000"/>
+            </a:schemeClr>
+          </a:solidFill>
+          <a:ln w="9525"/>
+        </p:spPr>
+        <p:style>
+          <a:lnRef idx="2">
+            <a:schemeClr val="accent1">
+              <a:shade val="50000"/>
+            </a:schemeClr>
+          </a:lnRef>
+          <a:fillRef idx="1">
+            <a:schemeClr val="accent1"/>
+          </a:fillRef>
+          <a:effectRef idx="0">
+            <a:schemeClr val="accent1"/>
+          </a:effectRef>
+          <a:fontRef idx="minor">
+            <a:schemeClr val="lt1"/>
+          </a:fontRef>
+        </p:style>
+        <p:txBody>
+          <a:bodyPr rot="0" spcFirstLastPara="0" vertOverflow="overflow" horzOverflow="overflow" vert="horz" wrap="square" lIns="91440" tIns="45720" rIns="91440" bIns="45720" numCol="1" spcCol="0" rtlCol="0" fromWordArt="0" anchor="ctr" anchorCtr="0" forceAA="0" compatLnSpc="1">
+            <a:prstTxWarp prst="textNoShape">
               <a:avLst/>
-            </a:prstGeom>
-            <a:solidFill>
-              <a:schemeClr val="accent5">
-                <a:lumMod val="40000"/>
-                <a:lumOff val="60000"/>
-              </a:schemeClr>
-            </a:solidFill>
-            <a:ln w="9525"/>
-          </p:spPr>
-          <p:style>
-            <a:lnRef idx="2">
-              <a:schemeClr val="accent1">
-                <a:shade val="50000"/>
-              </a:schemeClr>
-            </a:lnRef>
-            <a:fillRef idx="1">
-              <a:schemeClr val="accent1"/>
-            </a:fillRef>
-            <a:effectRef idx="0">
-              <a:schemeClr val="accent1"/>
-            </a:effectRef>
-            <a:fontRef idx="minor">
-              <a:schemeClr val="lt1"/>
-            </a:fontRef>
-          </p:style>
-          <p:txBody>
-            <a:bodyPr rot="0" spcFirstLastPara="0" vertOverflow="overflow" horzOverflow="overflow" vert="horz" wrap="square" lIns="91440" tIns="45720" rIns="91440" bIns="45720" numCol="1" spcCol="0" rtlCol="0" fromWordArt="0" anchor="ctr" anchorCtr="0" forceAA="0" compatLnSpc="1">
-              <a:prstTxWarp prst="textNoShape">
-                <a:avLst/>
-              </a:prstTxWarp>
-              <a:noAutofit/>
-            </a:bodyPr>
-            <a:lstStyle/>
-            <a:p>
-              <a:pPr algn="ctr"/>
-              <a:r>
-                <a:rPr lang="en-US" sz="900" dirty="0" smtClean="0">
-                  <a:solidFill>
-                    <a:schemeClr val="accent1">
-                      <a:lumMod val="50000"/>
-                    </a:schemeClr>
-                  </a:solidFill>
-                </a:rPr>
-                <a:t>Person</a:t>
-              </a:r>
-              <a:endParaRPr lang="en-US" sz="900" dirty="0" smtClean="0">
+            </a:prstTxWarp>
+            <a:noAutofit/>
+          </a:bodyPr>
+          <a:lstStyle/>
+          <a:p>
+            <a:pPr algn="ctr"/>
+            <a:r>
+              <a:rPr lang="en-US" sz="900" dirty="0" smtClean="0">
                 <a:solidFill>
                   <a:schemeClr val="accent1">
                     <a:lumMod val="50000"/>
                   </a:schemeClr>
                 </a:solidFill>
-              </a:endParaRPr>
-            </a:p>
-          </p:txBody>
-        </p:sp>
-        <p:sp>
-          <p:nvSpPr>
-            <p:cNvPr id="7" name="Oval 6"/>
-            <p:cNvSpPr/>
-            <p:nvPr/>
-          </p:nvSpPr>
-          <p:spPr>
-            <a:xfrm>
-              <a:off x="3602158" y="2501823"/>
-              <a:ext cx="807096" cy="807096"/>
-            </a:xfrm>
-            <a:prstGeom prst="ellipse">
+              </a:rPr>
+              <a:t>Person</a:t>
+            </a:r>
+          </a:p>
+        </p:txBody>
+      </p:sp>
+      <p:sp>
+        <p:nvSpPr>
+          <p:cNvPr id="7" name="Oval 6"/>
+          <p:cNvSpPr/>
+          <p:nvPr/>
+        </p:nvSpPr>
+        <p:spPr>
+          <a:xfrm>
+            <a:off x="4650565" y="3794595"/>
+            <a:ext cx="807096" cy="807096"/>
+          </a:xfrm>
+          <a:prstGeom prst="ellipse">
+            <a:avLst/>
+          </a:prstGeom>
+          <a:solidFill>
+            <a:schemeClr val="accent5">
+              <a:lumMod val="40000"/>
+              <a:lumOff val="60000"/>
+            </a:schemeClr>
+          </a:solidFill>
+          <a:ln w="9525"/>
+        </p:spPr>
+        <p:style>
+          <a:lnRef idx="2">
+            <a:schemeClr val="accent1">
+              <a:shade val="50000"/>
+            </a:schemeClr>
+          </a:lnRef>
+          <a:fillRef idx="1">
+            <a:schemeClr val="accent1"/>
+          </a:fillRef>
+          <a:effectRef idx="0">
+            <a:schemeClr val="accent1"/>
+          </a:effectRef>
+          <a:fontRef idx="minor">
+            <a:schemeClr val="lt1"/>
+          </a:fontRef>
+        </p:style>
+        <p:txBody>
+          <a:bodyPr rot="0" spcFirstLastPara="0" vertOverflow="overflow" horzOverflow="overflow" vert="horz" wrap="square" lIns="91440" tIns="45720" rIns="91440" bIns="45720" numCol="1" spcCol="0" rtlCol="0" fromWordArt="0" anchor="ctr" anchorCtr="0" forceAA="0" compatLnSpc="1">
+            <a:prstTxWarp prst="textNoShape">
               <a:avLst/>
-            </a:prstGeom>
-            <a:solidFill>
-              <a:schemeClr val="accent5">
-                <a:lumMod val="40000"/>
-                <a:lumOff val="60000"/>
-              </a:schemeClr>
-            </a:solidFill>
-            <a:ln w="9525"/>
-          </p:spPr>
-          <p:style>
-            <a:lnRef idx="2">
-              <a:schemeClr val="accent1">
-                <a:shade val="50000"/>
-              </a:schemeClr>
-            </a:lnRef>
-            <a:fillRef idx="1">
-              <a:schemeClr val="accent1"/>
-            </a:fillRef>
-            <a:effectRef idx="0">
-              <a:schemeClr val="accent1"/>
-            </a:effectRef>
-            <a:fontRef idx="minor">
-              <a:schemeClr val="lt1"/>
-            </a:fontRef>
-          </p:style>
-          <p:txBody>
-            <a:bodyPr rot="0" spcFirstLastPara="0" vertOverflow="overflow" horzOverflow="overflow" vert="horz" wrap="square" lIns="91440" tIns="45720" rIns="91440" bIns="45720" numCol="1" spcCol="0" rtlCol="0" fromWordArt="0" anchor="ctr" anchorCtr="0" forceAA="0" compatLnSpc="1">
-              <a:prstTxWarp prst="textNoShape">
-                <a:avLst/>
-              </a:prstTxWarp>
-              <a:noAutofit/>
-            </a:bodyPr>
-            <a:lstStyle/>
-            <a:p>
-              <a:pPr algn="ctr"/>
-              <a:r>
-                <a:rPr lang="en-US" sz="900" dirty="0" smtClean="0">
-                  <a:solidFill>
-                    <a:schemeClr val="accent1">
-                      <a:lumMod val="50000"/>
-                    </a:schemeClr>
-                  </a:solidFill>
-                </a:rPr>
-                <a:t>Person</a:t>
-              </a:r>
-              <a:endParaRPr lang="en-US" sz="900" dirty="0" smtClean="0">
+            </a:prstTxWarp>
+            <a:noAutofit/>
+          </a:bodyPr>
+          <a:lstStyle/>
+          <a:p>
+            <a:pPr algn="ctr"/>
+            <a:r>
+              <a:rPr lang="en-US" sz="900" dirty="0" smtClean="0">
                 <a:solidFill>
                   <a:schemeClr val="accent1">
                     <a:lumMod val="50000"/>
                   </a:schemeClr>
                 </a:solidFill>
-              </a:endParaRPr>
-            </a:p>
-          </p:txBody>
-        </p:sp>
-        <p:sp>
-          <p:nvSpPr>
-            <p:cNvPr id="8" name="Oval 7"/>
-            <p:cNvSpPr/>
-            <p:nvPr/>
-          </p:nvSpPr>
-          <p:spPr>
-            <a:xfrm>
-              <a:off x="5064369" y="2527311"/>
-              <a:ext cx="807096" cy="807096"/>
-            </a:xfrm>
-            <a:prstGeom prst="ellipse">
+              </a:rPr>
+              <a:t>Person</a:t>
+            </a:r>
+          </a:p>
+        </p:txBody>
+      </p:sp>
+      <p:sp>
+        <p:nvSpPr>
+          <p:cNvPr id="8" name="Oval 7"/>
+          <p:cNvSpPr/>
+          <p:nvPr/>
+        </p:nvSpPr>
+        <p:spPr>
+          <a:xfrm>
+            <a:off x="6112776" y="3820083"/>
+            <a:ext cx="807096" cy="807096"/>
+          </a:xfrm>
+          <a:prstGeom prst="ellipse">
+            <a:avLst/>
+          </a:prstGeom>
+          <a:solidFill>
+            <a:schemeClr val="accent5">
+              <a:lumMod val="40000"/>
+              <a:lumOff val="60000"/>
+            </a:schemeClr>
+          </a:solidFill>
+          <a:ln w="9525"/>
+        </p:spPr>
+        <p:style>
+          <a:lnRef idx="2">
+            <a:schemeClr val="accent1">
+              <a:shade val="50000"/>
+            </a:schemeClr>
+          </a:lnRef>
+          <a:fillRef idx="1">
+            <a:schemeClr val="accent1"/>
+          </a:fillRef>
+          <a:effectRef idx="0">
+            <a:schemeClr val="accent1"/>
+          </a:effectRef>
+          <a:fontRef idx="minor">
+            <a:schemeClr val="lt1"/>
+          </a:fontRef>
+        </p:style>
+        <p:txBody>
+          <a:bodyPr rot="0" spcFirstLastPara="0" vertOverflow="overflow" horzOverflow="overflow" vert="horz" wrap="square" lIns="91440" tIns="45720" rIns="91440" bIns="45720" numCol="1" spcCol="0" rtlCol="0" fromWordArt="0" anchor="ctr" anchorCtr="0" forceAA="0" compatLnSpc="1">
+            <a:prstTxWarp prst="textNoShape">
               <a:avLst/>
-            </a:prstGeom>
-            <a:solidFill>
-              <a:schemeClr val="accent5">
-                <a:lumMod val="40000"/>
-                <a:lumOff val="60000"/>
-              </a:schemeClr>
-            </a:solidFill>
-            <a:ln w="9525"/>
-          </p:spPr>
-          <p:style>
-            <a:lnRef idx="2">
-              <a:schemeClr val="accent1">
-                <a:shade val="50000"/>
-              </a:schemeClr>
-            </a:lnRef>
-            <a:fillRef idx="1">
-              <a:schemeClr val="accent1"/>
-            </a:fillRef>
-            <a:effectRef idx="0">
-              <a:schemeClr val="accent1"/>
-            </a:effectRef>
-            <a:fontRef idx="minor">
-              <a:schemeClr val="lt1"/>
-            </a:fontRef>
-          </p:style>
-          <p:txBody>
-            <a:bodyPr rot="0" spcFirstLastPara="0" vertOverflow="overflow" horzOverflow="overflow" vert="horz" wrap="square" lIns="91440" tIns="45720" rIns="91440" bIns="45720" numCol="1" spcCol="0" rtlCol="0" fromWordArt="0" anchor="ctr" anchorCtr="0" forceAA="0" compatLnSpc="1">
-              <a:prstTxWarp prst="textNoShape">
-                <a:avLst/>
-              </a:prstTxWarp>
-              <a:noAutofit/>
-            </a:bodyPr>
-            <a:lstStyle/>
-            <a:p>
-              <a:pPr algn="ctr"/>
-              <a:r>
-                <a:rPr lang="en-US" sz="900" dirty="0" smtClean="0">
-                  <a:solidFill>
-                    <a:schemeClr val="accent1">
-                      <a:lumMod val="50000"/>
-                    </a:schemeClr>
-                  </a:solidFill>
-                </a:rPr>
-                <a:t>Person</a:t>
-              </a:r>
-              <a:endParaRPr lang="en-US" sz="900" dirty="0" smtClean="0">
+            </a:prstTxWarp>
+            <a:noAutofit/>
+          </a:bodyPr>
+          <a:lstStyle/>
+          <a:p>
+            <a:pPr algn="ctr"/>
+            <a:r>
+              <a:rPr lang="en-US" sz="900" dirty="0" smtClean="0">
                 <a:solidFill>
                   <a:schemeClr val="accent1">
                     <a:lumMod val="50000"/>
                   </a:schemeClr>
                 </a:solidFill>
-              </a:endParaRPr>
-            </a:p>
-          </p:txBody>
-        </p:sp>
-        <p:sp>
-          <p:nvSpPr>
-            <p:cNvPr id="9" name="Oval 8"/>
-            <p:cNvSpPr/>
-            <p:nvPr/>
-          </p:nvSpPr>
-          <p:spPr>
-            <a:xfrm>
-              <a:off x="4338457" y="302172"/>
-              <a:ext cx="807096" cy="807096"/>
-            </a:xfrm>
-            <a:prstGeom prst="ellipse">
+              </a:rPr>
+              <a:t>Person</a:t>
+            </a:r>
+          </a:p>
+        </p:txBody>
+      </p:sp>
+      <p:sp>
+        <p:nvSpPr>
+          <p:cNvPr id="9" name="Oval 8"/>
+          <p:cNvSpPr/>
+          <p:nvPr/>
+        </p:nvSpPr>
+        <p:spPr>
+          <a:xfrm>
+            <a:off x="5386864" y="1594944"/>
+            <a:ext cx="807096" cy="807096"/>
+          </a:xfrm>
+          <a:prstGeom prst="ellipse">
+            <a:avLst/>
+          </a:prstGeom>
+          <a:solidFill>
+            <a:schemeClr val="accent5">
+              <a:lumMod val="40000"/>
+              <a:lumOff val="60000"/>
+            </a:schemeClr>
+          </a:solidFill>
+          <a:ln w="9525"/>
+        </p:spPr>
+        <p:style>
+          <a:lnRef idx="2">
+            <a:schemeClr val="accent1">
+              <a:shade val="50000"/>
+            </a:schemeClr>
+          </a:lnRef>
+          <a:fillRef idx="1">
+            <a:schemeClr val="accent1"/>
+          </a:fillRef>
+          <a:effectRef idx="0">
+            <a:schemeClr val="accent1"/>
+          </a:effectRef>
+          <a:fontRef idx="minor">
+            <a:schemeClr val="lt1"/>
+          </a:fontRef>
+        </p:style>
+        <p:txBody>
+          <a:bodyPr rot="0" spcFirstLastPara="0" vertOverflow="overflow" horzOverflow="overflow" vert="horz" wrap="square" lIns="91440" tIns="45720" rIns="91440" bIns="45720" numCol="1" spcCol="0" rtlCol="0" fromWordArt="0" anchor="ctr" anchorCtr="0" forceAA="0" compatLnSpc="1">
+            <a:prstTxWarp prst="textNoShape">
               <a:avLst/>
-            </a:prstGeom>
-            <a:solidFill>
-              <a:schemeClr val="accent5">
-                <a:lumMod val="40000"/>
-                <a:lumOff val="60000"/>
-              </a:schemeClr>
-            </a:solidFill>
-            <a:ln w="9525"/>
-          </p:spPr>
-          <p:style>
-            <a:lnRef idx="2">
-              <a:schemeClr val="accent1">
-                <a:shade val="50000"/>
-              </a:schemeClr>
-            </a:lnRef>
-            <a:fillRef idx="1">
-              <a:schemeClr val="accent1"/>
-            </a:fillRef>
-            <a:effectRef idx="0">
-              <a:schemeClr val="accent1"/>
-            </a:effectRef>
-            <a:fontRef idx="minor">
-              <a:schemeClr val="lt1"/>
-            </a:fontRef>
-          </p:style>
-          <p:txBody>
-            <a:bodyPr rot="0" spcFirstLastPara="0" vertOverflow="overflow" horzOverflow="overflow" vert="horz" wrap="square" lIns="91440" tIns="45720" rIns="91440" bIns="45720" numCol="1" spcCol="0" rtlCol="0" fromWordArt="0" anchor="ctr" anchorCtr="0" forceAA="0" compatLnSpc="1">
-              <a:prstTxWarp prst="textNoShape">
-                <a:avLst/>
-              </a:prstTxWarp>
-              <a:noAutofit/>
-            </a:bodyPr>
-            <a:lstStyle/>
-            <a:p>
-              <a:pPr algn="ctr"/>
-              <a:r>
-                <a:rPr lang="en-US" sz="900" dirty="0" smtClean="0">
-                  <a:solidFill>
-                    <a:schemeClr val="accent1">
-                      <a:lumMod val="50000"/>
-                    </a:schemeClr>
-                  </a:solidFill>
-                </a:rPr>
-                <a:t>Person</a:t>
-              </a:r>
-              <a:endParaRPr lang="en-US" sz="900" dirty="0" smtClean="0">
+            </a:prstTxWarp>
+            <a:noAutofit/>
+          </a:bodyPr>
+          <a:lstStyle/>
+          <a:p>
+            <a:pPr algn="ctr"/>
+            <a:r>
+              <a:rPr lang="en-US" sz="900" dirty="0" smtClean="0">
                 <a:solidFill>
                   <a:schemeClr val="accent1">
                     <a:lumMod val="50000"/>
                   </a:schemeClr>
                 </a:solidFill>
-              </a:endParaRPr>
-            </a:p>
-          </p:txBody>
-        </p:sp>
-        <p:cxnSp>
-          <p:nvCxnSpPr>
-            <p:cNvPr id="13" name="Straight Arrow Connector 12"/>
-            <p:cNvCxnSpPr>
-              <a:endCxn id="4" idx="0"/>
-            </p:cNvCxnSpPr>
-            <p:nvPr/>
-          </p:nvCxnSpPr>
-          <p:spPr>
-            <a:xfrm flipH="1">
-              <a:off x="4750853" y="1107993"/>
-              <a:ext cx="1" cy="418769"/>
-            </a:xfrm>
-            <a:prstGeom prst="straightConnector1">
+              </a:rPr>
+              <a:t>Person</a:t>
+            </a:r>
+          </a:p>
+        </p:txBody>
+      </p:sp>
+      <p:cxnSp>
+        <p:nvCxnSpPr>
+          <p:cNvPr id="13" name="Straight Arrow Connector 12"/>
+          <p:cNvCxnSpPr>
+            <a:endCxn id="4" idx="0"/>
+          </p:cNvCxnSpPr>
+          <p:nvPr/>
+        </p:nvCxnSpPr>
+        <p:spPr>
+          <a:xfrm flipH="1">
+            <a:off x="5799260" y="2400765"/>
+            <a:ext cx="1" cy="418769"/>
+          </a:xfrm>
+          <a:prstGeom prst="straightConnector1">
+            <a:avLst/>
+          </a:prstGeom>
+          <a:ln w="28575">
+            <a:headEnd type="triangle" w="med" len="med"/>
+            <a:tailEnd type="triangle" w="med" len="med"/>
+          </a:ln>
+        </p:spPr>
+        <p:style>
+          <a:lnRef idx="1">
+            <a:schemeClr val="accent1"/>
+          </a:lnRef>
+          <a:fillRef idx="0">
+            <a:schemeClr val="accent1"/>
+          </a:fillRef>
+          <a:effectRef idx="0">
+            <a:schemeClr val="accent1"/>
+          </a:effectRef>
+          <a:fontRef idx="minor">
+            <a:schemeClr val="tx1"/>
+          </a:fontRef>
+        </p:style>
+      </p:cxnSp>
+      <p:cxnSp>
+        <p:nvCxnSpPr>
+          <p:cNvPr id="15" name="Straight Arrow Connector 14"/>
+          <p:cNvCxnSpPr/>
+          <p:nvPr/>
+        </p:nvCxnSpPr>
+        <p:spPr>
+          <a:xfrm flipV="1">
+            <a:off x="6159976" y="2918866"/>
+            <a:ext cx="418769" cy="132168"/>
+          </a:xfrm>
+          <a:prstGeom prst="straightConnector1">
+            <a:avLst/>
+          </a:prstGeom>
+          <a:ln w="28575">
+            <a:headEnd type="triangle" w="med" len="med"/>
+            <a:tailEnd type="triangle"/>
+          </a:ln>
+        </p:spPr>
+        <p:style>
+          <a:lnRef idx="1">
+            <a:schemeClr val="accent1"/>
+          </a:lnRef>
+          <a:fillRef idx="0">
+            <a:schemeClr val="accent1"/>
+          </a:fillRef>
+          <a:effectRef idx="0">
+            <a:schemeClr val="accent1"/>
+          </a:effectRef>
+          <a:fontRef idx="minor">
+            <a:schemeClr val="tx1"/>
+          </a:fontRef>
+        </p:style>
+      </p:cxnSp>
+      <p:cxnSp>
+        <p:nvCxnSpPr>
+          <p:cNvPr id="17" name="Straight Arrow Connector 16"/>
+          <p:cNvCxnSpPr/>
+          <p:nvPr/>
+        </p:nvCxnSpPr>
+        <p:spPr>
+          <a:xfrm>
+            <a:off x="6031124" y="3564542"/>
+            <a:ext cx="251067" cy="331334"/>
+          </a:xfrm>
+          <a:prstGeom prst="straightConnector1">
+            <a:avLst/>
+          </a:prstGeom>
+          <a:ln w="28575">
+            <a:headEnd type="triangle" w="med" len="med"/>
+            <a:tailEnd type="triangle"/>
+          </a:ln>
+        </p:spPr>
+        <p:style>
+          <a:lnRef idx="1">
+            <a:schemeClr val="accent1"/>
+          </a:lnRef>
+          <a:fillRef idx="0">
+            <a:schemeClr val="accent1"/>
+          </a:fillRef>
+          <a:effectRef idx="0">
+            <a:schemeClr val="accent1"/>
+          </a:effectRef>
+          <a:fontRef idx="minor">
+            <a:schemeClr val="tx1"/>
+          </a:fontRef>
+        </p:style>
+      </p:cxnSp>
+      <p:cxnSp>
+        <p:nvCxnSpPr>
+          <p:cNvPr id="48" name="Straight Arrow Connector 47"/>
+          <p:cNvCxnSpPr/>
+          <p:nvPr/>
+        </p:nvCxnSpPr>
+        <p:spPr>
+          <a:xfrm>
+            <a:off x="5037121" y="2918866"/>
+            <a:ext cx="390836" cy="155186"/>
+          </a:xfrm>
+          <a:prstGeom prst="straightConnector1">
+            <a:avLst/>
+          </a:prstGeom>
+          <a:ln w="28575">
+            <a:headEnd type="triangle" w="med" len="med"/>
+            <a:tailEnd type="triangle" w="med" len="med"/>
+          </a:ln>
+        </p:spPr>
+        <p:style>
+          <a:lnRef idx="1">
+            <a:schemeClr val="accent1"/>
+          </a:lnRef>
+          <a:fillRef idx="0">
+            <a:schemeClr val="accent1"/>
+          </a:fillRef>
+          <a:effectRef idx="0">
+            <a:schemeClr val="accent1"/>
+          </a:effectRef>
+          <a:fontRef idx="minor">
+            <a:schemeClr val="tx1"/>
+          </a:fontRef>
+        </p:style>
+      </p:cxnSp>
+      <p:cxnSp>
+        <p:nvCxnSpPr>
+          <p:cNvPr id="53" name="Straight Arrow Connector 52"/>
+          <p:cNvCxnSpPr/>
+          <p:nvPr/>
+        </p:nvCxnSpPr>
+        <p:spPr>
+          <a:xfrm flipH="1">
+            <a:off x="5301197" y="3564542"/>
+            <a:ext cx="269123" cy="315330"/>
+          </a:xfrm>
+          <a:prstGeom prst="straightConnector1">
+            <a:avLst/>
+          </a:prstGeom>
+          <a:ln w="28575">
+            <a:headEnd type="triangle" w="med" len="med"/>
+            <a:tailEnd type="triangle" w="med" len="med"/>
+          </a:ln>
+        </p:spPr>
+        <p:style>
+          <a:lnRef idx="1">
+            <a:schemeClr val="accent1"/>
+          </a:lnRef>
+          <a:fillRef idx="0">
+            <a:schemeClr val="accent1"/>
+          </a:fillRef>
+          <a:effectRef idx="0">
+            <a:schemeClr val="accent1"/>
+          </a:effectRef>
+          <a:fontRef idx="minor">
+            <a:schemeClr val="tx1"/>
+          </a:fontRef>
+        </p:style>
+      </p:cxnSp>
+      <p:sp>
+        <p:nvSpPr>
+          <p:cNvPr id="10" name="Oval 9"/>
+          <p:cNvSpPr/>
+          <p:nvPr/>
+        </p:nvSpPr>
+        <p:spPr>
+          <a:xfrm>
+            <a:off x="4511630" y="1935453"/>
+            <a:ext cx="2575257" cy="2575257"/>
+          </a:xfrm>
+          <a:prstGeom prst="ellipse">
+            <a:avLst/>
+          </a:prstGeom>
+          <a:noFill/>
+          <a:ln w="9525"/>
+        </p:spPr>
+        <p:style>
+          <a:lnRef idx="2">
+            <a:schemeClr val="accent1">
+              <a:shade val="50000"/>
+            </a:schemeClr>
+          </a:lnRef>
+          <a:fillRef idx="1">
+            <a:schemeClr val="accent1"/>
+          </a:fillRef>
+          <a:effectRef idx="0">
+            <a:schemeClr val="accent1"/>
+          </a:effectRef>
+          <a:fontRef idx="minor">
+            <a:schemeClr val="lt1"/>
+          </a:fontRef>
+        </p:style>
+        <p:txBody>
+          <a:bodyPr rot="0" spcFirstLastPara="0" vertOverflow="overflow" horzOverflow="overflow" vert="horz" wrap="square" lIns="91440" tIns="45720" rIns="91440" bIns="45720" numCol="1" spcCol="0" rtlCol="0" fromWordArt="0" anchor="ctr" anchorCtr="0" forceAA="0" compatLnSpc="1">
+            <a:prstTxWarp prst="textNoShape">
               <a:avLst/>
-            </a:prstGeom>
-            <a:ln w="28575">
-              <a:headEnd type="triangle" w="med" len="med"/>
-              <a:tailEnd type="triangle" w="med" len="med"/>
-            </a:ln>
-          </p:spPr>
-          <p:style>
-            <a:lnRef idx="1">
-              <a:schemeClr val="accent1"/>
-            </a:lnRef>
-            <a:fillRef idx="0">
-              <a:schemeClr val="accent1"/>
-            </a:fillRef>
-            <a:effectRef idx="0">
-              <a:schemeClr val="accent1"/>
-            </a:effectRef>
-            <a:fontRef idx="minor">
-              <a:schemeClr val="tx1"/>
-            </a:fontRef>
-          </p:style>
-        </p:cxnSp>
-        <p:cxnSp>
-          <p:nvCxnSpPr>
-            <p:cNvPr id="15" name="Straight Arrow Connector 14"/>
-            <p:cNvCxnSpPr/>
-            <p:nvPr/>
-          </p:nvCxnSpPr>
-          <p:spPr>
-            <a:xfrm flipV="1">
-              <a:off x="5111569" y="1626094"/>
-              <a:ext cx="418769" cy="132168"/>
-            </a:xfrm>
-            <a:prstGeom prst="straightConnector1">
+            </a:prstTxWarp>
+            <a:noAutofit/>
+          </a:bodyPr>
+          <a:lstStyle/>
+          <a:p>
+            <a:pPr algn="ctr"/>
+            <a:endParaRPr lang="en-US" dirty="0" err="1" smtClean="0">
+              <a:solidFill>
+                <a:schemeClr val="accent1">
+                  <a:lumMod val="50000"/>
+                </a:schemeClr>
+              </a:solidFill>
+            </a:endParaRPr>
+          </a:p>
+        </p:txBody>
+      </p:sp>
+      <p:sp>
+        <p:nvSpPr>
+          <p:cNvPr id="18" name="Oval 17"/>
+          <p:cNvSpPr/>
+          <p:nvPr/>
+        </p:nvSpPr>
+        <p:spPr>
+          <a:xfrm>
+            <a:off x="6546500" y="2459854"/>
+            <a:ext cx="664418" cy="664418"/>
+          </a:xfrm>
+          <a:prstGeom prst="ellipse">
+            <a:avLst/>
+          </a:prstGeom>
+          <a:solidFill>
+            <a:schemeClr val="accent2">
+              <a:lumMod val="60000"/>
+              <a:lumOff val="40000"/>
+            </a:schemeClr>
+          </a:solidFill>
+          <a:ln w="9525"/>
+        </p:spPr>
+        <p:style>
+          <a:lnRef idx="2">
+            <a:schemeClr val="accent1">
+              <a:shade val="50000"/>
+            </a:schemeClr>
+          </a:lnRef>
+          <a:fillRef idx="1">
+            <a:schemeClr val="accent1"/>
+          </a:fillRef>
+          <a:effectRef idx="0">
+            <a:schemeClr val="accent1"/>
+          </a:effectRef>
+          <a:fontRef idx="minor">
+            <a:schemeClr val="lt1"/>
+          </a:fontRef>
+        </p:style>
+        <p:txBody>
+          <a:bodyPr rot="0" spcFirstLastPara="0" vertOverflow="overflow" horzOverflow="overflow" vert="horz" wrap="square" lIns="91440" tIns="45720" rIns="91440" bIns="45720" numCol="1" spcCol="0" rtlCol="0" fromWordArt="0" anchor="ctr" anchorCtr="0" forceAA="0" compatLnSpc="1">
+            <a:prstTxWarp prst="textNoShape">
               <a:avLst/>
-            </a:prstGeom>
-            <a:ln w="28575">
-              <a:headEnd type="triangle" w="med" len="med"/>
-              <a:tailEnd type="triangle"/>
-            </a:ln>
-          </p:spPr>
-          <p:style>
-            <a:lnRef idx="1">
-              <a:schemeClr val="accent1"/>
-            </a:lnRef>
-            <a:fillRef idx="0">
-              <a:schemeClr val="accent1"/>
-            </a:fillRef>
-            <a:effectRef idx="0">
-              <a:schemeClr val="accent1"/>
-            </a:effectRef>
-            <a:fontRef idx="minor">
-              <a:schemeClr val="tx1"/>
-            </a:fontRef>
-          </p:style>
-        </p:cxnSp>
-        <p:cxnSp>
-          <p:nvCxnSpPr>
-            <p:cNvPr id="17" name="Straight Arrow Connector 16"/>
-            <p:cNvCxnSpPr/>
-            <p:nvPr/>
-          </p:nvCxnSpPr>
-          <p:spPr>
-            <a:xfrm>
-              <a:off x="4982717" y="2271770"/>
-              <a:ext cx="251067" cy="331334"/>
-            </a:xfrm>
-            <a:prstGeom prst="straightConnector1">
-              <a:avLst/>
-            </a:prstGeom>
-            <a:ln w="28575">
-              <a:headEnd type="triangle" w="med" len="med"/>
-              <a:tailEnd type="triangle"/>
-            </a:ln>
-          </p:spPr>
-          <p:style>
-            <a:lnRef idx="1">
-              <a:schemeClr val="accent1"/>
-            </a:lnRef>
-            <a:fillRef idx="0">
-              <a:schemeClr val="accent1"/>
-            </a:fillRef>
-            <a:effectRef idx="0">
-              <a:schemeClr val="accent1"/>
-            </a:effectRef>
-            <a:fontRef idx="minor">
-              <a:schemeClr val="tx1"/>
-            </a:fontRef>
-          </p:style>
-        </p:cxnSp>
-        <p:cxnSp>
-          <p:nvCxnSpPr>
-            <p:cNvPr id="48" name="Straight Arrow Connector 47"/>
-            <p:cNvCxnSpPr/>
-            <p:nvPr/>
-          </p:nvCxnSpPr>
-          <p:spPr>
-            <a:xfrm>
-              <a:off x="3988714" y="1626094"/>
-              <a:ext cx="390836" cy="155186"/>
-            </a:xfrm>
-            <a:prstGeom prst="straightConnector1">
-              <a:avLst/>
-            </a:prstGeom>
-            <a:ln w="28575">
-              <a:headEnd type="triangle" w="med" len="med"/>
-              <a:tailEnd type="triangle" w="med" len="med"/>
-            </a:ln>
-          </p:spPr>
-          <p:style>
-            <a:lnRef idx="1">
-              <a:schemeClr val="accent1"/>
-            </a:lnRef>
-            <a:fillRef idx="0">
-              <a:schemeClr val="accent1"/>
-            </a:fillRef>
-            <a:effectRef idx="0">
-              <a:schemeClr val="accent1"/>
-            </a:effectRef>
-            <a:fontRef idx="minor">
-              <a:schemeClr val="tx1"/>
-            </a:fontRef>
-          </p:style>
-        </p:cxnSp>
-        <p:cxnSp>
-          <p:nvCxnSpPr>
-            <p:cNvPr id="53" name="Straight Arrow Connector 52"/>
-            <p:cNvCxnSpPr/>
-            <p:nvPr/>
-          </p:nvCxnSpPr>
-          <p:spPr>
-            <a:xfrm flipH="1">
-              <a:off x="4252790" y="2271770"/>
-              <a:ext cx="269123" cy="315330"/>
-            </a:xfrm>
-            <a:prstGeom prst="straightConnector1">
-              <a:avLst/>
-            </a:prstGeom>
-            <a:ln w="28575">
-              <a:headEnd type="triangle" w="med" len="med"/>
-              <a:tailEnd type="triangle" w="med" len="med"/>
-            </a:ln>
-          </p:spPr>
-          <p:style>
-            <a:lnRef idx="1">
-              <a:schemeClr val="accent1"/>
-            </a:lnRef>
-            <a:fillRef idx="0">
-              <a:schemeClr val="accent1"/>
-            </a:fillRef>
-            <a:effectRef idx="0">
-              <a:schemeClr val="accent1"/>
-            </a:effectRef>
-            <a:fontRef idx="minor">
-              <a:schemeClr val="tx1"/>
-            </a:fontRef>
-          </p:style>
-        </p:cxnSp>
-      </p:grpSp>
+            </a:prstTxWarp>
+            <a:noAutofit/>
+          </a:bodyPr>
+          <a:lstStyle/>
+          <a:p>
+            <a:pPr algn="ctr"/>
+            <a:r>
+              <a:rPr lang="en-US" sz="900" dirty="0" err="1" smtClean="0">
+                <a:solidFill>
+                  <a:schemeClr val="accent1">
+                    <a:lumMod val="50000"/>
+                  </a:schemeClr>
+                </a:solidFill>
+              </a:rPr>
+              <a:t>LivesAt</a:t>
+            </a:r>
+            <a:endParaRPr lang="en-US" sz="900" dirty="0" smtClean="0">
+              <a:solidFill>
+                <a:schemeClr val="accent1">
+                  <a:lumMod val="50000"/>
+                </a:schemeClr>
+              </a:solidFill>
+            </a:endParaRPr>
+          </a:p>
+        </p:txBody>
+      </p:sp>
+      <p:cxnSp>
+        <p:nvCxnSpPr>
+          <p:cNvPr id="22" name="Straight Arrow Connector 21"/>
+          <p:cNvCxnSpPr/>
+          <p:nvPr/>
+        </p:nvCxnSpPr>
+        <p:spPr>
+          <a:xfrm flipV="1">
+            <a:off x="7182302" y="2566925"/>
+            <a:ext cx="418769" cy="132168"/>
+          </a:xfrm>
+          <a:prstGeom prst="straightConnector1">
+            <a:avLst/>
+          </a:prstGeom>
+          <a:ln w="28575">
+            <a:headEnd type="triangle" w="med" len="med"/>
+            <a:tailEnd type="triangle"/>
+          </a:ln>
+        </p:spPr>
+        <p:style>
+          <a:lnRef idx="1">
+            <a:schemeClr val="accent1"/>
+          </a:lnRef>
+          <a:fillRef idx="0">
+            <a:schemeClr val="accent1"/>
+          </a:fillRef>
+          <a:effectRef idx="0">
+            <a:schemeClr val="accent1"/>
+          </a:effectRef>
+          <a:fontRef idx="minor">
+            <a:schemeClr val="tx1"/>
+          </a:fontRef>
+        </p:style>
+      </p:cxnSp>
+      <p:cxnSp>
+        <p:nvCxnSpPr>
+          <p:cNvPr id="3" name="Straight Connector 2"/>
+          <p:cNvCxnSpPr/>
+          <p:nvPr/>
+        </p:nvCxnSpPr>
+        <p:spPr>
+          <a:xfrm flipV="1">
+            <a:off x="6480298" y="858975"/>
+            <a:ext cx="2514160" cy="851149"/>
+          </a:xfrm>
+          <a:prstGeom prst="line">
+            <a:avLst/>
+          </a:prstGeom>
+          <a:ln w="12700">
+            <a:solidFill>
+              <a:srgbClr val="FFC000"/>
+            </a:solidFill>
+            <a:headEnd type="none" w="med" len="med"/>
+            <a:tailEnd type="none" w="med" len="med"/>
+          </a:ln>
+        </p:spPr>
+        <p:style>
+          <a:lnRef idx="1">
+            <a:schemeClr val="accent1"/>
+          </a:lnRef>
+          <a:fillRef idx="0">
+            <a:schemeClr val="accent1"/>
+          </a:fillRef>
+          <a:effectRef idx="0">
+            <a:schemeClr val="accent1"/>
+          </a:effectRef>
+          <a:fontRef idx="minor">
+            <a:schemeClr val="tx1"/>
+          </a:fontRef>
+        </p:style>
+      </p:cxnSp>
     </p:spTree>
     <p:extLst>
       <p:ext uri="{BB962C8B-B14F-4D97-AF65-F5344CB8AC3E}">
@@ -11141,588 +14020,908 @@
           <a:chExt cx="0" cy="0"/>
         </a:xfrm>
       </p:grpSpPr>
-      <p:grpSp>
-        <p:nvGrpSpPr>
-          <p:cNvPr id="4" name="Group 3"/>
-          <p:cNvGrpSpPr/>
+      <p:sp>
+        <p:nvSpPr>
+          <p:cNvPr id="5" name="Oval 4"/>
+          <p:cNvSpPr/>
           <p:nvPr/>
-        </p:nvGrpSpPr>
-        <p:grpSpPr>
+        </p:nvSpPr>
+        <p:spPr>
           <a:xfrm>
-            <a:off x="3208281" y="1206062"/>
-            <a:ext cx="4560173" cy="4349899"/>
-            <a:chOff x="3735114" y="980089"/>
-            <a:chExt cx="4560173" cy="4349899"/>
+            <a:off x="7806453" y="2035035"/>
+            <a:ext cx="807096" cy="807096"/>
           </a:xfrm>
-        </p:grpSpPr>
-        <p:sp>
-          <p:nvSpPr>
-            <p:cNvPr id="5" name="Oval 4"/>
-            <p:cNvSpPr/>
-            <p:nvPr/>
-          </p:nvSpPr>
-          <p:spPr>
-            <a:xfrm>
-              <a:off x="5938345" y="3132704"/>
-              <a:ext cx="141890" cy="141890"/>
-            </a:xfrm>
-            <a:prstGeom prst="ellipse">
+          <a:prstGeom prst="ellipse">
+            <a:avLst/>
+          </a:prstGeom>
+          <a:solidFill>
+            <a:schemeClr val="accent5">
+              <a:lumMod val="40000"/>
+              <a:lumOff val="60000"/>
+            </a:schemeClr>
+          </a:solidFill>
+          <a:ln w="9525"/>
+        </p:spPr>
+        <p:style>
+          <a:lnRef idx="2">
+            <a:schemeClr val="accent1">
+              <a:shade val="50000"/>
+            </a:schemeClr>
+          </a:lnRef>
+          <a:fillRef idx="1">
+            <a:schemeClr val="accent1"/>
+          </a:fillRef>
+          <a:effectRef idx="0">
+            <a:schemeClr val="accent1"/>
+          </a:effectRef>
+          <a:fontRef idx="minor">
+            <a:schemeClr val="lt1"/>
+          </a:fontRef>
+        </p:style>
+        <p:txBody>
+          <a:bodyPr rot="0" spcFirstLastPara="0" vertOverflow="overflow" horzOverflow="overflow" vert="horz" wrap="square" lIns="91440" tIns="45720" rIns="91440" bIns="45720" numCol="1" spcCol="0" rtlCol="0" fromWordArt="0" anchor="ctr" anchorCtr="0" forceAA="0" compatLnSpc="1">
+            <a:prstTxWarp prst="textNoShape">
               <a:avLst/>
-            </a:prstGeom>
-            <a:solidFill>
-              <a:schemeClr val="accent4">
-                <a:lumMod val="60000"/>
-                <a:lumOff val="40000"/>
-              </a:schemeClr>
-            </a:solidFill>
-            <a:ln w="9525"/>
-          </p:spPr>
-          <p:style>
-            <a:lnRef idx="2">
-              <a:schemeClr val="accent1">
-                <a:shade val="50000"/>
-              </a:schemeClr>
-            </a:lnRef>
-            <a:fillRef idx="1">
-              <a:schemeClr val="accent1"/>
-            </a:fillRef>
-            <a:effectRef idx="0">
-              <a:schemeClr val="accent1"/>
-            </a:effectRef>
-            <a:fontRef idx="minor">
-              <a:schemeClr val="lt1"/>
-            </a:fontRef>
-          </p:style>
-          <p:txBody>
-            <a:bodyPr rot="0" spcFirstLastPara="0" vertOverflow="overflow" horzOverflow="overflow" vert="horz" wrap="square" lIns="91440" tIns="45720" rIns="91440" bIns="45720" numCol="1" spcCol="0" rtlCol="0" fromWordArt="0" anchor="ctr" anchorCtr="0" forceAA="0" compatLnSpc="1">
-              <a:prstTxWarp prst="textNoShape">
-                <a:avLst/>
-              </a:prstTxWarp>
-              <a:noAutofit/>
-            </a:bodyPr>
-            <a:lstStyle/>
-            <a:p>
-              <a:pPr algn="ctr"/>
-              <a:endParaRPr lang="en-US" dirty="0" err="1" smtClean="0">
+            </a:prstTxWarp>
+            <a:noAutofit/>
+          </a:bodyPr>
+          <a:lstStyle/>
+          <a:p>
+            <a:pPr algn="ctr"/>
+            <a:r>
+              <a:rPr lang="en-US" sz="900" dirty="0" smtClean="0">
                 <a:solidFill>
                   <a:schemeClr val="accent1">
                     <a:lumMod val="50000"/>
                   </a:schemeClr>
                 </a:solidFill>
-              </a:endParaRPr>
-            </a:p>
-          </p:txBody>
-        </p:sp>
-        <p:grpSp>
-          <p:nvGrpSpPr>
-            <p:cNvPr id="6" name="Group 5"/>
-            <p:cNvGrpSpPr/>
-            <p:nvPr/>
-          </p:nvGrpSpPr>
-          <p:grpSpPr>
-            <a:xfrm>
-              <a:off x="3735114" y="980089"/>
-              <a:ext cx="4560173" cy="4349899"/>
-              <a:chOff x="3735114" y="980089"/>
-              <a:chExt cx="4560173" cy="4349899"/>
-            </a:xfrm>
-          </p:grpSpPr>
-          <p:sp>
-            <p:nvSpPr>
-              <p:cNvPr id="7" name="Oval 6"/>
-              <p:cNvSpPr/>
-              <p:nvPr/>
-            </p:nvSpPr>
-            <p:spPr>
-              <a:xfrm>
-                <a:off x="8153397" y="2574380"/>
-                <a:ext cx="141890" cy="141890"/>
-              </a:xfrm>
-              <a:prstGeom prst="ellipse">
-                <a:avLst/>
-              </a:prstGeom>
+              </a:rPr>
+              <a:t>Person</a:t>
+            </a:r>
+          </a:p>
+        </p:txBody>
+      </p:sp>
+      <p:sp>
+        <p:nvSpPr>
+          <p:cNvPr id="6" name="Oval 5"/>
+          <p:cNvSpPr/>
+          <p:nvPr/>
+        </p:nvSpPr>
+        <p:spPr>
+          <a:xfrm>
+            <a:off x="7848675" y="2935190"/>
+            <a:ext cx="807096" cy="807096"/>
+          </a:xfrm>
+          <a:prstGeom prst="ellipse">
+            <a:avLst/>
+          </a:prstGeom>
+          <a:solidFill>
+            <a:schemeClr val="accent5">
+              <a:lumMod val="40000"/>
+              <a:lumOff val="60000"/>
+            </a:schemeClr>
+          </a:solidFill>
+          <a:ln w="9525"/>
+        </p:spPr>
+        <p:style>
+          <a:lnRef idx="2">
+            <a:schemeClr val="accent1">
+              <a:shade val="50000"/>
+            </a:schemeClr>
+          </a:lnRef>
+          <a:fillRef idx="1">
+            <a:schemeClr val="accent1"/>
+          </a:fillRef>
+          <a:effectRef idx="0">
+            <a:schemeClr val="accent1"/>
+          </a:effectRef>
+          <a:fontRef idx="minor">
+            <a:schemeClr val="lt1"/>
+          </a:fontRef>
+        </p:style>
+        <p:txBody>
+          <a:bodyPr rot="0" spcFirstLastPara="0" vertOverflow="overflow" horzOverflow="overflow" vert="horz" wrap="square" lIns="91440" tIns="45720" rIns="91440" bIns="45720" numCol="1" spcCol="0" rtlCol="0" fromWordArt="0" anchor="ctr" anchorCtr="0" forceAA="0" compatLnSpc="1">
+            <a:prstTxWarp prst="textNoShape">
+              <a:avLst/>
+            </a:prstTxWarp>
+            <a:noAutofit/>
+          </a:bodyPr>
+          <a:lstStyle/>
+          <a:p>
+            <a:pPr algn="ctr"/>
+            <a:r>
+              <a:rPr lang="en-US" sz="900" dirty="0" smtClean="0">
+                <a:solidFill>
+                  <a:schemeClr val="accent1">
+                    <a:lumMod val="50000"/>
+                  </a:schemeClr>
+                </a:solidFill>
+              </a:rPr>
+              <a:t>Person</a:t>
+            </a:r>
+          </a:p>
+        </p:txBody>
+      </p:sp>
+      <p:sp>
+        <p:nvSpPr>
+          <p:cNvPr id="8" name="Oval 7"/>
+          <p:cNvSpPr/>
+          <p:nvPr/>
+        </p:nvSpPr>
+        <p:spPr>
+          <a:xfrm>
+            <a:off x="7848675" y="3835345"/>
+            <a:ext cx="807096" cy="807096"/>
+          </a:xfrm>
+          <a:prstGeom prst="ellipse">
+            <a:avLst/>
+          </a:prstGeom>
+          <a:solidFill>
+            <a:schemeClr val="accent5">
+              <a:lumMod val="40000"/>
+              <a:lumOff val="60000"/>
+            </a:schemeClr>
+          </a:solidFill>
+          <a:ln w="9525"/>
+        </p:spPr>
+        <p:style>
+          <a:lnRef idx="2">
+            <a:schemeClr val="accent1">
+              <a:shade val="50000"/>
+            </a:schemeClr>
+          </a:lnRef>
+          <a:fillRef idx="1">
+            <a:schemeClr val="accent1"/>
+          </a:fillRef>
+          <a:effectRef idx="0">
+            <a:schemeClr val="accent1"/>
+          </a:effectRef>
+          <a:fontRef idx="minor">
+            <a:schemeClr val="lt1"/>
+          </a:fontRef>
+        </p:style>
+        <p:txBody>
+          <a:bodyPr rot="0" spcFirstLastPara="0" vertOverflow="overflow" horzOverflow="overflow" vert="horz" wrap="square" lIns="91440" tIns="45720" rIns="91440" bIns="45720" numCol="1" spcCol="0" rtlCol="0" fromWordArt="0" anchor="ctr" anchorCtr="0" forceAA="0" compatLnSpc="1">
+            <a:prstTxWarp prst="textNoShape">
+              <a:avLst/>
+            </a:prstTxWarp>
+            <a:noAutofit/>
+          </a:bodyPr>
+          <a:lstStyle/>
+          <a:p>
+            <a:pPr algn="ctr"/>
+            <a:r>
+              <a:rPr lang="en-US" sz="900" dirty="0" smtClean="0">
+                <a:solidFill>
+                  <a:schemeClr val="accent1">
+                    <a:lumMod val="50000"/>
+                  </a:schemeClr>
+                </a:solidFill>
+              </a:rPr>
+              <a:t>Person</a:t>
+            </a:r>
+          </a:p>
+        </p:txBody>
+      </p:sp>
+      <p:cxnSp>
+        <p:nvCxnSpPr>
+          <p:cNvPr id="37" name="Straight Arrow Connector 36"/>
+          <p:cNvCxnSpPr/>
+          <p:nvPr/>
+        </p:nvCxnSpPr>
+        <p:spPr>
+          <a:xfrm>
+            <a:off x="7214300" y="2392542"/>
+            <a:ext cx="597555" cy="0"/>
+          </a:xfrm>
+          <a:prstGeom prst="straightConnector1">
+            <a:avLst/>
+          </a:prstGeom>
+          <a:ln w="12700">
+            <a:solidFill>
+              <a:schemeClr val="tx1"/>
+            </a:solidFill>
+            <a:headEnd type="none" w="med" len="med"/>
+            <a:tailEnd type="arrow" w="med" len="med"/>
+          </a:ln>
+        </p:spPr>
+        <p:style>
+          <a:lnRef idx="1">
+            <a:schemeClr val="accent1"/>
+          </a:lnRef>
+          <a:fillRef idx="0">
+            <a:schemeClr val="accent1"/>
+          </a:fillRef>
+          <a:effectRef idx="0">
+            <a:schemeClr val="accent1"/>
+          </a:effectRef>
+          <a:fontRef idx="minor">
+            <a:schemeClr val="tx1"/>
+          </a:fontRef>
+        </p:style>
+      </p:cxnSp>
+      <p:cxnSp>
+        <p:nvCxnSpPr>
+          <p:cNvPr id="39" name="Straight Arrow Connector 38"/>
+          <p:cNvCxnSpPr/>
+          <p:nvPr/>
+        </p:nvCxnSpPr>
+        <p:spPr>
+          <a:xfrm>
+            <a:off x="7214300" y="3292697"/>
+            <a:ext cx="641518" cy="0"/>
+          </a:xfrm>
+          <a:prstGeom prst="straightConnector1">
+            <a:avLst/>
+          </a:prstGeom>
+          <a:ln w="12700">
+            <a:solidFill>
+              <a:schemeClr val="tx1"/>
+            </a:solidFill>
+            <a:headEnd type="none" w="med" len="med"/>
+            <a:tailEnd type="arrow" w="med" len="med"/>
+          </a:ln>
+        </p:spPr>
+        <p:style>
+          <a:lnRef idx="1">
+            <a:schemeClr val="accent1"/>
+          </a:lnRef>
+          <a:fillRef idx="0">
+            <a:schemeClr val="accent1"/>
+          </a:fillRef>
+          <a:effectRef idx="0">
+            <a:schemeClr val="accent1"/>
+          </a:effectRef>
+          <a:fontRef idx="minor">
+            <a:schemeClr val="tx1"/>
+          </a:fontRef>
+        </p:style>
+      </p:cxnSp>
+      <p:cxnSp>
+        <p:nvCxnSpPr>
+          <p:cNvPr id="41" name="Straight Arrow Connector 40"/>
+          <p:cNvCxnSpPr/>
+          <p:nvPr/>
+        </p:nvCxnSpPr>
+        <p:spPr>
+          <a:xfrm>
+            <a:off x="7214300" y="4192852"/>
+            <a:ext cx="641518" cy="0"/>
+          </a:xfrm>
+          <a:prstGeom prst="straightConnector1">
+            <a:avLst/>
+          </a:prstGeom>
+          <a:ln w="12700">
+            <a:solidFill>
+              <a:schemeClr val="tx1"/>
+            </a:solidFill>
+            <a:headEnd type="none" w="med" len="med"/>
+            <a:tailEnd type="arrow" w="med" len="med"/>
+          </a:ln>
+        </p:spPr>
+        <p:style>
+          <a:lnRef idx="1">
+            <a:schemeClr val="accent1"/>
+          </a:lnRef>
+          <a:fillRef idx="0">
+            <a:schemeClr val="accent1"/>
+          </a:fillRef>
+          <a:effectRef idx="0">
+            <a:schemeClr val="accent1"/>
+          </a:effectRef>
+          <a:fontRef idx="minor">
+            <a:schemeClr val="tx1"/>
+          </a:fontRef>
+        </p:style>
+      </p:cxnSp>
+      <p:cxnSp>
+        <p:nvCxnSpPr>
+          <p:cNvPr id="47" name="Straight Arrow Connector 46"/>
+          <p:cNvCxnSpPr>
+            <a:stCxn id="4" idx="7"/>
+            <a:endCxn id="16" idx="2"/>
+          </p:cNvCxnSpPr>
+          <p:nvPr/>
+        </p:nvCxnSpPr>
+        <p:spPr>
+          <a:xfrm flipV="1">
+            <a:off x="5532818" y="2438583"/>
+            <a:ext cx="1035321" cy="630569"/>
+          </a:xfrm>
+          <a:prstGeom prst="straightConnector1">
+            <a:avLst/>
+          </a:prstGeom>
+          <a:ln w="12700">
+            <a:solidFill>
+              <a:schemeClr val="tx1"/>
+            </a:solidFill>
+            <a:headEnd type="none" w="med" len="med"/>
+            <a:tailEnd type="arrow" w="med" len="med"/>
+          </a:ln>
+        </p:spPr>
+        <p:style>
+          <a:lnRef idx="1">
+            <a:schemeClr val="accent1"/>
+          </a:lnRef>
+          <a:fillRef idx="0">
+            <a:schemeClr val="accent1"/>
+          </a:fillRef>
+          <a:effectRef idx="0">
+            <a:schemeClr val="accent1"/>
+          </a:effectRef>
+          <a:fontRef idx="minor">
+            <a:schemeClr val="tx1"/>
+          </a:fontRef>
+        </p:style>
+      </p:cxnSp>
+      <p:cxnSp>
+        <p:nvCxnSpPr>
+          <p:cNvPr id="50" name="Straight Arrow Connector 49"/>
+          <p:cNvCxnSpPr>
+            <a:stCxn id="4" idx="6"/>
+            <a:endCxn id="18" idx="2"/>
+          </p:cNvCxnSpPr>
+          <p:nvPr/>
+        </p:nvCxnSpPr>
+        <p:spPr>
+          <a:xfrm flipV="1">
+            <a:off x="5651014" y="3338738"/>
+            <a:ext cx="917125" cy="15766"/>
+          </a:xfrm>
+          <a:prstGeom prst="straightConnector1">
+            <a:avLst/>
+          </a:prstGeom>
+          <a:ln w="12700">
+            <a:solidFill>
+              <a:schemeClr val="tx1"/>
+            </a:solidFill>
+            <a:headEnd type="none" w="med" len="med"/>
+            <a:tailEnd type="arrow" w="med" len="med"/>
+          </a:ln>
+        </p:spPr>
+        <p:style>
+          <a:lnRef idx="1">
+            <a:schemeClr val="accent1"/>
+          </a:lnRef>
+          <a:fillRef idx="0">
+            <a:schemeClr val="accent1"/>
+          </a:fillRef>
+          <a:effectRef idx="0">
+            <a:schemeClr val="accent1"/>
+          </a:effectRef>
+          <a:fontRef idx="minor">
+            <a:schemeClr val="tx1"/>
+          </a:fontRef>
+        </p:style>
+      </p:cxnSp>
+      <p:cxnSp>
+        <p:nvCxnSpPr>
+          <p:cNvPr id="52" name="Straight Arrow Connector 51"/>
+          <p:cNvCxnSpPr/>
+          <p:nvPr/>
+        </p:nvCxnSpPr>
+        <p:spPr>
+          <a:xfrm>
+            <a:off x="5436395" y="3468872"/>
+            <a:ext cx="1164430" cy="631868"/>
+          </a:xfrm>
+          <a:prstGeom prst="straightConnector1">
+            <a:avLst/>
+          </a:prstGeom>
+          <a:ln w="12700">
+            <a:solidFill>
+              <a:schemeClr val="tx1"/>
+            </a:solidFill>
+            <a:headEnd type="none" w="med" len="med"/>
+            <a:tailEnd type="arrow" w="med" len="med"/>
+          </a:ln>
+        </p:spPr>
+        <p:style>
+          <a:lnRef idx="1">
+            <a:schemeClr val="accent1"/>
+          </a:lnRef>
+          <a:fillRef idx="0">
+            <a:schemeClr val="accent1"/>
+          </a:fillRef>
+          <a:effectRef idx="0">
+            <a:schemeClr val="accent1"/>
+          </a:effectRef>
+          <a:fontRef idx="minor">
+            <a:schemeClr val="tx1"/>
+          </a:fontRef>
+        </p:style>
+      </p:cxnSp>
+      <p:cxnSp>
+        <p:nvCxnSpPr>
+          <p:cNvPr id="69" name="Straight Arrow Connector 68"/>
+          <p:cNvCxnSpPr/>
+          <p:nvPr/>
+        </p:nvCxnSpPr>
+        <p:spPr>
+          <a:xfrm flipH="1">
+            <a:off x="7227076" y="2490358"/>
+            <a:ext cx="597555" cy="0"/>
+          </a:xfrm>
+          <a:prstGeom prst="straightConnector1">
+            <a:avLst/>
+          </a:prstGeom>
+          <a:ln w="12700">
+            <a:solidFill>
+              <a:schemeClr val="tx1"/>
+            </a:solidFill>
+            <a:headEnd type="none" w="med" len="med"/>
+            <a:tailEnd type="arrow" w="med" len="med"/>
+          </a:ln>
+        </p:spPr>
+        <p:style>
+          <a:lnRef idx="1">
+            <a:schemeClr val="accent1"/>
+          </a:lnRef>
+          <a:fillRef idx="0">
+            <a:schemeClr val="accent1"/>
+          </a:fillRef>
+          <a:effectRef idx="0">
+            <a:schemeClr val="accent1"/>
+          </a:effectRef>
+          <a:fontRef idx="minor">
+            <a:schemeClr val="tx1"/>
+          </a:fontRef>
+        </p:style>
+      </p:cxnSp>
+      <p:cxnSp>
+        <p:nvCxnSpPr>
+          <p:cNvPr id="72" name="Straight Arrow Connector 71"/>
+          <p:cNvCxnSpPr/>
+          <p:nvPr/>
+        </p:nvCxnSpPr>
+        <p:spPr>
+          <a:xfrm flipH="1">
+            <a:off x="5610244" y="2487592"/>
+            <a:ext cx="1111143" cy="686050"/>
+          </a:xfrm>
+          <a:prstGeom prst="straightConnector1">
+            <a:avLst/>
+          </a:prstGeom>
+          <a:ln w="12700">
+            <a:solidFill>
+              <a:schemeClr val="tx1"/>
+            </a:solidFill>
+            <a:headEnd type="none" w="med" len="med"/>
+            <a:tailEnd type="arrow" w="med" len="med"/>
+          </a:ln>
+        </p:spPr>
+        <p:style>
+          <a:lnRef idx="1">
+            <a:schemeClr val="accent1"/>
+          </a:lnRef>
+          <a:fillRef idx="0">
+            <a:schemeClr val="accent1"/>
+          </a:fillRef>
+          <a:effectRef idx="0">
+            <a:schemeClr val="accent1"/>
+          </a:effectRef>
+          <a:fontRef idx="minor">
+            <a:schemeClr val="tx1"/>
+          </a:fontRef>
+        </p:style>
+      </p:cxnSp>
+      <p:cxnSp>
+        <p:nvCxnSpPr>
+          <p:cNvPr id="78" name="Straight Arrow Connector 77"/>
+          <p:cNvCxnSpPr/>
+          <p:nvPr/>
+        </p:nvCxnSpPr>
+        <p:spPr>
+          <a:xfrm flipH="1">
+            <a:off x="5639109" y="3438589"/>
+            <a:ext cx="1180792" cy="11781"/>
+          </a:xfrm>
+          <a:prstGeom prst="straightConnector1">
+            <a:avLst/>
+          </a:prstGeom>
+          <a:ln w="12700">
+            <a:solidFill>
+              <a:schemeClr val="tx1"/>
+            </a:solidFill>
+            <a:headEnd type="none" w="med" len="med"/>
+            <a:tailEnd type="arrow" w="med" len="med"/>
+          </a:ln>
+        </p:spPr>
+        <p:style>
+          <a:lnRef idx="1">
+            <a:schemeClr val="accent1"/>
+          </a:lnRef>
+          <a:fillRef idx="0">
+            <a:schemeClr val="accent1"/>
+          </a:fillRef>
+          <a:effectRef idx="0">
+            <a:schemeClr val="accent1"/>
+          </a:effectRef>
+          <a:fontRef idx="minor">
+            <a:schemeClr val="tx1"/>
+          </a:fontRef>
+        </p:style>
+      </p:cxnSp>
+      <p:cxnSp>
+        <p:nvCxnSpPr>
+          <p:cNvPr id="86" name="Straight Arrow Connector 85"/>
+          <p:cNvCxnSpPr/>
+          <p:nvPr/>
+        </p:nvCxnSpPr>
+        <p:spPr>
+          <a:xfrm flipH="1" flipV="1">
+            <a:off x="5534025" y="3639572"/>
+            <a:ext cx="1250158" cy="682394"/>
+          </a:xfrm>
+          <a:prstGeom prst="straightConnector1">
+            <a:avLst/>
+          </a:prstGeom>
+          <a:ln w="12700">
+            <a:solidFill>
+              <a:schemeClr val="tx1"/>
+            </a:solidFill>
+            <a:headEnd type="none" w="med" len="med"/>
+            <a:tailEnd type="arrow" w="med" len="med"/>
+          </a:ln>
+        </p:spPr>
+        <p:style>
+          <a:lnRef idx="1">
+            <a:schemeClr val="accent1"/>
+          </a:lnRef>
+          <a:fillRef idx="0">
+            <a:schemeClr val="accent1"/>
+          </a:fillRef>
+          <a:effectRef idx="0">
+            <a:schemeClr val="accent1"/>
+          </a:effectRef>
+          <a:fontRef idx="minor">
+            <a:schemeClr val="tx1"/>
+          </a:fontRef>
+        </p:style>
+      </p:cxnSp>
+      <p:sp>
+        <p:nvSpPr>
+          <p:cNvPr id="4" name="Oval 3"/>
+          <p:cNvSpPr/>
+          <p:nvPr/>
+        </p:nvSpPr>
+        <p:spPr>
+          <a:xfrm>
+            <a:off x="4843918" y="2950956"/>
+            <a:ext cx="807096" cy="807096"/>
+          </a:xfrm>
+          <a:prstGeom prst="ellipse">
+            <a:avLst/>
+          </a:prstGeom>
+          <a:solidFill>
+            <a:schemeClr val="accent6">
+              <a:lumMod val="60000"/>
+              <a:lumOff val="40000"/>
+            </a:schemeClr>
+          </a:solidFill>
+          <a:ln w="9525"/>
+        </p:spPr>
+        <p:style>
+          <a:lnRef idx="2">
+            <a:schemeClr val="accent1">
+              <a:shade val="50000"/>
+            </a:schemeClr>
+          </a:lnRef>
+          <a:fillRef idx="1">
+            <a:schemeClr val="accent1"/>
+          </a:fillRef>
+          <a:effectRef idx="0">
+            <a:schemeClr val="accent1"/>
+          </a:effectRef>
+          <a:fontRef idx="minor">
+            <a:schemeClr val="lt1"/>
+          </a:fontRef>
+        </p:style>
+        <p:txBody>
+          <a:bodyPr rot="0" spcFirstLastPara="0" vertOverflow="overflow" horzOverflow="overflow" vert="horz" wrap="square" lIns="91440" tIns="45720" rIns="91440" bIns="45720" numCol="1" spcCol="0" rtlCol="0" fromWordArt="0" anchor="ctr" anchorCtr="0" forceAA="0" compatLnSpc="1">
+            <a:prstTxWarp prst="textNoShape">
+              <a:avLst/>
+            </a:prstTxWarp>
+            <a:noAutofit/>
+          </a:bodyPr>
+          <a:lstStyle/>
+          <a:p>
+            <a:pPr algn="ctr"/>
+            <a:r>
+              <a:rPr lang="en-US" sz="900" dirty="0" smtClean="0">
+                <a:solidFill>
+                  <a:schemeClr val="accent1">
+                    <a:lumMod val="50000"/>
+                  </a:schemeClr>
+                </a:solidFill>
+              </a:rPr>
+              <a:t>Address</a:t>
+            </a:r>
+          </a:p>
+        </p:txBody>
+      </p:sp>
+      <p:sp>
+        <p:nvSpPr>
+          <p:cNvPr id="16" name="Oval 15"/>
+          <p:cNvSpPr/>
+          <p:nvPr/>
+        </p:nvSpPr>
+        <p:spPr>
+          <a:xfrm>
+            <a:off x="6568139" y="2106374"/>
+            <a:ext cx="664418" cy="664418"/>
+          </a:xfrm>
+          <a:prstGeom prst="ellipse">
+            <a:avLst/>
+          </a:prstGeom>
+          <a:solidFill>
+            <a:schemeClr val="accent2">
+              <a:lumMod val="60000"/>
+              <a:lumOff val="40000"/>
+            </a:schemeClr>
+          </a:solidFill>
+          <a:ln w="9525"/>
+        </p:spPr>
+        <p:style>
+          <a:lnRef idx="2">
+            <a:schemeClr val="accent1">
+              <a:shade val="50000"/>
+            </a:schemeClr>
+          </a:lnRef>
+          <a:fillRef idx="1">
+            <a:schemeClr val="accent1"/>
+          </a:fillRef>
+          <a:effectRef idx="0">
+            <a:schemeClr val="accent1"/>
+          </a:effectRef>
+          <a:fontRef idx="minor">
+            <a:schemeClr val="lt1"/>
+          </a:fontRef>
+        </p:style>
+        <p:txBody>
+          <a:bodyPr rot="0" spcFirstLastPara="0" vertOverflow="overflow" horzOverflow="overflow" vert="horz" wrap="square" lIns="91440" tIns="45720" rIns="91440" bIns="45720" numCol="1" spcCol="0" rtlCol="0" fromWordArt="0" anchor="ctr" anchorCtr="0" forceAA="0" compatLnSpc="1">
+            <a:prstTxWarp prst="textNoShape">
+              <a:avLst/>
+            </a:prstTxWarp>
+            <a:noAutofit/>
+          </a:bodyPr>
+          <a:lstStyle/>
+          <a:p>
+            <a:pPr algn="ctr"/>
+            <a:r>
+              <a:rPr lang="en-US" sz="900" dirty="0" err="1" smtClean="0">
+                <a:solidFill>
+                  <a:schemeClr val="accent1">
+                    <a:lumMod val="50000"/>
+                  </a:schemeClr>
+                </a:solidFill>
+              </a:rPr>
+              <a:t>LivesAt</a:t>
+            </a:r>
+            <a:endParaRPr lang="en-US" sz="900" dirty="0" smtClean="0">
               <a:solidFill>
-                <a:schemeClr val="accent4">
-                  <a:lumMod val="60000"/>
-                  <a:lumOff val="40000"/>
+                <a:schemeClr val="accent1">
+                  <a:lumMod val="50000"/>
                 </a:schemeClr>
               </a:solidFill>
-              <a:ln w="9525"/>
-            </p:spPr>
-            <p:style>
-              <a:lnRef idx="2">
+            </a:endParaRPr>
+          </a:p>
+        </p:txBody>
+      </p:sp>
+      <p:sp>
+        <p:nvSpPr>
+          <p:cNvPr id="18" name="Oval 17"/>
+          <p:cNvSpPr/>
+          <p:nvPr/>
+        </p:nvSpPr>
+        <p:spPr>
+          <a:xfrm>
+            <a:off x="6568139" y="3006529"/>
+            <a:ext cx="664418" cy="664418"/>
+          </a:xfrm>
+          <a:prstGeom prst="ellipse">
+            <a:avLst/>
+          </a:prstGeom>
+          <a:solidFill>
+            <a:schemeClr val="accent2">
+              <a:lumMod val="60000"/>
+              <a:lumOff val="40000"/>
+            </a:schemeClr>
+          </a:solidFill>
+          <a:ln w="9525"/>
+        </p:spPr>
+        <p:style>
+          <a:lnRef idx="2">
+            <a:schemeClr val="accent1">
+              <a:shade val="50000"/>
+            </a:schemeClr>
+          </a:lnRef>
+          <a:fillRef idx="1">
+            <a:schemeClr val="accent1"/>
+          </a:fillRef>
+          <a:effectRef idx="0">
+            <a:schemeClr val="accent1"/>
+          </a:effectRef>
+          <a:fontRef idx="minor">
+            <a:schemeClr val="lt1"/>
+          </a:fontRef>
+        </p:style>
+        <p:txBody>
+          <a:bodyPr rot="0" spcFirstLastPara="0" vertOverflow="overflow" horzOverflow="overflow" vert="horz" wrap="square" lIns="91440" tIns="45720" rIns="91440" bIns="45720" numCol="1" spcCol="0" rtlCol="0" fromWordArt="0" anchor="ctr" anchorCtr="0" forceAA="0" compatLnSpc="1">
+            <a:prstTxWarp prst="textNoShape">
+              <a:avLst/>
+            </a:prstTxWarp>
+            <a:noAutofit/>
+          </a:bodyPr>
+          <a:lstStyle/>
+          <a:p>
+            <a:pPr algn="ctr"/>
+            <a:r>
+              <a:rPr lang="en-US" sz="900" dirty="0" err="1" smtClean="0">
+                <a:solidFill>
+                  <a:schemeClr val="accent1">
+                    <a:lumMod val="50000"/>
+                  </a:schemeClr>
+                </a:solidFill>
+              </a:rPr>
+              <a:t>LivesAt</a:t>
+            </a:r>
+            <a:endParaRPr lang="en-US" sz="900" dirty="0" smtClean="0">
+              <a:solidFill>
                 <a:schemeClr val="accent1">
-                  <a:shade val="50000"/>
-                </a:schemeClr>
-              </a:lnRef>
-              <a:fillRef idx="1">
-                <a:schemeClr val="accent1"/>
-              </a:fillRef>
-              <a:effectRef idx="0">
-                <a:schemeClr val="accent1"/>
-              </a:effectRef>
-              <a:fontRef idx="minor">
-                <a:schemeClr val="lt1"/>
-              </a:fontRef>
-            </p:style>
-            <p:txBody>
-              <a:bodyPr rot="0" spcFirstLastPara="0" vertOverflow="overflow" horzOverflow="overflow" vert="horz" wrap="square" lIns="91440" tIns="45720" rIns="91440" bIns="45720" numCol="1" spcCol="0" rtlCol="0" fromWordArt="0" anchor="ctr" anchorCtr="0" forceAA="0" compatLnSpc="1">
-                <a:prstTxWarp prst="textNoShape">
-                  <a:avLst/>
-                </a:prstTxWarp>
-                <a:noAutofit/>
-              </a:bodyPr>
-              <a:lstStyle/>
-              <a:p>
-                <a:pPr algn="ctr"/>
-                <a:endParaRPr lang="en-US" dirty="0" err="1" smtClean="0">
-                  <a:solidFill>
-                    <a:schemeClr val="accent1">
-                      <a:lumMod val="50000"/>
-                    </a:schemeClr>
-                  </a:solidFill>
-                </a:endParaRPr>
-              </a:p>
-            </p:txBody>
-          </p:sp>
-          <p:sp>
-            <p:nvSpPr>
-              <p:cNvPr id="8" name="Oval 7"/>
-              <p:cNvSpPr/>
-              <p:nvPr/>
-            </p:nvSpPr>
-            <p:spPr>
-              <a:xfrm>
-                <a:off x="5938345" y="980089"/>
-                <a:ext cx="141890" cy="141890"/>
-              </a:xfrm>
-              <a:prstGeom prst="ellipse">
-                <a:avLst/>
-              </a:prstGeom>
-              <a:solidFill>
-                <a:schemeClr val="accent4">
-                  <a:lumMod val="60000"/>
-                  <a:lumOff val="40000"/>
+                  <a:lumMod val="50000"/>
                 </a:schemeClr>
               </a:solidFill>
-              <a:ln w="9525"/>
-            </p:spPr>
-            <p:style>
-              <a:lnRef idx="2">
+            </a:endParaRPr>
+          </a:p>
+        </p:txBody>
+      </p:sp>
+      <p:sp>
+        <p:nvSpPr>
+          <p:cNvPr id="19" name="Oval 18"/>
+          <p:cNvSpPr/>
+          <p:nvPr/>
+        </p:nvSpPr>
+        <p:spPr>
+          <a:xfrm>
+            <a:off x="6568139" y="3906684"/>
+            <a:ext cx="664418" cy="664418"/>
+          </a:xfrm>
+          <a:prstGeom prst="ellipse">
+            <a:avLst/>
+          </a:prstGeom>
+          <a:solidFill>
+            <a:schemeClr val="accent2">
+              <a:lumMod val="60000"/>
+              <a:lumOff val="40000"/>
+            </a:schemeClr>
+          </a:solidFill>
+          <a:ln w="9525"/>
+        </p:spPr>
+        <p:style>
+          <a:lnRef idx="2">
+            <a:schemeClr val="accent1">
+              <a:shade val="50000"/>
+            </a:schemeClr>
+          </a:lnRef>
+          <a:fillRef idx="1">
+            <a:schemeClr val="accent1"/>
+          </a:fillRef>
+          <a:effectRef idx="0">
+            <a:schemeClr val="accent1"/>
+          </a:effectRef>
+          <a:fontRef idx="minor">
+            <a:schemeClr val="lt1"/>
+          </a:fontRef>
+        </p:style>
+        <p:txBody>
+          <a:bodyPr rot="0" spcFirstLastPara="0" vertOverflow="overflow" horzOverflow="overflow" vert="horz" wrap="square" lIns="91440" tIns="45720" rIns="91440" bIns="45720" numCol="1" spcCol="0" rtlCol="0" fromWordArt="0" anchor="ctr" anchorCtr="0" forceAA="0" compatLnSpc="1">
+            <a:prstTxWarp prst="textNoShape">
+              <a:avLst/>
+            </a:prstTxWarp>
+            <a:noAutofit/>
+          </a:bodyPr>
+          <a:lstStyle/>
+          <a:p>
+            <a:pPr algn="ctr"/>
+            <a:r>
+              <a:rPr lang="en-US" sz="900" dirty="0" err="1" smtClean="0">
+                <a:solidFill>
+                  <a:schemeClr val="accent1">
+                    <a:lumMod val="50000"/>
+                  </a:schemeClr>
+                </a:solidFill>
+              </a:rPr>
+              <a:t>LivesAt</a:t>
+            </a:r>
+            <a:endParaRPr lang="en-US" sz="900" dirty="0" smtClean="0">
+              <a:solidFill>
                 <a:schemeClr val="accent1">
-                  <a:shade val="50000"/>
-                </a:schemeClr>
-              </a:lnRef>
-              <a:fillRef idx="1">
-                <a:schemeClr val="accent1"/>
-              </a:fillRef>
-              <a:effectRef idx="0">
-                <a:schemeClr val="accent1"/>
-              </a:effectRef>
-              <a:fontRef idx="minor">
-                <a:schemeClr val="lt1"/>
-              </a:fontRef>
-            </p:style>
-            <p:txBody>
-              <a:bodyPr rot="0" spcFirstLastPara="0" vertOverflow="overflow" horzOverflow="overflow" vert="horz" wrap="square" lIns="91440" tIns="45720" rIns="91440" bIns="45720" numCol="1" spcCol="0" rtlCol="0" fromWordArt="0" anchor="ctr" anchorCtr="0" forceAA="0" compatLnSpc="1">
-                <a:prstTxWarp prst="textNoShape">
-                  <a:avLst/>
-                </a:prstTxWarp>
-                <a:noAutofit/>
-              </a:bodyPr>
-              <a:lstStyle/>
-              <a:p>
-                <a:pPr algn="ctr"/>
-                <a:endParaRPr lang="en-US" dirty="0" err="1" smtClean="0">
-                  <a:solidFill>
-                    <a:schemeClr val="accent1">
-                      <a:lumMod val="50000"/>
-                    </a:schemeClr>
-                  </a:solidFill>
-                </a:endParaRPr>
-              </a:p>
-            </p:txBody>
-          </p:sp>
-          <p:sp>
-            <p:nvSpPr>
-              <p:cNvPr id="9" name="Oval 8"/>
-              <p:cNvSpPr/>
-              <p:nvPr/>
-            </p:nvSpPr>
-            <p:spPr>
-              <a:xfrm>
-                <a:off x="3735114" y="2574380"/>
-                <a:ext cx="141890" cy="141890"/>
-              </a:xfrm>
-              <a:prstGeom prst="ellipse">
-                <a:avLst/>
-              </a:prstGeom>
-              <a:solidFill>
-                <a:schemeClr val="accent4">
-                  <a:lumMod val="60000"/>
-                  <a:lumOff val="40000"/>
+                  <a:lumMod val="50000"/>
                 </a:schemeClr>
               </a:solidFill>
-              <a:ln w="9525"/>
-            </p:spPr>
-            <p:style>
-              <a:lnRef idx="2">
-                <a:schemeClr val="accent1">
-                  <a:shade val="50000"/>
-                </a:schemeClr>
-              </a:lnRef>
-              <a:fillRef idx="1">
-                <a:schemeClr val="accent1"/>
-              </a:fillRef>
-              <a:effectRef idx="0">
-                <a:schemeClr val="accent1"/>
-              </a:effectRef>
-              <a:fontRef idx="minor">
-                <a:schemeClr val="lt1"/>
-              </a:fontRef>
-            </p:style>
-            <p:txBody>
-              <a:bodyPr rot="0" spcFirstLastPara="0" vertOverflow="overflow" horzOverflow="overflow" vert="horz" wrap="square" lIns="91440" tIns="45720" rIns="91440" bIns="45720" numCol="1" spcCol="0" rtlCol="0" fromWordArt="0" anchor="ctr" anchorCtr="0" forceAA="0" compatLnSpc="1">
-                <a:prstTxWarp prst="textNoShape">
-                  <a:avLst/>
-                </a:prstTxWarp>
-                <a:noAutofit/>
-              </a:bodyPr>
-              <a:lstStyle/>
-              <a:p>
-                <a:pPr algn="ctr"/>
-                <a:endParaRPr lang="en-US" dirty="0" err="1" smtClean="0">
-                  <a:solidFill>
-                    <a:schemeClr val="accent1">
-                      <a:lumMod val="50000"/>
-                    </a:schemeClr>
-                  </a:solidFill>
-                </a:endParaRPr>
-              </a:p>
-            </p:txBody>
-          </p:sp>
-          <p:sp>
-            <p:nvSpPr>
-              <p:cNvPr id="10" name="Oval 9"/>
-              <p:cNvSpPr/>
-              <p:nvPr/>
-            </p:nvSpPr>
-            <p:spPr>
-              <a:xfrm>
-                <a:off x="4595647" y="5188098"/>
-                <a:ext cx="141890" cy="141890"/>
-              </a:xfrm>
-              <a:prstGeom prst="ellipse">
-                <a:avLst/>
-              </a:prstGeom>
-              <a:solidFill>
-                <a:schemeClr val="accent4">
-                  <a:lumMod val="60000"/>
-                  <a:lumOff val="40000"/>
-                </a:schemeClr>
-              </a:solidFill>
-              <a:ln w="9525"/>
-            </p:spPr>
-            <p:style>
-              <a:lnRef idx="2">
-                <a:schemeClr val="accent1">
-                  <a:shade val="50000"/>
-                </a:schemeClr>
-              </a:lnRef>
-              <a:fillRef idx="1">
-                <a:schemeClr val="accent1"/>
-              </a:fillRef>
-              <a:effectRef idx="0">
-                <a:schemeClr val="accent1"/>
-              </a:effectRef>
-              <a:fontRef idx="minor">
-                <a:schemeClr val="lt1"/>
-              </a:fontRef>
-            </p:style>
-            <p:txBody>
-              <a:bodyPr rot="0" spcFirstLastPara="0" vertOverflow="overflow" horzOverflow="overflow" vert="horz" wrap="square" lIns="91440" tIns="45720" rIns="91440" bIns="45720" numCol="1" spcCol="0" rtlCol="0" fromWordArt="0" anchor="ctr" anchorCtr="0" forceAA="0" compatLnSpc="1">
-                <a:prstTxWarp prst="textNoShape">
-                  <a:avLst/>
-                </a:prstTxWarp>
-                <a:noAutofit/>
-              </a:bodyPr>
-              <a:lstStyle/>
-              <a:p>
-                <a:pPr algn="ctr"/>
-                <a:endParaRPr lang="en-US" dirty="0" err="1" smtClean="0">
-                  <a:solidFill>
-                    <a:schemeClr val="accent1">
-                      <a:lumMod val="50000"/>
-                    </a:schemeClr>
-                  </a:solidFill>
-                </a:endParaRPr>
-              </a:p>
-            </p:txBody>
-          </p:sp>
-          <p:sp>
-            <p:nvSpPr>
-              <p:cNvPr id="11" name="Oval 10"/>
-              <p:cNvSpPr/>
-              <p:nvPr/>
-            </p:nvSpPr>
-            <p:spPr>
-              <a:xfrm>
-                <a:off x="7316949" y="5188098"/>
-                <a:ext cx="141890" cy="141890"/>
-              </a:xfrm>
-              <a:prstGeom prst="ellipse">
-                <a:avLst/>
-              </a:prstGeom>
-              <a:solidFill>
-                <a:schemeClr val="accent4">
-                  <a:lumMod val="60000"/>
-                  <a:lumOff val="40000"/>
-                </a:schemeClr>
-              </a:solidFill>
-              <a:ln w="9525"/>
-            </p:spPr>
-            <p:style>
-              <a:lnRef idx="2">
-                <a:schemeClr val="accent1">
-                  <a:shade val="50000"/>
-                </a:schemeClr>
-              </a:lnRef>
-              <a:fillRef idx="1">
-                <a:schemeClr val="accent1"/>
-              </a:fillRef>
-              <a:effectRef idx="0">
-                <a:schemeClr val="accent1"/>
-              </a:effectRef>
-              <a:fontRef idx="minor">
-                <a:schemeClr val="lt1"/>
-              </a:fontRef>
-            </p:style>
-            <p:txBody>
-              <a:bodyPr rot="0" spcFirstLastPara="0" vertOverflow="overflow" horzOverflow="overflow" vert="horz" wrap="square" lIns="91440" tIns="45720" rIns="91440" bIns="45720" numCol="1" spcCol="0" rtlCol="0" fromWordArt="0" anchor="ctr" anchorCtr="0" forceAA="0" compatLnSpc="1">
-                <a:prstTxWarp prst="textNoShape">
-                  <a:avLst/>
-                </a:prstTxWarp>
-                <a:noAutofit/>
-              </a:bodyPr>
-              <a:lstStyle/>
-              <a:p>
-                <a:pPr algn="ctr"/>
-                <a:endParaRPr lang="en-US" dirty="0" err="1" smtClean="0">
-                  <a:solidFill>
-                    <a:schemeClr val="accent1">
-                      <a:lumMod val="50000"/>
-                    </a:schemeClr>
-                  </a:solidFill>
-                </a:endParaRPr>
-              </a:p>
-            </p:txBody>
-          </p:sp>
-          <p:cxnSp>
-            <p:nvCxnSpPr>
-              <p:cNvPr id="12" name="Straight Connector 11"/>
-              <p:cNvCxnSpPr>
-                <a:stCxn id="5" idx="5"/>
-                <a:endCxn id="11" idx="1"/>
-              </p:cNvCxnSpPr>
-              <p:nvPr/>
-            </p:nvCxnSpPr>
-            <p:spPr>
-              <a:xfrm>
-                <a:off x="6059456" y="3253815"/>
-                <a:ext cx="1278272" cy="1955062"/>
-              </a:xfrm>
-              <a:prstGeom prst="line">
-                <a:avLst/>
-              </a:prstGeom>
-              <a:ln w="12700">
-                <a:solidFill>
-                  <a:srgbClr val="FF0000"/>
-                </a:solidFill>
-                <a:headEnd type="triangle" w="med" len="med"/>
-                <a:tailEnd type="triangle" w="med" len="med"/>
-              </a:ln>
-            </p:spPr>
-            <p:style>
-              <a:lnRef idx="1">
-                <a:schemeClr val="accent1"/>
-              </a:lnRef>
-              <a:fillRef idx="0">
-                <a:schemeClr val="accent1"/>
-              </a:fillRef>
-              <a:effectRef idx="0">
-                <a:schemeClr val="accent1"/>
-              </a:effectRef>
-              <a:fontRef idx="minor">
-                <a:schemeClr val="tx1"/>
-              </a:fontRef>
-            </p:style>
-          </p:cxnSp>
-          <p:cxnSp>
-            <p:nvCxnSpPr>
-              <p:cNvPr id="13" name="Straight Connector 12"/>
-              <p:cNvCxnSpPr>
-                <a:stCxn id="5" idx="6"/>
-                <a:endCxn id="7" idx="2"/>
-              </p:cNvCxnSpPr>
-              <p:nvPr/>
-            </p:nvCxnSpPr>
-            <p:spPr>
-              <a:xfrm flipV="1">
-                <a:off x="6080235" y="2645325"/>
-                <a:ext cx="2073162" cy="558324"/>
-              </a:xfrm>
-              <a:prstGeom prst="line">
-                <a:avLst/>
-              </a:prstGeom>
-              <a:ln w="12700">
-                <a:solidFill>
-                  <a:srgbClr val="FF0000"/>
-                </a:solidFill>
-                <a:headEnd type="triangle" w="med" len="med"/>
-                <a:tailEnd type="triangle" w="med" len="med"/>
-              </a:ln>
-            </p:spPr>
-            <p:style>
-              <a:lnRef idx="1">
-                <a:schemeClr val="accent1"/>
-              </a:lnRef>
-              <a:fillRef idx="0">
-                <a:schemeClr val="accent1"/>
-              </a:fillRef>
-              <a:effectRef idx="0">
-                <a:schemeClr val="accent1"/>
-              </a:effectRef>
-              <a:fontRef idx="minor">
-                <a:schemeClr val="tx1"/>
-              </a:fontRef>
-            </p:style>
-          </p:cxnSp>
-          <p:cxnSp>
-            <p:nvCxnSpPr>
-              <p:cNvPr id="14" name="Straight Connector 13"/>
-              <p:cNvCxnSpPr>
-                <a:stCxn id="5" idx="0"/>
-                <a:endCxn id="8" idx="4"/>
-              </p:cNvCxnSpPr>
-              <p:nvPr/>
-            </p:nvCxnSpPr>
-            <p:spPr>
-              <a:xfrm flipV="1">
-                <a:off x="6009290" y="1121979"/>
-                <a:ext cx="0" cy="2010725"/>
-              </a:xfrm>
-              <a:prstGeom prst="line">
-                <a:avLst/>
-              </a:prstGeom>
-              <a:ln w="12700">
-                <a:solidFill>
-                  <a:srgbClr val="FF0000"/>
-                </a:solidFill>
-                <a:headEnd type="triangle" w="med" len="med"/>
-                <a:tailEnd type="triangle" w="med" len="med"/>
-              </a:ln>
-            </p:spPr>
-            <p:style>
-              <a:lnRef idx="1">
-                <a:schemeClr val="accent1"/>
-              </a:lnRef>
-              <a:fillRef idx="0">
-                <a:schemeClr val="accent1"/>
-              </a:fillRef>
-              <a:effectRef idx="0">
-                <a:schemeClr val="accent1"/>
-              </a:effectRef>
-              <a:fontRef idx="minor">
-                <a:schemeClr val="tx1"/>
-              </a:fontRef>
-            </p:style>
-          </p:cxnSp>
-          <p:cxnSp>
-            <p:nvCxnSpPr>
-              <p:cNvPr id="15" name="Straight Connector 14"/>
-              <p:cNvCxnSpPr>
-                <a:stCxn id="5" idx="2"/>
-                <a:endCxn id="9" idx="6"/>
-              </p:cNvCxnSpPr>
-              <p:nvPr/>
-            </p:nvCxnSpPr>
-            <p:spPr>
-              <a:xfrm flipH="1" flipV="1">
-                <a:off x="3877004" y="2645325"/>
-                <a:ext cx="2061341" cy="558324"/>
-              </a:xfrm>
-              <a:prstGeom prst="line">
-                <a:avLst/>
-              </a:prstGeom>
-              <a:ln w="12700">
-                <a:solidFill>
-                  <a:srgbClr val="FF0000"/>
-                </a:solidFill>
-                <a:headEnd type="triangle" w="med" len="med"/>
-                <a:tailEnd type="triangle" w="med" len="med"/>
-              </a:ln>
-            </p:spPr>
-            <p:style>
-              <a:lnRef idx="1">
-                <a:schemeClr val="accent1"/>
-              </a:lnRef>
-              <a:fillRef idx="0">
-                <a:schemeClr val="accent1"/>
-              </a:fillRef>
-              <a:effectRef idx="0">
-                <a:schemeClr val="accent1"/>
-              </a:effectRef>
-              <a:fontRef idx="minor">
-                <a:schemeClr val="tx1"/>
-              </a:fontRef>
-            </p:style>
-          </p:cxnSp>
-          <p:cxnSp>
-            <p:nvCxnSpPr>
-              <p:cNvPr id="16" name="Straight Connector 15"/>
-              <p:cNvCxnSpPr>
-                <a:stCxn id="5" idx="3"/>
-                <a:endCxn id="10" idx="7"/>
-              </p:cNvCxnSpPr>
-              <p:nvPr/>
-            </p:nvCxnSpPr>
-            <p:spPr>
-              <a:xfrm flipH="1">
-                <a:off x="4716758" y="3253815"/>
-                <a:ext cx="1242366" cy="1955062"/>
-              </a:xfrm>
-              <a:prstGeom prst="line">
-                <a:avLst/>
-              </a:prstGeom>
-              <a:ln w="12700">
-                <a:solidFill>
-                  <a:srgbClr val="FF0000"/>
-                </a:solidFill>
-                <a:headEnd type="triangle" w="med" len="med"/>
-                <a:tailEnd type="triangle" w="med" len="med"/>
-              </a:ln>
-            </p:spPr>
-            <p:style>
-              <a:lnRef idx="1">
-                <a:schemeClr val="accent1"/>
-              </a:lnRef>
-              <a:fillRef idx="0">
-                <a:schemeClr val="accent1"/>
-              </a:fillRef>
-              <a:effectRef idx="0">
-                <a:schemeClr val="accent1"/>
-              </a:effectRef>
-              <a:fontRef idx="minor">
-                <a:schemeClr val="tx1"/>
-              </a:fontRef>
-            </p:style>
-          </p:cxnSp>
-        </p:grpSp>
-      </p:grpSp>
+            </a:endParaRPr>
+          </a:p>
+        </p:txBody>
+      </p:sp>
+      <p:cxnSp>
+        <p:nvCxnSpPr>
+          <p:cNvPr id="70" name="Straight Arrow Connector 69"/>
+          <p:cNvCxnSpPr/>
+          <p:nvPr/>
+        </p:nvCxnSpPr>
+        <p:spPr>
+          <a:xfrm flipH="1">
+            <a:off x="7221210" y="3392894"/>
+            <a:ext cx="641518" cy="0"/>
+          </a:xfrm>
+          <a:prstGeom prst="straightConnector1">
+            <a:avLst/>
+          </a:prstGeom>
+          <a:ln w="12700">
+            <a:solidFill>
+              <a:schemeClr val="tx1"/>
+            </a:solidFill>
+            <a:headEnd type="none" w="med" len="med"/>
+            <a:tailEnd type="arrow" w="med" len="med"/>
+          </a:ln>
+        </p:spPr>
+        <p:style>
+          <a:lnRef idx="1">
+            <a:schemeClr val="accent1"/>
+          </a:lnRef>
+          <a:fillRef idx="0">
+            <a:schemeClr val="accent1"/>
+          </a:fillRef>
+          <a:effectRef idx="0">
+            <a:schemeClr val="accent1"/>
+          </a:effectRef>
+          <a:fontRef idx="minor">
+            <a:schemeClr val="tx1"/>
+          </a:fontRef>
+        </p:style>
+      </p:cxnSp>
+      <p:cxnSp>
+        <p:nvCxnSpPr>
+          <p:cNvPr id="71" name="Straight Arrow Connector 70"/>
+          <p:cNvCxnSpPr/>
+          <p:nvPr/>
+        </p:nvCxnSpPr>
+        <p:spPr>
+          <a:xfrm flipH="1">
+            <a:off x="7228358" y="4300192"/>
+            <a:ext cx="641518" cy="0"/>
+          </a:xfrm>
+          <a:prstGeom prst="straightConnector1">
+            <a:avLst/>
+          </a:prstGeom>
+          <a:ln w="12700">
+            <a:solidFill>
+              <a:schemeClr val="tx1"/>
+            </a:solidFill>
+            <a:headEnd type="none" w="med" len="med"/>
+            <a:tailEnd type="arrow" w="med" len="med"/>
+          </a:ln>
+        </p:spPr>
+        <p:style>
+          <a:lnRef idx="1">
+            <a:schemeClr val="accent1"/>
+          </a:lnRef>
+          <a:fillRef idx="0">
+            <a:schemeClr val="accent1"/>
+          </a:fillRef>
+          <a:effectRef idx="0">
+            <a:schemeClr val="accent1"/>
+          </a:effectRef>
+          <a:fontRef idx="minor">
+            <a:schemeClr val="tx1"/>
+          </a:fontRef>
+        </p:style>
+      </p:cxnSp>
     </p:spTree>
     <p:extLst>
       <p:ext uri="{BB962C8B-B14F-4D97-AF65-F5344CB8AC3E}">
-        <p14:creationId xmlns:p14="http://schemas.microsoft.com/office/powerpoint/2010/main" val="3617663812"/>
+        <p14:creationId xmlns:p14="http://schemas.microsoft.com/office/powerpoint/2010/main" val="1853676258"/>
       </p:ext>
     </p:extLst>
   </p:cSld>
@@ -12025,9 +15224,12 @@
     </a:spDef>
     <a:lnDef>
       <a:spPr>
-        <a:ln w="57150">
-          <a:headEnd type="triangle" w="med" len="med"/>
-          <a:tailEnd type="triangle" w="med" len="med"/>
+        <a:ln w="12700">
+          <a:solidFill>
+            <a:schemeClr val="tx1"/>
+          </a:solidFill>
+          <a:headEnd type="none" w="med" len="med"/>
+          <a:tailEnd type="arrow" w="med" len="med"/>
         </a:ln>
       </a:spPr>
       <a:bodyPr/>

--- a/docs/Java ULB Diagrams.pptx
+++ b/docs/Java ULB Diagrams.pptx
@@ -17,6 +17,7 @@
     <p:sldId id="264" r:id="rId11"/>
     <p:sldId id="266" r:id="rId12"/>
     <p:sldId id="267" r:id="rId13"/>
+    <p:sldId id="268" r:id="rId14"/>
   </p:sldIdLst>
   <p:sldSz cx="12192000" cy="6858000"/>
   <p:notesSz cx="6858000" cy="9144000"/>
@@ -254,7 +255,7 @@
           <a:p>
             <a:fld id="{E368026E-3E9B-4960-907A-2C0848B388A7}" type="datetimeFigureOut">
               <a:rPr lang="en-US" smtClean="0"/>
-              <a:t>1/16/2020</a:t>
+              <a:t>5/4/2020</a:t>
             </a:fld>
             <a:endParaRPr lang="en-US"/>
           </a:p>
@@ -424,7 +425,7 @@
           <a:p>
             <a:fld id="{E368026E-3E9B-4960-907A-2C0848B388A7}" type="datetimeFigureOut">
               <a:rPr lang="en-US" smtClean="0"/>
-              <a:t>1/16/2020</a:t>
+              <a:t>5/4/2020</a:t>
             </a:fld>
             <a:endParaRPr lang="en-US"/>
           </a:p>
@@ -604,7 +605,7 @@
           <a:p>
             <a:fld id="{E368026E-3E9B-4960-907A-2C0848B388A7}" type="datetimeFigureOut">
               <a:rPr lang="en-US" smtClean="0"/>
-              <a:t>1/16/2020</a:t>
+              <a:t>5/4/2020</a:t>
             </a:fld>
             <a:endParaRPr lang="en-US"/>
           </a:p>
@@ -774,7 +775,7 @@
           <a:p>
             <a:fld id="{E368026E-3E9B-4960-907A-2C0848B388A7}" type="datetimeFigureOut">
               <a:rPr lang="en-US" smtClean="0"/>
-              <a:t>1/16/2020</a:t>
+              <a:t>5/4/2020</a:t>
             </a:fld>
             <a:endParaRPr lang="en-US"/>
           </a:p>
@@ -1020,7 +1021,7 @@
           <a:p>
             <a:fld id="{E368026E-3E9B-4960-907A-2C0848B388A7}" type="datetimeFigureOut">
               <a:rPr lang="en-US" smtClean="0"/>
-              <a:t>1/16/2020</a:t>
+              <a:t>5/4/2020</a:t>
             </a:fld>
             <a:endParaRPr lang="en-US"/>
           </a:p>
@@ -1252,7 +1253,7 @@
           <a:p>
             <a:fld id="{E368026E-3E9B-4960-907A-2C0848B388A7}" type="datetimeFigureOut">
               <a:rPr lang="en-US" smtClean="0"/>
-              <a:t>1/16/2020</a:t>
+              <a:t>5/4/2020</a:t>
             </a:fld>
             <a:endParaRPr lang="en-US"/>
           </a:p>
@@ -1619,7 +1620,7 @@
           <a:p>
             <a:fld id="{E368026E-3E9B-4960-907A-2C0848B388A7}" type="datetimeFigureOut">
               <a:rPr lang="en-US" smtClean="0"/>
-              <a:t>1/16/2020</a:t>
+              <a:t>5/4/2020</a:t>
             </a:fld>
             <a:endParaRPr lang="en-US"/>
           </a:p>
@@ -1737,7 +1738,7 @@
           <a:p>
             <a:fld id="{E368026E-3E9B-4960-907A-2C0848B388A7}" type="datetimeFigureOut">
               <a:rPr lang="en-US" smtClean="0"/>
-              <a:t>1/16/2020</a:t>
+              <a:t>5/4/2020</a:t>
             </a:fld>
             <a:endParaRPr lang="en-US"/>
           </a:p>
@@ -1832,7 +1833,7 @@
           <a:p>
             <a:fld id="{E368026E-3E9B-4960-907A-2C0848B388A7}" type="datetimeFigureOut">
               <a:rPr lang="en-US" smtClean="0"/>
-              <a:t>1/16/2020</a:t>
+              <a:t>5/4/2020</a:t>
             </a:fld>
             <a:endParaRPr lang="en-US"/>
           </a:p>
@@ -2109,7 +2110,7 @@
           <a:p>
             <a:fld id="{E368026E-3E9B-4960-907A-2C0848B388A7}" type="datetimeFigureOut">
               <a:rPr lang="en-US" smtClean="0"/>
-              <a:t>1/16/2020</a:t>
+              <a:t>5/4/2020</a:t>
             </a:fld>
             <a:endParaRPr lang="en-US"/>
           </a:p>
@@ -2362,7 +2363,7 @@
           <a:p>
             <a:fld id="{E368026E-3E9B-4960-907A-2C0848B388A7}" type="datetimeFigureOut">
               <a:rPr lang="en-US" smtClean="0"/>
-              <a:t>1/16/2020</a:t>
+              <a:t>5/4/2020</a:t>
             </a:fld>
             <a:endParaRPr lang="en-US"/>
           </a:p>
@@ -2575,7 +2576,7 @@
           <a:p>
             <a:fld id="{E368026E-3E9B-4960-907A-2C0848B388A7}" type="datetimeFigureOut">
               <a:rPr lang="en-US" smtClean="0"/>
-              <a:t>1/16/2020</a:t>
+              <a:t>5/4/2020</a:t>
             </a:fld>
             <a:endParaRPr lang="en-US"/>
           </a:p>
@@ -3981,13 +3982,6 @@
               </a:rPr>
               <a:t>Walk</a:t>
             </a:r>
-            <a:endParaRPr lang="en-US" dirty="0" smtClean="0">
-              <a:solidFill>
-                <a:schemeClr val="accent1">
-                  <a:lumMod val="50000"/>
-                </a:schemeClr>
-              </a:solidFill>
-            </a:endParaRPr>
           </a:p>
         </p:txBody>
       </p:sp>
@@ -4267,13 +4261,6 @@
               </a:rPr>
               <a:t>     to</a:t>
             </a:r>
-            <a:endParaRPr lang="en-US" dirty="0" smtClean="0">
-              <a:solidFill>
-                <a:schemeClr val="accent1">
-                  <a:lumMod val="50000"/>
-                </a:schemeClr>
-              </a:solidFill>
-            </a:endParaRPr>
           </a:p>
         </p:txBody>
       </p:sp>
@@ -4815,13 +4802,6 @@
                 </a:rPr>
                 <a:t>            to</a:t>
               </a:r>
-              <a:endParaRPr lang="en-US" sz="900" b="1" dirty="0" smtClean="0">
-                <a:solidFill>
-                  <a:schemeClr val="accent1">
-                    <a:lumMod val="50000"/>
-                  </a:schemeClr>
-                </a:solidFill>
-              </a:endParaRPr>
             </a:p>
           </p:txBody>
         </p:sp>
@@ -5118,13 +5098,6 @@
                 </a:rPr>
                 <a:t>            to</a:t>
               </a:r>
-              <a:endParaRPr lang="en-US" sz="900" b="1" dirty="0" smtClean="0">
-                <a:solidFill>
-                  <a:schemeClr val="accent1">
-                    <a:lumMod val="50000"/>
-                  </a:schemeClr>
-                </a:solidFill>
-              </a:endParaRPr>
             </a:p>
           </p:txBody>
         </p:sp>
@@ -5848,6 +5821,1012 @@
     <p:extLst>
       <p:ext uri="{BB962C8B-B14F-4D97-AF65-F5344CB8AC3E}">
         <p14:creationId xmlns:p14="http://schemas.microsoft.com/office/powerpoint/2010/main" val="25411552"/>
+      </p:ext>
+    </p:extLst>
+  </p:cSld>
+  <p:clrMapOvr>
+    <a:masterClrMapping/>
+  </p:clrMapOvr>
+</p:sld>
+</file>
+
+<file path=ppt/slides/slide13.xml><?xml version="1.0" encoding="utf-8"?>
+<p:sld xmlns:a="http://schemas.openxmlformats.org/drawingml/2006/main" xmlns:r="http://schemas.openxmlformats.org/officeDocument/2006/relationships" xmlns:p="http://schemas.openxmlformats.org/presentationml/2006/main">
+  <p:cSld>
+    <p:spTree>
+      <p:nvGrpSpPr>
+        <p:cNvPr id="1" name=""/>
+        <p:cNvGrpSpPr/>
+        <p:nvPr/>
+      </p:nvGrpSpPr>
+      <p:grpSpPr>
+        <a:xfrm>
+          <a:off x="0" y="0"/>
+          <a:ext cx="0" cy="0"/>
+          <a:chOff x="0" y="0"/>
+          <a:chExt cx="0" cy="0"/>
+        </a:xfrm>
+      </p:grpSpPr>
+      <p:grpSp>
+        <p:nvGrpSpPr>
+          <p:cNvPr id="23" name="Group 22"/>
+          <p:cNvGrpSpPr/>
+          <p:nvPr/>
+        </p:nvGrpSpPr>
+        <p:grpSpPr>
+          <a:xfrm>
+            <a:off x="1288676" y="1456443"/>
+            <a:ext cx="5255560" cy="2066686"/>
+            <a:chOff x="1288675" y="1456443"/>
+            <a:chExt cx="6089275" cy="2729054"/>
+          </a:xfrm>
+        </p:grpSpPr>
+        <p:grpSp>
+          <p:nvGrpSpPr>
+            <p:cNvPr id="9" name="Group 8"/>
+            <p:cNvGrpSpPr/>
+            <p:nvPr/>
+          </p:nvGrpSpPr>
+          <p:grpSpPr>
+            <a:xfrm>
+              <a:off x="5143497" y="1535053"/>
+              <a:ext cx="2234453" cy="1195444"/>
+              <a:chOff x="4838700" y="1135380"/>
+              <a:chExt cx="1226820" cy="708660"/>
+            </a:xfrm>
+          </p:grpSpPr>
+          <p:sp>
+            <p:nvSpPr>
+              <p:cNvPr id="6" name="Rectangle 5"/>
+              <p:cNvSpPr/>
+              <p:nvPr/>
+            </p:nvSpPr>
+            <p:spPr>
+              <a:xfrm>
+                <a:off x="4838700" y="1335845"/>
+                <a:ext cx="1226820" cy="508195"/>
+              </a:xfrm>
+              <a:prstGeom prst="rect">
+                <a:avLst/>
+              </a:prstGeom>
+              <a:noFill/>
+              <a:ln w="19050"/>
+            </p:spPr>
+            <p:style>
+              <a:lnRef idx="2">
+                <a:schemeClr val="accent1">
+                  <a:shade val="50000"/>
+                </a:schemeClr>
+              </a:lnRef>
+              <a:fillRef idx="1">
+                <a:schemeClr val="accent1"/>
+              </a:fillRef>
+              <a:effectRef idx="0">
+                <a:schemeClr val="accent1"/>
+              </a:effectRef>
+              <a:fontRef idx="minor">
+                <a:schemeClr val="lt1"/>
+              </a:fontRef>
+            </p:style>
+            <p:txBody>
+              <a:bodyPr rot="0" spcFirstLastPara="0" vertOverflow="overflow" horzOverflow="overflow" vert="horz" wrap="square" lIns="91440" tIns="45720" rIns="91440" bIns="45720" numCol="1" spcCol="0" rtlCol="0" fromWordArt="0" anchor="t" anchorCtr="0" forceAA="0" compatLnSpc="1">
+                <a:prstTxWarp prst="textNoShape">
+                  <a:avLst/>
+                </a:prstTxWarp>
+                <a:noAutofit/>
+              </a:bodyPr>
+              <a:lstStyle/>
+              <a:p>
+                <a:r>
+                  <a:rPr lang="en-US" sz="800" dirty="0" smtClean="0">
+                    <a:solidFill>
+                      <a:schemeClr val="accent1">
+                        <a:lumMod val="50000"/>
+                      </a:schemeClr>
+                    </a:solidFill>
+                  </a:rPr>
+                  <a:t>Key:  “</a:t>
+                </a:r>
+                <a:r>
+                  <a:rPr lang="en-US" sz="800" dirty="0" err="1" smtClean="0">
+                    <a:solidFill>
+                      <a:schemeClr val="accent1">
+                        <a:lumMod val="50000"/>
+                      </a:schemeClr>
+                    </a:solidFill>
+                  </a:rPr>
+                  <a:t>AKey</a:t>
+                </a:r>
+                <a:r>
+                  <a:rPr lang="en-US" sz="800" dirty="0" smtClean="0">
+                    <a:solidFill>
+                      <a:schemeClr val="accent1">
+                        <a:lumMod val="50000"/>
+                      </a:schemeClr>
+                    </a:solidFill>
+                  </a:rPr>
+                  <a:t>”</a:t>
+                </a:r>
+              </a:p>
+              <a:p>
+                <a:r>
+                  <a:rPr lang="en-US" sz="800" dirty="0" smtClean="0">
+                    <a:solidFill>
+                      <a:schemeClr val="accent1">
+                        <a:lumMod val="50000"/>
+                      </a:schemeClr>
+                    </a:solidFill>
+                  </a:rPr>
+                  <a:t>Value: “</a:t>
+                </a:r>
+                <a:r>
+                  <a:rPr lang="en-US" sz="800" dirty="0" err="1" smtClean="0">
+                    <a:solidFill>
+                      <a:schemeClr val="accent1">
+                        <a:lumMod val="50000"/>
+                      </a:schemeClr>
+                    </a:solidFill>
+                  </a:rPr>
+                  <a:t>Avalue</a:t>
+                </a:r>
+                <a:r>
+                  <a:rPr lang="en-US" sz="800" dirty="0" smtClean="0">
+                    <a:solidFill>
+                      <a:schemeClr val="accent1">
+                        <a:lumMod val="50000"/>
+                      </a:schemeClr>
+                    </a:solidFill>
+                  </a:rPr>
+                  <a:t>”</a:t>
+                </a:r>
+                <a:endParaRPr lang="en-US" sz="800" dirty="0" smtClean="0">
+                  <a:solidFill>
+                    <a:schemeClr val="accent1">
+                      <a:lumMod val="50000"/>
+                    </a:schemeClr>
+                  </a:solidFill>
+                </a:endParaRPr>
+              </a:p>
+            </p:txBody>
+          </p:sp>
+          <p:sp>
+            <p:nvSpPr>
+              <p:cNvPr id="7" name="Rectangle 6"/>
+              <p:cNvSpPr/>
+              <p:nvPr/>
+            </p:nvSpPr>
+            <p:spPr>
+              <a:xfrm>
+                <a:off x="4838700" y="1135380"/>
+                <a:ext cx="1226820" cy="200465"/>
+              </a:xfrm>
+              <a:prstGeom prst="rect">
+                <a:avLst/>
+              </a:prstGeom>
+              <a:noFill/>
+              <a:ln w="19050"/>
+            </p:spPr>
+            <p:style>
+              <a:lnRef idx="2">
+                <a:schemeClr val="accent1">
+                  <a:shade val="50000"/>
+                </a:schemeClr>
+              </a:lnRef>
+              <a:fillRef idx="1">
+                <a:schemeClr val="accent1"/>
+              </a:fillRef>
+              <a:effectRef idx="0">
+                <a:schemeClr val="accent1"/>
+              </a:effectRef>
+              <a:fontRef idx="minor">
+                <a:schemeClr val="lt1"/>
+              </a:fontRef>
+            </p:style>
+            <p:txBody>
+              <a:bodyPr rot="0" spcFirstLastPara="0" vertOverflow="overflow" horzOverflow="overflow" vert="horz" wrap="square" lIns="91440" tIns="45720" rIns="91440" bIns="45720" numCol="1" spcCol="0" rtlCol="0" fromWordArt="0" anchor="ctr" anchorCtr="0" forceAA="0" compatLnSpc="1">
+                <a:prstTxWarp prst="textNoShape">
+                  <a:avLst/>
+                </a:prstTxWarp>
+                <a:noAutofit/>
+              </a:bodyPr>
+              <a:lstStyle/>
+              <a:p>
+                <a:r>
+                  <a:rPr lang="en-US" sz="800" dirty="0" err="1" smtClean="0">
+                    <a:solidFill>
+                      <a:schemeClr val="accent1">
+                        <a:lumMod val="50000"/>
+                      </a:schemeClr>
+                    </a:solidFill>
+                  </a:rPr>
+                  <a:t>KVPair</a:t>
+                </a:r>
+                <a:r>
+                  <a:rPr lang="en-US" sz="800" dirty="0" smtClean="0">
+                    <a:solidFill>
+                      <a:schemeClr val="accent1">
+                        <a:lumMod val="50000"/>
+                      </a:schemeClr>
+                    </a:solidFill>
+                  </a:rPr>
+                  <a:t>	OID:  3-2-4-10</a:t>
+                </a:r>
+                <a:endParaRPr lang="en-US" sz="800" dirty="0" smtClean="0">
+                  <a:solidFill>
+                    <a:schemeClr val="accent1">
+                      <a:lumMod val="50000"/>
+                    </a:schemeClr>
+                  </a:solidFill>
+                </a:endParaRPr>
+              </a:p>
+            </p:txBody>
+          </p:sp>
+        </p:grpSp>
+        <p:grpSp>
+          <p:nvGrpSpPr>
+            <p:cNvPr id="13" name="Group 12"/>
+            <p:cNvGrpSpPr/>
+            <p:nvPr/>
+          </p:nvGrpSpPr>
+          <p:grpSpPr>
+            <a:xfrm>
+              <a:off x="5143496" y="2990053"/>
+              <a:ext cx="2234453" cy="1195444"/>
+              <a:chOff x="4838700" y="1135380"/>
+              <a:chExt cx="1226820" cy="708660"/>
+            </a:xfrm>
+          </p:grpSpPr>
+          <p:sp>
+            <p:nvSpPr>
+              <p:cNvPr id="14" name="Rectangle 13"/>
+              <p:cNvSpPr/>
+              <p:nvPr/>
+            </p:nvSpPr>
+            <p:spPr>
+              <a:xfrm>
+                <a:off x="4838700" y="1335845"/>
+                <a:ext cx="1226820" cy="508195"/>
+              </a:xfrm>
+              <a:prstGeom prst="rect">
+                <a:avLst/>
+              </a:prstGeom>
+              <a:noFill/>
+              <a:ln w="19050"/>
+            </p:spPr>
+            <p:style>
+              <a:lnRef idx="2">
+                <a:schemeClr val="accent1">
+                  <a:shade val="50000"/>
+                </a:schemeClr>
+              </a:lnRef>
+              <a:fillRef idx="1">
+                <a:schemeClr val="accent1"/>
+              </a:fillRef>
+              <a:effectRef idx="0">
+                <a:schemeClr val="accent1"/>
+              </a:effectRef>
+              <a:fontRef idx="minor">
+                <a:schemeClr val="lt1"/>
+              </a:fontRef>
+            </p:style>
+            <p:txBody>
+              <a:bodyPr rot="0" spcFirstLastPara="0" vertOverflow="overflow" horzOverflow="overflow" vert="horz" wrap="square" lIns="91440" tIns="45720" rIns="91440" bIns="45720" numCol="1" spcCol="0" rtlCol="0" fromWordArt="0" anchor="t" anchorCtr="0" forceAA="0" compatLnSpc="1">
+                <a:prstTxWarp prst="textNoShape">
+                  <a:avLst/>
+                </a:prstTxWarp>
+                <a:noAutofit/>
+              </a:bodyPr>
+              <a:lstStyle/>
+              <a:p>
+                <a:r>
+                  <a:rPr lang="en-US" sz="800" dirty="0" smtClean="0">
+                    <a:solidFill>
+                      <a:schemeClr val="accent1">
+                        <a:lumMod val="50000"/>
+                      </a:schemeClr>
+                    </a:solidFill>
+                  </a:rPr>
+                  <a:t>Key:  “</a:t>
+                </a:r>
+                <a:r>
+                  <a:rPr lang="en-US" sz="800" dirty="0" err="1">
+                    <a:solidFill>
+                      <a:schemeClr val="accent1">
+                        <a:lumMod val="50000"/>
+                      </a:schemeClr>
+                    </a:solidFill>
+                  </a:rPr>
+                  <a:t>B</a:t>
+                </a:r>
+                <a:r>
+                  <a:rPr lang="en-US" sz="800" dirty="0" err="1" smtClean="0">
+                    <a:solidFill>
+                      <a:schemeClr val="accent1">
+                        <a:lumMod val="50000"/>
+                      </a:schemeClr>
+                    </a:solidFill>
+                  </a:rPr>
+                  <a:t>Key</a:t>
+                </a:r>
+                <a:r>
+                  <a:rPr lang="en-US" sz="800" dirty="0" smtClean="0">
+                    <a:solidFill>
+                      <a:schemeClr val="accent1">
+                        <a:lumMod val="50000"/>
+                      </a:schemeClr>
+                    </a:solidFill>
+                  </a:rPr>
+                  <a:t>”</a:t>
+                </a:r>
+              </a:p>
+              <a:p>
+                <a:r>
+                  <a:rPr lang="en-US" sz="800" dirty="0" smtClean="0">
+                    <a:solidFill>
+                      <a:schemeClr val="accent1">
+                        <a:lumMod val="50000"/>
+                      </a:schemeClr>
+                    </a:solidFill>
+                  </a:rPr>
+                  <a:t>Value: “</a:t>
+                </a:r>
+                <a:r>
+                  <a:rPr lang="en-US" sz="800" dirty="0" err="1">
+                    <a:solidFill>
+                      <a:schemeClr val="accent1">
+                        <a:lumMod val="50000"/>
+                      </a:schemeClr>
+                    </a:solidFill>
+                  </a:rPr>
+                  <a:t>B</a:t>
+                </a:r>
+                <a:r>
+                  <a:rPr lang="en-US" sz="800" dirty="0" err="1" smtClean="0">
+                    <a:solidFill>
+                      <a:schemeClr val="accent1">
+                        <a:lumMod val="50000"/>
+                      </a:schemeClr>
+                    </a:solidFill>
+                  </a:rPr>
+                  <a:t>value</a:t>
+                </a:r>
+                <a:r>
+                  <a:rPr lang="en-US" sz="800" dirty="0" smtClean="0">
+                    <a:solidFill>
+                      <a:schemeClr val="accent1">
+                        <a:lumMod val="50000"/>
+                      </a:schemeClr>
+                    </a:solidFill>
+                  </a:rPr>
+                  <a:t>”</a:t>
+                </a:r>
+                <a:endParaRPr lang="en-US" sz="800" dirty="0" smtClean="0">
+                  <a:solidFill>
+                    <a:schemeClr val="accent1">
+                      <a:lumMod val="50000"/>
+                    </a:schemeClr>
+                  </a:solidFill>
+                </a:endParaRPr>
+              </a:p>
+            </p:txBody>
+          </p:sp>
+          <p:sp>
+            <p:nvSpPr>
+              <p:cNvPr id="15" name="Rectangle 14"/>
+              <p:cNvSpPr/>
+              <p:nvPr/>
+            </p:nvSpPr>
+            <p:spPr>
+              <a:xfrm>
+                <a:off x="4838700" y="1135380"/>
+                <a:ext cx="1226820" cy="200465"/>
+              </a:xfrm>
+              <a:prstGeom prst="rect">
+                <a:avLst/>
+              </a:prstGeom>
+              <a:noFill/>
+              <a:ln w="19050"/>
+            </p:spPr>
+            <p:style>
+              <a:lnRef idx="2">
+                <a:schemeClr val="accent1">
+                  <a:shade val="50000"/>
+                </a:schemeClr>
+              </a:lnRef>
+              <a:fillRef idx="1">
+                <a:schemeClr val="accent1"/>
+              </a:fillRef>
+              <a:effectRef idx="0">
+                <a:schemeClr val="accent1"/>
+              </a:effectRef>
+              <a:fontRef idx="minor">
+                <a:schemeClr val="lt1"/>
+              </a:fontRef>
+            </p:style>
+            <p:txBody>
+              <a:bodyPr rot="0" spcFirstLastPara="0" vertOverflow="overflow" horzOverflow="overflow" vert="horz" wrap="square" lIns="91440" tIns="45720" rIns="91440" bIns="45720" numCol="1" spcCol="0" rtlCol="0" fromWordArt="0" anchor="ctr" anchorCtr="0" forceAA="0" compatLnSpc="1">
+                <a:prstTxWarp prst="textNoShape">
+                  <a:avLst/>
+                </a:prstTxWarp>
+                <a:noAutofit/>
+              </a:bodyPr>
+              <a:lstStyle/>
+              <a:p>
+                <a:r>
+                  <a:rPr lang="en-US" sz="800" dirty="0" err="1" smtClean="0">
+                    <a:solidFill>
+                      <a:schemeClr val="accent1">
+                        <a:lumMod val="50000"/>
+                      </a:schemeClr>
+                    </a:solidFill>
+                  </a:rPr>
+                  <a:t>KVPair</a:t>
+                </a:r>
+                <a:r>
+                  <a:rPr lang="en-US" sz="800" dirty="0" smtClean="0">
+                    <a:solidFill>
+                      <a:schemeClr val="accent1">
+                        <a:lumMod val="50000"/>
+                      </a:schemeClr>
+                    </a:solidFill>
+                  </a:rPr>
+                  <a:t>	OID:  3-2-4-14</a:t>
+                </a:r>
+                <a:endParaRPr lang="en-US" sz="800" dirty="0" smtClean="0">
+                  <a:solidFill>
+                    <a:schemeClr val="accent1">
+                      <a:lumMod val="50000"/>
+                    </a:schemeClr>
+                  </a:solidFill>
+                </a:endParaRPr>
+              </a:p>
+            </p:txBody>
+          </p:sp>
+        </p:grpSp>
+        <p:grpSp>
+          <p:nvGrpSpPr>
+            <p:cNvPr id="22" name="Group 21"/>
+            <p:cNvGrpSpPr/>
+            <p:nvPr/>
+          </p:nvGrpSpPr>
+          <p:grpSpPr>
+            <a:xfrm>
+              <a:off x="1288675" y="1456443"/>
+              <a:ext cx="2494431" cy="1533610"/>
+              <a:chOff x="1297640" y="1135380"/>
+              <a:chExt cx="2494431" cy="1533610"/>
+            </a:xfrm>
+          </p:grpSpPr>
+          <p:grpSp>
+            <p:nvGrpSpPr>
+              <p:cNvPr id="10" name="Group 9"/>
+              <p:cNvGrpSpPr/>
+              <p:nvPr/>
+            </p:nvGrpSpPr>
+            <p:grpSpPr>
+              <a:xfrm>
+                <a:off x="1297640" y="1135380"/>
+                <a:ext cx="2494431" cy="1533610"/>
+                <a:chOff x="4838700" y="1135380"/>
+                <a:chExt cx="1226820" cy="708660"/>
+              </a:xfrm>
+            </p:grpSpPr>
+            <p:sp>
+              <p:nvSpPr>
+                <p:cNvPr id="11" name="Rectangle 10"/>
+                <p:cNvSpPr/>
+                <p:nvPr/>
+              </p:nvSpPr>
+              <p:spPr>
+                <a:xfrm>
+                  <a:off x="4838700" y="1335845"/>
+                  <a:ext cx="1226820" cy="508195"/>
+                </a:xfrm>
+                <a:prstGeom prst="rect">
+                  <a:avLst/>
+                </a:prstGeom>
+                <a:noFill/>
+                <a:ln w="19050"/>
+              </p:spPr>
+              <p:style>
+                <a:lnRef idx="2">
+                  <a:schemeClr val="accent1">
+                    <a:shade val="50000"/>
+                  </a:schemeClr>
+                </a:lnRef>
+                <a:fillRef idx="1">
+                  <a:schemeClr val="accent1"/>
+                </a:fillRef>
+                <a:effectRef idx="0">
+                  <a:schemeClr val="accent1"/>
+                </a:effectRef>
+                <a:fontRef idx="minor">
+                  <a:schemeClr val="lt1"/>
+                </a:fontRef>
+              </p:style>
+              <p:txBody>
+                <a:bodyPr rot="0" spcFirstLastPara="0" vertOverflow="overflow" horzOverflow="overflow" vert="horz" wrap="square" lIns="91440" tIns="45720" rIns="91440" bIns="45720" numCol="1" spcCol="0" rtlCol="0" fromWordArt="0" anchor="t" anchorCtr="0" forceAA="0" compatLnSpc="1">
+                  <a:prstTxWarp prst="textNoShape">
+                    <a:avLst/>
+                  </a:prstTxWarp>
+                  <a:noAutofit/>
+                </a:bodyPr>
+                <a:lstStyle/>
+                <a:p>
+                  <a:r>
+                    <a:rPr lang="en-US" sz="800" dirty="0" err="1" smtClean="0">
+                      <a:solidFill>
+                        <a:schemeClr val="accent1">
+                          <a:lumMod val="50000"/>
+                        </a:schemeClr>
+                      </a:solidFill>
+                    </a:rPr>
+                    <a:t>MyName</a:t>
+                  </a:r>
+                  <a:r>
+                    <a:rPr lang="en-US" sz="800" dirty="0" smtClean="0">
+                      <a:solidFill>
+                        <a:schemeClr val="accent1">
+                          <a:lumMod val="50000"/>
+                        </a:schemeClr>
+                      </a:solidFill>
+                    </a:rPr>
+                    <a:t>:  “</a:t>
+                  </a:r>
+                  <a:r>
+                    <a:rPr lang="en-US" sz="800" dirty="0" err="1" smtClean="0">
+                      <a:solidFill>
+                        <a:schemeClr val="accent1">
+                          <a:lumMod val="50000"/>
+                        </a:schemeClr>
+                      </a:solidFill>
+                    </a:rPr>
+                    <a:t>nameValue</a:t>
+                  </a:r>
+                  <a:r>
+                    <a:rPr lang="en-US" sz="800" dirty="0" smtClean="0">
+                      <a:solidFill>
+                        <a:schemeClr val="accent1">
+                          <a:lumMod val="50000"/>
+                        </a:schemeClr>
+                      </a:solidFill>
+                    </a:rPr>
+                    <a:t>”</a:t>
+                  </a:r>
+                </a:p>
+                <a:p>
+                  <a:r>
+                    <a:rPr lang="en-US" sz="800" dirty="0" err="1" smtClean="0">
+                      <a:solidFill>
+                        <a:schemeClr val="accent1">
+                          <a:lumMod val="50000"/>
+                        </a:schemeClr>
+                      </a:solidFill>
+                    </a:rPr>
+                    <a:t>MyMap</a:t>
+                  </a:r>
+                  <a:r>
+                    <a:rPr lang="en-US" sz="800" dirty="0" smtClean="0">
+                      <a:solidFill>
+                        <a:schemeClr val="accent1">
+                          <a:lumMod val="50000"/>
+                        </a:schemeClr>
+                      </a:solidFill>
+                    </a:rPr>
+                    <a:t>:      {</a:t>
+                  </a:r>
+                </a:p>
+                <a:p>
+                  <a:r>
+                    <a:rPr lang="en-US" sz="800" dirty="0" smtClean="0">
+                      <a:solidFill>
+                        <a:schemeClr val="accent1">
+                          <a:lumMod val="50000"/>
+                        </a:schemeClr>
+                      </a:solidFill>
+                    </a:rPr>
+                    <a:t>	{ “</a:t>
+                  </a:r>
+                  <a:r>
+                    <a:rPr lang="en-US" sz="800" dirty="0" err="1" smtClean="0">
+                      <a:solidFill>
+                        <a:schemeClr val="accent1">
+                          <a:lumMod val="50000"/>
+                        </a:schemeClr>
+                      </a:solidFill>
+                    </a:rPr>
+                    <a:t>Akey</a:t>
+                  </a:r>
+                  <a:r>
+                    <a:rPr lang="en-US" sz="800" dirty="0" smtClean="0">
+                      <a:solidFill>
+                        <a:schemeClr val="accent1">
+                          <a:lumMod val="50000"/>
+                        </a:schemeClr>
+                      </a:solidFill>
+                    </a:rPr>
+                    <a:t>”, 3-2-4-10 },</a:t>
+                  </a:r>
+                  <a:endParaRPr lang="en-US" sz="800" dirty="0">
+                    <a:solidFill>
+                      <a:schemeClr val="accent1">
+                        <a:lumMod val="50000"/>
+                      </a:schemeClr>
+                    </a:solidFill>
+                  </a:endParaRPr>
+                </a:p>
+                <a:p>
+                  <a:r>
+                    <a:rPr lang="en-US" sz="800" dirty="0">
+                      <a:solidFill>
+                        <a:schemeClr val="accent1">
+                          <a:lumMod val="50000"/>
+                        </a:schemeClr>
+                      </a:solidFill>
+                    </a:rPr>
+                    <a:t>	{ </a:t>
+                  </a:r>
+                  <a:r>
+                    <a:rPr lang="en-US" sz="800" dirty="0" smtClean="0">
+                      <a:solidFill>
+                        <a:schemeClr val="accent1">
+                          <a:lumMod val="50000"/>
+                        </a:schemeClr>
+                      </a:solidFill>
+                    </a:rPr>
+                    <a:t>“</a:t>
+                  </a:r>
+                  <a:r>
+                    <a:rPr lang="en-US" sz="800" dirty="0" err="1" smtClean="0">
+                      <a:solidFill>
+                        <a:schemeClr val="accent1">
+                          <a:lumMod val="50000"/>
+                        </a:schemeClr>
+                      </a:solidFill>
+                    </a:rPr>
+                    <a:t>Bkey</a:t>
+                  </a:r>
+                  <a:r>
+                    <a:rPr lang="en-US" sz="800" dirty="0">
+                      <a:solidFill>
+                        <a:schemeClr val="accent1">
+                          <a:lumMod val="50000"/>
+                        </a:schemeClr>
+                      </a:solidFill>
+                    </a:rPr>
+                    <a:t>”, </a:t>
+                  </a:r>
+                  <a:r>
+                    <a:rPr lang="en-US" sz="800" dirty="0" smtClean="0">
+                      <a:solidFill>
+                        <a:schemeClr val="accent1">
+                          <a:lumMod val="50000"/>
+                        </a:schemeClr>
+                      </a:solidFill>
+                    </a:rPr>
+                    <a:t>3-2-4-14 </a:t>
+                  </a:r>
+                  <a:r>
+                    <a:rPr lang="en-US" sz="800" dirty="0">
+                      <a:solidFill>
+                        <a:schemeClr val="accent1">
+                          <a:lumMod val="50000"/>
+                        </a:schemeClr>
+                      </a:solidFill>
+                    </a:rPr>
+                    <a:t>}</a:t>
+                  </a:r>
+                </a:p>
+                <a:p>
+                  <a:r>
+                    <a:rPr lang="en-US" sz="800" dirty="0">
+                      <a:solidFill>
+                        <a:schemeClr val="accent1">
+                          <a:lumMod val="50000"/>
+                        </a:schemeClr>
+                      </a:solidFill>
+                    </a:rPr>
+                    <a:t> </a:t>
+                  </a:r>
+                  <a:r>
+                    <a:rPr lang="en-US" sz="800" dirty="0" smtClean="0">
+                      <a:solidFill>
+                        <a:schemeClr val="accent1">
+                          <a:lumMod val="50000"/>
+                        </a:schemeClr>
+                      </a:solidFill>
+                    </a:rPr>
+                    <a:t>                     </a:t>
+                  </a:r>
+                  <a:r>
+                    <a:rPr lang="en-US" sz="800" dirty="0" smtClean="0">
+                      <a:solidFill>
+                        <a:schemeClr val="accent1">
+                          <a:lumMod val="50000"/>
+                        </a:schemeClr>
+                      </a:solidFill>
+                    </a:rPr>
+                    <a:t>}</a:t>
+                  </a:r>
+                  <a:endParaRPr lang="en-US" sz="800" dirty="0" smtClean="0">
+                    <a:solidFill>
+                      <a:schemeClr val="accent1">
+                        <a:lumMod val="50000"/>
+                      </a:schemeClr>
+                    </a:solidFill>
+                  </a:endParaRPr>
+                </a:p>
+              </p:txBody>
+            </p:sp>
+            <p:sp>
+              <p:nvSpPr>
+                <p:cNvPr id="12" name="Rectangle 11"/>
+                <p:cNvSpPr/>
+                <p:nvPr/>
+              </p:nvSpPr>
+              <p:spPr>
+                <a:xfrm>
+                  <a:off x="4838700" y="1135380"/>
+                  <a:ext cx="1226820" cy="200465"/>
+                </a:xfrm>
+                <a:prstGeom prst="rect">
+                  <a:avLst/>
+                </a:prstGeom>
+                <a:noFill/>
+                <a:ln w="19050"/>
+              </p:spPr>
+              <p:style>
+                <a:lnRef idx="2">
+                  <a:schemeClr val="accent1">
+                    <a:shade val="50000"/>
+                  </a:schemeClr>
+                </a:lnRef>
+                <a:fillRef idx="1">
+                  <a:schemeClr val="accent1"/>
+                </a:fillRef>
+                <a:effectRef idx="0">
+                  <a:schemeClr val="accent1"/>
+                </a:effectRef>
+                <a:fontRef idx="minor">
+                  <a:schemeClr val="lt1"/>
+                </a:fontRef>
+              </p:style>
+              <p:txBody>
+                <a:bodyPr rot="0" spcFirstLastPara="0" vertOverflow="overflow" horzOverflow="overflow" vert="horz" wrap="square" lIns="91440" tIns="45720" rIns="91440" bIns="45720" numCol="1" spcCol="0" rtlCol="0" fromWordArt="0" anchor="ctr" anchorCtr="0" forceAA="0" compatLnSpc="1">
+                  <a:prstTxWarp prst="textNoShape">
+                    <a:avLst/>
+                  </a:prstTxWarp>
+                  <a:noAutofit/>
+                </a:bodyPr>
+                <a:lstStyle/>
+                <a:p>
+                  <a:r>
+                    <a:rPr lang="en-US" sz="800" dirty="0" err="1" smtClean="0">
+                      <a:solidFill>
+                        <a:schemeClr val="accent1">
+                          <a:lumMod val="50000"/>
+                        </a:schemeClr>
+                      </a:solidFill>
+                    </a:rPr>
+                    <a:t>MyType</a:t>
+                  </a:r>
+                  <a:r>
+                    <a:rPr lang="en-US" sz="800" dirty="0" smtClean="0">
+                      <a:solidFill>
+                        <a:schemeClr val="accent1">
+                          <a:lumMod val="50000"/>
+                        </a:schemeClr>
+                      </a:solidFill>
+                    </a:rPr>
+                    <a:t>	OID:  3-2-2-18</a:t>
+                  </a:r>
+                  <a:endParaRPr lang="en-US" sz="800" dirty="0" smtClean="0">
+                    <a:solidFill>
+                      <a:schemeClr val="accent1">
+                        <a:lumMod val="50000"/>
+                      </a:schemeClr>
+                    </a:solidFill>
+                  </a:endParaRPr>
+                </a:p>
+              </p:txBody>
+            </p:sp>
+          </p:grpSp>
+          <p:sp>
+            <p:nvSpPr>
+              <p:cNvPr id="16" name="Rectangle 15"/>
+              <p:cNvSpPr/>
+              <p:nvPr/>
+            </p:nvSpPr>
+            <p:spPr>
+              <a:xfrm>
+                <a:off x="3164542" y="1971815"/>
+                <a:ext cx="322729" cy="89647"/>
+              </a:xfrm>
+              <a:prstGeom prst="rect">
+                <a:avLst/>
+              </a:prstGeom>
+              <a:noFill/>
+              <a:ln w="9525">
+                <a:noFill/>
+              </a:ln>
+            </p:spPr>
+            <p:style>
+              <a:lnRef idx="2">
+                <a:schemeClr val="accent1">
+                  <a:shade val="50000"/>
+                </a:schemeClr>
+              </a:lnRef>
+              <a:fillRef idx="1">
+                <a:schemeClr val="accent1"/>
+              </a:fillRef>
+              <a:effectRef idx="0">
+                <a:schemeClr val="accent1"/>
+              </a:effectRef>
+              <a:fontRef idx="minor">
+                <a:schemeClr val="lt1"/>
+              </a:fontRef>
+            </p:style>
+            <p:txBody>
+              <a:bodyPr rot="0" spcFirstLastPara="0" vertOverflow="overflow" horzOverflow="overflow" vert="horz" wrap="square" lIns="91440" tIns="45720" rIns="91440" bIns="45720" numCol="1" spcCol="0" rtlCol="0" fromWordArt="0" anchor="ctr" anchorCtr="0" forceAA="0" compatLnSpc="1">
+                <a:prstTxWarp prst="textNoShape">
+                  <a:avLst/>
+                </a:prstTxWarp>
+                <a:noAutofit/>
+              </a:bodyPr>
+              <a:lstStyle/>
+              <a:p>
+                <a:pPr algn="ctr"/>
+                <a:endParaRPr lang="en-US" sz="800" dirty="0" err="1" smtClean="0">
+                  <a:solidFill>
+                    <a:schemeClr val="accent1">
+                      <a:lumMod val="50000"/>
+                    </a:schemeClr>
+                  </a:solidFill>
+                </a:endParaRPr>
+              </a:p>
+            </p:txBody>
+          </p:sp>
+          <p:sp>
+            <p:nvSpPr>
+              <p:cNvPr id="17" name="Rectangle 16"/>
+              <p:cNvSpPr/>
+              <p:nvPr/>
+            </p:nvSpPr>
+            <p:spPr>
+              <a:xfrm>
+                <a:off x="3164542" y="2133601"/>
+                <a:ext cx="322729" cy="89647"/>
+              </a:xfrm>
+              <a:prstGeom prst="rect">
+                <a:avLst/>
+              </a:prstGeom>
+              <a:noFill/>
+              <a:ln w="9525">
+                <a:noFill/>
+              </a:ln>
+            </p:spPr>
+            <p:style>
+              <a:lnRef idx="2">
+                <a:schemeClr val="accent1">
+                  <a:shade val="50000"/>
+                </a:schemeClr>
+              </a:lnRef>
+              <a:fillRef idx="1">
+                <a:schemeClr val="accent1"/>
+              </a:fillRef>
+              <a:effectRef idx="0">
+                <a:schemeClr val="accent1"/>
+              </a:effectRef>
+              <a:fontRef idx="minor">
+                <a:schemeClr val="lt1"/>
+              </a:fontRef>
+            </p:style>
+            <p:txBody>
+              <a:bodyPr rot="0" spcFirstLastPara="0" vertOverflow="overflow" horzOverflow="overflow" vert="horz" wrap="square" lIns="91440" tIns="45720" rIns="91440" bIns="45720" numCol="1" spcCol="0" rtlCol="0" fromWordArt="0" anchor="ctr" anchorCtr="0" forceAA="0" compatLnSpc="1">
+                <a:prstTxWarp prst="textNoShape">
+                  <a:avLst/>
+                </a:prstTxWarp>
+                <a:noAutofit/>
+              </a:bodyPr>
+              <a:lstStyle/>
+              <a:p>
+                <a:pPr algn="ctr"/>
+                <a:endParaRPr lang="en-US" sz="800" dirty="0" err="1" smtClean="0">
+                  <a:solidFill>
+                    <a:schemeClr val="accent1">
+                      <a:lumMod val="50000"/>
+                    </a:schemeClr>
+                  </a:solidFill>
+                </a:endParaRPr>
+              </a:p>
+            </p:txBody>
+          </p:sp>
+        </p:grpSp>
+        <p:cxnSp>
+          <p:nvCxnSpPr>
+            <p:cNvPr id="19" name="Elbow Connector 18"/>
+            <p:cNvCxnSpPr>
+              <a:stCxn id="16" idx="3"/>
+              <a:endCxn id="7" idx="1"/>
+            </p:cNvCxnSpPr>
+            <p:nvPr/>
+          </p:nvCxnSpPr>
+          <p:spPr>
+            <a:xfrm flipV="1">
+              <a:off x="3478306" y="1704136"/>
+              <a:ext cx="1665191" cy="633566"/>
+            </a:xfrm>
+            <a:prstGeom prst="bentConnector3">
+              <a:avLst/>
+            </a:prstGeom>
+            <a:ln w="28575">
+              <a:solidFill>
+                <a:schemeClr val="accent1"/>
+              </a:solidFill>
+              <a:headEnd type="none" w="med" len="med"/>
+              <a:tailEnd type="triangle"/>
+            </a:ln>
+          </p:spPr>
+          <p:style>
+            <a:lnRef idx="1">
+              <a:schemeClr val="accent1"/>
+            </a:lnRef>
+            <a:fillRef idx="0">
+              <a:schemeClr val="accent1"/>
+            </a:fillRef>
+            <a:effectRef idx="0">
+              <a:schemeClr val="accent1"/>
+            </a:effectRef>
+            <a:fontRef idx="minor">
+              <a:schemeClr val="tx1"/>
+            </a:fontRef>
+          </p:style>
+        </p:cxnSp>
+        <p:cxnSp>
+          <p:nvCxnSpPr>
+            <p:cNvPr id="21" name="Elbow Connector 20"/>
+            <p:cNvCxnSpPr>
+              <a:stCxn id="17" idx="3"/>
+              <a:endCxn id="15" idx="1"/>
+            </p:cNvCxnSpPr>
+            <p:nvPr/>
+          </p:nvCxnSpPr>
+          <p:spPr>
+            <a:xfrm>
+              <a:off x="3478306" y="2499488"/>
+              <a:ext cx="1665190" cy="659648"/>
+            </a:xfrm>
+            <a:prstGeom prst="bentConnector3">
+              <a:avLst/>
+            </a:prstGeom>
+            <a:ln w="28575">
+              <a:solidFill>
+                <a:schemeClr val="accent1"/>
+              </a:solidFill>
+              <a:headEnd type="none" w="med" len="med"/>
+              <a:tailEnd type="triangle"/>
+            </a:ln>
+          </p:spPr>
+          <p:style>
+            <a:lnRef idx="1">
+              <a:schemeClr val="accent1"/>
+            </a:lnRef>
+            <a:fillRef idx="0">
+              <a:schemeClr val="accent1"/>
+            </a:fillRef>
+            <a:effectRef idx="0">
+              <a:schemeClr val="accent1"/>
+            </a:effectRef>
+            <a:fontRef idx="minor">
+              <a:schemeClr val="tx1"/>
+            </a:fontRef>
+          </p:style>
+        </p:cxnSp>
+      </p:grpSp>
+    </p:spTree>
+    <p:extLst>
+      <p:ext uri="{BB962C8B-B14F-4D97-AF65-F5344CB8AC3E}">
+        <p14:creationId xmlns:p14="http://schemas.microsoft.com/office/powerpoint/2010/main" val="1968350018"/>
       </p:ext>
     </p:extLst>
   </p:cSld>
@@ -15188,7 +16167,7 @@
         <a:noFill/>
         <a:ln w="9525"/>
       </a:spPr>
-      <a:bodyPr rot="0" spcFirstLastPara="0" vertOverflow="overflow" horzOverflow="overflow" vert="horz" wrap="square" lIns="91440" tIns="45720" rIns="91440" bIns="45720" numCol="1" spcCol="0" rtlCol="0" fromWordArt="0" anchor="ctr" anchorCtr="0" forceAA="0" compatLnSpc="1">
+      <a:bodyPr rot="0" spcFirstLastPara="0" vertOverflow="overflow" horzOverflow="overflow" vert="horz" wrap="square" lIns="91440" tIns="45720" rIns="91440" bIns="45720" numCol="1" spcCol="0" rtlCol="0" fromWordArt="0" anchor="t" anchorCtr="0" forceAA="0" compatLnSpc="1">
         <a:prstTxWarp prst="textNoShape">
           <a:avLst/>
         </a:prstTxWarp>
@@ -15196,7 +16175,7 @@
       </a:bodyPr>
       <a:lstStyle>
         <a:defPPr algn="ctr">
-          <a:defRPr dirty="0" err="1" smtClean="0">
+          <a:defRPr dirty="0" smtClean="0">
             <a:solidFill>
               <a:schemeClr val="accent1">
                 <a:lumMod val="50000"/>
@@ -15224,12 +16203,12 @@
     </a:spDef>
     <a:lnDef>
       <a:spPr>
-        <a:ln w="12700">
+        <a:ln w="28575">
           <a:solidFill>
-            <a:schemeClr val="tx1"/>
+            <a:schemeClr val="accent1"/>
           </a:solidFill>
           <a:headEnd type="none" w="med" len="med"/>
-          <a:tailEnd type="arrow" w="med" len="med"/>
+          <a:tailEnd type="triangle"/>
         </a:ln>
       </a:spPr>
       <a:bodyPr/>
